--- a/Shisha-AT-Home.pptx
+++ b/Shisha-AT-Home.pptx
@@ -117,6 +117,11 @@
       </a:defRPr>
     </a:lvl9pPr>
   </p:defaultTextStyle>
+  <p:extLst>
+    <p:ext uri="{EFAFB233-063F-42B5-8137-9DF3F51BA10A}">
+      <p15:sldGuideLst xmlns:p15="http://schemas.microsoft.com/office/powerpoint/2012/main"/>
+    </p:ext>
+  </p:extLst>
 </p:presentation>
 </file>
 
@@ -4723,7 +4728,7 @@
       <dgm:spPr/>
     </dgm:pt>
     <dgm:pt modelId="{4DB6A7B4-34E3-45DF-A5F5-82253CD9D569}" type="pres">
-      <dgm:prSet presAssocID="{00F6A0AF-5A46-44C5-8A8D-6C4CF8350E2F}" presName="parentText" presStyleLbl="node1" presStyleIdx="0" presStyleCnt="2">
+      <dgm:prSet presAssocID="{00F6A0AF-5A46-44C5-8A8D-6C4CF8350E2F}" presName="parentText" presStyleLbl="node1" presStyleIdx="0" presStyleCnt="2" custLinFactNeighborY="-20300">
         <dgm:presLayoutVars>
           <dgm:chMax val="0"/>
           <dgm:bulletEnabled val="1"/>
@@ -4787,7 +4792,7 @@
         <a:lstStyle/>
         <a:p>
           <a:r>
-            <a:rPr lang="de-DE"/>
+            <a:rPr lang="de-DE" dirty="0"/>
             <a:t>Anzahl der App-Installationen pro Jahr im Durchschnitt </a:t>
           </a:r>
         </a:p>
@@ -5455,7 +5460,7 @@
         <a:lstStyle/>
         <a:p>
           <a:r>
-            <a:rPr lang="de-DE"/>
+            <a:rPr lang="de-DE" dirty="0"/>
             <a:t>Anzahl der durchschnittlichen Serverabstürze pro Jahr </a:t>
           </a:r>
         </a:p>
@@ -5779,7 +5784,7 @@
         <a:lstStyle/>
         <a:p>
           <a:r>
-            <a:rPr lang="de-DE"/>
+            <a:rPr lang="de-DE" dirty="0"/>
             <a:t>Client-Fehler</a:t>
           </a:r>
         </a:p>
@@ -6771,7 +6776,7 @@
       </dsp:nvSpPr>
       <dsp:spPr>
         <a:xfrm>
-          <a:off x="0" y="11356"/>
+          <a:off x="0" y="0"/>
           <a:ext cx="9905999" cy="1710540"/>
         </a:xfrm>
         <a:prstGeom prst="roundRect">
@@ -6838,7 +6843,7 @@
         </a:p>
       </dsp:txBody>
       <dsp:txXfrm>
-        <a:off x="83502" y="94858"/>
+        <a:off x="83502" y="83502"/>
         <a:ext cx="9738995" cy="1543536"/>
       </dsp:txXfrm>
     </dsp:sp>
@@ -7008,7 +7013,7 @@
             <a:buNone/>
           </a:pPr>
           <a:r>
-            <a:rPr lang="de-DE" sz="1700" kern="1200"/>
+            <a:rPr lang="de-DE" sz="1700" kern="1200" dirty="0"/>
             <a:t>Anzahl der App-Installationen pro Jahr im Durchschnitt </a:t>
           </a:r>
         </a:p>
@@ -7956,7 +7961,7 @@
             <a:buNone/>
           </a:pPr>
           <a:r>
-            <a:rPr lang="de-DE" sz="1900" kern="1200"/>
+            <a:rPr lang="de-DE" sz="1900" kern="1200" dirty="0"/>
             <a:t>Anzahl der durchschnittlichen Serverabstürze pro Jahr </a:t>
           </a:r>
         </a:p>
@@ -8580,7 +8585,7 @@
             <a:buChar char="•"/>
           </a:pPr>
           <a:r>
-            <a:rPr lang="de-DE" sz="1500" kern="1200"/>
+            <a:rPr lang="de-DE" sz="1500" kern="1200" dirty="0"/>
             <a:t>Client-Fehler</a:t>
           </a:r>
         </a:p>
@@ -14817,7 +14822,7 @@
           <a:noFill/>
           <a:extLst>
             <a:ext uri="{909E8E84-426E-40dd-AFC4-6F175D3DCCD1}">
-              <a14:hiddenFill xmlns:a14="http://schemas.microsoft.com/office/drawing/2010/main" xmlns="">
+              <a14:hiddenFill xmlns="" xmlns:a14="http://schemas.microsoft.com/office/drawing/2010/main">
                 <a:solidFill>
                   <a:srgbClr val="FFFFFF"/>
                 </a:solidFill>
@@ -14877,7 +14882,7 @@
             </a:ln>
             <a:extLst>
               <a:ext uri="{91240B29-F687-4f45-9708-019B960494DF}">
-                <a14:hiddenLine xmlns:a14="http://schemas.microsoft.com/office/drawing/2010/main" xmlns="" w="9525">
+                <a14:hiddenLine xmlns="" xmlns:a14="http://schemas.microsoft.com/office/drawing/2010/main" w="9525">
                   <a:solidFill>
                     <a:srgbClr val="000000"/>
                   </a:solidFill>
@@ -14967,7 +14972,7 @@
             </a:ln>
             <a:extLst>
               <a:ext uri="{91240B29-F687-4f45-9708-019B960494DF}">
-                <a14:hiddenLine xmlns:a14="http://schemas.microsoft.com/office/drawing/2010/main" xmlns="" w="9525">
+                <a14:hiddenLine xmlns="" xmlns:a14="http://schemas.microsoft.com/office/drawing/2010/main" w="9525">
                   <a:solidFill>
                     <a:srgbClr val="000000"/>
                   </a:solidFill>
@@ -15057,7 +15062,7 @@
             </a:ln>
             <a:extLst>
               <a:ext uri="{91240B29-F687-4f45-9708-019B960494DF}">
-                <a14:hiddenLine xmlns:a14="http://schemas.microsoft.com/office/drawing/2010/main" xmlns="" w="9525">
+                <a14:hiddenLine xmlns="" xmlns:a14="http://schemas.microsoft.com/office/drawing/2010/main" w="9525">
                   <a:solidFill>
                     <a:srgbClr val="000000"/>
                   </a:solidFill>
@@ -15091,7 +15096,7 @@
             </a:ln>
             <a:extLst>
               <a:ext uri="{91240B29-F687-4f45-9708-019B960494DF}">
-                <a14:hiddenLine xmlns:a14="http://schemas.microsoft.com/office/drawing/2010/main" xmlns="" w="9525">
+                <a14:hiddenLine xmlns="" xmlns:a14="http://schemas.microsoft.com/office/drawing/2010/main" w="9525">
                   <a:solidFill>
                     <a:srgbClr val="000000"/>
                   </a:solidFill>
@@ -15181,7 +15186,7 @@
             </a:ln>
             <a:extLst>
               <a:ext uri="{91240B29-F687-4f45-9708-019B960494DF}">
-                <a14:hiddenLine xmlns:a14="http://schemas.microsoft.com/office/drawing/2010/main" xmlns="" w="9525">
+                <a14:hiddenLine xmlns="" xmlns:a14="http://schemas.microsoft.com/office/drawing/2010/main" w="9525">
                   <a:solidFill>
                     <a:srgbClr val="000000"/>
                   </a:solidFill>
@@ -15243,7 +15248,7 @@
             </a:ln>
             <a:extLst>
               <a:ext uri="{91240B29-F687-4f45-9708-019B960494DF}">
-                <a14:hiddenLine xmlns:a14="http://schemas.microsoft.com/office/drawing/2010/main" xmlns="" w="9525">
+                <a14:hiddenLine xmlns="" xmlns:a14="http://schemas.microsoft.com/office/drawing/2010/main" w="9525">
                   <a:solidFill>
                     <a:srgbClr val="000000"/>
                   </a:solidFill>
@@ -15305,7 +15310,7 @@
             </a:ln>
             <a:extLst>
               <a:ext uri="{91240B29-F687-4f45-9708-019B960494DF}">
-                <a14:hiddenLine xmlns:a14="http://schemas.microsoft.com/office/drawing/2010/main" xmlns="" w="9525">
+                <a14:hiddenLine xmlns="" xmlns:a14="http://schemas.microsoft.com/office/drawing/2010/main" w="9525">
                   <a:solidFill>
                     <a:srgbClr val="000000"/>
                   </a:solidFill>
@@ -15395,7 +15400,7 @@
             </a:ln>
             <a:extLst>
               <a:ext uri="{91240B29-F687-4f45-9708-019B960494DF}">
-                <a14:hiddenLine xmlns:a14="http://schemas.microsoft.com/office/drawing/2010/main" xmlns="" w="9525">
+                <a14:hiddenLine xmlns="" xmlns:a14="http://schemas.microsoft.com/office/drawing/2010/main" w="9525">
                   <a:solidFill>
                     <a:srgbClr val="000000"/>
                   </a:solidFill>
@@ -15457,7 +15462,7 @@
             </a:ln>
             <a:extLst>
               <a:ext uri="{91240B29-F687-4f45-9708-019B960494DF}">
-                <a14:hiddenLine xmlns:a14="http://schemas.microsoft.com/office/drawing/2010/main" xmlns="" w="9525">
+                <a14:hiddenLine xmlns="" xmlns:a14="http://schemas.microsoft.com/office/drawing/2010/main" w="9525">
                   <a:solidFill>
                     <a:srgbClr val="000000"/>
                   </a:solidFill>
@@ -15519,7 +15524,7 @@
             </a:ln>
             <a:extLst>
               <a:ext uri="{91240B29-F687-4f45-9708-019B960494DF}">
-                <a14:hiddenLine xmlns:a14="http://schemas.microsoft.com/office/drawing/2010/main" xmlns="" w="9525">
+                <a14:hiddenLine xmlns="" xmlns:a14="http://schemas.microsoft.com/office/drawing/2010/main" w="9525">
                   <a:solidFill>
                     <a:srgbClr val="000000"/>
                   </a:solidFill>
@@ -15609,7 +15614,7 @@
             </a:ln>
             <a:extLst>
               <a:ext uri="{91240B29-F687-4f45-9708-019B960494DF}">
-                <a14:hiddenLine xmlns:a14="http://schemas.microsoft.com/office/drawing/2010/main" xmlns="" w="9525">
+                <a14:hiddenLine xmlns="" xmlns:a14="http://schemas.microsoft.com/office/drawing/2010/main" w="9525">
                   <a:solidFill>
                     <a:srgbClr val="000000"/>
                   </a:solidFill>
@@ -15699,7 +15704,7 @@
             </a:ln>
             <a:extLst>
               <a:ext uri="{91240B29-F687-4f45-9708-019B960494DF}">
-                <a14:hiddenLine xmlns:a14="http://schemas.microsoft.com/office/drawing/2010/main" xmlns="" w="9525">
+                <a14:hiddenLine xmlns="" xmlns:a14="http://schemas.microsoft.com/office/drawing/2010/main" w="9525">
                   <a:solidFill>
                     <a:srgbClr val="000000"/>
                   </a:solidFill>
@@ -15761,7 +15766,7 @@
             </a:ln>
             <a:extLst>
               <a:ext uri="{91240B29-F687-4f45-9708-019B960494DF}">
-                <a14:hiddenLine xmlns:a14="http://schemas.microsoft.com/office/drawing/2010/main" xmlns="" w="9525">
+                <a14:hiddenLine xmlns="" xmlns:a14="http://schemas.microsoft.com/office/drawing/2010/main" w="9525">
                   <a:solidFill>
                     <a:srgbClr val="000000"/>
                   </a:solidFill>
@@ -15871,7 +15876,7 @@
             </a:ln>
             <a:extLst>
               <a:ext uri="{91240B29-F687-4f45-9708-019B960494DF}">
-                <a14:hiddenLine xmlns:a14="http://schemas.microsoft.com/office/drawing/2010/main" xmlns="" w="9525">
+                <a14:hiddenLine xmlns="" xmlns:a14="http://schemas.microsoft.com/office/drawing/2010/main" w="9525">
                   <a:solidFill>
                     <a:srgbClr val="000000"/>
                   </a:solidFill>
@@ -15933,7 +15938,7 @@
             </a:ln>
             <a:extLst>
               <a:ext uri="{91240B29-F687-4f45-9708-019B960494DF}">
-                <a14:hiddenLine xmlns:a14="http://schemas.microsoft.com/office/drawing/2010/main" xmlns="" w="9525">
+                <a14:hiddenLine xmlns="" xmlns:a14="http://schemas.microsoft.com/office/drawing/2010/main" w="9525">
                   <a:solidFill>
                     <a:srgbClr val="000000"/>
                   </a:solidFill>
@@ -16023,7 +16028,7 @@
             </a:ln>
             <a:extLst>
               <a:ext uri="{91240B29-F687-4f45-9708-019B960494DF}">
-                <a14:hiddenLine xmlns:a14="http://schemas.microsoft.com/office/drawing/2010/main" xmlns="" w="9525">
+                <a14:hiddenLine xmlns="" xmlns:a14="http://schemas.microsoft.com/office/drawing/2010/main" w="9525">
                   <a:solidFill>
                     <a:srgbClr val="000000"/>
                   </a:solidFill>
@@ -16113,7 +16118,7 @@
             </a:ln>
             <a:extLst>
               <a:ext uri="{91240B29-F687-4f45-9708-019B960494DF}">
-                <a14:hiddenLine xmlns:a14="http://schemas.microsoft.com/office/drawing/2010/main" xmlns="" w="9525">
+                <a14:hiddenLine xmlns="" xmlns:a14="http://schemas.microsoft.com/office/drawing/2010/main" w="9525">
                   <a:solidFill>
                     <a:srgbClr val="000000"/>
                   </a:solidFill>
@@ -16175,7 +16180,7 @@
             </a:ln>
             <a:extLst>
               <a:ext uri="{91240B29-F687-4f45-9708-019B960494DF}">
-                <a14:hiddenLine xmlns:a14="http://schemas.microsoft.com/office/drawing/2010/main" xmlns="" w="9525">
+                <a14:hiddenLine xmlns="" xmlns:a14="http://schemas.microsoft.com/office/drawing/2010/main" w="9525">
                   <a:solidFill>
                     <a:srgbClr val="000000"/>
                   </a:solidFill>
@@ -16265,7 +16270,7 @@
             </a:ln>
             <a:extLst>
               <a:ext uri="{91240B29-F687-4f45-9708-019B960494DF}">
-                <a14:hiddenLine xmlns:a14="http://schemas.microsoft.com/office/drawing/2010/main" xmlns="" w="9525">
+                <a14:hiddenLine xmlns="" xmlns:a14="http://schemas.microsoft.com/office/drawing/2010/main" w="9525">
                   <a:solidFill>
                     <a:srgbClr val="000000"/>
                   </a:solidFill>
@@ -16355,7 +16360,7 @@
             </a:ln>
             <a:extLst>
               <a:ext uri="{91240B29-F687-4f45-9708-019B960494DF}">
-                <a14:hiddenLine xmlns:a14="http://schemas.microsoft.com/office/drawing/2010/main" xmlns="" w="9525">
+                <a14:hiddenLine xmlns="" xmlns:a14="http://schemas.microsoft.com/office/drawing/2010/main" w="9525">
                   <a:solidFill>
                     <a:srgbClr val="000000"/>
                   </a:solidFill>
@@ -16411,7 +16416,7 @@
             </a:ln>
             <a:extLst>
               <a:ext uri="{91240B29-F687-4f45-9708-019B960494DF}">
-                <a14:hiddenLine xmlns:a14="http://schemas.microsoft.com/office/drawing/2010/main" xmlns="" w="9525">
+                <a14:hiddenLine xmlns="" xmlns:a14="http://schemas.microsoft.com/office/drawing/2010/main" w="9525">
                   <a:solidFill>
                     <a:srgbClr val="000000"/>
                   </a:solidFill>
@@ -16501,7 +16506,7 @@
             </a:ln>
             <a:extLst>
               <a:ext uri="{91240B29-F687-4f45-9708-019B960494DF}">
-                <a14:hiddenLine xmlns:a14="http://schemas.microsoft.com/office/drawing/2010/main" xmlns="" w="9525">
+                <a14:hiddenLine xmlns="" xmlns:a14="http://schemas.microsoft.com/office/drawing/2010/main" w="9525">
                   <a:solidFill>
                     <a:srgbClr val="000000"/>
                   </a:solidFill>
@@ -16557,7 +16562,7 @@
             </a:ln>
             <a:extLst>
               <a:ext uri="{91240B29-F687-4f45-9708-019B960494DF}">
-                <a14:hiddenLine xmlns:a14="http://schemas.microsoft.com/office/drawing/2010/main" xmlns="" w="9525">
+                <a14:hiddenLine xmlns="" xmlns:a14="http://schemas.microsoft.com/office/drawing/2010/main" w="9525">
                   <a:solidFill>
                     <a:srgbClr val="000000"/>
                   </a:solidFill>
@@ -16647,7 +16652,7 @@
             </a:ln>
             <a:extLst>
               <a:ext uri="{91240B29-F687-4f45-9708-019B960494DF}">
-                <a14:hiddenLine xmlns:a14="http://schemas.microsoft.com/office/drawing/2010/main" xmlns="" w="9525">
+                <a14:hiddenLine xmlns="" xmlns:a14="http://schemas.microsoft.com/office/drawing/2010/main" w="9525">
                   <a:solidFill>
                     <a:srgbClr val="000000"/>
                   </a:solidFill>
@@ -16715,7 +16720,7 @@
             </a:ln>
             <a:extLst>
               <a:ext uri="{91240B29-F687-4f45-9708-019B960494DF}">
-                <a14:hiddenLine xmlns:a14="http://schemas.microsoft.com/office/drawing/2010/main" xmlns="" w="9525">
+                <a14:hiddenLine xmlns="" xmlns:a14="http://schemas.microsoft.com/office/drawing/2010/main" w="9525">
                   <a:solidFill>
                     <a:srgbClr val="000000"/>
                   </a:solidFill>
@@ -16805,7 +16810,7 @@
             </a:ln>
             <a:extLst>
               <a:ext uri="{91240B29-F687-4f45-9708-019B960494DF}">
-                <a14:hiddenLine xmlns:a14="http://schemas.microsoft.com/office/drawing/2010/main" xmlns="" w="9525">
+                <a14:hiddenLine xmlns="" xmlns:a14="http://schemas.microsoft.com/office/drawing/2010/main" w="9525">
                   <a:solidFill>
                     <a:srgbClr val="000000"/>
                   </a:solidFill>
@@ -16873,7 +16878,7 @@
             </a:ln>
             <a:extLst>
               <a:ext uri="{91240B29-F687-4f45-9708-019B960494DF}">
-                <a14:hiddenLine xmlns:a14="http://schemas.microsoft.com/office/drawing/2010/main" xmlns="" w="9525">
+                <a14:hiddenLine xmlns="" xmlns:a14="http://schemas.microsoft.com/office/drawing/2010/main" w="9525">
                   <a:solidFill>
                     <a:srgbClr val="000000"/>
                   </a:solidFill>
@@ -16963,7 +16968,7 @@
             </a:ln>
             <a:extLst>
               <a:ext uri="{91240B29-F687-4f45-9708-019B960494DF}">
-                <a14:hiddenLine xmlns:a14="http://schemas.microsoft.com/office/drawing/2010/main" xmlns="" w="9525">
+                <a14:hiddenLine xmlns="" xmlns:a14="http://schemas.microsoft.com/office/drawing/2010/main" w="9525">
                   <a:solidFill>
                     <a:srgbClr val="000000"/>
                   </a:solidFill>
@@ -16997,7 +17002,7 @@
             </a:ln>
             <a:extLst>
               <a:ext uri="{91240B29-F687-4f45-9708-019B960494DF}">
-                <a14:hiddenLine xmlns:a14="http://schemas.microsoft.com/office/drawing/2010/main" xmlns="" w="9525">
+                <a14:hiddenLine xmlns="" xmlns:a14="http://schemas.microsoft.com/office/drawing/2010/main" w="9525">
                   <a:solidFill>
                     <a:srgbClr val="000000"/>
                   </a:solidFill>
@@ -17087,7 +17092,7 @@
             </a:ln>
             <a:extLst>
               <a:ext uri="{91240B29-F687-4f45-9708-019B960494DF}">
-                <a14:hiddenLine xmlns:a14="http://schemas.microsoft.com/office/drawing/2010/main" xmlns="" w="9525">
+                <a14:hiddenLine xmlns="" xmlns:a14="http://schemas.microsoft.com/office/drawing/2010/main" w="9525">
                   <a:solidFill>
                     <a:srgbClr val="000000"/>
                   </a:solidFill>
@@ -17149,7 +17154,7 @@
             </a:ln>
             <a:extLst>
               <a:ext uri="{91240B29-F687-4f45-9708-019B960494DF}">
-                <a14:hiddenLine xmlns:a14="http://schemas.microsoft.com/office/drawing/2010/main" xmlns="" w="9525">
+                <a14:hiddenLine xmlns="" xmlns:a14="http://schemas.microsoft.com/office/drawing/2010/main" w="9525">
                   <a:solidFill>
                     <a:srgbClr val="000000"/>
                   </a:solidFill>
@@ -17211,7 +17216,7 @@
             </a:ln>
             <a:extLst>
               <a:ext uri="{91240B29-F687-4f45-9708-019B960494DF}">
-                <a14:hiddenLine xmlns:a14="http://schemas.microsoft.com/office/drawing/2010/main" xmlns="" w="9525">
+                <a14:hiddenLine xmlns="" xmlns:a14="http://schemas.microsoft.com/office/drawing/2010/main" w="9525">
                   <a:solidFill>
                     <a:srgbClr val="000000"/>
                   </a:solidFill>
@@ -17301,7 +17306,7 @@
             </a:ln>
             <a:extLst>
               <a:ext uri="{91240B29-F687-4f45-9708-019B960494DF}">
-                <a14:hiddenLine xmlns:a14="http://schemas.microsoft.com/office/drawing/2010/main" xmlns="" w="9525">
+                <a14:hiddenLine xmlns="" xmlns:a14="http://schemas.microsoft.com/office/drawing/2010/main" w="9525">
                   <a:solidFill>
                     <a:srgbClr val="000000"/>
                   </a:solidFill>
@@ -17369,7 +17374,7 @@
             </a:ln>
             <a:extLst>
               <a:ext uri="{91240B29-F687-4f45-9708-019B960494DF}">
-                <a14:hiddenLine xmlns:a14="http://schemas.microsoft.com/office/drawing/2010/main" xmlns="" w="9525">
+                <a14:hiddenLine xmlns="" xmlns:a14="http://schemas.microsoft.com/office/drawing/2010/main" w="9525">
                   <a:solidFill>
                     <a:srgbClr val="000000"/>
                   </a:solidFill>
@@ -17431,7 +17436,7 @@
             </a:ln>
             <a:extLst>
               <a:ext uri="{91240B29-F687-4f45-9708-019B960494DF}">
-                <a14:hiddenLine xmlns:a14="http://schemas.microsoft.com/office/drawing/2010/main" xmlns="" w="9525">
+                <a14:hiddenLine xmlns="" xmlns:a14="http://schemas.microsoft.com/office/drawing/2010/main" w="9525">
                   <a:solidFill>
                     <a:srgbClr val="000000"/>
                   </a:solidFill>
@@ -17521,7 +17526,7 @@
             </a:ln>
             <a:extLst>
               <a:ext uri="{91240B29-F687-4f45-9708-019B960494DF}">
-                <a14:hiddenLine xmlns:a14="http://schemas.microsoft.com/office/drawing/2010/main" xmlns="" w="9525">
+                <a14:hiddenLine xmlns="" xmlns:a14="http://schemas.microsoft.com/office/drawing/2010/main" w="9525">
                   <a:solidFill>
                     <a:srgbClr val="000000"/>
                   </a:solidFill>
@@ -17583,7 +17588,7 @@
             </a:ln>
             <a:extLst>
               <a:ext uri="{91240B29-F687-4f45-9708-019B960494DF}">
-                <a14:hiddenLine xmlns:a14="http://schemas.microsoft.com/office/drawing/2010/main" xmlns="" w="9525">
+                <a14:hiddenLine xmlns="" xmlns:a14="http://schemas.microsoft.com/office/drawing/2010/main" w="9525">
                   <a:solidFill>
                     <a:srgbClr val="000000"/>
                   </a:solidFill>
@@ -17673,7 +17678,7 @@
             </a:ln>
             <a:extLst>
               <a:ext uri="{91240B29-F687-4f45-9708-019B960494DF}">
-                <a14:hiddenLine xmlns:a14="http://schemas.microsoft.com/office/drawing/2010/main" xmlns="" w="9525">
+                <a14:hiddenLine xmlns="" xmlns:a14="http://schemas.microsoft.com/office/drawing/2010/main" w="9525">
                   <a:solidFill>
                     <a:srgbClr val="000000"/>
                   </a:solidFill>
@@ -17735,7 +17740,7 @@
             </a:ln>
             <a:extLst>
               <a:ext uri="{91240B29-F687-4f45-9708-019B960494DF}">
-                <a14:hiddenLine xmlns:a14="http://schemas.microsoft.com/office/drawing/2010/main" xmlns="" w="9525">
+                <a14:hiddenLine xmlns="" xmlns:a14="http://schemas.microsoft.com/office/drawing/2010/main" w="9525">
                   <a:solidFill>
                     <a:srgbClr val="000000"/>
                   </a:solidFill>
@@ -17825,7 +17830,7 @@
             </a:ln>
             <a:extLst>
               <a:ext uri="{91240B29-F687-4f45-9708-019B960494DF}">
-                <a14:hiddenLine xmlns:a14="http://schemas.microsoft.com/office/drawing/2010/main" xmlns="" w="9525">
+                <a14:hiddenLine xmlns="" xmlns:a14="http://schemas.microsoft.com/office/drawing/2010/main" w="9525">
                   <a:solidFill>
                     <a:srgbClr val="000000"/>
                   </a:solidFill>
@@ -17859,7 +17864,7 @@
             </a:ln>
             <a:extLst>
               <a:ext uri="{91240B29-F687-4f45-9708-019B960494DF}">
-                <a14:hiddenLine xmlns:a14="http://schemas.microsoft.com/office/drawing/2010/main" xmlns="" w="9525">
+                <a14:hiddenLine xmlns="" xmlns:a14="http://schemas.microsoft.com/office/drawing/2010/main" w="9525">
                   <a:solidFill>
                     <a:srgbClr val="000000"/>
                   </a:solidFill>
@@ -17924,7 +17929,7 @@
             </a:ln>
             <a:extLst>
               <a:ext uri="{91240B29-F687-4f45-9708-019B960494DF}">
-                <a14:hiddenLine xmlns:a14="http://schemas.microsoft.com/office/drawing/2010/main" xmlns="" w="9525">
+                <a14:hiddenLine xmlns="" xmlns:a14="http://schemas.microsoft.com/office/drawing/2010/main" w="9525">
                   <a:solidFill>
                     <a:srgbClr val="000000"/>
                   </a:solidFill>
@@ -18014,7 +18019,7 @@
             </a:ln>
             <a:extLst>
               <a:ext uri="{91240B29-F687-4f45-9708-019B960494DF}">
-                <a14:hiddenLine xmlns:a14="http://schemas.microsoft.com/office/drawing/2010/main" xmlns="" w="9525">
+                <a14:hiddenLine xmlns="" xmlns:a14="http://schemas.microsoft.com/office/drawing/2010/main" w="9525">
                   <a:solidFill>
                     <a:srgbClr val="000000"/>
                   </a:solidFill>
@@ -18076,7 +18081,7 @@
             </a:ln>
             <a:extLst>
               <a:ext uri="{91240B29-F687-4f45-9708-019B960494DF}">
-                <a14:hiddenLine xmlns:a14="http://schemas.microsoft.com/office/drawing/2010/main" xmlns="" w="9525">
+                <a14:hiddenLine xmlns="" xmlns:a14="http://schemas.microsoft.com/office/drawing/2010/main" w="9525">
                   <a:solidFill>
                     <a:srgbClr val="000000"/>
                   </a:solidFill>
@@ -18166,7 +18171,7 @@
             </a:ln>
             <a:extLst>
               <a:ext uri="{91240B29-F687-4f45-9708-019B960494DF}">
-                <a14:hiddenLine xmlns:a14="http://schemas.microsoft.com/office/drawing/2010/main" xmlns="" w="9525">
+                <a14:hiddenLine xmlns="" xmlns:a14="http://schemas.microsoft.com/office/drawing/2010/main" w="9525">
                   <a:solidFill>
                     <a:srgbClr val="000000"/>
                   </a:solidFill>
@@ -18256,7 +18261,7 @@
             </a:ln>
             <a:extLst>
               <a:ext uri="{91240B29-F687-4f45-9708-019B960494DF}">
-                <a14:hiddenLine xmlns:a14="http://schemas.microsoft.com/office/drawing/2010/main" xmlns="" w="9525">
+                <a14:hiddenLine xmlns="" xmlns:a14="http://schemas.microsoft.com/office/drawing/2010/main" w="9525">
                   <a:solidFill>
                     <a:srgbClr val="000000"/>
                   </a:solidFill>
@@ -18321,7 +18326,7 @@
             </a:ln>
             <a:extLst>
               <a:ext uri="{91240B29-F687-4f45-9708-019B960494DF}">
-                <a14:hiddenLine xmlns:a14="http://schemas.microsoft.com/office/drawing/2010/main" xmlns="" w="9525">
+                <a14:hiddenLine xmlns="" xmlns:a14="http://schemas.microsoft.com/office/drawing/2010/main" w="9525">
                   <a:solidFill>
                     <a:srgbClr val="000000"/>
                   </a:solidFill>
@@ -18383,7 +18388,7 @@
             </a:ln>
             <a:extLst>
               <a:ext uri="{91240B29-F687-4f45-9708-019B960494DF}">
-                <a14:hiddenLine xmlns:a14="http://schemas.microsoft.com/office/drawing/2010/main" xmlns="" w="9525">
+                <a14:hiddenLine xmlns="" xmlns:a14="http://schemas.microsoft.com/office/drawing/2010/main" w="9525">
                   <a:solidFill>
                     <a:srgbClr val="000000"/>
                   </a:solidFill>
@@ -18473,7 +18478,7 @@
             </a:ln>
             <a:extLst>
               <a:ext uri="{91240B29-F687-4f45-9708-019B960494DF}">
-                <a14:hiddenLine xmlns:a14="http://schemas.microsoft.com/office/drawing/2010/main" xmlns="" w="9525">
+                <a14:hiddenLine xmlns="" xmlns:a14="http://schemas.microsoft.com/office/drawing/2010/main" w="9525">
                   <a:solidFill>
                     <a:srgbClr val="000000"/>
                   </a:solidFill>
@@ -18563,7 +18568,7 @@
             </a:ln>
             <a:extLst>
               <a:ext uri="{91240B29-F687-4f45-9708-019B960494DF}">
-                <a14:hiddenLine xmlns:a14="http://schemas.microsoft.com/office/drawing/2010/main" xmlns="" w="9525">
+                <a14:hiddenLine xmlns="" xmlns:a14="http://schemas.microsoft.com/office/drawing/2010/main" w="9525">
                   <a:solidFill>
                     <a:srgbClr val="000000"/>
                   </a:solidFill>
@@ -18625,7 +18630,7 @@
             </a:ln>
             <a:extLst>
               <a:ext uri="{91240B29-F687-4f45-9708-019B960494DF}">
-                <a14:hiddenLine xmlns:a14="http://schemas.microsoft.com/office/drawing/2010/main" xmlns="" w="9525">
+                <a14:hiddenLine xmlns="" xmlns:a14="http://schemas.microsoft.com/office/drawing/2010/main" w="9525">
                   <a:solidFill>
                     <a:srgbClr val="000000"/>
                   </a:solidFill>
@@ -18745,7 +18750,7 @@
             </a:ln>
             <a:extLst>
               <a:ext uri="{91240B29-F687-4f45-9708-019B960494DF}">
-                <a14:hiddenLine xmlns:a14="http://schemas.microsoft.com/office/drawing/2010/main" xmlns="" w="9525">
+                <a14:hiddenLine xmlns="" xmlns:a14="http://schemas.microsoft.com/office/drawing/2010/main" w="9525">
                   <a:solidFill>
                     <a:srgbClr val="000000"/>
                   </a:solidFill>
@@ -18813,7 +18818,7 @@
             </a:ln>
             <a:extLst>
               <a:ext uri="{91240B29-F687-4f45-9708-019B960494DF}">
-                <a14:hiddenLine xmlns:a14="http://schemas.microsoft.com/office/drawing/2010/main" xmlns="" w="9525">
+                <a14:hiddenLine xmlns="" xmlns:a14="http://schemas.microsoft.com/office/drawing/2010/main" w="9525">
                   <a:solidFill>
                     <a:srgbClr val="000000"/>
                   </a:solidFill>
@@ -18903,7 +18908,7 @@
             </a:ln>
             <a:extLst>
               <a:ext uri="{91240B29-F687-4f45-9708-019B960494DF}">
-                <a14:hiddenLine xmlns:a14="http://schemas.microsoft.com/office/drawing/2010/main" xmlns="" w="9525">
+                <a14:hiddenLine xmlns="" xmlns:a14="http://schemas.microsoft.com/office/drawing/2010/main" w="9525">
                   <a:solidFill>
                     <a:srgbClr val="000000"/>
                   </a:solidFill>
@@ -23710,7 +23715,7 @@
           <a:noFill/>
           <a:extLst>
             <a:ext uri="{909E8E84-426E-40dd-AFC4-6F175D3DCCD1}">
-              <a14:hiddenFill xmlns:a14="http://schemas.microsoft.com/office/drawing/2010/main" xmlns="">
+              <a14:hiddenFill xmlns="" xmlns:a14="http://schemas.microsoft.com/office/drawing/2010/main">
                 <a:solidFill>
                   <a:srgbClr val="FFFFFF"/>
                 </a:solidFill>
@@ -23784,7 +23789,7 @@
               </a:ln>
               <a:extLst>
                 <a:ext uri="{91240B29-F687-4f45-9708-019B960494DF}">
-                  <a14:hiddenLine xmlns:a14="http://schemas.microsoft.com/office/drawing/2010/main" xmlns="" w="9525">
+                  <a14:hiddenLine xmlns="" xmlns:a14="http://schemas.microsoft.com/office/drawing/2010/main" w="9525">
                     <a:solidFill>
                       <a:srgbClr val="000000"/>
                     </a:solidFill>
@@ -23874,7 +23879,7 @@
               </a:ln>
               <a:extLst>
                 <a:ext uri="{91240B29-F687-4f45-9708-019B960494DF}">
-                  <a14:hiddenLine xmlns:a14="http://schemas.microsoft.com/office/drawing/2010/main" xmlns="" w="9525">
+                  <a14:hiddenLine xmlns="" xmlns:a14="http://schemas.microsoft.com/office/drawing/2010/main" w="9525">
                     <a:solidFill>
                       <a:srgbClr val="000000"/>
                     </a:solidFill>
@@ -23964,7 +23969,7 @@
               </a:ln>
               <a:extLst>
                 <a:ext uri="{91240B29-F687-4f45-9708-019B960494DF}">
-                  <a14:hiddenLine xmlns:a14="http://schemas.microsoft.com/office/drawing/2010/main" xmlns="" w="9525">
+                  <a14:hiddenLine xmlns="" xmlns:a14="http://schemas.microsoft.com/office/drawing/2010/main" w="9525">
                     <a:solidFill>
                       <a:srgbClr val="000000"/>
                     </a:solidFill>
@@ -24026,7 +24031,7 @@
               </a:ln>
               <a:extLst>
                 <a:ext uri="{91240B29-F687-4f45-9708-019B960494DF}">
-                  <a14:hiddenLine xmlns:a14="http://schemas.microsoft.com/office/drawing/2010/main" xmlns="" w="9525">
+                  <a14:hiddenLine xmlns="" xmlns:a14="http://schemas.microsoft.com/office/drawing/2010/main" w="9525">
                     <a:solidFill>
                       <a:srgbClr val="000000"/>
                     </a:solidFill>
@@ -24116,7 +24121,7 @@
               </a:ln>
               <a:extLst>
                 <a:ext uri="{91240B29-F687-4f45-9708-019B960494DF}">
-                  <a14:hiddenLine xmlns:a14="http://schemas.microsoft.com/office/drawing/2010/main" xmlns="" w="9525">
+                  <a14:hiddenLine xmlns="" xmlns:a14="http://schemas.microsoft.com/office/drawing/2010/main" w="9525">
                     <a:solidFill>
                       <a:srgbClr val="000000"/>
                     </a:solidFill>
@@ -24178,7 +24183,7 @@
               </a:ln>
               <a:extLst>
                 <a:ext uri="{91240B29-F687-4f45-9708-019B960494DF}">
-                  <a14:hiddenLine xmlns:a14="http://schemas.microsoft.com/office/drawing/2010/main" xmlns="" w="9525">
+                  <a14:hiddenLine xmlns="" xmlns:a14="http://schemas.microsoft.com/office/drawing/2010/main" w="9525">
                     <a:solidFill>
                       <a:srgbClr val="000000"/>
                     </a:solidFill>
@@ -24240,7 +24245,7 @@
               </a:ln>
               <a:extLst>
                 <a:ext uri="{91240B29-F687-4f45-9708-019B960494DF}">
-                  <a14:hiddenLine xmlns:a14="http://schemas.microsoft.com/office/drawing/2010/main" xmlns="" w="9525">
+                  <a14:hiddenLine xmlns="" xmlns:a14="http://schemas.microsoft.com/office/drawing/2010/main" w="9525">
                     <a:solidFill>
                       <a:srgbClr val="000000"/>
                     </a:solidFill>
@@ -24330,7 +24335,7 @@
               </a:ln>
               <a:extLst>
                 <a:ext uri="{91240B29-F687-4f45-9708-019B960494DF}">
-                  <a14:hiddenLine xmlns:a14="http://schemas.microsoft.com/office/drawing/2010/main" xmlns="" w="9525">
+                  <a14:hiddenLine xmlns="" xmlns:a14="http://schemas.microsoft.com/office/drawing/2010/main" w="9525">
                     <a:solidFill>
                       <a:srgbClr val="000000"/>
                     </a:solidFill>
@@ -24420,7 +24425,7 @@
               </a:ln>
               <a:extLst>
                 <a:ext uri="{91240B29-F687-4f45-9708-019B960494DF}">
-                  <a14:hiddenLine xmlns:a14="http://schemas.microsoft.com/office/drawing/2010/main" xmlns="" w="9525">
+                  <a14:hiddenLine xmlns="" xmlns:a14="http://schemas.microsoft.com/office/drawing/2010/main" w="9525">
                     <a:solidFill>
                       <a:srgbClr val="000000"/>
                     </a:solidFill>
@@ -24482,7 +24487,7 @@
               </a:ln>
               <a:extLst>
                 <a:ext uri="{91240B29-F687-4f45-9708-019B960494DF}">
-                  <a14:hiddenLine xmlns:a14="http://schemas.microsoft.com/office/drawing/2010/main" xmlns="" w="9525">
+                  <a14:hiddenLine xmlns="" xmlns:a14="http://schemas.microsoft.com/office/drawing/2010/main" w="9525">
                     <a:solidFill>
                       <a:srgbClr val="000000"/>
                     </a:solidFill>
@@ -24592,7 +24597,7 @@
               </a:ln>
               <a:extLst>
                 <a:ext uri="{91240B29-F687-4f45-9708-019B960494DF}">
-                  <a14:hiddenLine xmlns:a14="http://schemas.microsoft.com/office/drawing/2010/main" xmlns="" w="9525">
+                  <a14:hiddenLine xmlns="" xmlns:a14="http://schemas.microsoft.com/office/drawing/2010/main" w="9525">
                     <a:solidFill>
                       <a:srgbClr val="000000"/>
                     </a:solidFill>
@@ -24676,7 +24681,7 @@
               </a:ln>
               <a:extLst>
                 <a:ext uri="{91240B29-F687-4f45-9708-019B960494DF}">
-                  <a14:hiddenLine xmlns:a14="http://schemas.microsoft.com/office/drawing/2010/main" xmlns="" w="9525">
+                  <a14:hiddenLine xmlns="" xmlns:a14="http://schemas.microsoft.com/office/drawing/2010/main" w="9525">
                     <a:solidFill>
                       <a:srgbClr val="000000"/>
                     </a:solidFill>
@@ -24738,7 +24743,7 @@
               </a:ln>
               <a:extLst>
                 <a:ext uri="{91240B29-F687-4f45-9708-019B960494DF}">
-                  <a14:hiddenLine xmlns:a14="http://schemas.microsoft.com/office/drawing/2010/main" xmlns="" w="9525">
+                  <a14:hiddenLine xmlns="" xmlns:a14="http://schemas.microsoft.com/office/drawing/2010/main" w="9525">
                     <a:solidFill>
                       <a:srgbClr val="000000"/>
                     </a:solidFill>
@@ -24800,7 +24805,7 @@
               </a:ln>
               <a:extLst>
                 <a:ext uri="{91240B29-F687-4f45-9708-019B960494DF}">
-                  <a14:hiddenLine xmlns:a14="http://schemas.microsoft.com/office/drawing/2010/main" xmlns="" w="9525">
+                  <a14:hiddenLine xmlns="" xmlns:a14="http://schemas.microsoft.com/office/drawing/2010/main" w="9525">
                     <a:solidFill>
                       <a:srgbClr val="000000"/>
                     </a:solidFill>
@@ -24890,7 +24895,7 @@
               </a:ln>
               <a:extLst>
                 <a:ext uri="{91240B29-F687-4f45-9708-019B960494DF}">
-                  <a14:hiddenLine xmlns:a14="http://schemas.microsoft.com/office/drawing/2010/main" xmlns="" w="9525">
+                  <a14:hiddenLine xmlns="" xmlns:a14="http://schemas.microsoft.com/office/drawing/2010/main" w="9525">
                     <a:solidFill>
                       <a:srgbClr val="000000"/>
                     </a:solidFill>
@@ -24924,7 +24929,7 @@
               </a:ln>
               <a:extLst>
                 <a:ext uri="{91240B29-F687-4f45-9708-019B960494DF}">
-                  <a14:hiddenLine xmlns:a14="http://schemas.microsoft.com/office/drawing/2010/main" xmlns="" w="9525">
+                  <a14:hiddenLine xmlns="" xmlns:a14="http://schemas.microsoft.com/office/drawing/2010/main" w="9525">
                     <a:solidFill>
                       <a:srgbClr val="000000"/>
                     </a:solidFill>
@@ -24989,7 +24994,7 @@
               </a:ln>
               <a:extLst>
                 <a:ext uri="{91240B29-F687-4f45-9708-019B960494DF}">
-                  <a14:hiddenLine xmlns:a14="http://schemas.microsoft.com/office/drawing/2010/main" xmlns="" w="9525">
+                  <a14:hiddenLine xmlns="" xmlns:a14="http://schemas.microsoft.com/office/drawing/2010/main" w="9525">
                     <a:solidFill>
                       <a:srgbClr val="000000"/>
                     </a:solidFill>
@@ -25079,7 +25084,7 @@
               </a:ln>
               <a:extLst>
                 <a:ext uri="{91240B29-F687-4f45-9708-019B960494DF}">
-                  <a14:hiddenLine xmlns:a14="http://schemas.microsoft.com/office/drawing/2010/main" xmlns="" w="9525">
+                  <a14:hiddenLine xmlns="" xmlns:a14="http://schemas.microsoft.com/office/drawing/2010/main" w="9525">
                     <a:solidFill>
                       <a:srgbClr val="000000"/>
                     </a:solidFill>
@@ -25141,7 +25146,7 @@
               </a:ln>
               <a:extLst>
                 <a:ext uri="{91240B29-F687-4f45-9708-019B960494DF}">
-                  <a14:hiddenLine xmlns:a14="http://schemas.microsoft.com/office/drawing/2010/main" xmlns="" w="9525">
+                  <a14:hiddenLine xmlns="" xmlns:a14="http://schemas.microsoft.com/office/drawing/2010/main" w="9525">
                     <a:solidFill>
                       <a:srgbClr val="000000"/>
                     </a:solidFill>
@@ -25231,7 +25236,7 @@
               </a:ln>
               <a:extLst>
                 <a:ext uri="{91240B29-F687-4f45-9708-019B960494DF}">
-                  <a14:hiddenLine xmlns:a14="http://schemas.microsoft.com/office/drawing/2010/main" xmlns="" w="9525">
+                  <a14:hiddenLine xmlns="" xmlns:a14="http://schemas.microsoft.com/office/drawing/2010/main" w="9525">
                     <a:solidFill>
                       <a:srgbClr val="000000"/>
                     </a:solidFill>
@@ -25296,7 +25301,7 @@
               </a:ln>
               <a:extLst>
                 <a:ext uri="{91240B29-F687-4f45-9708-019B960494DF}">
-                  <a14:hiddenLine xmlns:a14="http://schemas.microsoft.com/office/drawing/2010/main" xmlns="" w="9525">
+                  <a14:hiddenLine xmlns="" xmlns:a14="http://schemas.microsoft.com/office/drawing/2010/main" w="9525">
                     <a:solidFill>
                       <a:srgbClr val="000000"/>
                     </a:solidFill>
@@ -25358,7 +25363,7 @@
               </a:ln>
               <a:extLst>
                 <a:ext uri="{91240B29-F687-4f45-9708-019B960494DF}">
-                  <a14:hiddenLine xmlns:a14="http://schemas.microsoft.com/office/drawing/2010/main" xmlns="" w="9525">
+                  <a14:hiddenLine xmlns="" xmlns:a14="http://schemas.microsoft.com/office/drawing/2010/main" w="9525">
                     <a:solidFill>
                       <a:srgbClr val="000000"/>
                     </a:solidFill>
@@ -25448,7 +25453,7 @@
               </a:ln>
               <a:extLst>
                 <a:ext uri="{91240B29-F687-4f45-9708-019B960494DF}">
-                  <a14:hiddenLine xmlns:a14="http://schemas.microsoft.com/office/drawing/2010/main" xmlns="" w="9525">
+                  <a14:hiddenLine xmlns="" xmlns:a14="http://schemas.microsoft.com/office/drawing/2010/main" w="9525">
                     <a:solidFill>
                       <a:srgbClr val="000000"/>
                     </a:solidFill>
@@ -25538,7 +25543,7 @@
               </a:ln>
               <a:extLst>
                 <a:ext uri="{91240B29-F687-4f45-9708-019B960494DF}">
-                  <a14:hiddenLine xmlns:a14="http://schemas.microsoft.com/office/drawing/2010/main" xmlns="" w="9525">
+                  <a14:hiddenLine xmlns="" xmlns:a14="http://schemas.microsoft.com/office/drawing/2010/main" w="9525">
                     <a:solidFill>
                       <a:srgbClr val="000000"/>
                     </a:solidFill>
@@ -25603,7 +25608,7 @@
               </a:ln>
               <a:extLst>
                 <a:ext uri="{91240B29-F687-4f45-9708-019B960494DF}">
-                  <a14:hiddenLine xmlns:a14="http://schemas.microsoft.com/office/drawing/2010/main" xmlns="" w="9525">
+                  <a14:hiddenLine xmlns="" xmlns:a14="http://schemas.microsoft.com/office/drawing/2010/main" w="9525">
                     <a:solidFill>
                       <a:srgbClr val="000000"/>
                     </a:solidFill>
@@ -25723,7 +25728,7 @@
               </a:ln>
               <a:extLst>
                 <a:ext uri="{91240B29-F687-4f45-9708-019B960494DF}">
-                  <a14:hiddenLine xmlns:a14="http://schemas.microsoft.com/office/drawing/2010/main" xmlns="" w="9525">
+                  <a14:hiddenLine xmlns="" xmlns:a14="http://schemas.microsoft.com/office/drawing/2010/main" w="9525">
                     <a:solidFill>
                       <a:srgbClr val="000000"/>
                     </a:solidFill>
@@ -25821,7 +25826,7 @@
               </a:ln>
               <a:extLst>
                 <a:ext uri="{91240B29-F687-4f45-9708-019B960494DF}">
-                  <a14:hiddenLine xmlns:a14="http://schemas.microsoft.com/office/drawing/2010/main" xmlns="" w="9525">
+                  <a14:hiddenLine xmlns="" xmlns:a14="http://schemas.microsoft.com/office/drawing/2010/main" w="9525">
                     <a:solidFill>
                       <a:srgbClr val="000000"/>
                     </a:solidFill>
@@ -25936,7 +25941,7 @@
               </a:ln>
               <a:extLst>
                 <a:ext uri="{91240B29-F687-4f45-9708-019B960494DF}">
-                  <a14:hiddenLine xmlns:a14="http://schemas.microsoft.com/office/drawing/2010/main" xmlns="" w="9525">
+                  <a14:hiddenLine xmlns="" xmlns:a14="http://schemas.microsoft.com/office/drawing/2010/main" w="9525">
                     <a:solidFill>
                       <a:srgbClr val="000000"/>
                     </a:solidFill>
@@ -26026,7 +26031,7 @@
               </a:ln>
               <a:extLst>
                 <a:ext uri="{91240B29-F687-4f45-9708-019B960494DF}">
-                  <a14:hiddenLine xmlns:a14="http://schemas.microsoft.com/office/drawing/2010/main" xmlns="" w="9525">
+                  <a14:hiddenLine xmlns="" xmlns:a14="http://schemas.microsoft.com/office/drawing/2010/main" w="9525">
                     <a:solidFill>
                       <a:srgbClr val="000000"/>
                     </a:solidFill>
@@ -26091,7 +26096,7 @@
               </a:ln>
               <a:extLst>
                 <a:ext uri="{91240B29-F687-4f45-9708-019B960494DF}">
-                  <a14:hiddenLine xmlns:a14="http://schemas.microsoft.com/office/drawing/2010/main" xmlns="" w="9525">
+                  <a14:hiddenLine xmlns="" xmlns:a14="http://schemas.microsoft.com/office/drawing/2010/main" w="9525">
                     <a:solidFill>
                       <a:srgbClr val="000000"/>
                     </a:solidFill>
@@ -26181,7 +26186,7 @@
               </a:ln>
               <a:extLst>
                 <a:ext uri="{91240B29-F687-4f45-9708-019B960494DF}">
-                  <a14:hiddenLine xmlns:a14="http://schemas.microsoft.com/office/drawing/2010/main" xmlns="" w="9525">
+                  <a14:hiddenLine xmlns="" xmlns:a14="http://schemas.microsoft.com/office/drawing/2010/main" w="9525">
                     <a:solidFill>
                       <a:srgbClr val="000000"/>
                     </a:solidFill>
@@ -26249,7 +26254,7 @@
               </a:ln>
               <a:extLst>
                 <a:ext uri="{91240B29-F687-4f45-9708-019B960494DF}">
-                  <a14:hiddenLine xmlns:a14="http://schemas.microsoft.com/office/drawing/2010/main" xmlns="" w="9525">
+                  <a14:hiddenLine xmlns="" xmlns:a14="http://schemas.microsoft.com/office/drawing/2010/main" w="9525">
                     <a:solidFill>
                       <a:srgbClr val="000000"/>
                     </a:solidFill>
@@ -26339,7 +26344,7 @@
               </a:ln>
               <a:extLst>
                 <a:ext uri="{91240B29-F687-4f45-9708-019B960494DF}">
-                  <a14:hiddenLine xmlns:a14="http://schemas.microsoft.com/office/drawing/2010/main" xmlns="" w="9525">
+                  <a14:hiddenLine xmlns="" xmlns:a14="http://schemas.microsoft.com/office/drawing/2010/main" w="9525">
                     <a:solidFill>
                       <a:srgbClr val="000000"/>
                     </a:solidFill>
@@ -26407,7 +26412,7 @@
               </a:ln>
               <a:extLst>
                 <a:ext uri="{91240B29-F687-4f45-9708-019B960494DF}">
-                  <a14:hiddenLine xmlns:a14="http://schemas.microsoft.com/office/drawing/2010/main" xmlns="" w="9525">
+                  <a14:hiddenLine xmlns="" xmlns:a14="http://schemas.microsoft.com/office/drawing/2010/main" w="9525">
                     <a:solidFill>
                       <a:srgbClr val="000000"/>
                     </a:solidFill>
@@ -26497,7 +26502,7 @@
               </a:ln>
               <a:extLst>
                 <a:ext uri="{91240B29-F687-4f45-9708-019B960494DF}">
-                  <a14:hiddenLine xmlns:a14="http://schemas.microsoft.com/office/drawing/2010/main" xmlns="" w="9525">
+                  <a14:hiddenLine xmlns="" xmlns:a14="http://schemas.microsoft.com/office/drawing/2010/main" w="9525">
                     <a:solidFill>
                       <a:srgbClr val="000000"/>
                     </a:solidFill>
@@ -26531,7 +26536,7 @@
               </a:ln>
               <a:extLst>
                 <a:ext uri="{91240B29-F687-4f45-9708-019B960494DF}">
-                  <a14:hiddenLine xmlns:a14="http://schemas.microsoft.com/office/drawing/2010/main" xmlns="" w="9525">
+                  <a14:hiddenLine xmlns="" xmlns:a14="http://schemas.microsoft.com/office/drawing/2010/main" w="9525">
                     <a:solidFill>
                       <a:srgbClr val="000000"/>
                     </a:solidFill>
@@ -27226,6 +27231,103 @@
           </a:p>
         </p:txBody>
       </p:sp>
+      <mc:AlternateContent xmlns:mc="http://schemas.openxmlformats.org/markup-compatibility/2006">
+        <mc:Choice xmlns:pslz="http://schemas.microsoft.com/office/powerpoint/2016/slidezoom" Requires="pslz">
+          <p:graphicFrame>
+            <p:nvGraphicFramePr>
+              <p:cNvPr id="5" name="Folienzoom 4">
+                <a:extLst>
+                  <a:ext uri="{FF2B5EF4-FFF2-40B4-BE49-F238E27FC236}">
+                    <a16:creationId xmlns:a16="http://schemas.microsoft.com/office/drawing/2014/main" id="{A8676BB7-0F00-4E74-9825-70E63F20A34D}"/>
+                  </a:ext>
+                </a:extLst>
+              </p:cNvPr>
+              <p:cNvGraphicFramePr>
+                <a:graphicFrameLocks noChangeAspect="1"/>
+              </p:cNvGraphicFramePr>
+              <p:nvPr>
+                <p:extLst>
+                  <p:ext uri="{D42A27DB-BD31-4B8C-83A1-F6EECF244321}">
+                    <p14:modId xmlns:p14="http://schemas.microsoft.com/office/powerpoint/2010/main" val="12781462"/>
+                  </p:ext>
+                </p:extLst>
+              </p:nvPr>
+            </p:nvGraphicFramePr>
+            <p:xfrm>
+              <a:off x="10353746" y="5763105"/>
+              <a:ext cx="1646097" cy="925930"/>
+            </p:xfrm>
+            <a:graphic>
+              <a:graphicData uri="http://schemas.microsoft.com/office/powerpoint/2016/slidezoom">
+                <pslz:sldZm>
+                  <pslz:sldZmObj sldId="264" cId="1331659078">
+                    <pslz:zmPr id="{C1692E62-91E8-4B7A-9212-D9213E10ED7B}" returnToParent="0" transitionDur="1000">
+                      <p166:blipFill xmlns:p166="http://schemas.microsoft.com/office/powerpoint/2016/6/main">
+                        <a:blip r:embed="rId2"/>
+                        <a:stretch>
+                          <a:fillRect/>
+                        </a:stretch>
+                      </p166:blipFill>
+                      <p166:spPr xmlns:p166="http://schemas.microsoft.com/office/powerpoint/2016/6/main">
+                        <a:xfrm>
+                          <a:off x="0" y="0"/>
+                          <a:ext cx="1646097" cy="925930"/>
+                        </a:xfrm>
+                        <a:prstGeom prst="rect">
+                          <a:avLst/>
+                        </a:prstGeom>
+                        <a:ln w="3175">
+                          <a:solidFill>
+                            <a:prstClr val="ltGray"/>
+                          </a:solidFill>
+                        </a:ln>
+                      </p166:spPr>
+                    </pslz:zmPr>
+                  </pslz:sldZmObj>
+                </pslz:sldZm>
+              </a:graphicData>
+            </a:graphic>
+          </p:graphicFrame>
+        </mc:Choice>
+        <mc:Fallback>
+          <p:pic>
+            <p:nvPicPr>
+              <p:cNvPr id="5" name="Folienzoom 4">
+                <a:hlinkClick r:id="rId3" action="ppaction://hlinksldjump"/>
+                <a:extLst>
+                  <a:ext uri="{FF2B5EF4-FFF2-40B4-BE49-F238E27FC236}">
+                    <a16:creationId xmlns:a16="http://schemas.microsoft.com/office/drawing/2014/main" id="{A8676BB7-0F00-4E74-9825-70E63F20A34D}"/>
+                  </a:ext>
+                </a:extLst>
+              </p:cNvPr>
+              <p:cNvPicPr>
+                <a:picLocks noGrp="1" noRot="1" noChangeAspect="1" noMove="1" noResize="1" noEditPoints="1" noAdjustHandles="1" noChangeArrowheads="1" noChangeShapeType="1"/>
+              </p:cNvPicPr>
+              <p:nvPr/>
+            </p:nvPicPr>
+            <p:blipFill>
+              <a:blip r:embed="rId2"/>
+              <a:stretch>
+                <a:fillRect/>
+              </a:stretch>
+            </p:blipFill>
+            <p:spPr>
+              <a:xfrm>
+                <a:off x="10353746" y="5763105"/>
+                <a:ext cx="1646097" cy="925930"/>
+              </a:xfrm>
+              <a:prstGeom prst="rect">
+                <a:avLst/>
+              </a:prstGeom>
+              <a:ln w="3175">
+                <a:solidFill>
+                  <a:prstClr val="ltGray"/>
+                </a:solidFill>
+              </a:ln>
+            </p:spPr>
+          </p:pic>
+        </mc:Fallback>
+      </mc:AlternateContent>
     </p:spTree>
     <p:extLst>
       <p:ext uri="{BB962C8B-B14F-4D97-AF65-F5344CB8AC3E}">
@@ -27236,6 +27338,18 @@
   <p:clrMapOvr>
     <a:masterClrMapping/>
   </p:clrMapOvr>
+  <mc:AlternateContent xmlns:mc="http://schemas.openxmlformats.org/markup-compatibility/2006">
+    <mc:Choice xmlns:p159="http://schemas.microsoft.com/office/powerpoint/2015/09/main" Requires="p159">
+      <p:transition xmlns:p14="http://schemas.microsoft.com/office/powerpoint/2010/main" spd="slow" p14:dur="2000">
+        <p159:morph option="byObject"/>
+      </p:transition>
+    </mc:Choice>
+    <mc:Fallback>
+      <p:transition spd="slow">
+        <p:fade/>
+      </p:transition>
+    </mc:Fallback>
+  </mc:AlternateContent>
 </p:sld>
 </file>
 
@@ -27325,6 +27439,103 @@
           </a:graphicData>
         </a:graphic>
       </p:graphicFrame>
+      <mc:AlternateContent xmlns:mc="http://schemas.openxmlformats.org/markup-compatibility/2006">
+        <mc:Choice xmlns:pslz="http://schemas.microsoft.com/office/powerpoint/2016/slidezoom" Requires="pslz">
+          <p:graphicFrame>
+            <p:nvGraphicFramePr>
+              <p:cNvPr id="5" name="Folienzoom 4">
+                <a:extLst>
+                  <a:ext uri="{FF2B5EF4-FFF2-40B4-BE49-F238E27FC236}">
+                    <a16:creationId xmlns:a16="http://schemas.microsoft.com/office/drawing/2014/main" id="{5E9FDCB7-62E2-4A78-A50F-805D388F22E2}"/>
+                  </a:ext>
+                </a:extLst>
+              </p:cNvPr>
+              <p:cNvGraphicFramePr>
+                <a:graphicFrameLocks noChangeAspect="1"/>
+              </p:cNvGraphicFramePr>
+              <p:nvPr>
+                <p:extLst>
+                  <p:ext uri="{D42A27DB-BD31-4B8C-83A1-F6EECF244321}">
+                    <p14:modId xmlns:p14="http://schemas.microsoft.com/office/powerpoint/2010/main" val="3505618158"/>
+                  </p:ext>
+                </p:extLst>
+              </p:nvPr>
+            </p:nvGraphicFramePr>
+            <p:xfrm>
+              <a:off x="10497829" y="6174006"/>
+              <a:ext cx="743327" cy="418122"/>
+            </p:xfrm>
+            <a:graphic>
+              <a:graphicData uri="http://schemas.microsoft.com/office/powerpoint/2016/slidezoom">
+                <pslz:sldZm>
+                  <pslz:sldZmObj sldId="268" cId="3585638758">
+                    <pslz:zmPr id="{20EFA80E-273C-484D-9496-026D1937F40D}" returnToParent="0" transitionDur="1000">
+                      <p166:blipFill xmlns:p166="http://schemas.microsoft.com/office/powerpoint/2016/6/main">
+                        <a:blip r:embed="rId7"/>
+                        <a:stretch>
+                          <a:fillRect/>
+                        </a:stretch>
+                      </p166:blipFill>
+                      <p166:spPr xmlns:p166="http://schemas.microsoft.com/office/powerpoint/2016/6/main">
+                        <a:xfrm>
+                          <a:off x="0" y="0"/>
+                          <a:ext cx="743327" cy="418122"/>
+                        </a:xfrm>
+                        <a:prstGeom prst="rect">
+                          <a:avLst/>
+                        </a:prstGeom>
+                        <a:ln w="3175">
+                          <a:solidFill>
+                            <a:prstClr val="ltGray"/>
+                          </a:solidFill>
+                        </a:ln>
+                      </p166:spPr>
+                    </pslz:zmPr>
+                  </pslz:sldZmObj>
+                </pslz:sldZm>
+              </a:graphicData>
+            </a:graphic>
+          </p:graphicFrame>
+        </mc:Choice>
+        <mc:Fallback>
+          <p:pic>
+            <p:nvPicPr>
+              <p:cNvPr id="5" name="Folienzoom 4">
+                <a:hlinkClick r:id="rId8" action="ppaction://hlinksldjump"/>
+                <a:extLst>
+                  <a:ext uri="{FF2B5EF4-FFF2-40B4-BE49-F238E27FC236}">
+                    <a16:creationId xmlns:a16="http://schemas.microsoft.com/office/drawing/2014/main" id="{5E9FDCB7-62E2-4A78-A50F-805D388F22E2}"/>
+                  </a:ext>
+                </a:extLst>
+              </p:cNvPr>
+              <p:cNvPicPr>
+                <a:picLocks noGrp="1" noRot="1" noChangeAspect="1" noMove="1" noResize="1" noEditPoints="1" noAdjustHandles="1" noChangeArrowheads="1" noChangeShapeType="1"/>
+              </p:cNvPicPr>
+              <p:nvPr/>
+            </p:nvPicPr>
+            <p:blipFill>
+              <a:blip r:embed="rId7"/>
+              <a:stretch>
+                <a:fillRect/>
+              </a:stretch>
+            </p:blipFill>
+            <p:spPr>
+              <a:xfrm>
+                <a:off x="10497829" y="6174006"/>
+                <a:ext cx="743327" cy="418122"/>
+              </a:xfrm>
+              <a:prstGeom prst="rect">
+                <a:avLst/>
+              </a:prstGeom>
+              <a:ln w="3175">
+                <a:solidFill>
+                  <a:prstClr val="ltGray"/>
+                </a:solidFill>
+              </a:ln>
+            </p:spPr>
+          </p:pic>
+        </mc:Fallback>
+      </mc:AlternateContent>
     </p:spTree>
     <p:extLst>
       <p:ext uri="{BB962C8B-B14F-4D97-AF65-F5344CB8AC3E}">
@@ -27335,6 +27546,18 @@
   <p:clrMapOvr>
     <a:masterClrMapping/>
   </p:clrMapOvr>
+  <mc:AlternateContent xmlns:mc="http://schemas.openxmlformats.org/markup-compatibility/2006">
+    <mc:Choice xmlns:p159="http://schemas.microsoft.com/office/powerpoint/2015/09/main" Requires="p159">
+      <p:transition xmlns:p14="http://schemas.microsoft.com/office/powerpoint/2010/main" spd="slow" p14:dur="2000">
+        <p159:morph option="byObject"/>
+      </p:transition>
+    </mc:Choice>
+    <mc:Fallback>
+      <p:transition spd="slow">
+        <p:fade/>
+      </p:transition>
+    </mc:Fallback>
+  </mc:AlternateContent>
 </p:sld>
 </file>
 
@@ -27371,7 +27594,12 @@
             <p:ph type="title"/>
           </p:nvPr>
         </p:nvSpPr>
-        <p:spPr/>
+        <p:spPr>
+          <a:xfrm>
+            <a:off x="1143001" y="0"/>
+            <a:ext cx="9905998" cy="1478570"/>
+          </a:xfrm>
+        </p:spPr>
         <p:txBody>
           <a:bodyPr/>
           <a:lstStyle/>
@@ -27399,13 +27627,13 @@
             <p:ph idx="1"/>
             <p:extLst>
               <p:ext uri="{D42A27DB-BD31-4B8C-83A1-F6EECF244321}">
-                <p14:modId xmlns:p14="http://schemas.microsoft.com/office/powerpoint/2010/main" val="4218021120"/>
+                <p14:modId xmlns:p14="http://schemas.microsoft.com/office/powerpoint/2010/main" val="3864866558"/>
               </p:ext>
             </p:extLst>
           </p:nvPr>
         </p:nvGraphicFramePr>
         <p:xfrm>
-          <a:off x="843238" y="1851922"/>
+          <a:off x="873055" y="1345027"/>
           <a:ext cx="10666275" cy="4459426"/>
         </p:xfrm>
         <a:graphic>
@@ -27414,6 +27642,103 @@
           </a:graphicData>
         </a:graphic>
       </p:graphicFrame>
+      <mc:AlternateContent xmlns:mc="http://schemas.openxmlformats.org/markup-compatibility/2006">
+        <mc:Choice xmlns:pslz="http://schemas.microsoft.com/office/powerpoint/2016/slidezoom" Requires="pslz">
+          <p:graphicFrame>
+            <p:nvGraphicFramePr>
+              <p:cNvPr id="5" name="Folienzoom 4">
+                <a:extLst>
+                  <a:ext uri="{FF2B5EF4-FFF2-40B4-BE49-F238E27FC236}">
+                    <a16:creationId xmlns:a16="http://schemas.microsoft.com/office/drawing/2014/main" id="{1BA07FA5-7CBC-47E9-90D4-75811BFBBC28}"/>
+                  </a:ext>
+                </a:extLst>
+              </p:cNvPr>
+              <p:cNvGraphicFramePr>
+                <a:graphicFrameLocks noChangeAspect="1"/>
+              </p:cNvGraphicFramePr>
+              <p:nvPr>
+                <p:extLst>
+                  <p:ext uri="{D42A27DB-BD31-4B8C-83A1-F6EECF244321}">
+                    <p14:modId xmlns:p14="http://schemas.microsoft.com/office/powerpoint/2010/main" val="3303836910"/>
+                  </p:ext>
+                </p:extLst>
+              </p:nvPr>
+            </p:nvGraphicFramePr>
+            <p:xfrm>
+              <a:off x="10119139" y="5691877"/>
+              <a:ext cx="1859720" cy="1046093"/>
+            </p:xfrm>
+            <a:graphic>
+              <a:graphicData uri="http://schemas.microsoft.com/office/powerpoint/2016/slidezoom">
+                <pslz:sldZm>
+                  <pslz:sldZmObj sldId="266" cId="2393952986">
+                    <pslz:zmPr id="{B46B1481-6EE8-483A-B5E9-6A235BF79C49}" returnToParent="0" transitionDur="1000">
+                      <p166:blipFill xmlns:p166="http://schemas.microsoft.com/office/powerpoint/2016/6/main">
+                        <a:blip r:embed="rId7"/>
+                        <a:stretch>
+                          <a:fillRect/>
+                        </a:stretch>
+                      </p166:blipFill>
+                      <p166:spPr xmlns:p166="http://schemas.microsoft.com/office/powerpoint/2016/6/main">
+                        <a:xfrm>
+                          <a:off x="0" y="0"/>
+                          <a:ext cx="1859720" cy="1046093"/>
+                        </a:xfrm>
+                        <a:prstGeom prst="rect">
+                          <a:avLst/>
+                        </a:prstGeom>
+                        <a:ln w="3175">
+                          <a:solidFill>
+                            <a:prstClr val="ltGray"/>
+                          </a:solidFill>
+                        </a:ln>
+                      </p166:spPr>
+                    </pslz:zmPr>
+                  </pslz:sldZmObj>
+                </pslz:sldZm>
+              </a:graphicData>
+            </a:graphic>
+          </p:graphicFrame>
+        </mc:Choice>
+        <mc:Fallback>
+          <p:pic>
+            <p:nvPicPr>
+              <p:cNvPr id="5" name="Folienzoom 4">
+                <a:hlinkClick r:id="rId8" action="ppaction://hlinksldjump"/>
+                <a:extLst>
+                  <a:ext uri="{FF2B5EF4-FFF2-40B4-BE49-F238E27FC236}">
+                    <a16:creationId xmlns:a16="http://schemas.microsoft.com/office/drawing/2014/main" id="{1BA07FA5-7CBC-47E9-90D4-75811BFBBC28}"/>
+                  </a:ext>
+                </a:extLst>
+              </p:cNvPr>
+              <p:cNvPicPr>
+                <a:picLocks noGrp="1" noRot="1" noChangeAspect="1" noMove="1" noResize="1" noEditPoints="1" noAdjustHandles="1" noChangeArrowheads="1" noChangeShapeType="1"/>
+              </p:cNvPicPr>
+              <p:nvPr/>
+            </p:nvPicPr>
+            <p:blipFill>
+              <a:blip r:embed="rId7"/>
+              <a:stretch>
+                <a:fillRect/>
+              </a:stretch>
+            </p:blipFill>
+            <p:spPr>
+              <a:xfrm>
+                <a:off x="10119139" y="5691877"/>
+                <a:ext cx="1859720" cy="1046093"/>
+              </a:xfrm>
+              <a:prstGeom prst="rect">
+                <a:avLst/>
+              </a:prstGeom>
+              <a:ln w="3175">
+                <a:solidFill>
+                  <a:prstClr val="ltGray"/>
+                </a:solidFill>
+              </a:ln>
+            </p:spPr>
+          </p:pic>
+        </mc:Fallback>
+      </mc:AlternateContent>
     </p:spTree>
     <p:extLst>
       <p:ext uri="{BB962C8B-B14F-4D97-AF65-F5344CB8AC3E}">
@@ -27424,6 +27749,18 @@
   <p:clrMapOvr>
     <a:masterClrMapping/>
   </p:clrMapOvr>
+  <mc:AlternateContent xmlns:mc="http://schemas.openxmlformats.org/markup-compatibility/2006">
+    <mc:Choice xmlns:p159="http://schemas.microsoft.com/office/powerpoint/2015/09/main" Requires="p159">
+      <p:transition xmlns:p14="http://schemas.microsoft.com/office/powerpoint/2010/main" spd="slow" p14:dur="2000">
+        <p159:morph option="byObject"/>
+      </p:transition>
+    </mc:Choice>
+    <mc:Fallback>
+      <p:transition spd="slow">
+        <p:fade/>
+      </p:transition>
+    </mc:Fallback>
+  </mc:AlternateContent>
 </p:sld>
 </file>
 
@@ -27460,7 +27797,12 @@
             <p:ph type="title"/>
           </p:nvPr>
         </p:nvSpPr>
-        <p:spPr/>
+        <p:spPr>
+          <a:xfrm>
+            <a:off x="1141412" y="0"/>
+            <a:ext cx="9905998" cy="1478570"/>
+          </a:xfrm>
+        </p:spPr>
         <p:txBody>
           <a:bodyPr/>
           <a:lstStyle/>
@@ -27488,13 +27830,13 @@
             <p:ph idx="1"/>
             <p:extLst>
               <p:ext uri="{D42A27DB-BD31-4B8C-83A1-F6EECF244321}">
-                <p14:modId xmlns:p14="http://schemas.microsoft.com/office/powerpoint/2010/main" val="4126757482"/>
+                <p14:modId xmlns:p14="http://schemas.microsoft.com/office/powerpoint/2010/main" val="453147022"/>
               </p:ext>
             </p:extLst>
           </p:nvPr>
         </p:nvGraphicFramePr>
         <p:xfrm>
-          <a:off x="1141412" y="1971191"/>
+          <a:off x="1141412" y="1335086"/>
           <a:ext cx="9905999" cy="3541714"/>
         </p:xfrm>
         <a:graphic>
@@ -27503,6 +27845,103 @@
           </a:graphicData>
         </a:graphic>
       </p:graphicFrame>
+      <mc:AlternateContent xmlns:mc="http://schemas.openxmlformats.org/markup-compatibility/2006">
+        <mc:Choice xmlns:pslz="http://schemas.microsoft.com/office/powerpoint/2016/slidezoom" Requires="pslz">
+          <p:graphicFrame>
+            <p:nvGraphicFramePr>
+              <p:cNvPr id="5" name="Folienzoom 4">
+                <a:extLst>
+                  <a:ext uri="{FF2B5EF4-FFF2-40B4-BE49-F238E27FC236}">
+                    <a16:creationId xmlns:a16="http://schemas.microsoft.com/office/drawing/2014/main" id="{8BE151FE-4D0E-4781-830C-BDA4713CFD68}"/>
+                  </a:ext>
+                </a:extLst>
+              </p:cNvPr>
+              <p:cNvGraphicFramePr>
+                <a:graphicFrameLocks noChangeAspect="1"/>
+              </p:cNvGraphicFramePr>
+              <p:nvPr>
+                <p:extLst>
+                  <p:ext uri="{D42A27DB-BD31-4B8C-83A1-F6EECF244321}">
+                    <p14:modId xmlns:p14="http://schemas.microsoft.com/office/powerpoint/2010/main" val="3296325959"/>
+                  </p:ext>
+                </p:extLst>
+              </p:nvPr>
+            </p:nvGraphicFramePr>
+            <p:xfrm>
+              <a:off x="10370442" y="5781640"/>
+              <a:ext cx="1529763" cy="860492"/>
+            </p:xfrm>
+            <a:graphic>
+              <a:graphicData uri="http://schemas.microsoft.com/office/powerpoint/2016/slidezoom">
+                <pslz:sldZm>
+                  <pslz:sldZmObj sldId="267" cId="1266827753">
+                    <pslz:zmPr id="{3090637D-3CDD-40AB-8DD2-5E250F9B9253}" returnToParent="0" transitionDur="1000">
+                      <p166:blipFill xmlns:p166="http://schemas.microsoft.com/office/powerpoint/2016/6/main">
+                        <a:blip r:embed="rId7"/>
+                        <a:stretch>
+                          <a:fillRect/>
+                        </a:stretch>
+                      </p166:blipFill>
+                      <p166:spPr xmlns:p166="http://schemas.microsoft.com/office/powerpoint/2016/6/main">
+                        <a:xfrm>
+                          <a:off x="0" y="0"/>
+                          <a:ext cx="1529763" cy="860492"/>
+                        </a:xfrm>
+                        <a:prstGeom prst="rect">
+                          <a:avLst/>
+                        </a:prstGeom>
+                        <a:ln w="3175">
+                          <a:solidFill>
+                            <a:prstClr val="ltGray"/>
+                          </a:solidFill>
+                        </a:ln>
+                      </p166:spPr>
+                    </pslz:zmPr>
+                  </pslz:sldZmObj>
+                </pslz:sldZm>
+              </a:graphicData>
+            </a:graphic>
+          </p:graphicFrame>
+        </mc:Choice>
+        <mc:Fallback>
+          <p:pic>
+            <p:nvPicPr>
+              <p:cNvPr id="5" name="Folienzoom 4">
+                <a:hlinkClick r:id="rId8" action="ppaction://hlinksldjump"/>
+                <a:extLst>
+                  <a:ext uri="{FF2B5EF4-FFF2-40B4-BE49-F238E27FC236}">
+                    <a16:creationId xmlns:a16="http://schemas.microsoft.com/office/drawing/2014/main" id="{8BE151FE-4D0E-4781-830C-BDA4713CFD68}"/>
+                  </a:ext>
+                </a:extLst>
+              </p:cNvPr>
+              <p:cNvPicPr>
+                <a:picLocks noGrp="1" noRot="1" noChangeAspect="1" noMove="1" noResize="1" noEditPoints="1" noAdjustHandles="1" noChangeArrowheads="1" noChangeShapeType="1"/>
+              </p:cNvPicPr>
+              <p:nvPr/>
+            </p:nvPicPr>
+            <p:blipFill>
+              <a:blip r:embed="rId7"/>
+              <a:stretch>
+                <a:fillRect/>
+              </a:stretch>
+            </p:blipFill>
+            <p:spPr>
+              <a:xfrm>
+                <a:off x="10370442" y="5781640"/>
+                <a:ext cx="1529763" cy="860492"/>
+              </a:xfrm>
+              <a:prstGeom prst="rect">
+                <a:avLst/>
+              </a:prstGeom>
+              <a:ln w="3175">
+                <a:solidFill>
+                  <a:prstClr val="ltGray"/>
+                </a:solidFill>
+              </a:ln>
+            </p:spPr>
+          </p:pic>
+        </mc:Fallback>
+      </mc:AlternateContent>
     </p:spTree>
     <p:extLst>
       <p:ext uri="{BB962C8B-B14F-4D97-AF65-F5344CB8AC3E}">
@@ -27513,6 +27952,18 @@
   <p:clrMapOvr>
     <a:masterClrMapping/>
   </p:clrMapOvr>
+  <mc:AlternateContent xmlns:mc="http://schemas.openxmlformats.org/markup-compatibility/2006">
+    <mc:Choice xmlns:p159="http://schemas.microsoft.com/office/powerpoint/2015/09/main" Requires="p159">
+      <p:transition xmlns:p14="http://schemas.microsoft.com/office/powerpoint/2010/main" spd="slow" p14:dur="2000">
+        <p159:morph option="byObject"/>
+      </p:transition>
+    </mc:Choice>
+    <mc:Fallback>
+      <p:transition spd="slow">
+        <p:fade/>
+      </p:transition>
+    </mc:Fallback>
+  </mc:AlternateContent>
 </p:sld>
 </file>
 
@@ -27600,6 +28051,18 @@
   <p:clrMapOvr>
     <a:masterClrMapping/>
   </p:clrMapOvr>
+  <mc:AlternateContent xmlns:mc="http://schemas.openxmlformats.org/markup-compatibility/2006">
+    <mc:Choice xmlns:p14="http://schemas.microsoft.com/office/powerpoint/2010/main" Requires="p14">
+      <p:transition spd="med" p14:dur="700">
+        <p:fade/>
+      </p:transition>
+    </mc:Choice>
+    <mc:Fallback>
+      <p:transition spd="med">
+        <p:fade/>
+      </p:transition>
+    </mc:Fallback>
+  </mc:AlternateContent>
 </p:sld>
 </file>
 
@@ -27636,7 +28099,12 @@
             <p:ph type="title"/>
           </p:nvPr>
         </p:nvSpPr>
-        <p:spPr/>
+        <p:spPr>
+          <a:xfrm>
+            <a:off x="1141412" y="0"/>
+            <a:ext cx="9905998" cy="1478570"/>
+          </a:xfrm>
+        </p:spPr>
         <p:txBody>
           <a:bodyPr/>
           <a:lstStyle/>
@@ -27777,6 +28245,103 @@
           </a:p>
         </p:txBody>
       </p:sp>
+      <mc:AlternateContent xmlns:mc="http://schemas.openxmlformats.org/markup-compatibility/2006">
+        <mc:Choice xmlns:pslz="http://schemas.microsoft.com/office/powerpoint/2016/slidezoom" Requires="pslz">
+          <p:graphicFrame>
+            <p:nvGraphicFramePr>
+              <p:cNvPr id="3" name="Folienzoom 2">
+                <a:extLst>
+                  <a:ext uri="{FF2B5EF4-FFF2-40B4-BE49-F238E27FC236}">
+                    <a16:creationId xmlns:a16="http://schemas.microsoft.com/office/drawing/2014/main" id="{BC047ACE-1DF1-43FD-AC97-ED3492354DF0}"/>
+                  </a:ext>
+                </a:extLst>
+              </p:cNvPr>
+              <p:cNvGraphicFramePr>
+                <a:graphicFrameLocks noChangeAspect="1"/>
+              </p:cNvGraphicFramePr>
+              <p:nvPr>
+                <p:extLst>
+                  <p:ext uri="{D42A27DB-BD31-4B8C-83A1-F6EECF244321}">
+                    <p14:modId xmlns:p14="http://schemas.microsoft.com/office/powerpoint/2010/main" val="929987505"/>
+                  </p:ext>
+                </p:extLst>
+              </p:nvPr>
+            </p:nvGraphicFramePr>
+            <p:xfrm>
+              <a:off x="10529185" y="5823995"/>
+              <a:ext cx="1477285" cy="830973"/>
+            </p:xfrm>
+            <a:graphic>
+              <a:graphicData uri="http://schemas.microsoft.com/office/powerpoint/2016/slidezoom">
+                <pslz:sldZm>
+                  <pslz:sldZmObj sldId="257" cId="4173543988">
+                    <pslz:zmPr id="{FFF8EFBA-22EA-4496-A0C8-61A238C91F22}" returnToParent="0" transitionDur="1000">
+                      <p166:blipFill xmlns:p166="http://schemas.microsoft.com/office/powerpoint/2016/6/main">
+                        <a:blip r:embed="rId2"/>
+                        <a:stretch>
+                          <a:fillRect/>
+                        </a:stretch>
+                      </p166:blipFill>
+                      <p166:spPr xmlns:p166="http://schemas.microsoft.com/office/powerpoint/2016/6/main">
+                        <a:xfrm>
+                          <a:off x="0" y="0"/>
+                          <a:ext cx="1477285" cy="830973"/>
+                        </a:xfrm>
+                        <a:prstGeom prst="rect">
+                          <a:avLst/>
+                        </a:prstGeom>
+                        <a:ln w="3175">
+                          <a:solidFill>
+                            <a:prstClr val="ltGray"/>
+                          </a:solidFill>
+                        </a:ln>
+                      </p166:spPr>
+                    </pslz:zmPr>
+                  </pslz:sldZmObj>
+                </pslz:sldZm>
+              </a:graphicData>
+            </a:graphic>
+          </p:graphicFrame>
+        </mc:Choice>
+        <mc:Fallback>
+          <p:pic>
+            <p:nvPicPr>
+              <p:cNvPr id="3" name="Folienzoom 2">
+                <a:hlinkClick r:id="rId3" action="ppaction://hlinksldjump"/>
+                <a:extLst>
+                  <a:ext uri="{FF2B5EF4-FFF2-40B4-BE49-F238E27FC236}">
+                    <a16:creationId xmlns:a16="http://schemas.microsoft.com/office/drawing/2014/main" id="{BC047ACE-1DF1-43FD-AC97-ED3492354DF0}"/>
+                  </a:ext>
+                </a:extLst>
+              </p:cNvPr>
+              <p:cNvPicPr>
+                <a:picLocks noGrp="1" noRot="1" noChangeAspect="1" noMove="1" noResize="1" noEditPoints="1" noAdjustHandles="1" noChangeArrowheads="1" noChangeShapeType="1"/>
+              </p:cNvPicPr>
+              <p:nvPr/>
+            </p:nvPicPr>
+            <p:blipFill>
+              <a:blip r:embed="rId2"/>
+              <a:stretch>
+                <a:fillRect/>
+              </a:stretch>
+            </p:blipFill>
+            <p:spPr>
+              <a:xfrm>
+                <a:off x="10529185" y="5823995"/>
+                <a:ext cx="1477285" cy="830973"/>
+              </a:xfrm>
+              <a:prstGeom prst="rect">
+                <a:avLst/>
+              </a:prstGeom>
+              <a:ln w="3175">
+                <a:solidFill>
+                  <a:prstClr val="ltGray"/>
+                </a:solidFill>
+              </a:ln>
+            </p:spPr>
+          </p:pic>
+        </mc:Fallback>
+      </mc:AlternateContent>
     </p:spTree>
     <p:extLst>
       <p:ext uri="{BB962C8B-B14F-4D97-AF65-F5344CB8AC3E}">
@@ -27787,6 +28352,18 @@
   <p:clrMapOvr>
     <a:masterClrMapping/>
   </p:clrMapOvr>
+  <mc:AlternateContent xmlns:mc="http://schemas.openxmlformats.org/markup-compatibility/2006">
+    <mc:Choice xmlns:p159="http://schemas.microsoft.com/office/powerpoint/2015/09/main" Requires="p159">
+      <p:transition xmlns:p14="http://schemas.microsoft.com/office/powerpoint/2010/main" spd="slow" p14:dur="2000">
+        <p159:morph option="byObject"/>
+      </p:transition>
+    </mc:Choice>
+    <mc:Fallback>
+      <p:transition spd="slow">
+        <p:fade/>
+      </p:transition>
+    </mc:Fallback>
+  </mc:AlternateContent>
 </p:sld>
 </file>
 
@@ -27894,14 +28471,14 @@
               <p:nvPr>
                 <p:extLst>
                   <p:ext uri="{D42A27DB-BD31-4B8C-83A1-F6EECF244321}">
-                    <p14:modId xmlns:p14="http://schemas.microsoft.com/office/powerpoint/2010/main" val="665205179"/>
+                    <p14:modId xmlns:p14="http://schemas.microsoft.com/office/powerpoint/2010/main" val="1064396243"/>
                   </p:ext>
                 </p:extLst>
               </p:nvPr>
             </p:nvGraphicFramePr>
             <p:xfrm>
-              <a:off x="9069018" y="5056533"/>
-              <a:ext cx="3048000" cy="1714500"/>
+              <a:off x="10132504" y="5673325"/>
+              <a:ext cx="1834209" cy="1031743"/>
             </p:xfrm>
             <a:graphic>
               <a:graphicData uri="http://schemas.microsoft.com/office/powerpoint/2016/slidezoom">
@@ -27917,7 +28494,7 @@
                       <p166:spPr xmlns:p166="http://schemas.microsoft.com/office/powerpoint/2016/6/main">
                         <a:xfrm>
                           <a:off x="0" y="0"/>
-                          <a:ext cx="3048000" cy="1714500"/>
+                          <a:ext cx="1834209" cy="1031743"/>
                         </a:xfrm>
                         <a:prstGeom prst="rect">
                           <a:avLst/>
@@ -27959,8 +28536,8 @@
             </p:blipFill>
             <p:spPr>
               <a:xfrm>
-                <a:off x="9069018" y="5056533"/>
-                <a:ext cx="3048000" cy="1714500"/>
+                <a:off x="10132504" y="5673325"/>
+                <a:ext cx="1834209" cy="1031743"/>
               </a:xfrm>
               <a:prstGeom prst="rect">
                 <a:avLst/>
@@ -27984,13 +28561,13 @@
   <p:clrMapOvr>
     <a:masterClrMapping/>
   </p:clrMapOvr>
-  <mc:AlternateContent xmlns:mc="http://schemas.openxmlformats.org/markup-compatibility/2006">
-    <mc:Choice xmlns:p159="http://schemas.microsoft.com/office/powerpoint/2015/09/main" Requires="p159">
+  <mc:AlternateContent xmlns:mc="http://schemas.openxmlformats.org/markup-compatibility/2006" xmlns:p159="http://schemas.microsoft.com/office/powerpoint/2015/09/main">
+    <mc:Choice Requires="p159">
       <p:transition xmlns:p14="http://schemas.microsoft.com/office/powerpoint/2010/main" spd="slow" p14:dur="2000">
         <p159:morph option="byObject"/>
       </p:transition>
     </mc:Choice>
-    <mc:Fallback>
+    <mc:Fallback xmlns="">
       <p:transition spd="slow">
         <p:fade/>
       </p:transition>
@@ -28071,8 +28648,8 @@
         </p:blipFill>
         <p:spPr>
           <a:xfrm>
-            <a:off x="468956" y="523240"/>
-            <a:ext cx="11250912" cy="5811520"/>
+            <a:off x="-1" y="0"/>
+            <a:ext cx="12218563" cy="6858000"/>
           </a:xfrm>
         </p:spPr>
       </p:pic>
@@ -28086,6 +28663,18 @@
   <p:clrMapOvr>
     <a:masterClrMapping/>
   </p:clrMapOvr>
+  <mc:AlternateContent xmlns:mc="http://schemas.openxmlformats.org/markup-compatibility/2006">
+    <mc:Choice xmlns:p14="http://schemas.microsoft.com/office/powerpoint/2010/main" Requires="p14">
+      <p:transition spd="med" p14:dur="700">
+        <p:fade/>
+      </p:transition>
+    </mc:Choice>
+    <mc:Fallback>
+      <p:transition spd="med">
+        <p:fade/>
+      </p:transition>
+    </mc:Fallback>
+  </mc:AlternateContent>
 </p:sld>
 </file>
 
@@ -28155,8 +28744,8 @@
         </p:blipFill>
         <p:spPr>
           <a:xfrm>
-            <a:off x="341548" y="543271"/>
-            <a:ext cx="11508903" cy="5948969"/>
+            <a:off x="0" y="0"/>
+            <a:ext cx="12209963" cy="6858000"/>
           </a:xfrm>
           <a:prstGeom prst="rect">
             <a:avLst/>
@@ -28173,6 +28762,18 @@
   <p:clrMapOvr>
     <a:masterClrMapping/>
   </p:clrMapOvr>
+  <mc:AlternateContent xmlns:mc="http://schemas.openxmlformats.org/markup-compatibility/2006">
+    <mc:Choice xmlns:p14="http://schemas.microsoft.com/office/powerpoint/2010/main" Requires="p14">
+      <p:transition spd="med" p14:dur="700">
+        <p:fade/>
+      </p:transition>
+    </mc:Choice>
+    <mc:Fallback>
+      <p:transition spd="med">
+        <p:fade/>
+      </p:transition>
+    </mc:Fallback>
+  </mc:AlternateContent>
 </p:sld>
 </file>
 
@@ -28242,8 +28843,8 @@
         </p:blipFill>
         <p:spPr>
           <a:xfrm>
-            <a:off x="416560" y="618517"/>
-            <a:ext cx="11531600" cy="5948391"/>
+            <a:off x="0" y="0"/>
+            <a:ext cx="12192000" cy="6858000"/>
           </a:xfrm>
           <a:prstGeom prst="rect">
             <a:avLst/>
@@ -28260,6 +28861,18 @@
   <p:clrMapOvr>
     <a:masterClrMapping/>
   </p:clrMapOvr>
+  <mc:AlternateContent xmlns:mc="http://schemas.openxmlformats.org/markup-compatibility/2006">
+    <mc:Choice xmlns:p14="http://schemas.microsoft.com/office/powerpoint/2010/main" Requires="p14">
+      <p:transition spd="med" p14:dur="700">
+        <p:fade/>
+      </p:transition>
+    </mc:Choice>
+    <mc:Fallback>
+      <p:transition spd="med">
+        <p:fade/>
+      </p:transition>
+    </mc:Fallback>
+  </mc:AlternateContent>
 </p:sld>
 </file>
 
@@ -28329,8 +28942,8 @@
         </p:blipFill>
         <p:spPr>
           <a:xfrm>
-            <a:off x="469884" y="452120"/>
-            <a:ext cx="11541508" cy="5953760"/>
+            <a:off x="-1" y="-1"/>
+            <a:ext cx="12192001" cy="6858001"/>
           </a:xfrm>
           <a:prstGeom prst="rect">
             <a:avLst/>
@@ -28347,6 +28960,18 @@
   <p:clrMapOvr>
     <a:masterClrMapping/>
   </p:clrMapOvr>
+  <mc:AlternateContent xmlns:mc="http://schemas.openxmlformats.org/markup-compatibility/2006">
+    <mc:Choice xmlns:p14="http://schemas.microsoft.com/office/powerpoint/2010/main" Requires="p14">
+      <p:transition spd="med" p14:dur="700">
+        <p:fade/>
+      </p:transition>
+    </mc:Choice>
+    <mc:Fallback>
+      <p:transition spd="med">
+        <p:fade/>
+      </p:transition>
+    </mc:Fallback>
+  </mc:AlternateContent>
 </p:sld>
 </file>
 
@@ -28426,8 +29051,8 @@
           </a:graphicData>
         </a:graphic>
       </p:graphicFrame>
-      <mc:AlternateContent xmlns:mc="http://schemas.openxmlformats.org/markup-compatibility/2006">
-        <mc:Choice xmlns:pslz="http://schemas.microsoft.com/office/powerpoint/2016/slidezoom" Requires="pslz">
+      <mc:AlternateContent xmlns:mc="http://schemas.openxmlformats.org/markup-compatibility/2006" xmlns:pslz="http://schemas.microsoft.com/office/powerpoint/2016/slidezoom">
+        <mc:Choice Requires="pslz">
           <p:graphicFrame>
             <p:nvGraphicFramePr>
               <p:cNvPr id="6" name="Folienzoom 5">
@@ -28484,7 +29109,7 @@
             </a:graphic>
           </p:graphicFrame>
         </mc:Choice>
-        <mc:Fallback>
+        <mc:Fallback xmlns="">
           <p:pic>
             <p:nvPicPr>
               <p:cNvPr id="6" name="Folienzoom 5">
@@ -28501,7 +29126,7 @@
               <p:nvPr/>
             </p:nvPicPr>
             <p:blipFill>
-              <a:blip r:embed="rId7"/>
+              <a:blip r:embed="rId9"/>
               <a:stretch>
                 <a:fillRect/>
               </a:stretch>
@@ -28533,13 +29158,13 @@
   <p:clrMapOvr>
     <a:masterClrMapping/>
   </p:clrMapOvr>
-  <mc:AlternateContent xmlns:mc="http://schemas.openxmlformats.org/markup-compatibility/2006">
-    <mc:Choice xmlns:p159="http://schemas.microsoft.com/office/powerpoint/2015/09/main" Requires="p159">
+  <mc:AlternateContent xmlns:mc="http://schemas.openxmlformats.org/markup-compatibility/2006" xmlns:p159="http://schemas.microsoft.com/office/powerpoint/2015/09/main">
+    <mc:Choice Requires="p159">
       <p:transition xmlns:p14="http://schemas.microsoft.com/office/powerpoint/2010/main" spd="slow" p14:dur="2000">
         <p159:morph option="byObject"/>
       </p:transition>
     </mc:Choice>
-    <mc:Fallback>
+    <mc:Fallback xmlns="">
       <p:transition spd="slow">
         <p:fade/>
       </p:transition>
@@ -28581,7 +29206,12 @@
             <p:ph type="title"/>
           </p:nvPr>
         </p:nvSpPr>
-        <p:spPr/>
+        <p:spPr>
+          <a:xfrm>
+            <a:off x="1141412" y="0"/>
+            <a:ext cx="9905998" cy="1478570"/>
+          </a:xfrm>
+        </p:spPr>
         <p:txBody>
           <a:bodyPr/>
           <a:lstStyle/>
@@ -28614,13 +29244,13 @@
             <p:ph idx="1"/>
             <p:extLst>
               <p:ext uri="{D42A27DB-BD31-4B8C-83A1-F6EECF244321}">
-                <p14:modId xmlns:p14="http://schemas.microsoft.com/office/powerpoint/2010/main" val="4244746983"/>
+                <p14:modId xmlns:p14="http://schemas.microsoft.com/office/powerpoint/2010/main" val="354290134"/>
               </p:ext>
             </p:extLst>
           </p:nvPr>
         </p:nvGraphicFramePr>
         <p:xfrm>
-          <a:off x="1141412" y="2249487"/>
+          <a:off x="1141412" y="1428363"/>
           <a:ext cx="9905999" cy="3541714"/>
         </p:xfrm>
         <a:graphic>
@@ -28629,6 +29259,103 @@
           </a:graphicData>
         </a:graphic>
       </p:graphicFrame>
+      <mc:AlternateContent xmlns:mc="http://schemas.openxmlformats.org/markup-compatibility/2006">
+        <mc:Choice xmlns:pslz="http://schemas.microsoft.com/office/powerpoint/2016/slidezoom" Requires="pslz">
+          <p:graphicFrame>
+            <p:nvGraphicFramePr>
+              <p:cNvPr id="5" name="Folienzoom 4">
+                <a:extLst>
+                  <a:ext uri="{FF2B5EF4-FFF2-40B4-BE49-F238E27FC236}">
+                    <a16:creationId xmlns:a16="http://schemas.microsoft.com/office/drawing/2014/main" id="{A6C1565C-BFBC-4549-8826-9C523CADED8B}"/>
+                  </a:ext>
+                </a:extLst>
+              </p:cNvPr>
+              <p:cNvGraphicFramePr>
+                <a:graphicFrameLocks noChangeAspect="1"/>
+              </p:cNvGraphicFramePr>
+              <p:nvPr>
+                <p:extLst>
+                  <p:ext uri="{D42A27DB-BD31-4B8C-83A1-F6EECF244321}">
+                    <p14:modId xmlns:p14="http://schemas.microsoft.com/office/powerpoint/2010/main" val="980108315"/>
+                  </p:ext>
+                </p:extLst>
+              </p:nvPr>
+            </p:nvGraphicFramePr>
+            <p:xfrm>
+              <a:off x="10504768" y="5602168"/>
+              <a:ext cx="1511642" cy="1127135"/>
+            </p:xfrm>
+            <a:graphic>
+              <a:graphicData uri="http://schemas.microsoft.com/office/powerpoint/2016/slidezoom">
+                <pslz:sldZm>
+                  <pslz:sldZmObj sldId="265" cId="4279196888">
+                    <pslz:zmPr id="{6D91BB94-EE2D-4479-9995-EBD29780CF76}" returnToParent="0" transitionDur="1000">
+                      <p166:blipFill xmlns:p166="http://schemas.microsoft.com/office/powerpoint/2016/6/main">
+                        <a:blip r:embed="rId7"/>
+                        <a:stretch>
+                          <a:fillRect/>
+                        </a:stretch>
+                      </p166:blipFill>
+                      <p166:spPr xmlns:p166="http://schemas.microsoft.com/office/powerpoint/2016/6/main">
+                        <a:xfrm>
+                          <a:off x="0" y="0"/>
+                          <a:ext cx="1511642" cy="1127135"/>
+                        </a:xfrm>
+                        <a:prstGeom prst="rect">
+                          <a:avLst/>
+                        </a:prstGeom>
+                        <a:ln w="3175">
+                          <a:solidFill>
+                            <a:prstClr val="ltGray"/>
+                          </a:solidFill>
+                        </a:ln>
+                      </p166:spPr>
+                    </pslz:zmPr>
+                  </pslz:sldZmObj>
+                </pslz:sldZm>
+              </a:graphicData>
+            </a:graphic>
+          </p:graphicFrame>
+        </mc:Choice>
+        <mc:Fallback>
+          <p:pic>
+            <p:nvPicPr>
+              <p:cNvPr id="5" name="Folienzoom 4">
+                <a:hlinkClick r:id="rId8" action="ppaction://hlinksldjump"/>
+                <a:extLst>
+                  <a:ext uri="{FF2B5EF4-FFF2-40B4-BE49-F238E27FC236}">
+                    <a16:creationId xmlns:a16="http://schemas.microsoft.com/office/drawing/2014/main" id="{A6C1565C-BFBC-4549-8826-9C523CADED8B}"/>
+                  </a:ext>
+                </a:extLst>
+              </p:cNvPr>
+              <p:cNvPicPr>
+                <a:picLocks noGrp="1" noRot="1" noChangeAspect="1" noMove="1" noResize="1" noEditPoints="1" noAdjustHandles="1" noChangeArrowheads="1" noChangeShapeType="1"/>
+              </p:cNvPicPr>
+              <p:nvPr/>
+            </p:nvPicPr>
+            <p:blipFill>
+              <a:blip r:embed="rId7"/>
+              <a:stretch>
+                <a:fillRect/>
+              </a:stretch>
+            </p:blipFill>
+            <p:spPr>
+              <a:xfrm>
+                <a:off x="10504768" y="5602168"/>
+                <a:ext cx="1511642" cy="1127135"/>
+              </a:xfrm>
+              <a:prstGeom prst="rect">
+                <a:avLst/>
+              </a:prstGeom>
+              <a:ln w="3175">
+                <a:solidFill>
+                  <a:prstClr val="ltGray"/>
+                </a:solidFill>
+              </a:ln>
+            </p:spPr>
+          </p:pic>
+        </mc:Fallback>
+      </mc:AlternateContent>
     </p:spTree>
     <p:extLst>
       <p:ext uri="{BB962C8B-B14F-4D97-AF65-F5344CB8AC3E}">
@@ -28639,6 +29366,18 @@
   <p:clrMapOvr>
     <a:masterClrMapping/>
   </p:clrMapOvr>
+  <mc:AlternateContent xmlns:mc="http://schemas.openxmlformats.org/markup-compatibility/2006">
+    <mc:Choice xmlns:p159="http://schemas.microsoft.com/office/powerpoint/2015/09/main" Requires="p159">
+      <p:transition xmlns:p14="http://schemas.microsoft.com/office/powerpoint/2010/main" spd="slow" p14:dur="2000">
+        <p159:morph option="byObject"/>
+      </p:transition>
+    </mc:Choice>
+    <mc:Fallback>
+      <p:transition spd="slow">
+        <p:fade/>
+      </p:transition>
+    </mc:Fallback>
+  </mc:AlternateContent>
 </p:sld>
 </file>
 

--- a/Shisha-AT-Home.pptx
+++ b/Shisha-AT-Home.pptx
@@ -19,6 +19,8 @@
     <p:sldId id="266" r:id="rId13"/>
     <p:sldId id="267" r:id="rId14"/>
     <p:sldId id="269" r:id="rId15"/>
+    <p:sldId id="270" r:id="rId16"/>
+    <p:sldId id="271" r:id="rId17"/>
   </p:sldIdLst>
   <p:sldSz cx="12192000" cy="6858000"/>
   <p:notesSz cx="6858000" cy="9144000"/>
@@ -14822,7 +14824,7 @@
           <a:noFill/>
           <a:extLst>
             <a:ext uri="{909E8E84-426E-40dd-AFC4-6F175D3DCCD1}">
-              <a14:hiddenFill xmlns="" xmlns:a14="http://schemas.microsoft.com/office/drawing/2010/main">
+              <a14:hiddenFill xmlns:a14="http://schemas.microsoft.com/office/drawing/2010/main" xmlns="">
                 <a:solidFill>
                   <a:srgbClr val="FFFFFF"/>
                 </a:solidFill>
@@ -14882,7 +14884,7 @@
             </a:ln>
             <a:extLst>
               <a:ext uri="{91240B29-F687-4f45-9708-019B960494DF}">
-                <a14:hiddenLine xmlns="" xmlns:a14="http://schemas.microsoft.com/office/drawing/2010/main" w="9525">
+                <a14:hiddenLine xmlns:a14="http://schemas.microsoft.com/office/drawing/2010/main" xmlns="" w="9525">
                   <a:solidFill>
                     <a:srgbClr val="000000"/>
                   </a:solidFill>
@@ -14972,7 +14974,7 @@
             </a:ln>
             <a:extLst>
               <a:ext uri="{91240B29-F687-4f45-9708-019B960494DF}">
-                <a14:hiddenLine xmlns="" xmlns:a14="http://schemas.microsoft.com/office/drawing/2010/main" w="9525">
+                <a14:hiddenLine xmlns:a14="http://schemas.microsoft.com/office/drawing/2010/main" xmlns="" w="9525">
                   <a:solidFill>
                     <a:srgbClr val="000000"/>
                   </a:solidFill>
@@ -15062,7 +15064,7 @@
             </a:ln>
             <a:extLst>
               <a:ext uri="{91240B29-F687-4f45-9708-019B960494DF}">
-                <a14:hiddenLine xmlns="" xmlns:a14="http://schemas.microsoft.com/office/drawing/2010/main" w="9525">
+                <a14:hiddenLine xmlns:a14="http://schemas.microsoft.com/office/drawing/2010/main" xmlns="" w="9525">
                   <a:solidFill>
                     <a:srgbClr val="000000"/>
                   </a:solidFill>
@@ -15096,7 +15098,7 @@
             </a:ln>
             <a:extLst>
               <a:ext uri="{91240B29-F687-4f45-9708-019B960494DF}">
-                <a14:hiddenLine xmlns="" xmlns:a14="http://schemas.microsoft.com/office/drawing/2010/main" w="9525">
+                <a14:hiddenLine xmlns:a14="http://schemas.microsoft.com/office/drawing/2010/main" xmlns="" w="9525">
                   <a:solidFill>
                     <a:srgbClr val="000000"/>
                   </a:solidFill>
@@ -15186,7 +15188,7 @@
             </a:ln>
             <a:extLst>
               <a:ext uri="{91240B29-F687-4f45-9708-019B960494DF}">
-                <a14:hiddenLine xmlns="" xmlns:a14="http://schemas.microsoft.com/office/drawing/2010/main" w="9525">
+                <a14:hiddenLine xmlns:a14="http://schemas.microsoft.com/office/drawing/2010/main" xmlns="" w="9525">
                   <a:solidFill>
                     <a:srgbClr val="000000"/>
                   </a:solidFill>
@@ -15248,7 +15250,7 @@
             </a:ln>
             <a:extLst>
               <a:ext uri="{91240B29-F687-4f45-9708-019B960494DF}">
-                <a14:hiddenLine xmlns="" xmlns:a14="http://schemas.microsoft.com/office/drawing/2010/main" w="9525">
+                <a14:hiddenLine xmlns:a14="http://schemas.microsoft.com/office/drawing/2010/main" xmlns="" w="9525">
                   <a:solidFill>
                     <a:srgbClr val="000000"/>
                   </a:solidFill>
@@ -15310,7 +15312,7 @@
             </a:ln>
             <a:extLst>
               <a:ext uri="{91240B29-F687-4f45-9708-019B960494DF}">
-                <a14:hiddenLine xmlns="" xmlns:a14="http://schemas.microsoft.com/office/drawing/2010/main" w="9525">
+                <a14:hiddenLine xmlns:a14="http://schemas.microsoft.com/office/drawing/2010/main" xmlns="" w="9525">
                   <a:solidFill>
                     <a:srgbClr val="000000"/>
                   </a:solidFill>
@@ -15400,7 +15402,7 @@
             </a:ln>
             <a:extLst>
               <a:ext uri="{91240B29-F687-4f45-9708-019B960494DF}">
-                <a14:hiddenLine xmlns="" xmlns:a14="http://schemas.microsoft.com/office/drawing/2010/main" w="9525">
+                <a14:hiddenLine xmlns:a14="http://schemas.microsoft.com/office/drawing/2010/main" xmlns="" w="9525">
                   <a:solidFill>
                     <a:srgbClr val="000000"/>
                   </a:solidFill>
@@ -15462,7 +15464,7 @@
             </a:ln>
             <a:extLst>
               <a:ext uri="{91240B29-F687-4f45-9708-019B960494DF}">
-                <a14:hiddenLine xmlns="" xmlns:a14="http://schemas.microsoft.com/office/drawing/2010/main" w="9525">
+                <a14:hiddenLine xmlns:a14="http://schemas.microsoft.com/office/drawing/2010/main" xmlns="" w="9525">
                   <a:solidFill>
                     <a:srgbClr val="000000"/>
                   </a:solidFill>
@@ -15524,7 +15526,7 @@
             </a:ln>
             <a:extLst>
               <a:ext uri="{91240B29-F687-4f45-9708-019B960494DF}">
-                <a14:hiddenLine xmlns="" xmlns:a14="http://schemas.microsoft.com/office/drawing/2010/main" w="9525">
+                <a14:hiddenLine xmlns:a14="http://schemas.microsoft.com/office/drawing/2010/main" xmlns="" w="9525">
                   <a:solidFill>
                     <a:srgbClr val="000000"/>
                   </a:solidFill>
@@ -15614,7 +15616,7 @@
             </a:ln>
             <a:extLst>
               <a:ext uri="{91240B29-F687-4f45-9708-019B960494DF}">
-                <a14:hiddenLine xmlns="" xmlns:a14="http://schemas.microsoft.com/office/drawing/2010/main" w="9525">
+                <a14:hiddenLine xmlns:a14="http://schemas.microsoft.com/office/drawing/2010/main" xmlns="" w="9525">
                   <a:solidFill>
                     <a:srgbClr val="000000"/>
                   </a:solidFill>
@@ -15704,7 +15706,7 @@
             </a:ln>
             <a:extLst>
               <a:ext uri="{91240B29-F687-4f45-9708-019B960494DF}">
-                <a14:hiddenLine xmlns="" xmlns:a14="http://schemas.microsoft.com/office/drawing/2010/main" w="9525">
+                <a14:hiddenLine xmlns:a14="http://schemas.microsoft.com/office/drawing/2010/main" xmlns="" w="9525">
                   <a:solidFill>
                     <a:srgbClr val="000000"/>
                   </a:solidFill>
@@ -15766,7 +15768,7 @@
             </a:ln>
             <a:extLst>
               <a:ext uri="{91240B29-F687-4f45-9708-019B960494DF}">
-                <a14:hiddenLine xmlns="" xmlns:a14="http://schemas.microsoft.com/office/drawing/2010/main" w="9525">
+                <a14:hiddenLine xmlns:a14="http://schemas.microsoft.com/office/drawing/2010/main" xmlns="" w="9525">
                   <a:solidFill>
                     <a:srgbClr val="000000"/>
                   </a:solidFill>
@@ -15876,7 +15878,7 @@
             </a:ln>
             <a:extLst>
               <a:ext uri="{91240B29-F687-4f45-9708-019B960494DF}">
-                <a14:hiddenLine xmlns="" xmlns:a14="http://schemas.microsoft.com/office/drawing/2010/main" w="9525">
+                <a14:hiddenLine xmlns:a14="http://schemas.microsoft.com/office/drawing/2010/main" xmlns="" w="9525">
                   <a:solidFill>
                     <a:srgbClr val="000000"/>
                   </a:solidFill>
@@ -15938,7 +15940,7 @@
             </a:ln>
             <a:extLst>
               <a:ext uri="{91240B29-F687-4f45-9708-019B960494DF}">
-                <a14:hiddenLine xmlns="" xmlns:a14="http://schemas.microsoft.com/office/drawing/2010/main" w="9525">
+                <a14:hiddenLine xmlns:a14="http://schemas.microsoft.com/office/drawing/2010/main" xmlns="" w="9525">
                   <a:solidFill>
                     <a:srgbClr val="000000"/>
                   </a:solidFill>
@@ -16028,7 +16030,7 @@
             </a:ln>
             <a:extLst>
               <a:ext uri="{91240B29-F687-4f45-9708-019B960494DF}">
-                <a14:hiddenLine xmlns="" xmlns:a14="http://schemas.microsoft.com/office/drawing/2010/main" w="9525">
+                <a14:hiddenLine xmlns:a14="http://schemas.microsoft.com/office/drawing/2010/main" xmlns="" w="9525">
                   <a:solidFill>
                     <a:srgbClr val="000000"/>
                   </a:solidFill>
@@ -16118,7 +16120,7 @@
             </a:ln>
             <a:extLst>
               <a:ext uri="{91240B29-F687-4f45-9708-019B960494DF}">
-                <a14:hiddenLine xmlns="" xmlns:a14="http://schemas.microsoft.com/office/drawing/2010/main" w="9525">
+                <a14:hiddenLine xmlns:a14="http://schemas.microsoft.com/office/drawing/2010/main" xmlns="" w="9525">
                   <a:solidFill>
                     <a:srgbClr val="000000"/>
                   </a:solidFill>
@@ -16180,7 +16182,7 @@
             </a:ln>
             <a:extLst>
               <a:ext uri="{91240B29-F687-4f45-9708-019B960494DF}">
-                <a14:hiddenLine xmlns="" xmlns:a14="http://schemas.microsoft.com/office/drawing/2010/main" w="9525">
+                <a14:hiddenLine xmlns:a14="http://schemas.microsoft.com/office/drawing/2010/main" xmlns="" w="9525">
                   <a:solidFill>
                     <a:srgbClr val="000000"/>
                   </a:solidFill>
@@ -16270,7 +16272,7 @@
             </a:ln>
             <a:extLst>
               <a:ext uri="{91240B29-F687-4f45-9708-019B960494DF}">
-                <a14:hiddenLine xmlns="" xmlns:a14="http://schemas.microsoft.com/office/drawing/2010/main" w="9525">
+                <a14:hiddenLine xmlns:a14="http://schemas.microsoft.com/office/drawing/2010/main" xmlns="" w="9525">
                   <a:solidFill>
                     <a:srgbClr val="000000"/>
                   </a:solidFill>
@@ -16360,7 +16362,7 @@
             </a:ln>
             <a:extLst>
               <a:ext uri="{91240B29-F687-4f45-9708-019B960494DF}">
-                <a14:hiddenLine xmlns="" xmlns:a14="http://schemas.microsoft.com/office/drawing/2010/main" w="9525">
+                <a14:hiddenLine xmlns:a14="http://schemas.microsoft.com/office/drawing/2010/main" xmlns="" w="9525">
                   <a:solidFill>
                     <a:srgbClr val="000000"/>
                   </a:solidFill>
@@ -16416,7 +16418,7 @@
             </a:ln>
             <a:extLst>
               <a:ext uri="{91240B29-F687-4f45-9708-019B960494DF}">
-                <a14:hiddenLine xmlns="" xmlns:a14="http://schemas.microsoft.com/office/drawing/2010/main" w="9525">
+                <a14:hiddenLine xmlns:a14="http://schemas.microsoft.com/office/drawing/2010/main" xmlns="" w="9525">
                   <a:solidFill>
                     <a:srgbClr val="000000"/>
                   </a:solidFill>
@@ -16506,7 +16508,7 @@
             </a:ln>
             <a:extLst>
               <a:ext uri="{91240B29-F687-4f45-9708-019B960494DF}">
-                <a14:hiddenLine xmlns="" xmlns:a14="http://schemas.microsoft.com/office/drawing/2010/main" w="9525">
+                <a14:hiddenLine xmlns:a14="http://schemas.microsoft.com/office/drawing/2010/main" xmlns="" w="9525">
                   <a:solidFill>
                     <a:srgbClr val="000000"/>
                   </a:solidFill>
@@ -16562,7 +16564,7 @@
             </a:ln>
             <a:extLst>
               <a:ext uri="{91240B29-F687-4f45-9708-019B960494DF}">
-                <a14:hiddenLine xmlns="" xmlns:a14="http://schemas.microsoft.com/office/drawing/2010/main" w="9525">
+                <a14:hiddenLine xmlns:a14="http://schemas.microsoft.com/office/drawing/2010/main" xmlns="" w="9525">
                   <a:solidFill>
                     <a:srgbClr val="000000"/>
                   </a:solidFill>
@@ -16652,7 +16654,7 @@
             </a:ln>
             <a:extLst>
               <a:ext uri="{91240B29-F687-4f45-9708-019B960494DF}">
-                <a14:hiddenLine xmlns="" xmlns:a14="http://schemas.microsoft.com/office/drawing/2010/main" w="9525">
+                <a14:hiddenLine xmlns:a14="http://schemas.microsoft.com/office/drawing/2010/main" xmlns="" w="9525">
                   <a:solidFill>
                     <a:srgbClr val="000000"/>
                   </a:solidFill>
@@ -16720,7 +16722,7 @@
             </a:ln>
             <a:extLst>
               <a:ext uri="{91240B29-F687-4f45-9708-019B960494DF}">
-                <a14:hiddenLine xmlns="" xmlns:a14="http://schemas.microsoft.com/office/drawing/2010/main" w="9525">
+                <a14:hiddenLine xmlns:a14="http://schemas.microsoft.com/office/drawing/2010/main" xmlns="" w="9525">
                   <a:solidFill>
                     <a:srgbClr val="000000"/>
                   </a:solidFill>
@@ -16810,7 +16812,7 @@
             </a:ln>
             <a:extLst>
               <a:ext uri="{91240B29-F687-4f45-9708-019B960494DF}">
-                <a14:hiddenLine xmlns="" xmlns:a14="http://schemas.microsoft.com/office/drawing/2010/main" w="9525">
+                <a14:hiddenLine xmlns:a14="http://schemas.microsoft.com/office/drawing/2010/main" xmlns="" w="9525">
                   <a:solidFill>
                     <a:srgbClr val="000000"/>
                   </a:solidFill>
@@ -16878,7 +16880,7 @@
             </a:ln>
             <a:extLst>
               <a:ext uri="{91240B29-F687-4f45-9708-019B960494DF}">
-                <a14:hiddenLine xmlns="" xmlns:a14="http://schemas.microsoft.com/office/drawing/2010/main" w="9525">
+                <a14:hiddenLine xmlns:a14="http://schemas.microsoft.com/office/drawing/2010/main" xmlns="" w="9525">
                   <a:solidFill>
                     <a:srgbClr val="000000"/>
                   </a:solidFill>
@@ -16968,7 +16970,7 @@
             </a:ln>
             <a:extLst>
               <a:ext uri="{91240B29-F687-4f45-9708-019B960494DF}">
-                <a14:hiddenLine xmlns="" xmlns:a14="http://schemas.microsoft.com/office/drawing/2010/main" w="9525">
+                <a14:hiddenLine xmlns:a14="http://schemas.microsoft.com/office/drawing/2010/main" xmlns="" w="9525">
                   <a:solidFill>
                     <a:srgbClr val="000000"/>
                   </a:solidFill>
@@ -17002,7 +17004,7 @@
             </a:ln>
             <a:extLst>
               <a:ext uri="{91240B29-F687-4f45-9708-019B960494DF}">
-                <a14:hiddenLine xmlns="" xmlns:a14="http://schemas.microsoft.com/office/drawing/2010/main" w="9525">
+                <a14:hiddenLine xmlns:a14="http://schemas.microsoft.com/office/drawing/2010/main" xmlns="" w="9525">
                   <a:solidFill>
                     <a:srgbClr val="000000"/>
                   </a:solidFill>
@@ -17092,7 +17094,7 @@
             </a:ln>
             <a:extLst>
               <a:ext uri="{91240B29-F687-4f45-9708-019B960494DF}">
-                <a14:hiddenLine xmlns="" xmlns:a14="http://schemas.microsoft.com/office/drawing/2010/main" w="9525">
+                <a14:hiddenLine xmlns:a14="http://schemas.microsoft.com/office/drawing/2010/main" xmlns="" w="9525">
                   <a:solidFill>
                     <a:srgbClr val="000000"/>
                   </a:solidFill>
@@ -17154,7 +17156,7 @@
             </a:ln>
             <a:extLst>
               <a:ext uri="{91240B29-F687-4f45-9708-019B960494DF}">
-                <a14:hiddenLine xmlns="" xmlns:a14="http://schemas.microsoft.com/office/drawing/2010/main" w="9525">
+                <a14:hiddenLine xmlns:a14="http://schemas.microsoft.com/office/drawing/2010/main" xmlns="" w="9525">
                   <a:solidFill>
                     <a:srgbClr val="000000"/>
                   </a:solidFill>
@@ -17216,7 +17218,7 @@
             </a:ln>
             <a:extLst>
               <a:ext uri="{91240B29-F687-4f45-9708-019B960494DF}">
-                <a14:hiddenLine xmlns="" xmlns:a14="http://schemas.microsoft.com/office/drawing/2010/main" w="9525">
+                <a14:hiddenLine xmlns:a14="http://schemas.microsoft.com/office/drawing/2010/main" xmlns="" w="9525">
                   <a:solidFill>
                     <a:srgbClr val="000000"/>
                   </a:solidFill>
@@ -17306,7 +17308,7 @@
             </a:ln>
             <a:extLst>
               <a:ext uri="{91240B29-F687-4f45-9708-019B960494DF}">
-                <a14:hiddenLine xmlns="" xmlns:a14="http://schemas.microsoft.com/office/drawing/2010/main" w="9525">
+                <a14:hiddenLine xmlns:a14="http://schemas.microsoft.com/office/drawing/2010/main" xmlns="" w="9525">
                   <a:solidFill>
                     <a:srgbClr val="000000"/>
                   </a:solidFill>
@@ -17374,7 +17376,7 @@
             </a:ln>
             <a:extLst>
               <a:ext uri="{91240B29-F687-4f45-9708-019B960494DF}">
-                <a14:hiddenLine xmlns="" xmlns:a14="http://schemas.microsoft.com/office/drawing/2010/main" w="9525">
+                <a14:hiddenLine xmlns:a14="http://schemas.microsoft.com/office/drawing/2010/main" xmlns="" w="9525">
                   <a:solidFill>
                     <a:srgbClr val="000000"/>
                   </a:solidFill>
@@ -17436,7 +17438,7 @@
             </a:ln>
             <a:extLst>
               <a:ext uri="{91240B29-F687-4f45-9708-019B960494DF}">
-                <a14:hiddenLine xmlns="" xmlns:a14="http://schemas.microsoft.com/office/drawing/2010/main" w="9525">
+                <a14:hiddenLine xmlns:a14="http://schemas.microsoft.com/office/drawing/2010/main" xmlns="" w="9525">
                   <a:solidFill>
                     <a:srgbClr val="000000"/>
                   </a:solidFill>
@@ -17526,7 +17528,7 @@
             </a:ln>
             <a:extLst>
               <a:ext uri="{91240B29-F687-4f45-9708-019B960494DF}">
-                <a14:hiddenLine xmlns="" xmlns:a14="http://schemas.microsoft.com/office/drawing/2010/main" w="9525">
+                <a14:hiddenLine xmlns:a14="http://schemas.microsoft.com/office/drawing/2010/main" xmlns="" w="9525">
                   <a:solidFill>
                     <a:srgbClr val="000000"/>
                   </a:solidFill>
@@ -17588,7 +17590,7 @@
             </a:ln>
             <a:extLst>
               <a:ext uri="{91240B29-F687-4f45-9708-019B960494DF}">
-                <a14:hiddenLine xmlns="" xmlns:a14="http://schemas.microsoft.com/office/drawing/2010/main" w="9525">
+                <a14:hiddenLine xmlns:a14="http://schemas.microsoft.com/office/drawing/2010/main" xmlns="" w="9525">
                   <a:solidFill>
                     <a:srgbClr val="000000"/>
                   </a:solidFill>
@@ -17678,7 +17680,7 @@
             </a:ln>
             <a:extLst>
               <a:ext uri="{91240B29-F687-4f45-9708-019B960494DF}">
-                <a14:hiddenLine xmlns="" xmlns:a14="http://schemas.microsoft.com/office/drawing/2010/main" w="9525">
+                <a14:hiddenLine xmlns:a14="http://schemas.microsoft.com/office/drawing/2010/main" xmlns="" w="9525">
                   <a:solidFill>
                     <a:srgbClr val="000000"/>
                   </a:solidFill>
@@ -17740,7 +17742,7 @@
             </a:ln>
             <a:extLst>
               <a:ext uri="{91240B29-F687-4f45-9708-019B960494DF}">
-                <a14:hiddenLine xmlns="" xmlns:a14="http://schemas.microsoft.com/office/drawing/2010/main" w="9525">
+                <a14:hiddenLine xmlns:a14="http://schemas.microsoft.com/office/drawing/2010/main" xmlns="" w="9525">
                   <a:solidFill>
                     <a:srgbClr val="000000"/>
                   </a:solidFill>
@@ -17830,7 +17832,7 @@
             </a:ln>
             <a:extLst>
               <a:ext uri="{91240B29-F687-4f45-9708-019B960494DF}">
-                <a14:hiddenLine xmlns="" xmlns:a14="http://schemas.microsoft.com/office/drawing/2010/main" w="9525">
+                <a14:hiddenLine xmlns:a14="http://schemas.microsoft.com/office/drawing/2010/main" xmlns="" w="9525">
                   <a:solidFill>
                     <a:srgbClr val="000000"/>
                   </a:solidFill>
@@ -17864,7 +17866,7 @@
             </a:ln>
             <a:extLst>
               <a:ext uri="{91240B29-F687-4f45-9708-019B960494DF}">
-                <a14:hiddenLine xmlns="" xmlns:a14="http://schemas.microsoft.com/office/drawing/2010/main" w="9525">
+                <a14:hiddenLine xmlns:a14="http://schemas.microsoft.com/office/drawing/2010/main" xmlns="" w="9525">
                   <a:solidFill>
                     <a:srgbClr val="000000"/>
                   </a:solidFill>
@@ -17929,7 +17931,7 @@
             </a:ln>
             <a:extLst>
               <a:ext uri="{91240B29-F687-4f45-9708-019B960494DF}">
-                <a14:hiddenLine xmlns="" xmlns:a14="http://schemas.microsoft.com/office/drawing/2010/main" w="9525">
+                <a14:hiddenLine xmlns:a14="http://schemas.microsoft.com/office/drawing/2010/main" xmlns="" w="9525">
                   <a:solidFill>
                     <a:srgbClr val="000000"/>
                   </a:solidFill>
@@ -18019,7 +18021,7 @@
             </a:ln>
             <a:extLst>
               <a:ext uri="{91240B29-F687-4f45-9708-019B960494DF}">
-                <a14:hiddenLine xmlns="" xmlns:a14="http://schemas.microsoft.com/office/drawing/2010/main" w="9525">
+                <a14:hiddenLine xmlns:a14="http://schemas.microsoft.com/office/drawing/2010/main" xmlns="" w="9525">
                   <a:solidFill>
                     <a:srgbClr val="000000"/>
                   </a:solidFill>
@@ -18081,7 +18083,7 @@
             </a:ln>
             <a:extLst>
               <a:ext uri="{91240B29-F687-4f45-9708-019B960494DF}">
-                <a14:hiddenLine xmlns="" xmlns:a14="http://schemas.microsoft.com/office/drawing/2010/main" w="9525">
+                <a14:hiddenLine xmlns:a14="http://schemas.microsoft.com/office/drawing/2010/main" xmlns="" w="9525">
                   <a:solidFill>
                     <a:srgbClr val="000000"/>
                   </a:solidFill>
@@ -18171,7 +18173,7 @@
             </a:ln>
             <a:extLst>
               <a:ext uri="{91240B29-F687-4f45-9708-019B960494DF}">
-                <a14:hiddenLine xmlns="" xmlns:a14="http://schemas.microsoft.com/office/drawing/2010/main" w="9525">
+                <a14:hiddenLine xmlns:a14="http://schemas.microsoft.com/office/drawing/2010/main" xmlns="" w="9525">
                   <a:solidFill>
                     <a:srgbClr val="000000"/>
                   </a:solidFill>
@@ -18261,7 +18263,7 @@
             </a:ln>
             <a:extLst>
               <a:ext uri="{91240B29-F687-4f45-9708-019B960494DF}">
-                <a14:hiddenLine xmlns="" xmlns:a14="http://schemas.microsoft.com/office/drawing/2010/main" w="9525">
+                <a14:hiddenLine xmlns:a14="http://schemas.microsoft.com/office/drawing/2010/main" xmlns="" w="9525">
                   <a:solidFill>
                     <a:srgbClr val="000000"/>
                   </a:solidFill>
@@ -18326,7 +18328,7 @@
             </a:ln>
             <a:extLst>
               <a:ext uri="{91240B29-F687-4f45-9708-019B960494DF}">
-                <a14:hiddenLine xmlns="" xmlns:a14="http://schemas.microsoft.com/office/drawing/2010/main" w="9525">
+                <a14:hiddenLine xmlns:a14="http://schemas.microsoft.com/office/drawing/2010/main" xmlns="" w="9525">
                   <a:solidFill>
                     <a:srgbClr val="000000"/>
                   </a:solidFill>
@@ -18388,7 +18390,7 @@
             </a:ln>
             <a:extLst>
               <a:ext uri="{91240B29-F687-4f45-9708-019B960494DF}">
-                <a14:hiddenLine xmlns="" xmlns:a14="http://schemas.microsoft.com/office/drawing/2010/main" w="9525">
+                <a14:hiddenLine xmlns:a14="http://schemas.microsoft.com/office/drawing/2010/main" xmlns="" w="9525">
                   <a:solidFill>
                     <a:srgbClr val="000000"/>
                   </a:solidFill>
@@ -18478,7 +18480,7 @@
             </a:ln>
             <a:extLst>
               <a:ext uri="{91240B29-F687-4f45-9708-019B960494DF}">
-                <a14:hiddenLine xmlns="" xmlns:a14="http://schemas.microsoft.com/office/drawing/2010/main" w="9525">
+                <a14:hiddenLine xmlns:a14="http://schemas.microsoft.com/office/drawing/2010/main" xmlns="" w="9525">
                   <a:solidFill>
                     <a:srgbClr val="000000"/>
                   </a:solidFill>
@@ -18568,7 +18570,7 @@
             </a:ln>
             <a:extLst>
               <a:ext uri="{91240B29-F687-4f45-9708-019B960494DF}">
-                <a14:hiddenLine xmlns="" xmlns:a14="http://schemas.microsoft.com/office/drawing/2010/main" w="9525">
+                <a14:hiddenLine xmlns:a14="http://schemas.microsoft.com/office/drawing/2010/main" xmlns="" w="9525">
                   <a:solidFill>
                     <a:srgbClr val="000000"/>
                   </a:solidFill>
@@ -18630,7 +18632,7 @@
             </a:ln>
             <a:extLst>
               <a:ext uri="{91240B29-F687-4f45-9708-019B960494DF}">
-                <a14:hiddenLine xmlns="" xmlns:a14="http://schemas.microsoft.com/office/drawing/2010/main" w="9525">
+                <a14:hiddenLine xmlns:a14="http://schemas.microsoft.com/office/drawing/2010/main" xmlns="" w="9525">
                   <a:solidFill>
                     <a:srgbClr val="000000"/>
                   </a:solidFill>
@@ -18750,7 +18752,7 @@
             </a:ln>
             <a:extLst>
               <a:ext uri="{91240B29-F687-4f45-9708-019B960494DF}">
-                <a14:hiddenLine xmlns="" xmlns:a14="http://schemas.microsoft.com/office/drawing/2010/main" w="9525">
+                <a14:hiddenLine xmlns:a14="http://schemas.microsoft.com/office/drawing/2010/main" xmlns="" w="9525">
                   <a:solidFill>
                     <a:srgbClr val="000000"/>
                   </a:solidFill>
@@ -18818,7 +18820,7 @@
             </a:ln>
             <a:extLst>
               <a:ext uri="{91240B29-F687-4f45-9708-019B960494DF}">
-                <a14:hiddenLine xmlns="" xmlns:a14="http://schemas.microsoft.com/office/drawing/2010/main" w="9525">
+                <a14:hiddenLine xmlns:a14="http://schemas.microsoft.com/office/drawing/2010/main" xmlns="" w="9525">
                   <a:solidFill>
                     <a:srgbClr val="000000"/>
                   </a:solidFill>
@@ -18908,7 +18910,7 @@
             </a:ln>
             <a:extLst>
               <a:ext uri="{91240B29-F687-4f45-9708-019B960494DF}">
-                <a14:hiddenLine xmlns="" xmlns:a14="http://schemas.microsoft.com/office/drawing/2010/main" w="9525">
+                <a14:hiddenLine xmlns:a14="http://schemas.microsoft.com/office/drawing/2010/main" xmlns="" w="9525">
                   <a:solidFill>
                     <a:srgbClr val="000000"/>
                   </a:solidFill>
@@ -19048,7 +19050,7 @@
           <a:p>
             <a:fld id="{49FE1610-324D-466C-9E55-FCF3BC3E4ABF}" type="datetimeFigureOut">
               <a:rPr lang="de-DE" smtClean="0"/>
-              <a:t>10.10.2019</a:t>
+              <a:t>28.10.2019</a:t>
             </a:fld>
             <a:endParaRPr lang="de-DE"/>
           </a:p>
@@ -19315,7 +19317,7 @@
           <a:p>
             <a:fld id="{49FE1610-324D-466C-9E55-FCF3BC3E4ABF}" type="datetimeFigureOut">
               <a:rPr lang="de-DE" smtClean="0"/>
-              <a:t>10.10.2019</a:t>
+              <a:t>28.10.2019</a:t>
             </a:fld>
             <a:endParaRPr lang="de-DE"/>
           </a:p>
@@ -19511,7 +19513,7 @@
           <a:p>
             <a:fld id="{49FE1610-324D-466C-9E55-FCF3BC3E4ABF}" type="datetimeFigureOut">
               <a:rPr lang="de-DE" smtClean="0"/>
-              <a:t>10.10.2019</a:t>
+              <a:t>28.10.2019</a:t>
             </a:fld>
             <a:endParaRPr lang="de-DE"/>
           </a:p>
@@ -19774,7 +19776,7 @@
           <a:p>
             <a:fld id="{49FE1610-324D-466C-9E55-FCF3BC3E4ABF}" type="datetimeFigureOut">
               <a:rPr lang="de-DE" smtClean="0"/>
-              <a:t>10.10.2019</a:t>
+              <a:t>28.10.2019</a:t>
             </a:fld>
             <a:endParaRPr lang="de-DE"/>
           </a:p>
@@ -20208,7 +20210,7 @@
           <a:p>
             <a:fld id="{49FE1610-324D-466C-9E55-FCF3BC3E4ABF}" type="datetimeFigureOut">
               <a:rPr lang="de-DE" smtClean="0"/>
-              <a:t>10.10.2019</a:t>
+              <a:t>28.10.2019</a:t>
             </a:fld>
             <a:endParaRPr lang="de-DE"/>
           </a:p>
@@ -20754,7 +20756,7 @@
           <a:p>
             <a:fld id="{49FE1610-324D-466C-9E55-FCF3BC3E4ABF}" type="datetimeFigureOut">
               <a:rPr lang="de-DE" smtClean="0"/>
-              <a:t>10.10.2019</a:t>
+              <a:t>28.10.2019</a:t>
             </a:fld>
             <a:endParaRPr lang="de-DE"/>
           </a:p>
@@ -21474,7 +21476,7 @@
           <a:p>
             <a:fld id="{49FE1610-324D-466C-9E55-FCF3BC3E4ABF}" type="datetimeFigureOut">
               <a:rPr lang="de-DE" smtClean="0"/>
-              <a:t>10.10.2019</a:t>
+              <a:t>28.10.2019</a:t>
             </a:fld>
             <a:endParaRPr lang="de-DE"/>
           </a:p>
@@ -21644,7 +21646,7 @@
           <a:p>
             <a:fld id="{49FE1610-324D-466C-9E55-FCF3BC3E4ABF}" type="datetimeFigureOut">
               <a:rPr lang="de-DE" smtClean="0"/>
-              <a:t>10.10.2019</a:t>
+              <a:t>28.10.2019</a:t>
             </a:fld>
             <a:endParaRPr lang="de-DE"/>
           </a:p>
@@ -21824,7 +21826,7 @@
           <a:p>
             <a:fld id="{49FE1610-324D-466C-9E55-FCF3BC3E4ABF}" type="datetimeFigureOut">
               <a:rPr lang="de-DE" smtClean="0"/>
-              <a:t>10.10.2019</a:t>
+              <a:t>28.10.2019</a:t>
             </a:fld>
             <a:endParaRPr lang="de-DE"/>
           </a:p>
@@ -21994,7 +21996,7 @@
           <a:p>
             <a:fld id="{49FE1610-324D-466C-9E55-FCF3BC3E4ABF}" type="datetimeFigureOut">
               <a:rPr lang="de-DE" smtClean="0"/>
-              <a:t>10.10.2019</a:t>
+              <a:t>28.10.2019</a:t>
             </a:fld>
             <a:endParaRPr lang="de-DE"/>
           </a:p>
@@ -22244,7 +22246,7 @@
           <a:p>
             <a:fld id="{49FE1610-324D-466C-9E55-FCF3BC3E4ABF}" type="datetimeFigureOut">
               <a:rPr lang="de-DE" smtClean="0"/>
-              <a:t>10.10.2019</a:t>
+              <a:t>28.10.2019</a:t>
             </a:fld>
             <a:endParaRPr lang="de-DE"/>
           </a:p>
@@ -22476,7 +22478,7 @@
           <a:p>
             <a:fld id="{49FE1610-324D-466C-9E55-FCF3BC3E4ABF}" type="datetimeFigureOut">
               <a:rPr lang="de-DE" smtClean="0"/>
-              <a:t>10.10.2019</a:t>
+              <a:t>28.10.2019</a:t>
             </a:fld>
             <a:endParaRPr lang="de-DE"/>
           </a:p>
@@ -22857,7 +22859,7 @@
           <a:p>
             <a:fld id="{49FE1610-324D-466C-9E55-FCF3BC3E4ABF}" type="datetimeFigureOut">
               <a:rPr lang="de-DE" smtClean="0"/>
-              <a:t>10.10.2019</a:t>
+              <a:t>28.10.2019</a:t>
             </a:fld>
             <a:endParaRPr lang="de-DE"/>
           </a:p>
@@ -22975,7 +22977,7 @@
           <a:p>
             <a:fld id="{49FE1610-324D-466C-9E55-FCF3BC3E4ABF}" type="datetimeFigureOut">
               <a:rPr lang="de-DE" smtClean="0"/>
-              <a:t>10.10.2019</a:t>
+              <a:t>28.10.2019</a:t>
             </a:fld>
             <a:endParaRPr lang="de-DE"/>
           </a:p>
@@ -23070,7 +23072,7 @@
           <a:p>
             <a:fld id="{49FE1610-324D-466C-9E55-FCF3BC3E4ABF}" type="datetimeFigureOut">
               <a:rPr lang="de-DE" smtClean="0"/>
-              <a:t>10.10.2019</a:t>
+              <a:t>28.10.2019</a:t>
             </a:fld>
             <a:endParaRPr lang="de-DE"/>
           </a:p>
@@ -23319,7 +23321,7 @@
           <a:p>
             <a:fld id="{49FE1610-324D-466C-9E55-FCF3BC3E4ABF}" type="datetimeFigureOut">
               <a:rPr lang="de-DE" smtClean="0"/>
-              <a:t>10.10.2019</a:t>
+              <a:t>28.10.2019</a:t>
             </a:fld>
             <a:endParaRPr lang="de-DE"/>
           </a:p>
@@ -23599,7 +23601,7 @@
           <a:p>
             <a:fld id="{49FE1610-324D-466C-9E55-FCF3BC3E4ABF}" type="datetimeFigureOut">
               <a:rPr lang="de-DE" smtClean="0"/>
-              <a:t>10.10.2019</a:t>
+              <a:t>28.10.2019</a:t>
             </a:fld>
             <a:endParaRPr lang="de-DE"/>
           </a:p>
@@ -23715,7 +23717,7 @@
           <a:noFill/>
           <a:extLst>
             <a:ext uri="{909E8E84-426E-40dd-AFC4-6F175D3DCCD1}">
-              <a14:hiddenFill xmlns="" xmlns:a14="http://schemas.microsoft.com/office/drawing/2010/main">
+              <a14:hiddenFill xmlns:a14="http://schemas.microsoft.com/office/drawing/2010/main" xmlns="">
                 <a:solidFill>
                   <a:srgbClr val="FFFFFF"/>
                 </a:solidFill>
@@ -23789,7 +23791,7 @@
               </a:ln>
               <a:extLst>
                 <a:ext uri="{91240B29-F687-4f45-9708-019B960494DF}">
-                  <a14:hiddenLine xmlns="" xmlns:a14="http://schemas.microsoft.com/office/drawing/2010/main" w="9525">
+                  <a14:hiddenLine xmlns:a14="http://schemas.microsoft.com/office/drawing/2010/main" xmlns="" w="9525">
                     <a:solidFill>
                       <a:srgbClr val="000000"/>
                     </a:solidFill>
@@ -23879,7 +23881,7 @@
               </a:ln>
               <a:extLst>
                 <a:ext uri="{91240B29-F687-4f45-9708-019B960494DF}">
-                  <a14:hiddenLine xmlns="" xmlns:a14="http://schemas.microsoft.com/office/drawing/2010/main" w="9525">
+                  <a14:hiddenLine xmlns:a14="http://schemas.microsoft.com/office/drawing/2010/main" xmlns="" w="9525">
                     <a:solidFill>
                       <a:srgbClr val="000000"/>
                     </a:solidFill>
@@ -23969,7 +23971,7 @@
               </a:ln>
               <a:extLst>
                 <a:ext uri="{91240B29-F687-4f45-9708-019B960494DF}">
-                  <a14:hiddenLine xmlns="" xmlns:a14="http://schemas.microsoft.com/office/drawing/2010/main" w="9525">
+                  <a14:hiddenLine xmlns:a14="http://schemas.microsoft.com/office/drawing/2010/main" xmlns="" w="9525">
                     <a:solidFill>
                       <a:srgbClr val="000000"/>
                     </a:solidFill>
@@ -24031,7 +24033,7 @@
               </a:ln>
               <a:extLst>
                 <a:ext uri="{91240B29-F687-4f45-9708-019B960494DF}">
-                  <a14:hiddenLine xmlns="" xmlns:a14="http://schemas.microsoft.com/office/drawing/2010/main" w="9525">
+                  <a14:hiddenLine xmlns:a14="http://schemas.microsoft.com/office/drawing/2010/main" xmlns="" w="9525">
                     <a:solidFill>
                       <a:srgbClr val="000000"/>
                     </a:solidFill>
@@ -24121,7 +24123,7 @@
               </a:ln>
               <a:extLst>
                 <a:ext uri="{91240B29-F687-4f45-9708-019B960494DF}">
-                  <a14:hiddenLine xmlns="" xmlns:a14="http://schemas.microsoft.com/office/drawing/2010/main" w="9525">
+                  <a14:hiddenLine xmlns:a14="http://schemas.microsoft.com/office/drawing/2010/main" xmlns="" w="9525">
                     <a:solidFill>
                       <a:srgbClr val="000000"/>
                     </a:solidFill>
@@ -24183,7 +24185,7 @@
               </a:ln>
               <a:extLst>
                 <a:ext uri="{91240B29-F687-4f45-9708-019B960494DF}">
-                  <a14:hiddenLine xmlns="" xmlns:a14="http://schemas.microsoft.com/office/drawing/2010/main" w="9525">
+                  <a14:hiddenLine xmlns:a14="http://schemas.microsoft.com/office/drawing/2010/main" xmlns="" w="9525">
                     <a:solidFill>
                       <a:srgbClr val="000000"/>
                     </a:solidFill>
@@ -24245,7 +24247,7 @@
               </a:ln>
               <a:extLst>
                 <a:ext uri="{91240B29-F687-4f45-9708-019B960494DF}">
-                  <a14:hiddenLine xmlns="" xmlns:a14="http://schemas.microsoft.com/office/drawing/2010/main" w="9525">
+                  <a14:hiddenLine xmlns:a14="http://schemas.microsoft.com/office/drawing/2010/main" xmlns="" w="9525">
                     <a:solidFill>
                       <a:srgbClr val="000000"/>
                     </a:solidFill>
@@ -24335,7 +24337,7 @@
               </a:ln>
               <a:extLst>
                 <a:ext uri="{91240B29-F687-4f45-9708-019B960494DF}">
-                  <a14:hiddenLine xmlns="" xmlns:a14="http://schemas.microsoft.com/office/drawing/2010/main" w="9525">
+                  <a14:hiddenLine xmlns:a14="http://schemas.microsoft.com/office/drawing/2010/main" xmlns="" w="9525">
                     <a:solidFill>
                       <a:srgbClr val="000000"/>
                     </a:solidFill>
@@ -24425,7 +24427,7 @@
               </a:ln>
               <a:extLst>
                 <a:ext uri="{91240B29-F687-4f45-9708-019B960494DF}">
-                  <a14:hiddenLine xmlns="" xmlns:a14="http://schemas.microsoft.com/office/drawing/2010/main" w="9525">
+                  <a14:hiddenLine xmlns:a14="http://schemas.microsoft.com/office/drawing/2010/main" xmlns="" w="9525">
                     <a:solidFill>
                       <a:srgbClr val="000000"/>
                     </a:solidFill>
@@ -24487,7 +24489,7 @@
               </a:ln>
               <a:extLst>
                 <a:ext uri="{91240B29-F687-4f45-9708-019B960494DF}">
-                  <a14:hiddenLine xmlns="" xmlns:a14="http://schemas.microsoft.com/office/drawing/2010/main" w="9525">
+                  <a14:hiddenLine xmlns:a14="http://schemas.microsoft.com/office/drawing/2010/main" xmlns="" w="9525">
                     <a:solidFill>
                       <a:srgbClr val="000000"/>
                     </a:solidFill>
@@ -24597,7 +24599,7 @@
               </a:ln>
               <a:extLst>
                 <a:ext uri="{91240B29-F687-4f45-9708-019B960494DF}">
-                  <a14:hiddenLine xmlns="" xmlns:a14="http://schemas.microsoft.com/office/drawing/2010/main" w="9525">
+                  <a14:hiddenLine xmlns:a14="http://schemas.microsoft.com/office/drawing/2010/main" xmlns="" w="9525">
                     <a:solidFill>
                       <a:srgbClr val="000000"/>
                     </a:solidFill>
@@ -24681,7 +24683,7 @@
               </a:ln>
               <a:extLst>
                 <a:ext uri="{91240B29-F687-4f45-9708-019B960494DF}">
-                  <a14:hiddenLine xmlns="" xmlns:a14="http://schemas.microsoft.com/office/drawing/2010/main" w="9525">
+                  <a14:hiddenLine xmlns:a14="http://schemas.microsoft.com/office/drawing/2010/main" xmlns="" w="9525">
                     <a:solidFill>
                       <a:srgbClr val="000000"/>
                     </a:solidFill>
@@ -24743,7 +24745,7 @@
               </a:ln>
               <a:extLst>
                 <a:ext uri="{91240B29-F687-4f45-9708-019B960494DF}">
-                  <a14:hiddenLine xmlns="" xmlns:a14="http://schemas.microsoft.com/office/drawing/2010/main" w="9525">
+                  <a14:hiddenLine xmlns:a14="http://schemas.microsoft.com/office/drawing/2010/main" xmlns="" w="9525">
                     <a:solidFill>
                       <a:srgbClr val="000000"/>
                     </a:solidFill>
@@ -24805,7 +24807,7 @@
               </a:ln>
               <a:extLst>
                 <a:ext uri="{91240B29-F687-4f45-9708-019B960494DF}">
-                  <a14:hiddenLine xmlns="" xmlns:a14="http://schemas.microsoft.com/office/drawing/2010/main" w="9525">
+                  <a14:hiddenLine xmlns:a14="http://schemas.microsoft.com/office/drawing/2010/main" xmlns="" w="9525">
                     <a:solidFill>
                       <a:srgbClr val="000000"/>
                     </a:solidFill>
@@ -24895,7 +24897,7 @@
               </a:ln>
               <a:extLst>
                 <a:ext uri="{91240B29-F687-4f45-9708-019B960494DF}">
-                  <a14:hiddenLine xmlns="" xmlns:a14="http://schemas.microsoft.com/office/drawing/2010/main" w="9525">
+                  <a14:hiddenLine xmlns:a14="http://schemas.microsoft.com/office/drawing/2010/main" xmlns="" w="9525">
                     <a:solidFill>
                       <a:srgbClr val="000000"/>
                     </a:solidFill>
@@ -24929,7 +24931,7 @@
               </a:ln>
               <a:extLst>
                 <a:ext uri="{91240B29-F687-4f45-9708-019B960494DF}">
-                  <a14:hiddenLine xmlns="" xmlns:a14="http://schemas.microsoft.com/office/drawing/2010/main" w="9525">
+                  <a14:hiddenLine xmlns:a14="http://schemas.microsoft.com/office/drawing/2010/main" xmlns="" w="9525">
                     <a:solidFill>
                       <a:srgbClr val="000000"/>
                     </a:solidFill>
@@ -24994,7 +24996,7 @@
               </a:ln>
               <a:extLst>
                 <a:ext uri="{91240B29-F687-4f45-9708-019B960494DF}">
-                  <a14:hiddenLine xmlns="" xmlns:a14="http://schemas.microsoft.com/office/drawing/2010/main" w="9525">
+                  <a14:hiddenLine xmlns:a14="http://schemas.microsoft.com/office/drawing/2010/main" xmlns="" w="9525">
                     <a:solidFill>
                       <a:srgbClr val="000000"/>
                     </a:solidFill>
@@ -25084,7 +25086,7 @@
               </a:ln>
               <a:extLst>
                 <a:ext uri="{91240B29-F687-4f45-9708-019B960494DF}">
-                  <a14:hiddenLine xmlns="" xmlns:a14="http://schemas.microsoft.com/office/drawing/2010/main" w="9525">
+                  <a14:hiddenLine xmlns:a14="http://schemas.microsoft.com/office/drawing/2010/main" xmlns="" w="9525">
                     <a:solidFill>
                       <a:srgbClr val="000000"/>
                     </a:solidFill>
@@ -25146,7 +25148,7 @@
               </a:ln>
               <a:extLst>
                 <a:ext uri="{91240B29-F687-4f45-9708-019B960494DF}">
-                  <a14:hiddenLine xmlns="" xmlns:a14="http://schemas.microsoft.com/office/drawing/2010/main" w="9525">
+                  <a14:hiddenLine xmlns:a14="http://schemas.microsoft.com/office/drawing/2010/main" xmlns="" w="9525">
                     <a:solidFill>
                       <a:srgbClr val="000000"/>
                     </a:solidFill>
@@ -25236,7 +25238,7 @@
               </a:ln>
               <a:extLst>
                 <a:ext uri="{91240B29-F687-4f45-9708-019B960494DF}">
-                  <a14:hiddenLine xmlns="" xmlns:a14="http://schemas.microsoft.com/office/drawing/2010/main" w="9525">
+                  <a14:hiddenLine xmlns:a14="http://schemas.microsoft.com/office/drawing/2010/main" xmlns="" w="9525">
                     <a:solidFill>
                       <a:srgbClr val="000000"/>
                     </a:solidFill>
@@ -25301,7 +25303,7 @@
               </a:ln>
               <a:extLst>
                 <a:ext uri="{91240B29-F687-4f45-9708-019B960494DF}">
-                  <a14:hiddenLine xmlns="" xmlns:a14="http://schemas.microsoft.com/office/drawing/2010/main" w="9525">
+                  <a14:hiddenLine xmlns:a14="http://schemas.microsoft.com/office/drawing/2010/main" xmlns="" w="9525">
                     <a:solidFill>
                       <a:srgbClr val="000000"/>
                     </a:solidFill>
@@ -25363,7 +25365,7 @@
               </a:ln>
               <a:extLst>
                 <a:ext uri="{91240B29-F687-4f45-9708-019B960494DF}">
-                  <a14:hiddenLine xmlns="" xmlns:a14="http://schemas.microsoft.com/office/drawing/2010/main" w="9525">
+                  <a14:hiddenLine xmlns:a14="http://schemas.microsoft.com/office/drawing/2010/main" xmlns="" w="9525">
                     <a:solidFill>
                       <a:srgbClr val="000000"/>
                     </a:solidFill>
@@ -25453,7 +25455,7 @@
               </a:ln>
               <a:extLst>
                 <a:ext uri="{91240B29-F687-4f45-9708-019B960494DF}">
-                  <a14:hiddenLine xmlns="" xmlns:a14="http://schemas.microsoft.com/office/drawing/2010/main" w="9525">
+                  <a14:hiddenLine xmlns:a14="http://schemas.microsoft.com/office/drawing/2010/main" xmlns="" w="9525">
                     <a:solidFill>
                       <a:srgbClr val="000000"/>
                     </a:solidFill>
@@ -25543,7 +25545,7 @@
               </a:ln>
               <a:extLst>
                 <a:ext uri="{91240B29-F687-4f45-9708-019B960494DF}">
-                  <a14:hiddenLine xmlns="" xmlns:a14="http://schemas.microsoft.com/office/drawing/2010/main" w="9525">
+                  <a14:hiddenLine xmlns:a14="http://schemas.microsoft.com/office/drawing/2010/main" xmlns="" w="9525">
                     <a:solidFill>
                       <a:srgbClr val="000000"/>
                     </a:solidFill>
@@ -25608,7 +25610,7 @@
               </a:ln>
               <a:extLst>
                 <a:ext uri="{91240B29-F687-4f45-9708-019B960494DF}">
-                  <a14:hiddenLine xmlns="" xmlns:a14="http://schemas.microsoft.com/office/drawing/2010/main" w="9525">
+                  <a14:hiddenLine xmlns:a14="http://schemas.microsoft.com/office/drawing/2010/main" xmlns="" w="9525">
                     <a:solidFill>
                       <a:srgbClr val="000000"/>
                     </a:solidFill>
@@ -25728,7 +25730,7 @@
               </a:ln>
               <a:extLst>
                 <a:ext uri="{91240B29-F687-4f45-9708-019B960494DF}">
-                  <a14:hiddenLine xmlns="" xmlns:a14="http://schemas.microsoft.com/office/drawing/2010/main" w="9525">
+                  <a14:hiddenLine xmlns:a14="http://schemas.microsoft.com/office/drawing/2010/main" xmlns="" w="9525">
                     <a:solidFill>
                       <a:srgbClr val="000000"/>
                     </a:solidFill>
@@ -25826,7 +25828,7 @@
               </a:ln>
               <a:extLst>
                 <a:ext uri="{91240B29-F687-4f45-9708-019B960494DF}">
-                  <a14:hiddenLine xmlns="" xmlns:a14="http://schemas.microsoft.com/office/drawing/2010/main" w="9525">
+                  <a14:hiddenLine xmlns:a14="http://schemas.microsoft.com/office/drawing/2010/main" xmlns="" w="9525">
                     <a:solidFill>
                       <a:srgbClr val="000000"/>
                     </a:solidFill>
@@ -25941,7 +25943,7 @@
               </a:ln>
               <a:extLst>
                 <a:ext uri="{91240B29-F687-4f45-9708-019B960494DF}">
-                  <a14:hiddenLine xmlns="" xmlns:a14="http://schemas.microsoft.com/office/drawing/2010/main" w="9525">
+                  <a14:hiddenLine xmlns:a14="http://schemas.microsoft.com/office/drawing/2010/main" xmlns="" w="9525">
                     <a:solidFill>
                       <a:srgbClr val="000000"/>
                     </a:solidFill>
@@ -26031,7 +26033,7 @@
               </a:ln>
               <a:extLst>
                 <a:ext uri="{91240B29-F687-4f45-9708-019B960494DF}">
-                  <a14:hiddenLine xmlns="" xmlns:a14="http://schemas.microsoft.com/office/drawing/2010/main" w="9525">
+                  <a14:hiddenLine xmlns:a14="http://schemas.microsoft.com/office/drawing/2010/main" xmlns="" w="9525">
                     <a:solidFill>
                       <a:srgbClr val="000000"/>
                     </a:solidFill>
@@ -26096,7 +26098,7 @@
               </a:ln>
               <a:extLst>
                 <a:ext uri="{91240B29-F687-4f45-9708-019B960494DF}">
-                  <a14:hiddenLine xmlns="" xmlns:a14="http://schemas.microsoft.com/office/drawing/2010/main" w="9525">
+                  <a14:hiddenLine xmlns:a14="http://schemas.microsoft.com/office/drawing/2010/main" xmlns="" w="9525">
                     <a:solidFill>
                       <a:srgbClr val="000000"/>
                     </a:solidFill>
@@ -26186,7 +26188,7 @@
               </a:ln>
               <a:extLst>
                 <a:ext uri="{91240B29-F687-4f45-9708-019B960494DF}">
-                  <a14:hiddenLine xmlns="" xmlns:a14="http://schemas.microsoft.com/office/drawing/2010/main" w="9525">
+                  <a14:hiddenLine xmlns:a14="http://schemas.microsoft.com/office/drawing/2010/main" xmlns="" w="9525">
                     <a:solidFill>
                       <a:srgbClr val="000000"/>
                     </a:solidFill>
@@ -26254,7 +26256,7 @@
               </a:ln>
               <a:extLst>
                 <a:ext uri="{91240B29-F687-4f45-9708-019B960494DF}">
-                  <a14:hiddenLine xmlns="" xmlns:a14="http://schemas.microsoft.com/office/drawing/2010/main" w="9525">
+                  <a14:hiddenLine xmlns:a14="http://schemas.microsoft.com/office/drawing/2010/main" xmlns="" w="9525">
                     <a:solidFill>
                       <a:srgbClr val="000000"/>
                     </a:solidFill>
@@ -26344,7 +26346,7 @@
               </a:ln>
               <a:extLst>
                 <a:ext uri="{91240B29-F687-4f45-9708-019B960494DF}">
-                  <a14:hiddenLine xmlns="" xmlns:a14="http://schemas.microsoft.com/office/drawing/2010/main" w="9525">
+                  <a14:hiddenLine xmlns:a14="http://schemas.microsoft.com/office/drawing/2010/main" xmlns="" w="9525">
                     <a:solidFill>
                       <a:srgbClr val="000000"/>
                     </a:solidFill>
@@ -26412,7 +26414,7 @@
               </a:ln>
               <a:extLst>
                 <a:ext uri="{91240B29-F687-4f45-9708-019B960494DF}">
-                  <a14:hiddenLine xmlns="" xmlns:a14="http://schemas.microsoft.com/office/drawing/2010/main" w="9525">
+                  <a14:hiddenLine xmlns:a14="http://schemas.microsoft.com/office/drawing/2010/main" xmlns="" w="9525">
                     <a:solidFill>
                       <a:srgbClr val="000000"/>
                     </a:solidFill>
@@ -26502,7 +26504,7 @@
               </a:ln>
               <a:extLst>
                 <a:ext uri="{91240B29-F687-4f45-9708-019B960494DF}">
-                  <a14:hiddenLine xmlns="" xmlns:a14="http://schemas.microsoft.com/office/drawing/2010/main" w="9525">
+                  <a14:hiddenLine xmlns:a14="http://schemas.microsoft.com/office/drawing/2010/main" xmlns="" w="9525">
                     <a:solidFill>
                       <a:srgbClr val="000000"/>
                     </a:solidFill>
@@ -26536,7 +26538,7 @@
               </a:ln>
               <a:extLst>
                 <a:ext uri="{91240B29-F687-4f45-9708-019B960494DF}">
-                  <a14:hiddenLine xmlns="" xmlns:a14="http://schemas.microsoft.com/office/drawing/2010/main" w="9525">
+                  <a14:hiddenLine xmlns:a14="http://schemas.microsoft.com/office/drawing/2010/main" xmlns="" w="9525">
                     <a:solidFill>
                       <a:srgbClr val="000000"/>
                     </a:solidFill>
@@ -26676,7 +26678,7 @@
           <a:p>
             <a:fld id="{49FE1610-324D-466C-9E55-FCF3BC3E4ABF}" type="datetimeFigureOut">
               <a:rPr lang="de-DE" smtClean="0"/>
-              <a:t>10.10.2019</a:t>
+              <a:t>28.10.2019</a:t>
             </a:fld>
             <a:endParaRPr lang="de-DE"/>
           </a:p>
@@ -27231,8 +27233,8 @@
           </a:p>
         </p:txBody>
       </p:sp>
-      <mc:AlternateContent xmlns:mc="http://schemas.openxmlformats.org/markup-compatibility/2006">
-        <mc:Choice xmlns:pslz="http://schemas.microsoft.com/office/powerpoint/2016/slidezoom" Requires="pslz">
+      <mc:AlternateContent xmlns:mc="http://schemas.openxmlformats.org/markup-compatibility/2006" xmlns:pslz="http://schemas.microsoft.com/office/powerpoint/2016/slidezoom">
+        <mc:Choice Requires="pslz">
           <p:graphicFrame>
             <p:nvGraphicFramePr>
               <p:cNvPr id="5" name="Folienzoom 4">
@@ -27289,7 +27291,7 @@
             </a:graphic>
           </p:graphicFrame>
         </mc:Choice>
-        <mc:Fallback>
+        <mc:Fallback xmlns="">
           <p:pic>
             <p:nvPicPr>
               <p:cNvPr id="5" name="Folienzoom 4">
@@ -27306,7 +27308,7 @@
               <p:nvPr/>
             </p:nvPicPr>
             <p:blipFill>
-              <a:blip r:embed="rId2"/>
+              <a:blip r:embed="rId4"/>
               <a:stretch>
                 <a:fillRect/>
               </a:stretch>
@@ -27338,13 +27340,13 @@
   <p:clrMapOvr>
     <a:masterClrMapping/>
   </p:clrMapOvr>
-  <mc:AlternateContent xmlns:mc="http://schemas.openxmlformats.org/markup-compatibility/2006">
-    <mc:Choice xmlns:p159="http://schemas.microsoft.com/office/powerpoint/2015/09/main" Requires="p159">
+  <mc:AlternateContent xmlns:mc="http://schemas.openxmlformats.org/markup-compatibility/2006" xmlns:p159="http://schemas.microsoft.com/office/powerpoint/2015/09/main">
+    <mc:Choice Requires="p159">
       <p:transition xmlns:p14="http://schemas.microsoft.com/office/powerpoint/2010/main" spd="slow" p14:dur="2000">
         <p159:morph option="byObject"/>
       </p:transition>
     </mc:Choice>
-    <mc:Fallback>
+    <mc:Fallback xmlns="">
       <p:transition spd="slow">
         <p:fade/>
       </p:transition>
@@ -27439,8 +27441,8 @@
           </a:graphicData>
         </a:graphic>
       </p:graphicFrame>
-      <mc:AlternateContent xmlns:mc="http://schemas.openxmlformats.org/markup-compatibility/2006">
-        <mc:Choice xmlns:pslz="http://schemas.microsoft.com/office/powerpoint/2016/slidezoom" Requires="pslz">
+      <mc:AlternateContent xmlns:mc="http://schemas.openxmlformats.org/markup-compatibility/2006" xmlns:pslz="http://schemas.microsoft.com/office/powerpoint/2016/slidezoom">
+        <mc:Choice Requires="pslz">
           <p:graphicFrame>
             <p:nvGraphicFramePr>
               <p:cNvPr id="5" name="Folienzoom 4">
@@ -27497,7 +27499,7 @@
             </a:graphic>
           </p:graphicFrame>
         </mc:Choice>
-        <mc:Fallback>
+        <mc:Fallback xmlns="">
           <p:pic>
             <p:nvPicPr>
               <p:cNvPr id="5" name="Folienzoom 4">
@@ -27514,7 +27516,7 @@
               <p:nvPr/>
             </p:nvPicPr>
             <p:blipFill>
-              <a:blip r:embed="rId7"/>
+              <a:blip r:embed="rId9"/>
               <a:stretch>
                 <a:fillRect/>
               </a:stretch>
@@ -27546,13 +27548,13 @@
   <p:clrMapOvr>
     <a:masterClrMapping/>
   </p:clrMapOvr>
-  <mc:AlternateContent xmlns:mc="http://schemas.openxmlformats.org/markup-compatibility/2006">
-    <mc:Choice xmlns:p159="http://schemas.microsoft.com/office/powerpoint/2015/09/main" Requires="p159">
+  <mc:AlternateContent xmlns:mc="http://schemas.openxmlformats.org/markup-compatibility/2006" xmlns:p159="http://schemas.microsoft.com/office/powerpoint/2015/09/main">
+    <mc:Choice Requires="p159">
       <p:transition xmlns:p14="http://schemas.microsoft.com/office/powerpoint/2010/main" spd="slow" p14:dur="2000">
         <p159:morph option="byObject"/>
       </p:transition>
     </mc:Choice>
-    <mc:Fallback>
+    <mc:Fallback xmlns="">
       <p:transition spd="slow">
         <p:fade/>
       </p:transition>
@@ -27642,8 +27644,8 @@
           </a:graphicData>
         </a:graphic>
       </p:graphicFrame>
-      <mc:AlternateContent xmlns:mc="http://schemas.openxmlformats.org/markup-compatibility/2006">
-        <mc:Choice xmlns:pslz="http://schemas.microsoft.com/office/powerpoint/2016/slidezoom" Requires="pslz">
+      <mc:AlternateContent xmlns:mc="http://schemas.openxmlformats.org/markup-compatibility/2006" xmlns:pslz="http://schemas.microsoft.com/office/powerpoint/2016/slidezoom">
+        <mc:Choice Requires="pslz">
           <p:graphicFrame>
             <p:nvGraphicFramePr>
               <p:cNvPr id="5" name="Folienzoom 4">
@@ -27700,7 +27702,7 @@
             </a:graphic>
           </p:graphicFrame>
         </mc:Choice>
-        <mc:Fallback>
+        <mc:Fallback xmlns="">
           <p:pic>
             <p:nvPicPr>
               <p:cNvPr id="5" name="Folienzoom 4">
@@ -27717,7 +27719,7 @@
               <p:nvPr/>
             </p:nvPicPr>
             <p:blipFill>
-              <a:blip r:embed="rId7"/>
+              <a:blip r:embed="rId9"/>
               <a:stretch>
                 <a:fillRect/>
               </a:stretch>
@@ -27749,13 +27751,13 @@
   <p:clrMapOvr>
     <a:masterClrMapping/>
   </p:clrMapOvr>
-  <mc:AlternateContent xmlns:mc="http://schemas.openxmlformats.org/markup-compatibility/2006">
-    <mc:Choice xmlns:p159="http://schemas.microsoft.com/office/powerpoint/2015/09/main" Requires="p159">
+  <mc:AlternateContent xmlns:mc="http://schemas.openxmlformats.org/markup-compatibility/2006" xmlns:p159="http://schemas.microsoft.com/office/powerpoint/2015/09/main">
+    <mc:Choice Requires="p159">
       <p:transition xmlns:p14="http://schemas.microsoft.com/office/powerpoint/2010/main" spd="slow" p14:dur="2000">
         <p159:morph option="byObject"/>
       </p:transition>
     </mc:Choice>
-    <mc:Fallback>
+    <mc:Fallback xmlns="">
       <p:transition spd="slow">
         <p:fade/>
       </p:transition>
@@ -27845,8 +27847,8 @@
           </a:graphicData>
         </a:graphic>
       </p:graphicFrame>
-      <mc:AlternateContent xmlns:mc="http://schemas.openxmlformats.org/markup-compatibility/2006">
-        <mc:Choice xmlns:pslz="http://schemas.microsoft.com/office/powerpoint/2016/slidezoom" Requires="pslz">
+      <mc:AlternateContent xmlns:mc="http://schemas.openxmlformats.org/markup-compatibility/2006" xmlns:pslz="http://schemas.microsoft.com/office/powerpoint/2016/slidezoom">
+        <mc:Choice Requires="pslz">
           <p:graphicFrame>
             <p:nvGraphicFramePr>
               <p:cNvPr id="5" name="Folienzoom 4">
@@ -27903,7 +27905,7 @@
             </a:graphic>
           </p:graphicFrame>
         </mc:Choice>
-        <mc:Fallback>
+        <mc:Fallback xmlns="">
           <p:pic>
             <p:nvPicPr>
               <p:cNvPr id="5" name="Folienzoom 4">
@@ -27920,7 +27922,7 @@
               <p:nvPr/>
             </p:nvPicPr>
             <p:blipFill>
-              <a:blip r:embed="rId7"/>
+              <a:blip r:embed="rId9"/>
               <a:stretch>
                 <a:fillRect/>
               </a:stretch>
@@ -27952,13 +27954,13 @@
   <p:clrMapOvr>
     <a:masterClrMapping/>
   </p:clrMapOvr>
-  <mc:AlternateContent xmlns:mc="http://schemas.openxmlformats.org/markup-compatibility/2006">
-    <mc:Choice xmlns:p159="http://schemas.microsoft.com/office/powerpoint/2015/09/main" Requires="p159">
+  <mc:AlternateContent xmlns:mc="http://schemas.openxmlformats.org/markup-compatibility/2006" xmlns:p159="http://schemas.microsoft.com/office/powerpoint/2015/09/main">
+    <mc:Choice Requires="p159">
       <p:transition xmlns:p14="http://schemas.microsoft.com/office/powerpoint/2010/main" spd="slow" p14:dur="2000">
         <p159:morph option="byObject"/>
       </p:transition>
     </mc:Choice>
-    <mc:Fallback>
+    <mc:Fallback xmlns="">
       <p:transition spd="slow">
         <p:fade/>
       </p:transition>
@@ -28051,13 +28053,13 @@
   <p:clrMapOvr>
     <a:masterClrMapping/>
   </p:clrMapOvr>
-  <mc:AlternateContent xmlns:mc="http://schemas.openxmlformats.org/markup-compatibility/2006">
-    <mc:Choice xmlns:p14="http://schemas.microsoft.com/office/powerpoint/2010/main" Requires="p14">
+  <mc:AlternateContent xmlns:mc="http://schemas.openxmlformats.org/markup-compatibility/2006" xmlns:p14="http://schemas.microsoft.com/office/powerpoint/2010/main">
+    <mc:Choice Requires="p14">
       <p:transition spd="med" p14:dur="700">
         <p:fade/>
       </p:transition>
     </mc:Choice>
-    <mc:Fallback>
+    <mc:Fallback xmlns="">
       <p:transition spd="med">
         <p:fade/>
       </p:transition>
@@ -28145,6 +28147,205 @@
     <p:extLst>
       <p:ext uri="{BB962C8B-B14F-4D97-AF65-F5344CB8AC3E}">
         <p14:creationId xmlns:p14="http://schemas.microsoft.com/office/powerpoint/2010/main" val="2459146727"/>
+      </p:ext>
+    </p:extLst>
+  </p:cSld>
+  <p:clrMapOvr>
+    <a:masterClrMapping/>
+  </p:clrMapOvr>
+</p:sld>
+</file>
+
+<file path=ppt/slides/slide15.xml><?xml version="1.0" encoding="utf-8"?>
+<p:sld xmlns:a="http://schemas.openxmlformats.org/drawingml/2006/main" xmlns:r="http://schemas.openxmlformats.org/officeDocument/2006/relationships" xmlns:p="http://schemas.openxmlformats.org/presentationml/2006/main">
+  <p:cSld>
+    <p:spTree>
+      <p:nvGrpSpPr>
+        <p:cNvPr id="1" name=""/>
+        <p:cNvGrpSpPr/>
+        <p:nvPr/>
+      </p:nvGrpSpPr>
+      <p:grpSpPr>
+        <a:xfrm>
+          <a:off x="0" y="0"/>
+          <a:ext cx="0" cy="0"/>
+          <a:chOff x="0" y="0"/>
+          <a:chExt cx="0" cy="0"/>
+        </a:xfrm>
+      </p:grpSpPr>
+      <p:sp>
+        <p:nvSpPr>
+          <p:cNvPr id="2" name="Titel 1">
+            <a:extLst>
+              <a:ext uri="{FF2B5EF4-FFF2-40B4-BE49-F238E27FC236}">
+                <a16:creationId xmlns:a16="http://schemas.microsoft.com/office/drawing/2014/main" id="{DFA8943A-7820-489D-B1B7-93826A3980E0}"/>
+              </a:ext>
+            </a:extLst>
+          </p:cNvPr>
+          <p:cNvSpPr>
+            <a:spLocks noGrp="1"/>
+          </p:cNvSpPr>
+          <p:nvPr>
+            <p:ph type="title"/>
+          </p:nvPr>
+        </p:nvSpPr>
+        <p:spPr/>
+        <p:txBody>
+          <a:bodyPr/>
+          <a:lstStyle/>
+          <a:p>
+            <a:r>
+              <a:rPr lang="de-DE" dirty="0"/>
+              <a:t>Was bisher Geschah…</a:t>
+            </a:r>
+          </a:p>
+        </p:txBody>
+      </p:sp>
+      <p:sp>
+        <p:nvSpPr>
+          <p:cNvPr id="3" name="Inhaltsplatzhalter 2">
+            <a:extLst>
+              <a:ext uri="{FF2B5EF4-FFF2-40B4-BE49-F238E27FC236}">
+                <a16:creationId xmlns:a16="http://schemas.microsoft.com/office/drawing/2014/main" id="{BA2452E4-6D7F-4A8D-B4EF-15A5408AF2C4}"/>
+              </a:ext>
+            </a:extLst>
+          </p:cNvPr>
+          <p:cNvSpPr>
+            <a:spLocks noGrp="1"/>
+          </p:cNvSpPr>
+          <p:nvPr>
+            <p:ph idx="1"/>
+          </p:nvPr>
+        </p:nvSpPr>
+        <p:spPr/>
+        <p:txBody>
+          <a:bodyPr/>
+          <a:lstStyle/>
+          <a:p>
+            <a:endParaRPr lang="de-DE"/>
+          </a:p>
+        </p:txBody>
+      </p:sp>
+    </p:spTree>
+    <p:extLst>
+      <p:ext uri="{BB962C8B-B14F-4D97-AF65-F5344CB8AC3E}">
+        <p14:creationId xmlns:p14="http://schemas.microsoft.com/office/powerpoint/2010/main" val="1039062208"/>
+      </p:ext>
+    </p:extLst>
+  </p:cSld>
+  <p:clrMapOvr>
+    <a:masterClrMapping/>
+  </p:clrMapOvr>
+</p:sld>
+</file>
+
+<file path=ppt/slides/slide16.xml><?xml version="1.0" encoding="utf-8"?>
+<p:sld xmlns:a="http://schemas.openxmlformats.org/drawingml/2006/main" xmlns:r="http://schemas.openxmlformats.org/officeDocument/2006/relationships" xmlns:p="http://schemas.openxmlformats.org/presentationml/2006/main">
+  <p:cSld>
+    <p:spTree>
+      <p:nvGrpSpPr>
+        <p:cNvPr id="1" name=""/>
+        <p:cNvGrpSpPr/>
+        <p:nvPr/>
+      </p:nvGrpSpPr>
+      <p:grpSpPr>
+        <a:xfrm>
+          <a:off x="0" y="0"/>
+          <a:ext cx="0" cy="0"/>
+          <a:chOff x="0" y="0"/>
+          <a:chExt cx="0" cy="0"/>
+        </a:xfrm>
+      </p:grpSpPr>
+      <p:sp>
+        <p:nvSpPr>
+          <p:cNvPr id="2" name="Titel 1">
+            <a:extLst>
+              <a:ext uri="{FF2B5EF4-FFF2-40B4-BE49-F238E27FC236}">
+                <a16:creationId xmlns:a16="http://schemas.microsoft.com/office/drawing/2014/main" id="{07FB5040-DA7D-4495-8261-7E4BB9768803}"/>
+              </a:ext>
+            </a:extLst>
+          </p:cNvPr>
+          <p:cNvSpPr>
+            <a:spLocks noGrp="1"/>
+          </p:cNvSpPr>
+          <p:nvPr>
+            <p:ph type="title"/>
+          </p:nvPr>
+        </p:nvSpPr>
+        <p:spPr/>
+        <p:txBody>
+          <a:bodyPr/>
+          <a:lstStyle/>
+          <a:p>
+            <a:endParaRPr lang="de-DE"/>
+          </a:p>
+        </p:txBody>
+      </p:sp>
+      <p:sp>
+        <p:nvSpPr>
+          <p:cNvPr id="3" name="Inhaltsplatzhalter 2">
+            <a:extLst>
+              <a:ext uri="{FF2B5EF4-FFF2-40B4-BE49-F238E27FC236}">
+                <a16:creationId xmlns:a16="http://schemas.microsoft.com/office/drawing/2014/main" id="{15A1FB56-3E59-45BA-A4AA-5F5EC8339BE8}"/>
+              </a:ext>
+            </a:extLst>
+          </p:cNvPr>
+          <p:cNvSpPr>
+            <a:spLocks noGrp="1"/>
+          </p:cNvSpPr>
+          <p:nvPr>
+            <p:ph idx="1"/>
+          </p:nvPr>
+        </p:nvSpPr>
+        <p:spPr/>
+        <p:txBody>
+          <a:bodyPr/>
+          <a:lstStyle/>
+          <a:p>
+            <a:r>
+              <a:rPr lang="de-DE" dirty="0" err="1"/>
+              <a:t>Stakeholderanalyse</a:t>
+            </a:r>
+            <a:endParaRPr lang="de-DE" dirty="0"/>
+          </a:p>
+          <a:p>
+            <a:r>
+              <a:rPr lang="de-DE" dirty="0"/>
+              <a:t>Personas</a:t>
+            </a:r>
+          </a:p>
+          <a:p>
+            <a:r>
+              <a:rPr lang="de-DE" dirty="0"/>
+              <a:t>User Stories</a:t>
+            </a:r>
+          </a:p>
+          <a:p>
+            <a:r>
+              <a:rPr lang="de-DE" dirty="0"/>
+              <a:t>Acceptance </a:t>
+            </a:r>
+            <a:r>
+              <a:rPr lang="de-DE" dirty="0" err="1"/>
+              <a:t>Criteria</a:t>
+            </a:r>
+            <a:endParaRPr lang="de-DE" dirty="0"/>
+          </a:p>
+          <a:p>
+            <a:r>
+              <a:rPr lang="de-DE" dirty="0"/>
+              <a:t>User Story Mapping</a:t>
+            </a:r>
+          </a:p>
+          <a:p>
+            <a:endParaRPr lang="de-DE" dirty="0"/>
+          </a:p>
+        </p:txBody>
+      </p:sp>
+    </p:spTree>
+    <p:extLst>
+      <p:ext uri="{BB962C8B-B14F-4D97-AF65-F5344CB8AC3E}">
+        <p14:creationId xmlns:p14="http://schemas.microsoft.com/office/powerpoint/2010/main" val="3545821594"/>
       </p:ext>
     </p:extLst>
   </p:cSld>
@@ -28245,8 +28446,8 @@
           </a:p>
         </p:txBody>
       </p:sp>
-      <mc:AlternateContent xmlns:mc="http://schemas.openxmlformats.org/markup-compatibility/2006">
-        <mc:Choice xmlns:pslz="http://schemas.microsoft.com/office/powerpoint/2016/slidezoom" Requires="pslz">
+      <mc:AlternateContent xmlns:mc="http://schemas.openxmlformats.org/markup-compatibility/2006" xmlns:pslz="http://schemas.microsoft.com/office/powerpoint/2016/slidezoom">
+        <mc:Choice Requires="pslz">
           <p:graphicFrame>
             <p:nvGraphicFramePr>
               <p:cNvPr id="3" name="Folienzoom 2">
@@ -28303,7 +28504,7 @@
             </a:graphic>
           </p:graphicFrame>
         </mc:Choice>
-        <mc:Fallback>
+        <mc:Fallback xmlns="">
           <p:pic>
             <p:nvPicPr>
               <p:cNvPr id="3" name="Folienzoom 2">
@@ -28320,7 +28521,7 @@
               <p:nvPr/>
             </p:nvPicPr>
             <p:blipFill>
-              <a:blip r:embed="rId2"/>
+              <a:blip r:embed="rId4"/>
               <a:stretch>
                 <a:fillRect/>
               </a:stretch>
@@ -28352,13 +28553,13 @@
   <p:clrMapOvr>
     <a:masterClrMapping/>
   </p:clrMapOvr>
-  <mc:AlternateContent xmlns:mc="http://schemas.openxmlformats.org/markup-compatibility/2006">
-    <mc:Choice xmlns:p159="http://schemas.microsoft.com/office/powerpoint/2015/09/main" Requires="p159">
+  <mc:AlternateContent xmlns:mc="http://schemas.openxmlformats.org/markup-compatibility/2006" xmlns:p159="http://schemas.microsoft.com/office/powerpoint/2015/09/main">
+    <mc:Choice Requires="p159">
       <p:transition xmlns:p14="http://schemas.microsoft.com/office/powerpoint/2010/main" spd="slow" p14:dur="2000">
         <p159:morph option="byObject"/>
       </p:transition>
     </mc:Choice>
-    <mc:Fallback>
+    <mc:Fallback xmlns="">
       <p:transition spd="slow">
         <p:fade/>
       </p:transition>
@@ -28454,8 +28655,8 @@
           </a:xfrm>
         </p:spPr>
       </p:pic>
-      <mc:AlternateContent xmlns:mc="http://schemas.openxmlformats.org/markup-compatibility/2006">
-        <mc:Choice xmlns:pslz="http://schemas.microsoft.com/office/powerpoint/2016/slidezoom" Requires="pslz">
+      <mc:AlternateContent xmlns:mc="http://schemas.openxmlformats.org/markup-compatibility/2006" xmlns:pslz="http://schemas.microsoft.com/office/powerpoint/2016/slidezoom">
+        <mc:Choice Requires="pslz">
           <p:graphicFrame>
             <p:nvGraphicFramePr>
               <p:cNvPr id="19" name="Folienzoom 18">
@@ -28512,7 +28713,7 @@
             </a:graphic>
           </p:graphicFrame>
         </mc:Choice>
-        <mc:Fallback>
+        <mc:Fallback xmlns="">
           <p:pic>
             <p:nvPicPr>
               <p:cNvPr id="19" name="Folienzoom 18">
@@ -28529,7 +28730,7 @@
               <p:nvPr/>
             </p:nvPicPr>
             <p:blipFill>
-              <a:blip r:embed="rId3"/>
+              <a:blip r:embed="rId5"/>
               <a:stretch>
                 <a:fillRect/>
               </a:stretch>
@@ -28663,13 +28864,13 @@
   <p:clrMapOvr>
     <a:masterClrMapping/>
   </p:clrMapOvr>
-  <mc:AlternateContent xmlns:mc="http://schemas.openxmlformats.org/markup-compatibility/2006">
-    <mc:Choice xmlns:p14="http://schemas.microsoft.com/office/powerpoint/2010/main" Requires="p14">
+  <mc:AlternateContent xmlns:mc="http://schemas.openxmlformats.org/markup-compatibility/2006" xmlns:p14="http://schemas.microsoft.com/office/powerpoint/2010/main">
+    <mc:Choice Requires="p14">
       <p:transition spd="med" p14:dur="700">
         <p:fade/>
       </p:transition>
     </mc:Choice>
-    <mc:Fallback>
+    <mc:Fallback xmlns="">
       <p:transition spd="med">
         <p:fade/>
       </p:transition>
@@ -28762,13 +28963,13 @@
   <p:clrMapOvr>
     <a:masterClrMapping/>
   </p:clrMapOvr>
-  <mc:AlternateContent xmlns:mc="http://schemas.openxmlformats.org/markup-compatibility/2006">
-    <mc:Choice xmlns:p14="http://schemas.microsoft.com/office/powerpoint/2010/main" Requires="p14">
+  <mc:AlternateContent xmlns:mc="http://schemas.openxmlformats.org/markup-compatibility/2006" xmlns:p14="http://schemas.microsoft.com/office/powerpoint/2010/main">
+    <mc:Choice Requires="p14">
       <p:transition spd="med" p14:dur="700">
         <p:fade/>
       </p:transition>
     </mc:Choice>
-    <mc:Fallback>
+    <mc:Fallback xmlns="">
       <p:transition spd="med">
         <p:fade/>
       </p:transition>
@@ -28861,13 +29062,13 @@
   <p:clrMapOvr>
     <a:masterClrMapping/>
   </p:clrMapOvr>
-  <mc:AlternateContent xmlns:mc="http://schemas.openxmlformats.org/markup-compatibility/2006">
-    <mc:Choice xmlns:p14="http://schemas.microsoft.com/office/powerpoint/2010/main" Requires="p14">
+  <mc:AlternateContent xmlns:mc="http://schemas.openxmlformats.org/markup-compatibility/2006" xmlns:p14="http://schemas.microsoft.com/office/powerpoint/2010/main">
+    <mc:Choice Requires="p14">
       <p:transition spd="med" p14:dur="700">
         <p:fade/>
       </p:transition>
     </mc:Choice>
-    <mc:Fallback>
+    <mc:Fallback xmlns="">
       <p:transition spd="med">
         <p:fade/>
       </p:transition>
@@ -28960,13 +29161,13 @@
   <p:clrMapOvr>
     <a:masterClrMapping/>
   </p:clrMapOvr>
-  <mc:AlternateContent xmlns:mc="http://schemas.openxmlformats.org/markup-compatibility/2006">
-    <mc:Choice xmlns:p14="http://schemas.microsoft.com/office/powerpoint/2010/main" Requires="p14">
+  <mc:AlternateContent xmlns:mc="http://schemas.openxmlformats.org/markup-compatibility/2006" xmlns:p14="http://schemas.microsoft.com/office/powerpoint/2010/main">
+    <mc:Choice Requires="p14">
       <p:transition spd="med" p14:dur="700">
         <p:fade/>
       </p:transition>
     </mc:Choice>
-    <mc:Fallback>
+    <mc:Fallback xmlns="">
       <p:transition spd="med">
         <p:fade/>
       </p:transition>
@@ -29259,8 +29460,8 @@
           </a:graphicData>
         </a:graphic>
       </p:graphicFrame>
-      <mc:AlternateContent xmlns:mc="http://schemas.openxmlformats.org/markup-compatibility/2006">
-        <mc:Choice xmlns:pslz="http://schemas.microsoft.com/office/powerpoint/2016/slidezoom" Requires="pslz">
+      <mc:AlternateContent xmlns:mc="http://schemas.openxmlformats.org/markup-compatibility/2006" xmlns:pslz="http://schemas.microsoft.com/office/powerpoint/2016/slidezoom">
+        <mc:Choice Requires="pslz">
           <p:graphicFrame>
             <p:nvGraphicFramePr>
               <p:cNvPr id="5" name="Folienzoom 4">
@@ -29317,7 +29518,7 @@
             </a:graphic>
           </p:graphicFrame>
         </mc:Choice>
-        <mc:Fallback>
+        <mc:Fallback xmlns="">
           <p:pic>
             <p:nvPicPr>
               <p:cNvPr id="5" name="Folienzoom 4">
@@ -29334,7 +29535,7 @@
               <p:nvPr/>
             </p:nvPicPr>
             <p:blipFill>
-              <a:blip r:embed="rId7"/>
+              <a:blip r:embed="rId9"/>
               <a:stretch>
                 <a:fillRect/>
               </a:stretch>
@@ -29366,13 +29567,13 @@
   <p:clrMapOvr>
     <a:masterClrMapping/>
   </p:clrMapOvr>
-  <mc:AlternateContent xmlns:mc="http://schemas.openxmlformats.org/markup-compatibility/2006">
-    <mc:Choice xmlns:p159="http://schemas.microsoft.com/office/powerpoint/2015/09/main" Requires="p159">
+  <mc:AlternateContent xmlns:mc="http://schemas.openxmlformats.org/markup-compatibility/2006" xmlns:p159="http://schemas.microsoft.com/office/powerpoint/2015/09/main">
+    <mc:Choice Requires="p159">
       <p:transition xmlns:p14="http://schemas.microsoft.com/office/powerpoint/2010/main" spd="slow" p14:dur="2000">
         <p159:morph option="byObject"/>
       </p:transition>
     </mc:Choice>
-    <mc:Fallback>
+    <mc:Fallback xmlns="">
       <p:transition spd="slow">
         <p:fade/>
       </p:transition>

--- a/Shisha-AT-Home.pptx
+++ b/Shisha-AT-Home.pptx
@@ -21,6 +21,11 @@
     <p:sldId id="269" r:id="rId15"/>
     <p:sldId id="270" r:id="rId16"/>
     <p:sldId id="271" r:id="rId17"/>
+    <p:sldId id="272" r:id="rId18"/>
+    <p:sldId id="273" r:id="rId19"/>
+    <p:sldId id="274" r:id="rId20"/>
+    <p:sldId id="275" r:id="rId21"/>
+    <p:sldId id="276" r:id="rId22"/>
   </p:sldIdLst>
   <p:sldSz cx="12192000" cy="6858000"/>
   <p:notesSz cx="6858000" cy="9144000"/>
@@ -14824,7 +14829,7 @@
           <a:noFill/>
           <a:extLst>
             <a:ext uri="{909E8E84-426E-40dd-AFC4-6F175D3DCCD1}">
-              <a14:hiddenFill xmlns:a14="http://schemas.microsoft.com/office/drawing/2010/main" xmlns="">
+              <a14:hiddenFill xmlns="" xmlns:a14="http://schemas.microsoft.com/office/drawing/2010/main">
                 <a:solidFill>
                   <a:srgbClr val="FFFFFF"/>
                 </a:solidFill>
@@ -14884,7 +14889,7 @@
             </a:ln>
             <a:extLst>
               <a:ext uri="{91240B29-F687-4f45-9708-019B960494DF}">
-                <a14:hiddenLine xmlns:a14="http://schemas.microsoft.com/office/drawing/2010/main" xmlns="" w="9525">
+                <a14:hiddenLine xmlns="" xmlns:a14="http://schemas.microsoft.com/office/drawing/2010/main" w="9525">
                   <a:solidFill>
                     <a:srgbClr val="000000"/>
                   </a:solidFill>
@@ -14974,7 +14979,7 @@
             </a:ln>
             <a:extLst>
               <a:ext uri="{91240B29-F687-4f45-9708-019B960494DF}">
-                <a14:hiddenLine xmlns:a14="http://schemas.microsoft.com/office/drawing/2010/main" xmlns="" w="9525">
+                <a14:hiddenLine xmlns="" xmlns:a14="http://schemas.microsoft.com/office/drawing/2010/main" w="9525">
                   <a:solidFill>
                     <a:srgbClr val="000000"/>
                   </a:solidFill>
@@ -15064,7 +15069,7 @@
             </a:ln>
             <a:extLst>
               <a:ext uri="{91240B29-F687-4f45-9708-019B960494DF}">
-                <a14:hiddenLine xmlns:a14="http://schemas.microsoft.com/office/drawing/2010/main" xmlns="" w="9525">
+                <a14:hiddenLine xmlns="" xmlns:a14="http://schemas.microsoft.com/office/drawing/2010/main" w="9525">
                   <a:solidFill>
                     <a:srgbClr val="000000"/>
                   </a:solidFill>
@@ -15098,7 +15103,7 @@
             </a:ln>
             <a:extLst>
               <a:ext uri="{91240B29-F687-4f45-9708-019B960494DF}">
-                <a14:hiddenLine xmlns:a14="http://schemas.microsoft.com/office/drawing/2010/main" xmlns="" w="9525">
+                <a14:hiddenLine xmlns="" xmlns:a14="http://schemas.microsoft.com/office/drawing/2010/main" w="9525">
                   <a:solidFill>
                     <a:srgbClr val="000000"/>
                   </a:solidFill>
@@ -15188,7 +15193,7 @@
             </a:ln>
             <a:extLst>
               <a:ext uri="{91240B29-F687-4f45-9708-019B960494DF}">
-                <a14:hiddenLine xmlns:a14="http://schemas.microsoft.com/office/drawing/2010/main" xmlns="" w="9525">
+                <a14:hiddenLine xmlns="" xmlns:a14="http://schemas.microsoft.com/office/drawing/2010/main" w="9525">
                   <a:solidFill>
                     <a:srgbClr val="000000"/>
                   </a:solidFill>
@@ -15250,7 +15255,7 @@
             </a:ln>
             <a:extLst>
               <a:ext uri="{91240B29-F687-4f45-9708-019B960494DF}">
-                <a14:hiddenLine xmlns:a14="http://schemas.microsoft.com/office/drawing/2010/main" xmlns="" w="9525">
+                <a14:hiddenLine xmlns="" xmlns:a14="http://schemas.microsoft.com/office/drawing/2010/main" w="9525">
                   <a:solidFill>
                     <a:srgbClr val="000000"/>
                   </a:solidFill>
@@ -15312,7 +15317,7 @@
             </a:ln>
             <a:extLst>
               <a:ext uri="{91240B29-F687-4f45-9708-019B960494DF}">
-                <a14:hiddenLine xmlns:a14="http://schemas.microsoft.com/office/drawing/2010/main" xmlns="" w="9525">
+                <a14:hiddenLine xmlns="" xmlns:a14="http://schemas.microsoft.com/office/drawing/2010/main" w="9525">
                   <a:solidFill>
                     <a:srgbClr val="000000"/>
                   </a:solidFill>
@@ -15402,7 +15407,7 @@
             </a:ln>
             <a:extLst>
               <a:ext uri="{91240B29-F687-4f45-9708-019B960494DF}">
-                <a14:hiddenLine xmlns:a14="http://schemas.microsoft.com/office/drawing/2010/main" xmlns="" w="9525">
+                <a14:hiddenLine xmlns="" xmlns:a14="http://schemas.microsoft.com/office/drawing/2010/main" w="9525">
                   <a:solidFill>
                     <a:srgbClr val="000000"/>
                   </a:solidFill>
@@ -15464,7 +15469,7 @@
             </a:ln>
             <a:extLst>
               <a:ext uri="{91240B29-F687-4f45-9708-019B960494DF}">
-                <a14:hiddenLine xmlns:a14="http://schemas.microsoft.com/office/drawing/2010/main" xmlns="" w="9525">
+                <a14:hiddenLine xmlns="" xmlns:a14="http://schemas.microsoft.com/office/drawing/2010/main" w="9525">
                   <a:solidFill>
                     <a:srgbClr val="000000"/>
                   </a:solidFill>
@@ -15526,7 +15531,7 @@
             </a:ln>
             <a:extLst>
               <a:ext uri="{91240B29-F687-4f45-9708-019B960494DF}">
-                <a14:hiddenLine xmlns:a14="http://schemas.microsoft.com/office/drawing/2010/main" xmlns="" w="9525">
+                <a14:hiddenLine xmlns="" xmlns:a14="http://schemas.microsoft.com/office/drawing/2010/main" w="9525">
                   <a:solidFill>
                     <a:srgbClr val="000000"/>
                   </a:solidFill>
@@ -15616,7 +15621,7 @@
             </a:ln>
             <a:extLst>
               <a:ext uri="{91240B29-F687-4f45-9708-019B960494DF}">
-                <a14:hiddenLine xmlns:a14="http://schemas.microsoft.com/office/drawing/2010/main" xmlns="" w="9525">
+                <a14:hiddenLine xmlns="" xmlns:a14="http://schemas.microsoft.com/office/drawing/2010/main" w="9525">
                   <a:solidFill>
                     <a:srgbClr val="000000"/>
                   </a:solidFill>
@@ -15706,7 +15711,7 @@
             </a:ln>
             <a:extLst>
               <a:ext uri="{91240B29-F687-4f45-9708-019B960494DF}">
-                <a14:hiddenLine xmlns:a14="http://schemas.microsoft.com/office/drawing/2010/main" xmlns="" w="9525">
+                <a14:hiddenLine xmlns="" xmlns:a14="http://schemas.microsoft.com/office/drawing/2010/main" w="9525">
                   <a:solidFill>
                     <a:srgbClr val="000000"/>
                   </a:solidFill>
@@ -15768,7 +15773,7 @@
             </a:ln>
             <a:extLst>
               <a:ext uri="{91240B29-F687-4f45-9708-019B960494DF}">
-                <a14:hiddenLine xmlns:a14="http://schemas.microsoft.com/office/drawing/2010/main" xmlns="" w="9525">
+                <a14:hiddenLine xmlns="" xmlns:a14="http://schemas.microsoft.com/office/drawing/2010/main" w="9525">
                   <a:solidFill>
                     <a:srgbClr val="000000"/>
                   </a:solidFill>
@@ -15878,7 +15883,7 @@
             </a:ln>
             <a:extLst>
               <a:ext uri="{91240B29-F687-4f45-9708-019B960494DF}">
-                <a14:hiddenLine xmlns:a14="http://schemas.microsoft.com/office/drawing/2010/main" xmlns="" w="9525">
+                <a14:hiddenLine xmlns="" xmlns:a14="http://schemas.microsoft.com/office/drawing/2010/main" w="9525">
                   <a:solidFill>
                     <a:srgbClr val="000000"/>
                   </a:solidFill>
@@ -15940,7 +15945,7 @@
             </a:ln>
             <a:extLst>
               <a:ext uri="{91240B29-F687-4f45-9708-019B960494DF}">
-                <a14:hiddenLine xmlns:a14="http://schemas.microsoft.com/office/drawing/2010/main" xmlns="" w="9525">
+                <a14:hiddenLine xmlns="" xmlns:a14="http://schemas.microsoft.com/office/drawing/2010/main" w="9525">
                   <a:solidFill>
                     <a:srgbClr val="000000"/>
                   </a:solidFill>
@@ -16030,7 +16035,7 @@
             </a:ln>
             <a:extLst>
               <a:ext uri="{91240B29-F687-4f45-9708-019B960494DF}">
-                <a14:hiddenLine xmlns:a14="http://schemas.microsoft.com/office/drawing/2010/main" xmlns="" w="9525">
+                <a14:hiddenLine xmlns="" xmlns:a14="http://schemas.microsoft.com/office/drawing/2010/main" w="9525">
                   <a:solidFill>
                     <a:srgbClr val="000000"/>
                   </a:solidFill>
@@ -16120,7 +16125,7 @@
             </a:ln>
             <a:extLst>
               <a:ext uri="{91240B29-F687-4f45-9708-019B960494DF}">
-                <a14:hiddenLine xmlns:a14="http://schemas.microsoft.com/office/drawing/2010/main" xmlns="" w="9525">
+                <a14:hiddenLine xmlns="" xmlns:a14="http://schemas.microsoft.com/office/drawing/2010/main" w="9525">
                   <a:solidFill>
                     <a:srgbClr val="000000"/>
                   </a:solidFill>
@@ -16182,7 +16187,7 @@
             </a:ln>
             <a:extLst>
               <a:ext uri="{91240B29-F687-4f45-9708-019B960494DF}">
-                <a14:hiddenLine xmlns:a14="http://schemas.microsoft.com/office/drawing/2010/main" xmlns="" w="9525">
+                <a14:hiddenLine xmlns="" xmlns:a14="http://schemas.microsoft.com/office/drawing/2010/main" w="9525">
                   <a:solidFill>
                     <a:srgbClr val="000000"/>
                   </a:solidFill>
@@ -16272,7 +16277,7 @@
             </a:ln>
             <a:extLst>
               <a:ext uri="{91240B29-F687-4f45-9708-019B960494DF}">
-                <a14:hiddenLine xmlns:a14="http://schemas.microsoft.com/office/drawing/2010/main" xmlns="" w="9525">
+                <a14:hiddenLine xmlns="" xmlns:a14="http://schemas.microsoft.com/office/drawing/2010/main" w="9525">
                   <a:solidFill>
                     <a:srgbClr val="000000"/>
                   </a:solidFill>
@@ -16362,7 +16367,7 @@
             </a:ln>
             <a:extLst>
               <a:ext uri="{91240B29-F687-4f45-9708-019B960494DF}">
-                <a14:hiddenLine xmlns:a14="http://schemas.microsoft.com/office/drawing/2010/main" xmlns="" w="9525">
+                <a14:hiddenLine xmlns="" xmlns:a14="http://schemas.microsoft.com/office/drawing/2010/main" w="9525">
                   <a:solidFill>
                     <a:srgbClr val="000000"/>
                   </a:solidFill>
@@ -16418,7 +16423,7 @@
             </a:ln>
             <a:extLst>
               <a:ext uri="{91240B29-F687-4f45-9708-019B960494DF}">
-                <a14:hiddenLine xmlns:a14="http://schemas.microsoft.com/office/drawing/2010/main" xmlns="" w="9525">
+                <a14:hiddenLine xmlns="" xmlns:a14="http://schemas.microsoft.com/office/drawing/2010/main" w="9525">
                   <a:solidFill>
                     <a:srgbClr val="000000"/>
                   </a:solidFill>
@@ -16508,7 +16513,7 @@
             </a:ln>
             <a:extLst>
               <a:ext uri="{91240B29-F687-4f45-9708-019B960494DF}">
-                <a14:hiddenLine xmlns:a14="http://schemas.microsoft.com/office/drawing/2010/main" xmlns="" w="9525">
+                <a14:hiddenLine xmlns="" xmlns:a14="http://schemas.microsoft.com/office/drawing/2010/main" w="9525">
                   <a:solidFill>
                     <a:srgbClr val="000000"/>
                   </a:solidFill>
@@ -16564,7 +16569,7 @@
             </a:ln>
             <a:extLst>
               <a:ext uri="{91240B29-F687-4f45-9708-019B960494DF}">
-                <a14:hiddenLine xmlns:a14="http://schemas.microsoft.com/office/drawing/2010/main" xmlns="" w="9525">
+                <a14:hiddenLine xmlns="" xmlns:a14="http://schemas.microsoft.com/office/drawing/2010/main" w="9525">
                   <a:solidFill>
                     <a:srgbClr val="000000"/>
                   </a:solidFill>
@@ -16654,7 +16659,7 @@
             </a:ln>
             <a:extLst>
               <a:ext uri="{91240B29-F687-4f45-9708-019B960494DF}">
-                <a14:hiddenLine xmlns:a14="http://schemas.microsoft.com/office/drawing/2010/main" xmlns="" w="9525">
+                <a14:hiddenLine xmlns="" xmlns:a14="http://schemas.microsoft.com/office/drawing/2010/main" w="9525">
                   <a:solidFill>
                     <a:srgbClr val="000000"/>
                   </a:solidFill>
@@ -16722,7 +16727,7 @@
             </a:ln>
             <a:extLst>
               <a:ext uri="{91240B29-F687-4f45-9708-019B960494DF}">
-                <a14:hiddenLine xmlns:a14="http://schemas.microsoft.com/office/drawing/2010/main" xmlns="" w="9525">
+                <a14:hiddenLine xmlns="" xmlns:a14="http://schemas.microsoft.com/office/drawing/2010/main" w="9525">
                   <a:solidFill>
                     <a:srgbClr val="000000"/>
                   </a:solidFill>
@@ -16812,7 +16817,7 @@
             </a:ln>
             <a:extLst>
               <a:ext uri="{91240B29-F687-4f45-9708-019B960494DF}">
-                <a14:hiddenLine xmlns:a14="http://schemas.microsoft.com/office/drawing/2010/main" xmlns="" w="9525">
+                <a14:hiddenLine xmlns="" xmlns:a14="http://schemas.microsoft.com/office/drawing/2010/main" w="9525">
                   <a:solidFill>
                     <a:srgbClr val="000000"/>
                   </a:solidFill>
@@ -16880,7 +16885,7 @@
             </a:ln>
             <a:extLst>
               <a:ext uri="{91240B29-F687-4f45-9708-019B960494DF}">
-                <a14:hiddenLine xmlns:a14="http://schemas.microsoft.com/office/drawing/2010/main" xmlns="" w="9525">
+                <a14:hiddenLine xmlns="" xmlns:a14="http://schemas.microsoft.com/office/drawing/2010/main" w="9525">
                   <a:solidFill>
                     <a:srgbClr val="000000"/>
                   </a:solidFill>
@@ -16970,7 +16975,7 @@
             </a:ln>
             <a:extLst>
               <a:ext uri="{91240B29-F687-4f45-9708-019B960494DF}">
-                <a14:hiddenLine xmlns:a14="http://schemas.microsoft.com/office/drawing/2010/main" xmlns="" w="9525">
+                <a14:hiddenLine xmlns="" xmlns:a14="http://schemas.microsoft.com/office/drawing/2010/main" w="9525">
                   <a:solidFill>
                     <a:srgbClr val="000000"/>
                   </a:solidFill>
@@ -17004,7 +17009,7 @@
             </a:ln>
             <a:extLst>
               <a:ext uri="{91240B29-F687-4f45-9708-019B960494DF}">
-                <a14:hiddenLine xmlns:a14="http://schemas.microsoft.com/office/drawing/2010/main" xmlns="" w="9525">
+                <a14:hiddenLine xmlns="" xmlns:a14="http://schemas.microsoft.com/office/drawing/2010/main" w="9525">
                   <a:solidFill>
                     <a:srgbClr val="000000"/>
                   </a:solidFill>
@@ -17094,7 +17099,7 @@
             </a:ln>
             <a:extLst>
               <a:ext uri="{91240B29-F687-4f45-9708-019B960494DF}">
-                <a14:hiddenLine xmlns:a14="http://schemas.microsoft.com/office/drawing/2010/main" xmlns="" w="9525">
+                <a14:hiddenLine xmlns="" xmlns:a14="http://schemas.microsoft.com/office/drawing/2010/main" w="9525">
                   <a:solidFill>
                     <a:srgbClr val="000000"/>
                   </a:solidFill>
@@ -17156,7 +17161,7 @@
             </a:ln>
             <a:extLst>
               <a:ext uri="{91240B29-F687-4f45-9708-019B960494DF}">
-                <a14:hiddenLine xmlns:a14="http://schemas.microsoft.com/office/drawing/2010/main" xmlns="" w="9525">
+                <a14:hiddenLine xmlns="" xmlns:a14="http://schemas.microsoft.com/office/drawing/2010/main" w="9525">
                   <a:solidFill>
                     <a:srgbClr val="000000"/>
                   </a:solidFill>
@@ -17218,7 +17223,7 @@
             </a:ln>
             <a:extLst>
               <a:ext uri="{91240B29-F687-4f45-9708-019B960494DF}">
-                <a14:hiddenLine xmlns:a14="http://schemas.microsoft.com/office/drawing/2010/main" xmlns="" w="9525">
+                <a14:hiddenLine xmlns="" xmlns:a14="http://schemas.microsoft.com/office/drawing/2010/main" w="9525">
                   <a:solidFill>
                     <a:srgbClr val="000000"/>
                   </a:solidFill>
@@ -17308,7 +17313,7 @@
             </a:ln>
             <a:extLst>
               <a:ext uri="{91240B29-F687-4f45-9708-019B960494DF}">
-                <a14:hiddenLine xmlns:a14="http://schemas.microsoft.com/office/drawing/2010/main" xmlns="" w="9525">
+                <a14:hiddenLine xmlns="" xmlns:a14="http://schemas.microsoft.com/office/drawing/2010/main" w="9525">
                   <a:solidFill>
                     <a:srgbClr val="000000"/>
                   </a:solidFill>
@@ -17376,7 +17381,7 @@
             </a:ln>
             <a:extLst>
               <a:ext uri="{91240B29-F687-4f45-9708-019B960494DF}">
-                <a14:hiddenLine xmlns:a14="http://schemas.microsoft.com/office/drawing/2010/main" xmlns="" w="9525">
+                <a14:hiddenLine xmlns="" xmlns:a14="http://schemas.microsoft.com/office/drawing/2010/main" w="9525">
                   <a:solidFill>
                     <a:srgbClr val="000000"/>
                   </a:solidFill>
@@ -17438,7 +17443,7 @@
             </a:ln>
             <a:extLst>
               <a:ext uri="{91240B29-F687-4f45-9708-019B960494DF}">
-                <a14:hiddenLine xmlns:a14="http://schemas.microsoft.com/office/drawing/2010/main" xmlns="" w="9525">
+                <a14:hiddenLine xmlns="" xmlns:a14="http://schemas.microsoft.com/office/drawing/2010/main" w="9525">
                   <a:solidFill>
                     <a:srgbClr val="000000"/>
                   </a:solidFill>
@@ -17528,7 +17533,7 @@
             </a:ln>
             <a:extLst>
               <a:ext uri="{91240B29-F687-4f45-9708-019B960494DF}">
-                <a14:hiddenLine xmlns:a14="http://schemas.microsoft.com/office/drawing/2010/main" xmlns="" w="9525">
+                <a14:hiddenLine xmlns="" xmlns:a14="http://schemas.microsoft.com/office/drawing/2010/main" w="9525">
                   <a:solidFill>
                     <a:srgbClr val="000000"/>
                   </a:solidFill>
@@ -17590,7 +17595,7 @@
             </a:ln>
             <a:extLst>
               <a:ext uri="{91240B29-F687-4f45-9708-019B960494DF}">
-                <a14:hiddenLine xmlns:a14="http://schemas.microsoft.com/office/drawing/2010/main" xmlns="" w="9525">
+                <a14:hiddenLine xmlns="" xmlns:a14="http://schemas.microsoft.com/office/drawing/2010/main" w="9525">
                   <a:solidFill>
                     <a:srgbClr val="000000"/>
                   </a:solidFill>
@@ -17680,7 +17685,7 @@
             </a:ln>
             <a:extLst>
               <a:ext uri="{91240B29-F687-4f45-9708-019B960494DF}">
-                <a14:hiddenLine xmlns:a14="http://schemas.microsoft.com/office/drawing/2010/main" xmlns="" w="9525">
+                <a14:hiddenLine xmlns="" xmlns:a14="http://schemas.microsoft.com/office/drawing/2010/main" w="9525">
                   <a:solidFill>
                     <a:srgbClr val="000000"/>
                   </a:solidFill>
@@ -17742,7 +17747,7 @@
             </a:ln>
             <a:extLst>
               <a:ext uri="{91240B29-F687-4f45-9708-019B960494DF}">
-                <a14:hiddenLine xmlns:a14="http://schemas.microsoft.com/office/drawing/2010/main" xmlns="" w="9525">
+                <a14:hiddenLine xmlns="" xmlns:a14="http://schemas.microsoft.com/office/drawing/2010/main" w="9525">
                   <a:solidFill>
                     <a:srgbClr val="000000"/>
                   </a:solidFill>
@@ -17832,7 +17837,7 @@
             </a:ln>
             <a:extLst>
               <a:ext uri="{91240B29-F687-4f45-9708-019B960494DF}">
-                <a14:hiddenLine xmlns:a14="http://schemas.microsoft.com/office/drawing/2010/main" xmlns="" w="9525">
+                <a14:hiddenLine xmlns="" xmlns:a14="http://schemas.microsoft.com/office/drawing/2010/main" w="9525">
                   <a:solidFill>
                     <a:srgbClr val="000000"/>
                   </a:solidFill>
@@ -17866,7 +17871,7 @@
             </a:ln>
             <a:extLst>
               <a:ext uri="{91240B29-F687-4f45-9708-019B960494DF}">
-                <a14:hiddenLine xmlns:a14="http://schemas.microsoft.com/office/drawing/2010/main" xmlns="" w="9525">
+                <a14:hiddenLine xmlns="" xmlns:a14="http://schemas.microsoft.com/office/drawing/2010/main" w="9525">
                   <a:solidFill>
                     <a:srgbClr val="000000"/>
                   </a:solidFill>
@@ -17931,7 +17936,7 @@
             </a:ln>
             <a:extLst>
               <a:ext uri="{91240B29-F687-4f45-9708-019B960494DF}">
-                <a14:hiddenLine xmlns:a14="http://schemas.microsoft.com/office/drawing/2010/main" xmlns="" w="9525">
+                <a14:hiddenLine xmlns="" xmlns:a14="http://schemas.microsoft.com/office/drawing/2010/main" w="9525">
                   <a:solidFill>
                     <a:srgbClr val="000000"/>
                   </a:solidFill>
@@ -18021,7 +18026,7 @@
             </a:ln>
             <a:extLst>
               <a:ext uri="{91240B29-F687-4f45-9708-019B960494DF}">
-                <a14:hiddenLine xmlns:a14="http://schemas.microsoft.com/office/drawing/2010/main" xmlns="" w="9525">
+                <a14:hiddenLine xmlns="" xmlns:a14="http://schemas.microsoft.com/office/drawing/2010/main" w="9525">
                   <a:solidFill>
                     <a:srgbClr val="000000"/>
                   </a:solidFill>
@@ -18083,7 +18088,7 @@
             </a:ln>
             <a:extLst>
               <a:ext uri="{91240B29-F687-4f45-9708-019B960494DF}">
-                <a14:hiddenLine xmlns:a14="http://schemas.microsoft.com/office/drawing/2010/main" xmlns="" w="9525">
+                <a14:hiddenLine xmlns="" xmlns:a14="http://schemas.microsoft.com/office/drawing/2010/main" w="9525">
                   <a:solidFill>
                     <a:srgbClr val="000000"/>
                   </a:solidFill>
@@ -18173,7 +18178,7 @@
             </a:ln>
             <a:extLst>
               <a:ext uri="{91240B29-F687-4f45-9708-019B960494DF}">
-                <a14:hiddenLine xmlns:a14="http://schemas.microsoft.com/office/drawing/2010/main" xmlns="" w="9525">
+                <a14:hiddenLine xmlns="" xmlns:a14="http://schemas.microsoft.com/office/drawing/2010/main" w="9525">
                   <a:solidFill>
                     <a:srgbClr val="000000"/>
                   </a:solidFill>
@@ -18263,7 +18268,7 @@
             </a:ln>
             <a:extLst>
               <a:ext uri="{91240B29-F687-4f45-9708-019B960494DF}">
-                <a14:hiddenLine xmlns:a14="http://schemas.microsoft.com/office/drawing/2010/main" xmlns="" w="9525">
+                <a14:hiddenLine xmlns="" xmlns:a14="http://schemas.microsoft.com/office/drawing/2010/main" w="9525">
                   <a:solidFill>
                     <a:srgbClr val="000000"/>
                   </a:solidFill>
@@ -18328,7 +18333,7 @@
             </a:ln>
             <a:extLst>
               <a:ext uri="{91240B29-F687-4f45-9708-019B960494DF}">
-                <a14:hiddenLine xmlns:a14="http://schemas.microsoft.com/office/drawing/2010/main" xmlns="" w="9525">
+                <a14:hiddenLine xmlns="" xmlns:a14="http://schemas.microsoft.com/office/drawing/2010/main" w="9525">
                   <a:solidFill>
                     <a:srgbClr val="000000"/>
                   </a:solidFill>
@@ -18390,7 +18395,7 @@
             </a:ln>
             <a:extLst>
               <a:ext uri="{91240B29-F687-4f45-9708-019B960494DF}">
-                <a14:hiddenLine xmlns:a14="http://schemas.microsoft.com/office/drawing/2010/main" xmlns="" w="9525">
+                <a14:hiddenLine xmlns="" xmlns:a14="http://schemas.microsoft.com/office/drawing/2010/main" w="9525">
                   <a:solidFill>
                     <a:srgbClr val="000000"/>
                   </a:solidFill>
@@ -18480,7 +18485,7 @@
             </a:ln>
             <a:extLst>
               <a:ext uri="{91240B29-F687-4f45-9708-019B960494DF}">
-                <a14:hiddenLine xmlns:a14="http://schemas.microsoft.com/office/drawing/2010/main" xmlns="" w="9525">
+                <a14:hiddenLine xmlns="" xmlns:a14="http://schemas.microsoft.com/office/drawing/2010/main" w="9525">
                   <a:solidFill>
                     <a:srgbClr val="000000"/>
                   </a:solidFill>
@@ -18570,7 +18575,7 @@
             </a:ln>
             <a:extLst>
               <a:ext uri="{91240B29-F687-4f45-9708-019B960494DF}">
-                <a14:hiddenLine xmlns:a14="http://schemas.microsoft.com/office/drawing/2010/main" xmlns="" w="9525">
+                <a14:hiddenLine xmlns="" xmlns:a14="http://schemas.microsoft.com/office/drawing/2010/main" w="9525">
                   <a:solidFill>
                     <a:srgbClr val="000000"/>
                   </a:solidFill>
@@ -18632,7 +18637,7 @@
             </a:ln>
             <a:extLst>
               <a:ext uri="{91240B29-F687-4f45-9708-019B960494DF}">
-                <a14:hiddenLine xmlns:a14="http://schemas.microsoft.com/office/drawing/2010/main" xmlns="" w="9525">
+                <a14:hiddenLine xmlns="" xmlns:a14="http://schemas.microsoft.com/office/drawing/2010/main" w="9525">
                   <a:solidFill>
                     <a:srgbClr val="000000"/>
                   </a:solidFill>
@@ -18752,7 +18757,7 @@
             </a:ln>
             <a:extLst>
               <a:ext uri="{91240B29-F687-4f45-9708-019B960494DF}">
-                <a14:hiddenLine xmlns:a14="http://schemas.microsoft.com/office/drawing/2010/main" xmlns="" w="9525">
+                <a14:hiddenLine xmlns="" xmlns:a14="http://schemas.microsoft.com/office/drawing/2010/main" w="9525">
                   <a:solidFill>
                     <a:srgbClr val="000000"/>
                   </a:solidFill>
@@ -18820,7 +18825,7 @@
             </a:ln>
             <a:extLst>
               <a:ext uri="{91240B29-F687-4f45-9708-019B960494DF}">
-                <a14:hiddenLine xmlns:a14="http://schemas.microsoft.com/office/drawing/2010/main" xmlns="" w="9525">
+                <a14:hiddenLine xmlns="" xmlns:a14="http://schemas.microsoft.com/office/drawing/2010/main" w="9525">
                   <a:solidFill>
                     <a:srgbClr val="000000"/>
                   </a:solidFill>
@@ -18910,7 +18915,7 @@
             </a:ln>
             <a:extLst>
               <a:ext uri="{91240B29-F687-4f45-9708-019B960494DF}">
-                <a14:hiddenLine xmlns:a14="http://schemas.microsoft.com/office/drawing/2010/main" xmlns="" w="9525">
+                <a14:hiddenLine xmlns="" xmlns:a14="http://schemas.microsoft.com/office/drawing/2010/main" w="9525">
                   <a:solidFill>
                     <a:srgbClr val="000000"/>
                   </a:solidFill>
@@ -23717,7 +23722,7 @@
           <a:noFill/>
           <a:extLst>
             <a:ext uri="{909E8E84-426E-40dd-AFC4-6F175D3DCCD1}">
-              <a14:hiddenFill xmlns:a14="http://schemas.microsoft.com/office/drawing/2010/main" xmlns="">
+              <a14:hiddenFill xmlns="" xmlns:a14="http://schemas.microsoft.com/office/drawing/2010/main">
                 <a:solidFill>
                   <a:srgbClr val="FFFFFF"/>
                 </a:solidFill>
@@ -23791,7 +23796,7 @@
               </a:ln>
               <a:extLst>
                 <a:ext uri="{91240B29-F687-4f45-9708-019B960494DF}">
-                  <a14:hiddenLine xmlns:a14="http://schemas.microsoft.com/office/drawing/2010/main" xmlns="" w="9525">
+                  <a14:hiddenLine xmlns="" xmlns:a14="http://schemas.microsoft.com/office/drawing/2010/main" w="9525">
                     <a:solidFill>
                       <a:srgbClr val="000000"/>
                     </a:solidFill>
@@ -23881,7 +23886,7 @@
               </a:ln>
               <a:extLst>
                 <a:ext uri="{91240B29-F687-4f45-9708-019B960494DF}">
-                  <a14:hiddenLine xmlns:a14="http://schemas.microsoft.com/office/drawing/2010/main" xmlns="" w="9525">
+                  <a14:hiddenLine xmlns="" xmlns:a14="http://schemas.microsoft.com/office/drawing/2010/main" w="9525">
                     <a:solidFill>
                       <a:srgbClr val="000000"/>
                     </a:solidFill>
@@ -23971,7 +23976,7 @@
               </a:ln>
               <a:extLst>
                 <a:ext uri="{91240B29-F687-4f45-9708-019B960494DF}">
-                  <a14:hiddenLine xmlns:a14="http://schemas.microsoft.com/office/drawing/2010/main" xmlns="" w="9525">
+                  <a14:hiddenLine xmlns="" xmlns:a14="http://schemas.microsoft.com/office/drawing/2010/main" w="9525">
                     <a:solidFill>
                       <a:srgbClr val="000000"/>
                     </a:solidFill>
@@ -24033,7 +24038,7 @@
               </a:ln>
               <a:extLst>
                 <a:ext uri="{91240B29-F687-4f45-9708-019B960494DF}">
-                  <a14:hiddenLine xmlns:a14="http://schemas.microsoft.com/office/drawing/2010/main" xmlns="" w="9525">
+                  <a14:hiddenLine xmlns="" xmlns:a14="http://schemas.microsoft.com/office/drawing/2010/main" w="9525">
                     <a:solidFill>
                       <a:srgbClr val="000000"/>
                     </a:solidFill>
@@ -24123,7 +24128,7 @@
               </a:ln>
               <a:extLst>
                 <a:ext uri="{91240B29-F687-4f45-9708-019B960494DF}">
-                  <a14:hiddenLine xmlns:a14="http://schemas.microsoft.com/office/drawing/2010/main" xmlns="" w="9525">
+                  <a14:hiddenLine xmlns="" xmlns:a14="http://schemas.microsoft.com/office/drawing/2010/main" w="9525">
                     <a:solidFill>
                       <a:srgbClr val="000000"/>
                     </a:solidFill>
@@ -24185,7 +24190,7 @@
               </a:ln>
               <a:extLst>
                 <a:ext uri="{91240B29-F687-4f45-9708-019B960494DF}">
-                  <a14:hiddenLine xmlns:a14="http://schemas.microsoft.com/office/drawing/2010/main" xmlns="" w="9525">
+                  <a14:hiddenLine xmlns="" xmlns:a14="http://schemas.microsoft.com/office/drawing/2010/main" w="9525">
                     <a:solidFill>
                       <a:srgbClr val="000000"/>
                     </a:solidFill>
@@ -24247,7 +24252,7 @@
               </a:ln>
               <a:extLst>
                 <a:ext uri="{91240B29-F687-4f45-9708-019B960494DF}">
-                  <a14:hiddenLine xmlns:a14="http://schemas.microsoft.com/office/drawing/2010/main" xmlns="" w="9525">
+                  <a14:hiddenLine xmlns="" xmlns:a14="http://schemas.microsoft.com/office/drawing/2010/main" w="9525">
                     <a:solidFill>
                       <a:srgbClr val="000000"/>
                     </a:solidFill>
@@ -24337,7 +24342,7 @@
               </a:ln>
               <a:extLst>
                 <a:ext uri="{91240B29-F687-4f45-9708-019B960494DF}">
-                  <a14:hiddenLine xmlns:a14="http://schemas.microsoft.com/office/drawing/2010/main" xmlns="" w="9525">
+                  <a14:hiddenLine xmlns="" xmlns:a14="http://schemas.microsoft.com/office/drawing/2010/main" w="9525">
                     <a:solidFill>
                       <a:srgbClr val="000000"/>
                     </a:solidFill>
@@ -24427,7 +24432,7 @@
               </a:ln>
               <a:extLst>
                 <a:ext uri="{91240B29-F687-4f45-9708-019B960494DF}">
-                  <a14:hiddenLine xmlns:a14="http://schemas.microsoft.com/office/drawing/2010/main" xmlns="" w="9525">
+                  <a14:hiddenLine xmlns="" xmlns:a14="http://schemas.microsoft.com/office/drawing/2010/main" w="9525">
                     <a:solidFill>
                       <a:srgbClr val="000000"/>
                     </a:solidFill>
@@ -24489,7 +24494,7 @@
               </a:ln>
               <a:extLst>
                 <a:ext uri="{91240B29-F687-4f45-9708-019B960494DF}">
-                  <a14:hiddenLine xmlns:a14="http://schemas.microsoft.com/office/drawing/2010/main" xmlns="" w="9525">
+                  <a14:hiddenLine xmlns="" xmlns:a14="http://schemas.microsoft.com/office/drawing/2010/main" w="9525">
                     <a:solidFill>
                       <a:srgbClr val="000000"/>
                     </a:solidFill>
@@ -24599,7 +24604,7 @@
               </a:ln>
               <a:extLst>
                 <a:ext uri="{91240B29-F687-4f45-9708-019B960494DF}">
-                  <a14:hiddenLine xmlns:a14="http://schemas.microsoft.com/office/drawing/2010/main" xmlns="" w="9525">
+                  <a14:hiddenLine xmlns="" xmlns:a14="http://schemas.microsoft.com/office/drawing/2010/main" w="9525">
                     <a:solidFill>
                       <a:srgbClr val="000000"/>
                     </a:solidFill>
@@ -24683,7 +24688,7 @@
               </a:ln>
               <a:extLst>
                 <a:ext uri="{91240B29-F687-4f45-9708-019B960494DF}">
-                  <a14:hiddenLine xmlns:a14="http://schemas.microsoft.com/office/drawing/2010/main" xmlns="" w="9525">
+                  <a14:hiddenLine xmlns="" xmlns:a14="http://schemas.microsoft.com/office/drawing/2010/main" w="9525">
                     <a:solidFill>
                       <a:srgbClr val="000000"/>
                     </a:solidFill>
@@ -24745,7 +24750,7 @@
               </a:ln>
               <a:extLst>
                 <a:ext uri="{91240B29-F687-4f45-9708-019B960494DF}">
-                  <a14:hiddenLine xmlns:a14="http://schemas.microsoft.com/office/drawing/2010/main" xmlns="" w="9525">
+                  <a14:hiddenLine xmlns="" xmlns:a14="http://schemas.microsoft.com/office/drawing/2010/main" w="9525">
                     <a:solidFill>
                       <a:srgbClr val="000000"/>
                     </a:solidFill>
@@ -24807,7 +24812,7 @@
               </a:ln>
               <a:extLst>
                 <a:ext uri="{91240B29-F687-4f45-9708-019B960494DF}">
-                  <a14:hiddenLine xmlns:a14="http://schemas.microsoft.com/office/drawing/2010/main" xmlns="" w="9525">
+                  <a14:hiddenLine xmlns="" xmlns:a14="http://schemas.microsoft.com/office/drawing/2010/main" w="9525">
                     <a:solidFill>
                       <a:srgbClr val="000000"/>
                     </a:solidFill>
@@ -24897,7 +24902,7 @@
               </a:ln>
               <a:extLst>
                 <a:ext uri="{91240B29-F687-4f45-9708-019B960494DF}">
-                  <a14:hiddenLine xmlns:a14="http://schemas.microsoft.com/office/drawing/2010/main" xmlns="" w="9525">
+                  <a14:hiddenLine xmlns="" xmlns:a14="http://schemas.microsoft.com/office/drawing/2010/main" w="9525">
                     <a:solidFill>
                       <a:srgbClr val="000000"/>
                     </a:solidFill>
@@ -24931,7 +24936,7 @@
               </a:ln>
               <a:extLst>
                 <a:ext uri="{91240B29-F687-4f45-9708-019B960494DF}">
-                  <a14:hiddenLine xmlns:a14="http://schemas.microsoft.com/office/drawing/2010/main" xmlns="" w="9525">
+                  <a14:hiddenLine xmlns="" xmlns:a14="http://schemas.microsoft.com/office/drawing/2010/main" w="9525">
                     <a:solidFill>
                       <a:srgbClr val="000000"/>
                     </a:solidFill>
@@ -24996,7 +25001,7 @@
               </a:ln>
               <a:extLst>
                 <a:ext uri="{91240B29-F687-4f45-9708-019B960494DF}">
-                  <a14:hiddenLine xmlns:a14="http://schemas.microsoft.com/office/drawing/2010/main" xmlns="" w="9525">
+                  <a14:hiddenLine xmlns="" xmlns:a14="http://schemas.microsoft.com/office/drawing/2010/main" w="9525">
                     <a:solidFill>
                       <a:srgbClr val="000000"/>
                     </a:solidFill>
@@ -25086,7 +25091,7 @@
               </a:ln>
               <a:extLst>
                 <a:ext uri="{91240B29-F687-4f45-9708-019B960494DF}">
-                  <a14:hiddenLine xmlns:a14="http://schemas.microsoft.com/office/drawing/2010/main" xmlns="" w="9525">
+                  <a14:hiddenLine xmlns="" xmlns:a14="http://schemas.microsoft.com/office/drawing/2010/main" w="9525">
                     <a:solidFill>
                       <a:srgbClr val="000000"/>
                     </a:solidFill>
@@ -25148,7 +25153,7 @@
               </a:ln>
               <a:extLst>
                 <a:ext uri="{91240B29-F687-4f45-9708-019B960494DF}">
-                  <a14:hiddenLine xmlns:a14="http://schemas.microsoft.com/office/drawing/2010/main" xmlns="" w="9525">
+                  <a14:hiddenLine xmlns="" xmlns:a14="http://schemas.microsoft.com/office/drawing/2010/main" w="9525">
                     <a:solidFill>
                       <a:srgbClr val="000000"/>
                     </a:solidFill>
@@ -25238,7 +25243,7 @@
               </a:ln>
               <a:extLst>
                 <a:ext uri="{91240B29-F687-4f45-9708-019B960494DF}">
-                  <a14:hiddenLine xmlns:a14="http://schemas.microsoft.com/office/drawing/2010/main" xmlns="" w="9525">
+                  <a14:hiddenLine xmlns="" xmlns:a14="http://schemas.microsoft.com/office/drawing/2010/main" w="9525">
                     <a:solidFill>
                       <a:srgbClr val="000000"/>
                     </a:solidFill>
@@ -25303,7 +25308,7 @@
               </a:ln>
               <a:extLst>
                 <a:ext uri="{91240B29-F687-4f45-9708-019B960494DF}">
-                  <a14:hiddenLine xmlns:a14="http://schemas.microsoft.com/office/drawing/2010/main" xmlns="" w="9525">
+                  <a14:hiddenLine xmlns="" xmlns:a14="http://schemas.microsoft.com/office/drawing/2010/main" w="9525">
                     <a:solidFill>
                       <a:srgbClr val="000000"/>
                     </a:solidFill>
@@ -25365,7 +25370,7 @@
               </a:ln>
               <a:extLst>
                 <a:ext uri="{91240B29-F687-4f45-9708-019B960494DF}">
-                  <a14:hiddenLine xmlns:a14="http://schemas.microsoft.com/office/drawing/2010/main" xmlns="" w="9525">
+                  <a14:hiddenLine xmlns="" xmlns:a14="http://schemas.microsoft.com/office/drawing/2010/main" w="9525">
                     <a:solidFill>
                       <a:srgbClr val="000000"/>
                     </a:solidFill>
@@ -25455,7 +25460,7 @@
               </a:ln>
               <a:extLst>
                 <a:ext uri="{91240B29-F687-4f45-9708-019B960494DF}">
-                  <a14:hiddenLine xmlns:a14="http://schemas.microsoft.com/office/drawing/2010/main" xmlns="" w="9525">
+                  <a14:hiddenLine xmlns="" xmlns:a14="http://schemas.microsoft.com/office/drawing/2010/main" w="9525">
                     <a:solidFill>
                       <a:srgbClr val="000000"/>
                     </a:solidFill>
@@ -25545,7 +25550,7 @@
               </a:ln>
               <a:extLst>
                 <a:ext uri="{91240B29-F687-4f45-9708-019B960494DF}">
-                  <a14:hiddenLine xmlns:a14="http://schemas.microsoft.com/office/drawing/2010/main" xmlns="" w="9525">
+                  <a14:hiddenLine xmlns="" xmlns:a14="http://schemas.microsoft.com/office/drawing/2010/main" w="9525">
                     <a:solidFill>
                       <a:srgbClr val="000000"/>
                     </a:solidFill>
@@ -25610,7 +25615,7 @@
               </a:ln>
               <a:extLst>
                 <a:ext uri="{91240B29-F687-4f45-9708-019B960494DF}">
-                  <a14:hiddenLine xmlns:a14="http://schemas.microsoft.com/office/drawing/2010/main" xmlns="" w="9525">
+                  <a14:hiddenLine xmlns="" xmlns:a14="http://schemas.microsoft.com/office/drawing/2010/main" w="9525">
                     <a:solidFill>
                       <a:srgbClr val="000000"/>
                     </a:solidFill>
@@ -25730,7 +25735,7 @@
               </a:ln>
               <a:extLst>
                 <a:ext uri="{91240B29-F687-4f45-9708-019B960494DF}">
-                  <a14:hiddenLine xmlns:a14="http://schemas.microsoft.com/office/drawing/2010/main" xmlns="" w="9525">
+                  <a14:hiddenLine xmlns="" xmlns:a14="http://schemas.microsoft.com/office/drawing/2010/main" w="9525">
                     <a:solidFill>
                       <a:srgbClr val="000000"/>
                     </a:solidFill>
@@ -25828,7 +25833,7 @@
               </a:ln>
               <a:extLst>
                 <a:ext uri="{91240B29-F687-4f45-9708-019B960494DF}">
-                  <a14:hiddenLine xmlns:a14="http://schemas.microsoft.com/office/drawing/2010/main" xmlns="" w="9525">
+                  <a14:hiddenLine xmlns="" xmlns:a14="http://schemas.microsoft.com/office/drawing/2010/main" w="9525">
                     <a:solidFill>
                       <a:srgbClr val="000000"/>
                     </a:solidFill>
@@ -25943,7 +25948,7 @@
               </a:ln>
               <a:extLst>
                 <a:ext uri="{91240B29-F687-4f45-9708-019B960494DF}">
-                  <a14:hiddenLine xmlns:a14="http://schemas.microsoft.com/office/drawing/2010/main" xmlns="" w="9525">
+                  <a14:hiddenLine xmlns="" xmlns:a14="http://schemas.microsoft.com/office/drawing/2010/main" w="9525">
                     <a:solidFill>
                       <a:srgbClr val="000000"/>
                     </a:solidFill>
@@ -26033,7 +26038,7 @@
               </a:ln>
               <a:extLst>
                 <a:ext uri="{91240B29-F687-4f45-9708-019B960494DF}">
-                  <a14:hiddenLine xmlns:a14="http://schemas.microsoft.com/office/drawing/2010/main" xmlns="" w="9525">
+                  <a14:hiddenLine xmlns="" xmlns:a14="http://schemas.microsoft.com/office/drawing/2010/main" w="9525">
                     <a:solidFill>
                       <a:srgbClr val="000000"/>
                     </a:solidFill>
@@ -26098,7 +26103,7 @@
               </a:ln>
               <a:extLst>
                 <a:ext uri="{91240B29-F687-4f45-9708-019B960494DF}">
-                  <a14:hiddenLine xmlns:a14="http://schemas.microsoft.com/office/drawing/2010/main" xmlns="" w="9525">
+                  <a14:hiddenLine xmlns="" xmlns:a14="http://schemas.microsoft.com/office/drawing/2010/main" w="9525">
                     <a:solidFill>
                       <a:srgbClr val="000000"/>
                     </a:solidFill>
@@ -26188,7 +26193,7 @@
               </a:ln>
               <a:extLst>
                 <a:ext uri="{91240B29-F687-4f45-9708-019B960494DF}">
-                  <a14:hiddenLine xmlns:a14="http://schemas.microsoft.com/office/drawing/2010/main" xmlns="" w="9525">
+                  <a14:hiddenLine xmlns="" xmlns:a14="http://schemas.microsoft.com/office/drawing/2010/main" w="9525">
                     <a:solidFill>
                       <a:srgbClr val="000000"/>
                     </a:solidFill>
@@ -26256,7 +26261,7 @@
               </a:ln>
               <a:extLst>
                 <a:ext uri="{91240B29-F687-4f45-9708-019B960494DF}">
-                  <a14:hiddenLine xmlns:a14="http://schemas.microsoft.com/office/drawing/2010/main" xmlns="" w="9525">
+                  <a14:hiddenLine xmlns="" xmlns:a14="http://schemas.microsoft.com/office/drawing/2010/main" w="9525">
                     <a:solidFill>
                       <a:srgbClr val="000000"/>
                     </a:solidFill>
@@ -26346,7 +26351,7 @@
               </a:ln>
               <a:extLst>
                 <a:ext uri="{91240B29-F687-4f45-9708-019B960494DF}">
-                  <a14:hiddenLine xmlns:a14="http://schemas.microsoft.com/office/drawing/2010/main" xmlns="" w="9525">
+                  <a14:hiddenLine xmlns="" xmlns:a14="http://schemas.microsoft.com/office/drawing/2010/main" w="9525">
                     <a:solidFill>
                       <a:srgbClr val="000000"/>
                     </a:solidFill>
@@ -26414,7 +26419,7 @@
               </a:ln>
               <a:extLst>
                 <a:ext uri="{91240B29-F687-4f45-9708-019B960494DF}">
-                  <a14:hiddenLine xmlns:a14="http://schemas.microsoft.com/office/drawing/2010/main" xmlns="" w="9525">
+                  <a14:hiddenLine xmlns="" xmlns:a14="http://schemas.microsoft.com/office/drawing/2010/main" w="9525">
                     <a:solidFill>
                       <a:srgbClr val="000000"/>
                     </a:solidFill>
@@ -26504,7 +26509,7 @@
               </a:ln>
               <a:extLst>
                 <a:ext uri="{91240B29-F687-4f45-9708-019B960494DF}">
-                  <a14:hiddenLine xmlns:a14="http://schemas.microsoft.com/office/drawing/2010/main" xmlns="" w="9525">
+                  <a14:hiddenLine xmlns="" xmlns:a14="http://schemas.microsoft.com/office/drawing/2010/main" w="9525">
                     <a:solidFill>
                       <a:srgbClr val="000000"/>
                     </a:solidFill>
@@ -26538,7 +26543,7 @@
               </a:ln>
               <a:extLst>
                 <a:ext uri="{91240B29-F687-4f45-9708-019B960494DF}">
-                  <a14:hiddenLine xmlns:a14="http://schemas.microsoft.com/office/drawing/2010/main" xmlns="" w="9525">
+                  <a14:hiddenLine xmlns="" xmlns:a14="http://schemas.microsoft.com/office/drawing/2010/main" w="9525">
                     <a:solidFill>
                       <a:srgbClr val="000000"/>
                     </a:solidFill>
@@ -28355,6 +28360,276 @@
 </p:sld>
 </file>
 
+<file path=ppt/slides/slide17.xml><?xml version="1.0" encoding="utf-8"?>
+<p:sld xmlns:a="http://schemas.openxmlformats.org/drawingml/2006/main" xmlns:r="http://schemas.openxmlformats.org/officeDocument/2006/relationships" xmlns:p="http://schemas.openxmlformats.org/presentationml/2006/main">
+  <p:cSld>
+    <p:spTree>
+      <p:nvGrpSpPr>
+        <p:cNvPr id="1" name=""/>
+        <p:cNvGrpSpPr/>
+        <p:nvPr/>
+      </p:nvGrpSpPr>
+      <p:grpSpPr>
+        <a:xfrm>
+          <a:off x="0" y="0"/>
+          <a:ext cx="0" cy="0"/>
+          <a:chOff x="0" y="0"/>
+          <a:chExt cx="0" cy="0"/>
+        </a:xfrm>
+      </p:grpSpPr>
+      <p:sp>
+        <p:nvSpPr>
+          <p:cNvPr id="2" name="Titel 1">
+            <a:extLst>
+              <a:ext uri="{FF2B5EF4-FFF2-40B4-BE49-F238E27FC236}">
+                <a16:creationId xmlns:a16="http://schemas.microsoft.com/office/drawing/2014/main" id="{5ACF3FE4-19D8-4F65-A401-7438410893FF}"/>
+              </a:ext>
+            </a:extLst>
+          </p:cNvPr>
+          <p:cNvSpPr>
+            <a:spLocks noGrp="1"/>
+          </p:cNvSpPr>
+          <p:nvPr>
+            <p:ph type="title"/>
+          </p:nvPr>
+        </p:nvSpPr>
+        <p:spPr>
+          <a:xfrm>
+            <a:off x="1143001" y="0"/>
+            <a:ext cx="9905998" cy="1478570"/>
+          </a:xfrm>
+        </p:spPr>
+        <p:txBody>
+          <a:bodyPr/>
+          <a:lstStyle/>
+          <a:p>
+            <a:r>
+              <a:rPr lang="de-DE" dirty="0" err="1"/>
+              <a:t>Stakeholderanalyse</a:t>
+            </a:r>
+            <a:endParaRPr lang="de-DE" dirty="0"/>
+          </a:p>
+        </p:txBody>
+      </p:sp>
+      <p:pic>
+        <p:nvPicPr>
+          <p:cNvPr id="4" name="Inhaltsplatzhalter 3">
+            <a:extLst>
+              <a:ext uri="{FF2B5EF4-FFF2-40B4-BE49-F238E27FC236}">
+                <a16:creationId xmlns:a16="http://schemas.microsoft.com/office/drawing/2014/main" id="{2CD56523-84AA-4814-ABDF-3F2CF61DA8F1}"/>
+              </a:ext>
+            </a:extLst>
+          </p:cNvPr>
+          <p:cNvPicPr>
+            <a:picLocks noGrp="1" noChangeAspect="1"/>
+          </p:cNvPicPr>
+          <p:nvPr>
+            <p:ph idx="1"/>
+          </p:nvPr>
+        </p:nvPicPr>
+        <p:blipFill>
+          <a:blip r:embed="rId2"/>
+          <a:stretch>
+            <a:fillRect/>
+          </a:stretch>
+        </p:blipFill>
+        <p:spPr>
+          <a:xfrm>
+            <a:off x="0" y="1478570"/>
+            <a:ext cx="12213846" cy="5379430"/>
+          </a:xfrm>
+          <a:prstGeom prst="rect">
+            <a:avLst/>
+          </a:prstGeom>
+        </p:spPr>
+      </p:pic>
+    </p:spTree>
+    <p:extLst>
+      <p:ext uri="{BB962C8B-B14F-4D97-AF65-F5344CB8AC3E}">
+        <p14:creationId xmlns:p14="http://schemas.microsoft.com/office/powerpoint/2010/main" val="1520299516"/>
+      </p:ext>
+    </p:extLst>
+  </p:cSld>
+  <p:clrMapOvr>
+    <a:masterClrMapping/>
+  </p:clrMapOvr>
+</p:sld>
+</file>
+
+<file path=ppt/slides/slide18.xml><?xml version="1.0" encoding="utf-8"?>
+<p:sld xmlns:a="http://schemas.openxmlformats.org/drawingml/2006/main" xmlns:r="http://schemas.openxmlformats.org/officeDocument/2006/relationships" xmlns:p="http://schemas.openxmlformats.org/presentationml/2006/main">
+  <p:cSld>
+    <p:spTree>
+      <p:nvGrpSpPr>
+        <p:cNvPr id="1" name=""/>
+        <p:cNvGrpSpPr/>
+        <p:nvPr/>
+      </p:nvGrpSpPr>
+      <p:grpSpPr>
+        <a:xfrm>
+          <a:off x="0" y="0"/>
+          <a:ext cx="0" cy="0"/>
+          <a:chOff x="0" y="0"/>
+          <a:chExt cx="0" cy="0"/>
+        </a:xfrm>
+      </p:grpSpPr>
+      <p:sp>
+        <p:nvSpPr>
+          <p:cNvPr id="2" name="Titel 1">
+            <a:extLst>
+              <a:ext uri="{FF2B5EF4-FFF2-40B4-BE49-F238E27FC236}">
+                <a16:creationId xmlns:a16="http://schemas.microsoft.com/office/drawing/2014/main" id="{5DBA7413-3E0C-4DFA-9C21-019DC48C64C3}"/>
+              </a:ext>
+            </a:extLst>
+          </p:cNvPr>
+          <p:cNvSpPr>
+            <a:spLocks noGrp="1"/>
+          </p:cNvSpPr>
+          <p:nvPr>
+            <p:ph type="title"/>
+          </p:nvPr>
+        </p:nvSpPr>
+        <p:spPr/>
+        <p:txBody>
+          <a:bodyPr/>
+          <a:lstStyle/>
+          <a:p>
+            <a:endParaRPr lang="de-DE"/>
+          </a:p>
+        </p:txBody>
+      </p:sp>
+      <p:pic>
+        <p:nvPicPr>
+          <p:cNvPr id="4" name="Inhaltsplatzhalter 3">
+            <a:extLst>
+              <a:ext uri="{FF2B5EF4-FFF2-40B4-BE49-F238E27FC236}">
+                <a16:creationId xmlns:a16="http://schemas.microsoft.com/office/drawing/2014/main" id="{3CFED795-4B8D-49CF-9C10-C7A7242F5D9E}"/>
+              </a:ext>
+            </a:extLst>
+          </p:cNvPr>
+          <p:cNvPicPr>
+            <a:picLocks noGrp="1" noChangeAspect="1"/>
+          </p:cNvPicPr>
+          <p:nvPr>
+            <p:ph idx="1"/>
+          </p:nvPr>
+        </p:nvPicPr>
+        <p:blipFill>
+          <a:blip r:embed="rId2"/>
+          <a:stretch>
+            <a:fillRect/>
+          </a:stretch>
+        </p:blipFill>
+        <p:spPr>
+          <a:xfrm>
+            <a:off x="2077277" y="0"/>
+            <a:ext cx="7888778" cy="6858000"/>
+          </a:xfrm>
+          <a:prstGeom prst="rect">
+            <a:avLst/>
+          </a:prstGeom>
+        </p:spPr>
+      </p:pic>
+    </p:spTree>
+    <p:extLst>
+      <p:ext uri="{BB962C8B-B14F-4D97-AF65-F5344CB8AC3E}">
+        <p14:creationId xmlns:p14="http://schemas.microsoft.com/office/powerpoint/2010/main" val="3931910648"/>
+      </p:ext>
+    </p:extLst>
+  </p:cSld>
+  <p:clrMapOvr>
+    <a:masterClrMapping/>
+  </p:clrMapOvr>
+</p:sld>
+</file>
+
+<file path=ppt/slides/slide19.xml><?xml version="1.0" encoding="utf-8"?>
+<p:sld xmlns:a="http://schemas.openxmlformats.org/drawingml/2006/main" xmlns:r="http://schemas.openxmlformats.org/officeDocument/2006/relationships" xmlns:p="http://schemas.openxmlformats.org/presentationml/2006/main">
+  <p:cSld>
+    <p:spTree>
+      <p:nvGrpSpPr>
+        <p:cNvPr id="1" name=""/>
+        <p:cNvGrpSpPr/>
+        <p:nvPr/>
+      </p:nvGrpSpPr>
+      <p:grpSpPr>
+        <a:xfrm>
+          <a:off x="0" y="0"/>
+          <a:ext cx="0" cy="0"/>
+          <a:chOff x="0" y="0"/>
+          <a:chExt cx="0" cy="0"/>
+        </a:xfrm>
+      </p:grpSpPr>
+      <p:sp>
+        <p:nvSpPr>
+          <p:cNvPr id="2" name="Titel 1">
+            <a:extLst>
+              <a:ext uri="{FF2B5EF4-FFF2-40B4-BE49-F238E27FC236}">
+                <a16:creationId xmlns:a16="http://schemas.microsoft.com/office/drawing/2014/main" id="{DBD9A7FB-4BDB-417C-8B7F-79D193909D50}"/>
+              </a:ext>
+            </a:extLst>
+          </p:cNvPr>
+          <p:cNvSpPr>
+            <a:spLocks noGrp="1"/>
+          </p:cNvSpPr>
+          <p:nvPr>
+            <p:ph type="title"/>
+          </p:nvPr>
+        </p:nvSpPr>
+        <p:spPr/>
+        <p:txBody>
+          <a:bodyPr/>
+          <a:lstStyle/>
+          <a:p>
+            <a:endParaRPr lang="de-DE" dirty="0"/>
+          </a:p>
+        </p:txBody>
+      </p:sp>
+      <p:pic>
+        <p:nvPicPr>
+          <p:cNvPr id="8" name="Inhaltsplatzhalter 7">
+            <a:extLst>
+              <a:ext uri="{FF2B5EF4-FFF2-40B4-BE49-F238E27FC236}">
+                <a16:creationId xmlns:a16="http://schemas.microsoft.com/office/drawing/2014/main" id="{DCAF3953-BE15-4581-8279-37124C4FD960}"/>
+              </a:ext>
+            </a:extLst>
+          </p:cNvPr>
+          <p:cNvPicPr>
+            <a:picLocks noGrp="1" noChangeAspect="1"/>
+          </p:cNvPicPr>
+          <p:nvPr>
+            <p:ph idx="1"/>
+          </p:nvPr>
+        </p:nvPicPr>
+        <p:blipFill>
+          <a:blip r:embed="rId2"/>
+          <a:stretch>
+            <a:fillRect/>
+          </a:stretch>
+        </p:blipFill>
+        <p:spPr>
+          <a:xfrm>
+            <a:off x="1785704" y="1738091"/>
+            <a:ext cx="8849166" cy="3114857"/>
+          </a:xfrm>
+          <a:prstGeom prst="rect">
+            <a:avLst/>
+          </a:prstGeom>
+        </p:spPr>
+      </p:pic>
+    </p:spTree>
+    <p:extLst>
+      <p:ext uri="{BB962C8B-B14F-4D97-AF65-F5344CB8AC3E}">
+        <p14:creationId xmlns:p14="http://schemas.microsoft.com/office/powerpoint/2010/main" val="4082968345"/>
+      </p:ext>
+    </p:extLst>
+  </p:cSld>
+  <p:clrMapOvr>
+    <a:masterClrMapping/>
+  </p:clrMapOvr>
+</p:sld>
+</file>
+
 <file path=ppt/slides/slide2.xml><?xml version="1.0" encoding="utf-8"?>
 <p:sld xmlns:a="http://schemas.openxmlformats.org/drawingml/2006/main" xmlns:r="http://schemas.openxmlformats.org/officeDocument/2006/relationships" xmlns:p="http://schemas.openxmlformats.org/presentationml/2006/main">
   <p:cSld>
@@ -28565,6 +28840,180 @@
       </p:transition>
     </mc:Fallback>
   </mc:AlternateContent>
+</p:sld>
+</file>
+
+<file path=ppt/slides/slide20.xml><?xml version="1.0" encoding="utf-8"?>
+<p:sld xmlns:a="http://schemas.openxmlformats.org/drawingml/2006/main" xmlns:r="http://schemas.openxmlformats.org/officeDocument/2006/relationships" xmlns:p="http://schemas.openxmlformats.org/presentationml/2006/main">
+  <p:cSld>
+    <p:spTree>
+      <p:nvGrpSpPr>
+        <p:cNvPr id="1" name=""/>
+        <p:cNvGrpSpPr/>
+        <p:nvPr/>
+      </p:nvGrpSpPr>
+      <p:grpSpPr>
+        <a:xfrm>
+          <a:off x="0" y="0"/>
+          <a:ext cx="0" cy="0"/>
+          <a:chOff x="0" y="0"/>
+          <a:chExt cx="0" cy="0"/>
+        </a:xfrm>
+      </p:grpSpPr>
+      <p:sp>
+        <p:nvSpPr>
+          <p:cNvPr id="2" name="Titel 1">
+            <a:extLst>
+              <a:ext uri="{FF2B5EF4-FFF2-40B4-BE49-F238E27FC236}">
+                <a16:creationId xmlns:a16="http://schemas.microsoft.com/office/drawing/2014/main" id="{710E6A6D-F667-4A9C-84D7-12FE77DD483E}"/>
+              </a:ext>
+            </a:extLst>
+          </p:cNvPr>
+          <p:cNvSpPr>
+            <a:spLocks noGrp="1"/>
+          </p:cNvSpPr>
+          <p:nvPr>
+            <p:ph type="title"/>
+          </p:nvPr>
+        </p:nvSpPr>
+        <p:spPr/>
+        <p:txBody>
+          <a:bodyPr/>
+          <a:lstStyle/>
+          <a:p>
+            <a:endParaRPr lang="de-DE" dirty="0"/>
+          </a:p>
+        </p:txBody>
+      </p:sp>
+      <p:pic>
+        <p:nvPicPr>
+          <p:cNvPr id="5" name="Inhaltsplatzhalter 4">
+            <a:extLst>
+              <a:ext uri="{FF2B5EF4-FFF2-40B4-BE49-F238E27FC236}">
+                <a16:creationId xmlns:a16="http://schemas.microsoft.com/office/drawing/2014/main" id="{81589958-74A2-4A62-A63B-B2485DD3DA75}"/>
+              </a:ext>
+            </a:extLst>
+          </p:cNvPr>
+          <p:cNvPicPr>
+            <a:picLocks noGrp="1" noChangeAspect="1"/>
+          </p:cNvPicPr>
+          <p:nvPr>
+            <p:ph idx="1"/>
+          </p:nvPr>
+        </p:nvPicPr>
+        <p:blipFill>
+          <a:blip r:embed="rId2"/>
+          <a:stretch>
+            <a:fillRect/>
+          </a:stretch>
+        </p:blipFill>
+        <p:spPr>
+          <a:xfrm>
+            <a:off x="1697221" y="0"/>
+            <a:ext cx="9036934" cy="6858000"/>
+          </a:xfrm>
+          <a:prstGeom prst="rect">
+            <a:avLst/>
+          </a:prstGeom>
+        </p:spPr>
+      </p:pic>
+    </p:spTree>
+    <p:extLst>
+      <p:ext uri="{BB962C8B-B14F-4D97-AF65-F5344CB8AC3E}">
+        <p14:creationId xmlns:p14="http://schemas.microsoft.com/office/powerpoint/2010/main" val="2531682791"/>
+      </p:ext>
+    </p:extLst>
+  </p:cSld>
+  <p:clrMapOvr>
+    <a:masterClrMapping/>
+  </p:clrMapOvr>
+</p:sld>
+</file>
+
+<file path=ppt/slides/slide21.xml><?xml version="1.0" encoding="utf-8"?>
+<p:sld xmlns:a="http://schemas.openxmlformats.org/drawingml/2006/main" xmlns:r="http://schemas.openxmlformats.org/officeDocument/2006/relationships" xmlns:p="http://schemas.openxmlformats.org/presentationml/2006/main">
+  <p:cSld>
+    <p:spTree>
+      <p:nvGrpSpPr>
+        <p:cNvPr id="1" name=""/>
+        <p:cNvGrpSpPr/>
+        <p:nvPr/>
+      </p:nvGrpSpPr>
+      <p:grpSpPr>
+        <a:xfrm>
+          <a:off x="0" y="0"/>
+          <a:ext cx="0" cy="0"/>
+          <a:chOff x="0" y="0"/>
+          <a:chExt cx="0" cy="0"/>
+        </a:xfrm>
+      </p:grpSpPr>
+      <p:sp>
+        <p:nvSpPr>
+          <p:cNvPr id="2" name="Titel 1">
+            <a:extLst>
+              <a:ext uri="{FF2B5EF4-FFF2-40B4-BE49-F238E27FC236}">
+                <a16:creationId xmlns:a16="http://schemas.microsoft.com/office/drawing/2014/main" id="{49D115E9-FA8A-4CBB-B3D9-D36506936881}"/>
+              </a:ext>
+            </a:extLst>
+          </p:cNvPr>
+          <p:cNvSpPr>
+            <a:spLocks noGrp="1"/>
+          </p:cNvSpPr>
+          <p:nvPr>
+            <p:ph type="title"/>
+          </p:nvPr>
+        </p:nvSpPr>
+        <p:spPr/>
+        <p:txBody>
+          <a:bodyPr/>
+          <a:lstStyle/>
+          <a:p>
+            <a:endParaRPr lang="de-DE" dirty="0"/>
+          </a:p>
+        </p:txBody>
+      </p:sp>
+      <p:pic>
+        <p:nvPicPr>
+          <p:cNvPr id="4" name="Inhaltsplatzhalter 3">
+            <a:extLst>
+              <a:ext uri="{FF2B5EF4-FFF2-40B4-BE49-F238E27FC236}">
+                <a16:creationId xmlns:a16="http://schemas.microsoft.com/office/drawing/2014/main" id="{700A2D65-95FB-48FD-B85E-A19DFFCC269C}"/>
+              </a:ext>
+            </a:extLst>
+          </p:cNvPr>
+          <p:cNvPicPr>
+            <a:picLocks noGrp="1" noChangeAspect="1"/>
+          </p:cNvPicPr>
+          <p:nvPr>
+            <p:ph idx="1"/>
+          </p:nvPr>
+        </p:nvPicPr>
+        <p:blipFill>
+          <a:blip r:embed="rId2"/>
+          <a:stretch>
+            <a:fillRect/>
+          </a:stretch>
+        </p:blipFill>
+        <p:spPr>
+          <a:xfrm>
+            <a:off x="1221405" y="1945611"/>
+            <a:ext cx="9895580" cy="2966778"/>
+          </a:xfrm>
+          <a:prstGeom prst="rect">
+            <a:avLst/>
+          </a:prstGeom>
+        </p:spPr>
+      </p:pic>
+    </p:spTree>
+    <p:extLst>
+      <p:ext uri="{BB962C8B-B14F-4D97-AF65-F5344CB8AC3E}">
+        <p14:creationId xmlns:p14="http://schemas.microsoft.com/office/powerpoint/2010/main" val="3956956938"/>
+      </p:ext>
+    </p:extLst>
+  </p:cSld>
+  <p:clrMapOvr>
+    <a:masterClrMapping/>
+  </p:clrMapOvr>
 </p:sld>
 </file>
 

--- a/Shisha-AT-Home.pptx
+++ b/Shisha-AT-Home.pptx
@@ -29,6 +29,7 @@
     <p:sldId id="277" r:id="rId23"/>
     <p:sldId id="278" r:id="rId24"/>
     <p:sldId id="279" r:id="rId25"/>
+    <p:sldId id="280" r:id="rId26"/>
   </p:sldIdLst>
   <p:sldSz cx="12192000" cy="6858000"/>
   <p:notesSz cx="6858000" cy="9144000"/>
@@ -14816,7 +14817,7 @@
           <a:noFill/>
           <a:extLst>
             <a:ext uri="{909E8E84-426E-40dd-AFC4-6F175D3DCCD1}">
-              <a14:hiddenFill xmlns:a14="http://schemas.microsoft.com/office/drawing/2010/main" xmlns="">
+              <a14:hiddenFill xmlns="" xmlns:a14="http://schemas.microsoft.com/office/drawing/2010/main">
                 <a:solidFill>
                   <a:srgbClr val="FFFFFF"/>
                 </a:solidFill>
@@ -14876,7 +14877,7 @@
             </a:ln>
             <a:extLst>
               <a:ext uri="{91240B29-F687-4f45-9708-019B960494DF}">
-                <a14:hiddenLine xmlns:a14="http://schemas.microsoft.com/office/drawing/2010/main" xmlns="" w="9525">
+                <a14:hiddenLine xmlns="" xmlns:a14="http://schemas.microsoft.com/office/drawing/2010/main" w="9525">
                   <a:solidFill>
                     <a:srgbClr val="000000"/>
                   </a:solidFill>
@@ -14966,7 +14967,7 @@
             </a:ln>
             <a:extLst>
               <a:ext uri="{91240B29-F687-4f45-9708-019B960494DF}">
-                <a14:hiddenLine xmlns:a14="http://schemas.microsoft.com/office/drawing/2010/main" xmlns="" w="9525">
+                <a14:hiddenLine xmlns="" xmlns:a14="http://schemas.microsoft.com/office/drawing/2010/main" w="9525">
                   <a:solidFill>
                     <a:srgbClr val="000000"/>
                   </a:solidFill>
@@ -15056,7 +15057,7 @@
             </a:ln>
             <a:extLst>
               <a:ext uri="{91240B29-F687-4f45-9708-019B960494DF}">
-                <a14:hiddenLine xmlns:a14="http://schemas.microsoft.com/office/drawing/2010/main" xmlns="" w="9525">
+                <a14:hiddenLine xmlns="" xmlns:a14="http://schemas.microsoft.com/office/drawing/2010/main" w="9525">
                   <a:solidFill>
                     <a:srgbClr val="000000"/>
                   </a:solidFill>
@@ -15090,7 +15091,7 @@
             </a:ln>
             <a:extLst>
               <a:ext uri="{91240B29-F687-4f45-9708-019B960494DF}">
-                <a14:hiddenLine xmlns:a14="http://schemas.microsoft.com/office/drawing/2010/main" xmlns="" w="9525">
+                <a14:hiddenLine xmlns="" xmlns:a14="http://schemas.microsoft.com/office/drawing/2010/main" w="9525">
                   <a:solidFill>
                     <a:srgbClr val="000000"/>
                   </a:solidFill>
@@ -15180,7 +15181,7 @@
             </a:ln>
             <a:extLst>
               <a:ext uri="{91240B29-F687-4f45-9708-019B960494DF}">
-                <a14:hiddenLine xmlns:a14="http://schemas.microsoft.com/office/drawing/2010/main" xmlns="" w="9525">
+                <a14:hiddenLine xmlns="" xmlns:a14="http://schemas.microsoft.com/office/drawing/2010/main" w="9525">
                   <a:solidFill>
                     <a:srgbClr val="000000"/>
                   </a:solidFill>
@@ -15242,7 +15243,7 @@
             </a:ln>
             <a:extLst>
               <a:ext uri="{91240B29-F687-4f45-9708-019B960494DF}">
-                <a14:hiddenLine xmlns:a14="http://schemas.microsoft.com/office/drawing/2010/main" xmlns="" w="9525">
+                <a14:hiddenLine xmlns="" xmlns:a14="http://schemas.microsoft.com/office/drawing/2010/main" w="9525">
                   <a:solidFill>
                     <a:srgbClr val="000000"/>
                   </a:solidFill>
@@ -15304,7 +15305,7 @@
             </a:ln>
             <a:extLst>
               <a:ext uri="{91240B29-F687-4f45-9708-019B960494DF}">
-                <a14:hiddenLine xmlns:a14="http://schemas.microsoft.com/office/drawing/2010/main" xmlns="" w="9525">
+                <a14:hiddenLine xmlns="" xmlns:a14="http://schemas.microsoft.com/office/drawing/2010/main" w="9525">
                   <a:solidFill>
                     <a:srgbClr val="000000"/>
                   </a:solidFill>
@@ -15394,7 +15395,7 @@
             </a:ln>
             <a:extLst>
               <a:ext uri="{91240B29-F687-4f45-9708-019B960494DF}">
-                <a14:hiddenLine xmlns:a14="http://schemas.microsoft.com/office/drawing/2010/main" xmlns="" w="9525">
+                <a14:hiddenLine xmlns="" xmlns:a14="http://schemas.microsoft.com/office/drawing/2010/main" w="9525">
                   <a:solidFill>
                     <a:srgbClr val="000000"/>
                   </a:solidFill>
@@ -15456,7 +15457,7 @@
             </a:ln>
             <a:extLst>
               <a:ext uri="{91240B29-F687-4f45-9708-019B960494DF}">
-                <a14:hiddenLine xmlns:a14="http://schemas.microsoft.com/office/drawing/2010/main" xmlns="" w="9525">
+                <a14:hiddenLine xmlns="" xmlns:a14="http://schemas.microsoft.com/office/drawing/2010/main" w="9525">
                   <a:solidFill>
                     <a:srgbClr val="000000"/>
                   </a:solidFill>
@@ -15518,7 +15519,7 @@
             </a:ln>
             <a:extLst>
               <a:ext uri="{91240B29-F687-4f45-9708-019B960494DF}">
-                <a14:hiddenLine xmlns:a14="http://schemas.microsoft.com/office/drawing/2010/main" xmlns="" w="9525">
+                <a14:hiddenLine xmlns="" xmlns:a14="http://schemas.microsoft.com/office/drawing/2010/main" w="9525">
                   <a:solidFill>
                     <a:srgbClr val="000000"/>
                   </a:solidFill>
@@ -15608,7 +15609,7 @@
             </a:ln>
             <a:extLst>
               <a:ext uri="{91240B29-F687-4f45-9708-019B960494DF}">
-                <a14:hiddenLine xmlns:a14="http://schemas.microsoft.com/office/drawing/2010/main" xmlns="" w="9525">
+                <a14:hiddenLine xmlns="" xmlns:a14="http://schemas.microsoft.com/office/drawing/2010/main" w="9525">
                   <a:solidFill>
                     <a:srgbClr val="000000"/>
                   </a:solidFill>
@@ -15698,7 +15699,7 @@
             </a:ln>
             <a:extLst>
               <a:ext uri="{91240B29-F687-4f45-9708-019B960494DF}">
-                <a14:hiddenLine xmlns:a14="http://schemas.microsoft.com/office/drawing/2010/main" xmlns="" w="9525">
+                <a14:hiddenLine xmlns="" xmlns:a14="http://schemas.microsoft.com/office/drawing/2010/main" w="9525">
                   <a:solidFill>
                     <a:srgbClr val="000000"/>
                   </a:solidFill>
@@ -15760,7 +15761,7 @@
             </a:ln>
             <a:extLst>
               <a:ext uri="{91240B29-F687-4f45-9708-019B960494DF}">
-                <a14:hiddenLine xmlns:a14="http://schemas.microsoft.com/office/drawing/2010/main" xmlns="" w="9525">
+                <a14:hiddenLine xmlns="" xmlns:a14="http://schemas.microsoft.com/office/drawing/2010/main" w="9525">
                   <a:solidFill>
                     <a:srgbClr val="000000"/>
                   </a:solidFill>
@@ -15870,7 +15871,7 @@
             </a:ln>
             <a:extLst>
               <a:ext uri="{91240B29-F687-4f45-9708-019B960494DF}">
-                <a14:hiddenLine xmlns:a14="http://schemas.microsoft.com/office/drawing/2010/main" xmlns="" w="9525">
+                <a14:hiddenLine xmlns="" xmlns:a14="http://schemas.microsoft.com/office/drawing/2010/main" w="9525">
                   <a:solidFill>
                     <a:srgbClr val="000000"/>
                   </a:solidFill>
@@ -15932,7 +15933,7 @@
             </a:ln>
             <a:extLst>
               <a:ext uri="{91240B29-F687-4f45-9708-019B960494DF}">
-                <a14:hiddenLine xmlns:a14="http://schemas.microsoft.com/office/drawing/2010/main" xmlns="" w="9525">
+                <a14:hiddenLine xmlns="" xmlns:a14="http://schemas.microsoft.com/office/drawing/2010/main" w="9525">
                   <a:solidFill>
                     <a:srgbClr val="000000"/>
                   </a:solidFill>
@@ -16022,7 +16023,7 @@
             </a:ln>
             <a:extLst>
               <a:ext uri="{91240B29-F687-4f45-9708-019B960494DF}">
-                <a14:hiddenLine xmlns:a14="http://schemas.microsoft.com/office/drawing/2010/main" xmlns="" w="9525">
+                <a14:hiddenLine xmlns="" xmlns:a14="http://schemas.microsoft.com/office/drawing/2010/main" w="9525">
                   <a:solidFill>
                     <a:srgbClr val="000000"/>
                   </a:solidFill>
@@ -16112,7 +16113,7 @@
             </a:ln>
             <a:extLst>
               <a:ext uri="{91240B29-F687-4f45-9708-019B960494DF}">
-                <a14:hiddenLine xmlns:a14="http://schemas.microsoft.com/office/drawing/2010/main" xmlns="" w="9525">
+                <a14:hiddenLine xmlns="" xmlns:a14="http://schemas.microsoft.com/office/drawing/2010/main" w="9525">
                   <a:solidFill>
                     <a:srgbClr val="000000"/>
                   </a:solidFill>
@@ -16174,7 +16175,7 @@
             </a:ln>
             <a:extLst>
               <a:ext uri="{91240B29-F687-4f45-9708-019B960494DF}">
-                <a14:hiddenLine xmlns:a14="http://schemas.microsoft.com/office/drawing/2010/main" xmlns="" w="9525">
+                <a14:hiddenLine xmlns="" xmlns:a14="http://schemas.microsoft.com/office/drawing/2010/main" w="9525">
                   <a:solidFill>
                     <a:srgbClr val="000000"/>
                   </a:solidFill>
@@ -16264,7 +16265,7 @@
             </a:ln>
             <a:extLst>
               <a:ext uri="{91240B29-F687-4f45-9708-019B960494DF}">
-                <a14:hiddenLine xmlns:a14="http://schemas.microsoft.com/office/drawing/2010/main" xmlns="" w="9525">
+                <a14:hiddenLine xmlns="" xmlns:a14="http://schemas.microsoft.com/office/drawing/2010/main" w="9525">
                   <a:solidFill>
                     <a:srgbClr val="000000"/>
                   </a:solidFill>
@@ -16354,7 +16355,7 @@
             </a:ln>
             <a:extLst>
               <a:ext uri="{91240B29-F687-4f45-9708-019B960494DF}">
-                <a14:hiddenLine xmlns:a14="http://schemas.microsoft.com/office/drawing/2010/main" xmlns="" w="9525">
+                <a14:hiddenLine xmlns="" xmlns:a14="http://schemas.microsoft.com/office/drawing/2010/main" w="9525">
                   <a:solidFill>
                     <a:srgbClr val="000000"/>
                   </a:solidFill>
@@ -16410,7 +16411,7 @@
             </a:ln>
             <a:extLst>
               <a:ext uri="{91240B29-F687-4f45-9708-019B960494DF}">
-                <a14:hiddenLine xmlns:a14="http://schemas.microsoft.com/office/drawing/2010/main" xmlns="" w="9525">
+                <a14:hiddenLine xmlns="" xmlns:a14="http://schemas.microsoft.com/office/drawing/2010/main" w="9525">
                   <a:solidFill>
                     <a:srgbClr val="000000"/>
                   </a:solidFill>
@@ -16500,7 +16501,7 @@
             </a:ln>
             <a:extLst>
               <a:ext uri="{91240B29-F687-4f45-9708-019B960494DF}">
-                <a14:hiddenLine xmlns:a14="http://schemas.microsoft.com/office/drawing/2010/main" xmlns="" w="9525">
+                <a14:hiddenLine xmlns="" xmlns:a14="http://schemas.microsoft.com/office/drawing/2010/main" w="9525">
                   <a:solidFill>
                     <a:srgbClr val="000000"/>
                   </a:solidFill>
@@ -16556,7 +16557,7 @@
             </a:ln>
             <a:extLst>
               <a:ext uri="{91240B29-F687-4f45-9708-019B960494DF}">
-                <a14:hiddenLine xmlns:a14="http://schemas.microsoft.com/office/drawing/2010/main" xmlns="" w="9525">
+                <a14:hiddenLine xmlns="" xmlns:a14="http://schemas.microsoft.com/office/drawing/2010/main" w="9525">
                   <a:solidFill>
                     <a:srgbClr val="000000"/>
                   </a:solidFill>
@@ -16646,7 +16647,7 @@
             </a:ln>
             <a:extLst>
               <a:ext uri="{91240B29-F687-4f45-9708-019B960494DF}">
-                <a14:hiddenLine xmlns:a14="http://schemas.microsoft.com/office/drawing/2010/main" xmlns="" w="9525">
+                <a14:hiddenLine xmlns="" xmlns:a14="http://schemas.microsoft.com/office/drawing/2010/main" w="9525">
                   <a:solidFill>
                     <a:srgbClr val="000000"/>
                   </a:solidFill>
@@ -16714,7 +16715,7 @@
             </a:ln>
             <a:extLst>
               <a:ext uri="{91240B29-F687-4f45-9708-019B960494DF}">
-                <a14:hiddenLine xmlns:a14="http://schemas.microsoft.com/office/drawing/2010/main" xmlns="" w="9525">
+                <a14:hiddenLine xmlns="" xmlns:a14="http://schemas.microsoft.com/office/drawing/2010/main" w="9525">
                   <a:solidFill>
                     <a:srgbClr val="000000"/>
                   </a:solidFill>
@@ -16804,7 +16805,7 @@
             </a:ln>
             <a:extLst>
               <a:ext uri="{91240B29-F687-4f45-9708-019B960494DF}">
-                <a14:hiddenLine xmlns:a14="http://schemas.microsoft.com/office/drawing/2010/main" xmlns="" w="9525">
+                <a14:hiddenLine xmlns="" xmlns:a14="http://schemas.microsoft.com/office/drawing/2010/main" w="9525">
                   <a:solidFill>
                     <a:srgbClr val="000000"/>
                   </a:solidFill>
@@ -16872,7 +16873,7 @@
             </a:ln>
             <a:extLst>
               <a:ext uri="{91240B29-F687-4f45-9708-019B960494DF}">
-                <a14:hiddenLine xmlns:a14="http://schemas.microsoft.com/office/drawing/2010/main" xmlns="" w="9525">
+                <a14:hiddenLine xmlns="" xmlns:a14="http://schemas.microsoft.com/office/drawing/2010/main" w="9525">
                   <a:solidFill>
                     <a:srgbClr val="000000"/>
                   </a:solidFill>
@@ -16962,7 +16963,7 @@
             </a:ln>
             <a:extLst>
               <a:ext uri="{91240B29-F687-4f45-9708-019B960494DF}">
-                <a14:hiddenLine xmlns:a14="http://schemas.microsoft.com/office/drawing/2010/main" xmlns="" w="9525">
+                <a14:hiddenLine xmlns="" xmlns:a14="http://schemas.microsoft.com/office/drawing/2010/main" w="9525">
                   <a:solidFill>
                     <a:srgbClr val="000000"/>
                   </a:solidFill>
@@ -16996,7 +16997,7 @@
             </a:ln>
             <a:extLst>
               <a:ext uri="{91240B29-F687-4f45-9708-019B960494DF}">
-                <a14:hiddenLine xmlns:a14="http://schemas.microsoft.com/office/drawing/2010/main" xmlns="" w="9525">
+                <a14:hiddenLine xmlns="" xmlns:a14="http://schemas.microsoft.com/office/drawing/2010/main" w="9525">
                   <a:solidFill>
                     <a:srgbClr val="000000"/>
                   </a:solidFill>
@@ -17086,7 +17087,7 @@
             </a:ln>
             <a:extLst>
               <a:ext uri="{91240B29-F687-4f45-9708-019B960494DF}">
-                <a14:hiddenLine xmlns:a14="http://schemas.microsoft.com/office/drawing/2010/main" xmlns="" w="9525">
+                <a14:hiddenLine xmlns="" xmlns:a14="http://schemas.microsoft.com/office/drawing/2010/main" w="9525">
                   <a:solidFill>
                     <a:srgbClr val="000000"/>
                   </a:solidFill>
@@ -17148,7 +17149,7 @@
             </a:ln>
             <a:extLst>
               <a:ext uri="{91240B29-F687-4f45-9708-019B960494DF}">
-                <a14:hiddenLine xmlns:a14="http://schemas.microsoft.com/office/drawing/2010/main" xmlns="" w="9525">
+                <a14:hiddenLine xmlns="" xmlns:a14="http://schemas.microsoft.com/office/drawing/2010/main" w="9525">
                   <a:solidFill>
                     <a:srgbClr val="000000"/>
                   </a:solidFill>
@@ -17210,7 +17211,7 @@
             </a:ln>
             <a:extLst>
               <a:ext uri="{91240B29-F687-4f45-9708-019B960494DF}">
-                <a14:hiddenLine xmlns:a14="http://schemas.microsoft.com/office/drawing/2010/main" xmlns="" w="9525">
+                <a14:hiddenLine xmlns="" xmlns:a14="http://schemas.microsoft.com/office/drawing/2010/main" w="9525">
                   <a:solidFill>
                     <a:srgbClr val="000000"/>
                   </a:solidFill>
@@ -17300,7 +17301,7 @@
             </a:ln>
             <a:extLst>
               <a:ext uri="{91240B29-F687-4f45-9708-019B960494DF}">
-                <a14:hiddenLine xmlns:a14="http://schemas.microsoft.com/office/drawing/2010/main" xmlns="" w="9525">
+                <a14:hiddenLine xmlns="" xmlns:a14="http://schemas.microsoft.com/office/drawing/2010/main" w="9525">
                   <a:solidFill>
                     <a:srgbClr val="000000"/>
                   </a:solidFill>
@@ -17368,7 +17369,7 @@
             </a:ln>
             <a:extLst>
               <a:ext uri="{91240B29-F687-4f45-9708-019B960494DF}">
-                <a14:hiddenLine xmlns:a14="http://schemas.microsoft.com/office/drawing/2010/main" xmlns="" w="9525">
+                <a14:hiddenLine xmlns="" xmlns:a14="http://schemas.microsoft.com/office/drawing/2010/main" w="9525">
                   <a:solidFill>
                     <a:srgbClr val="000000"/>
                   </a:solidFill>
@@ -17430,7 +17431,7 @@
             </a:ln>
             <a:extLst>
               <a:ext uri="{91240B29-F687-4f45-9708-019B960494DF}">
-                <a14:hiddenLine xmlns:a14="http://schemas.microsoft.com/office/drawing/2010/main" xmlns="" w="9525">
+                <a14:hiddenLine xmlns="" xmlns:a14="http://schemas.microsoft.com/office/drawing/2010/main" w="9525">
                   <a:solidFill>
                     <a:srgbClr val="000000"/>
                   </a:solidFill>
@@ -17520,7 +17521,7 @@
             </a:ln>
             <a:extLst>
               <a:ext uri="{91240B29-F687-4f45-9708-019B960494DF}">
-                <a14:hiddenLine xmlns:a14="http://schemas.microsoft.com/office/drawing/2010/main" xmlns="" w="9525">
+                <a14:hiddenLine xmlns="" xmlns:a14="http://schemas.microsoft.com/office/drawing/2010/main" w="9525">
                   <a:solidFill>
                     <a:srgbClr val="000000"/>
                   </a:solidFill>
@@ -17582,7 +17583,7 @@
             </a:ln>
             <a:extLst>
               <a:ext uri="{91240B29-F687-4f45-9708-019B960494DF}">
-                <a14:hiddenLine xmlns:a14="http://schemas.microsoft.com/office/drawing/2010/main" xmlns="" w="9525">
+                <a14:hiddenLine xmlns="" xmlns:a14="http://schemas.microsoft.com/office/drawing/2010/main" w="9525">
                   <a:solidFill>
                     <a:srgbClr val="000000"/>
                   </a:solidFill>
@@ -17672,7 +17673,7 @@
             </a:ln>
             <a:extLst>
               <a:ext uri="{91240B29-F687-4f45-9708-019B960494DF}">
-                <a14:hiddenLine xmlns:a14="http://schemas.microsoft.com/office/drawing/2010/main" xmlns="" w="9525">
+                <a14:hiddenLine xmlns="" xmlns:a14="http://schemas.microsoft.com/office/drawing/2010/main" w="9525">
                   <a:solidFill>
                     <a:srgbClr val="000000"/>
                   </a:solidFill>
@@ -17734,7 +17735,7 @@
             </a:ln>
             <a:extLst>
               <a:ext uri="{91240B29-F687-4f45-9708-019B960494DF}">
-                <a14:hiddenLine xmlns:a14="http://schemas.microsoft.com/office/drawing/2010/main" xmlns="" w="9525">
+                <a14:hiddenLine xmlns="" xmlns:a14="http://schemas.microsoft.com/office/drawing/2010/main" w="9525">
                   <a:solidFill>
                     <a:srgbClr val="000000"/>
                   </a:solidFill>
@@ -17824,7 +17825,7 @@
             </a:ln>
             <a:extLst>
               <a:ext uri="{91240B29-F687-4f45-9708-019B960494DF}">
-                <a14:hiddenLine xmlns:a14="http://schemas.microsoft.com/office/drawing/2010/main" xmlns="" w="9525">
+                <a14:hiddenLine xmlns="" xmlns:a14="http://schemas.microsoft.com/office/drawing/2010/main" w="9525">
                   <a:solidFill>
                     <a:srgbClr val="000000"/>
                   </a:solidFill>
@@ -17858,7 +17859,7 @@
             </a:ln>
             <a:extLst>
               <a:ext uri="{91240B29-F687-4f45-9708-019B960494DF}">
-                <a14:hiddenLine xmlns:a14="http://schemas.microsoft.com/office/drawing/2010/main" xmlns="" w="9525">
+                <a14:hiddenLine xmlns="" xmlns:a14="http://schemas.microsoft.com/office/drawing/2010/main" w="9525">
                   <a:solidFill>
                     <a:srgbClr val="000000"/>
                   </a:solidFill>
@@ -17923,7 +17924,7 @@
             </a:ln>
             <a:extLst>
               <a:ext uri="{91240B29-F687-4f45-9708-019B960494DF}">
-                <a14:hiddenLine xmlns:a14="http://schemas.microsoft.com/office/drawing/2010/main" xmlns="" w="9525">
+                <a14:hiddenLine xmlns="" xmlns:a14="http://schemas.microsoft.com/office/drawing/2010/main" w="9525">
                   <a:solidFill>
                     <a:srgbClr val="000000"/>
                   </a:solidFill>
@@ -18013,7 +18014,7 @@
             </a:ln>
             <a:extLst>
               <a:ext uri="{91240B29-F687-4f45-9708-019B960494DF}">
-                <a14:hiddenLine xmlns:a14="http://schemas.microsoft.com/office/drawing/2010/main" xmlns="" w="9525">
+                <a14:hiddenLine xmlns="" xmlns:a14="http://schemas.microsoft.com/office/drawing/2010/main" w="9525">
                   <a:solidFill>
                     <a:srgbClr val="000000"/>
                   </a:solidFill>
@@ -18075,7 +18076,7 @@
             </a:ln>
             <a:extLst>
               <a:ext uri="{91240B29-F687-4f45-9708-019B960494DF}">
-                <a14:hiddenLine xmlns:a14="http://schemas.microsoft.com/office/drawing/2010/main" xmlns="" w="9525">
+                <a14:hiddenLine xmlns="" xmlns:a14="http://schemas.microsoft.com/office/drawing/2010/main" w="9525">
                   <a:solidFill>
                     <a:srgbClr val="000000"/>
                   </a:solidFill>
@@ -18165,7 +18166,7 @@
             </a:ln>
             <a:extLst>
               <a:ext uri="{91240B29-F687-4f45-9708-019B960494DF}">
-                <a14:hiddenLine xmlns:a14="http://schemas.microsoft.com/office/drawing/2010/main" xmlns="" w="9525">
+                <a14:hiddenLine xmlns="" xmlns:a14="http://schemas.microsoft.com/office/drawing/2010/main" w="9525">
                   <a:solidFill>
                     <a:srgbClr val="000000"/>
                   </a:solidFill>
@@ -18255,7 +18256,7 @@
             </a:ln>
             <a:extLst>
               <a:ext uri="{91240B29-F687-4f45-9708-019B960494DF}">
-                <a14:hiddenLine xmlns:a14="http://schemas.microsoft.com/office/drawing/2010/main" xmlns="" w="9525">
+                <a14:hiddenLine xmlns="" xmlns:a14="http://schemas.microsoft.com/office/drawing/2010/main" w="9525">
                   <a:solidFill>
                     <a:srgbClr val="000000"/>
                   </a:solidFill>
@@ -18320,7 +18321,7 @@
             </a:ln>
             <a:extLst>
               <a:ext uri="{91240B29-F687-4f45-9708-019B960494DF}">
-                <a14:hiddenLine xmlns:a14="http://schemas.microsoft.com/office/drawing/2010/main" xmlns="" w="9525">
+                <a14:hiddenLine xmlns="" xmlns:a14="http://schemas.microsoft.com/office/drawing/2010/main" w="9525">
                   <a:solidFill>
                     <a:srgbClr val="000000"/>
                   </a:solidFill>
@@ -18382,7 +18383,7 @@
             </a:ln>
             <a:extLst>
               <a:ext uri="{91240B29-F687-4f45-9708-019B960494DF}">
-                <a14:hiddenLine xmlns:a14="http://schemas.microsoft.com/office/drawing/2010/main" xmlns="" w="9525">
+                <a14:hiddenLine xmlns="" xmlns:a14="http://schemas.microsoft.com/office/drawing/2010/main" w="9525">
                   <a:solidFill>
                     <a:srgbClr val="000000"/>
                   </a:solidFill>
@@ -18472,7 +18473,7 @@
             </a:ln>
             <a:extLst>
               <a:ext uri="{91240B29-F687-4f45-9708-019B960494DF}">
-                <a14:hiddenLine xmlns:a14="http://schemas.microsoft.com/office/drawing/2010/main" xmlns="" w="9525">
+                <a14:hiddenLine xmlns="" xmlns:a14="http://schemas.microsoft.com/office/drawing/2010/main" w="9525">
                   <a:solidFill>
                     <a:srgbClr val="000000"/>
                   </a:solidFill>
@@ -18562,7 +18563,7 @@
             </a:ln>
             <a:extLst>
               <a:ext uri="{91240B29-F687-4f45-9708-019B960494DF}">
-                <a14:hiddenLine xmlns:a14="http://schemas.microsoft.com/office/drawing/2010/main" xmlns="" w="9525">
+                <a14:hiddenLine xmlns="" xmlns:a14="http://schemas.microsoft.com/office/drawing/2010/main" w="9525">
                   <a:solidFill>
                     <a:srgbClr val="000000"/>
                   </a:solidFill>
@@ -18624,7 +18625,7 @@
             </a:ln>
             <a:extLst>
               <a:ext uri="{91240B29-F687-4f45-9708-019B960494DF}">
-                <a14:hiddenLine xmlns:a14="http://schemas.microsoft.com/office/drawing/2010/main" xmlns="" w="9525">
+                <a14:hiddenLine xmlns="" xmlns:a14="http://schemas.microsoft.com/office/drawing/2010/main" w="9525">
                   <a:solidFill>
                     <a:srgbClr val="000000"/>
                   </a:solidFill>
@@ -18744,7 +18745,7 @@
             </a:ln>
             <a:extLst>
               <a:ext uri="{91240B29-F687-4f45-9708-019B960494DF}">
-                <a14:hiddenLine xmlns:a14="http://schemas.microsoft.com/office/drawing/2010/main" xmlns="" w="9525">
+                <a14:hiddenLine xmlns="" xmlns:a14="http://schemas.microsoft.com/office/drawing/2010/main" w="9525">
                   <a:solidFill>
                     <a:srgbClr val="000000"/>
                   </a:solidFill>
@@ -18812,7 +18813,7 @@
             </a:ln>
             <a:extLst>
               <a:ext uri="{91240B29-F687-4f45-9708-019B960494DF}">
-                <a14:hiddenLine xmlns:a14="http://schemas.microsoft.com/office/drawing/2010/main" xmlns="" w="9525">
+                <a14:hiddenLine xmlns="" xmlns:a14="http://schemas.microsoft.com/office/drawing/2010/main" w="9525">
                   <a:solidFill>
                     <a:srgbClr val="000000"/>
                   </a:solidFill>
@@ -18902,7 +18903,7 @@
             </a:ln>
             <a:extLst>
               <a:ext uri="{91240B29-F687-4f45-9708-019B960494DF}">
-                <a14:hiddenLine xmlns:a14="http://schemas.microsoft.com/office/drawing/2010/main" xmlns="" w="9525">
+                <a14:hiddenLine xmlns="" xmlns:a14="http://schemas.microsoft.com/office/drawing/2010/main" w="9525">
                   <a:solidFill>
                     <a:srgbClr val="000000"/>
                   </a:solidFill>
@@ -23709,7 +23710,7 @@
           <a:noFill/>
           <a:extLst>
             <a:ext uri="{909E8E84-426E-40dd-AFC4-6F175D3DCCD1}">
-              <a14:hiddenFill xmlns:a14="http://schemas.microsoft.com/office/drawing/2010/main" xmlns="">
+              <a14:hiddenFill xmlns="" xmlns:a14="http://schemas.microsoft.com/office/drawing/2010/main">
                 <a:solidFill>
                   <a:srgbClr val="FFFFFF"/>
                 </a:solidFill>
@@ -23783,7 +23784,7 @@
               </a:ln>
               <a:extLst>
                 <a:ext uri="{91240B29-F687-4f45-9708-019B960494DF}">
-                  <a14:hiddenLine xmlns:a14="http://schemas.microsoft.com/office/drawing/2010/main" xmlns="" w="9525">
+                  <a14:hiddenLine xmlns="" xmlns:a14="http://schemas.microsoft.com/office/drawing/2010/main" w="9525">
                     <a:solidFill>
                       <a:srgbClr val="000000"/>
                     </a:solidFill>
@@ -23873,7 +23874,7 @@
               </a:ln>
               <a:extLst>
                 <a:ext uri="{91240B29-F687-4f45-9708-019B960494DF}">
-                  <a14:hiddenLine xmlns:a14="http://schemas.microsoft.com/office/drawing/2010/main" xmlns="" w="9525">
+                  <a14:hiddenLine xmlns="" xmlns:a14="http://schemas.microsoft.com/office/drawing/2010/main" w="9525">
                     <a:solidFill>
                       <a:srgbClr val="000000"/>
                     </a:solidFill>
@@ -23963,7 +23964,7 @@
               </a:ln>
               <a:extLst>
                 <a:ext uri="{91240B29-F687-4f45-9708-019B960494DF}">
-                  <a14:hiddenLine xmlns:a14="http://schemas.microsoft.com/office/drawing/2010/main" xmlns="" w="9525">
+                  <a14:hiddenLine xmlns="" xmlns:a14="http://schemas.microsoft.com/office/drawing/2010/main" w="9525">
                     <a:solidFill>
                       <a:srgbClr val="000000"/>
                     </a:solidFill>
@@ -24025,7 +24026,7 @@
               </a:ln>
               <a:extLst>
                 <a:ext uri="{91240B29-F687-4f45-9708-019B960494DF}">
-                  <a14:hiddenLine xmlns:a14="http://schemas.microsoft.com/office/drawing/2010/main" xmlns="" w="9525">
+                  <a14:hiddenLine xmlns="" xmlns:a14="http://schemas.microsoft.com/office/drawing/2010/main" w="9525">
                     <a:solidFill>
                       <a:srgbClr val="000000"/>
                     </a:solidFill>
@@ -24115,7 +24116,7 @@
               </a:ln>
               <a:extLst>
                 <a:ext uri="{91240B29-F687-4f45-9708-019B960494DF}">
-                  <a14:hiddenLine xmlns:a14="http://schemas.microsoft.com/office/drawing/2010/main" xmlns="" w="9525">
+                  <a14:hiddenLine xmlns="" xmlns:a14="http://schemas.microsoft.com/office/drawing/2010/main" w="9525">
                     <a:solidFill>
                       <a:srgbClr val="000000"/>
                     </a:solidFill>
@@ -24177,7 +24178,7 @@
               </a:ln>
               <a:extLst>
                 <a:ext uri="{91240B29-F687-4f45-9708-019B960494DF}">
-                  <a14:hiddenLine xmlns:a14="http://schemas.microsoft.com/office/drawing/2010/main" xmlns="" w="9525">
+                  <a14:hiddenLine xmlns="" xmlns:a14="http://schemas.microsoft.com/office/drawing/2010/main" w="9525">
                     <a:solidFill>
                       <a:srgbClr val="000000"/>
                     </a:solidFill>
@@ -24239,7 +24240,7 @@
               </a:ln>
               <a:extLst>
                 <a:ext uri="{91240B29-F687-4f45-9708-019B960494DF}">
-                  <a14:hiddenLine xmlns:a14="http://schemas.microsoft.com/office/drawing/2010/main" xmlns="" w="9525">
+                  <a14:hiddenLine xmlns="" xmlns:a14="http://schemas.microsoft.com/office/drawing/2010/main" w="9525">
                     <a:solidFill>
                       <a:srgbClr val="000000"/>
                     </a:solidFill>
@@ -24329,7 +24330,7 @@
               </a:ln>
               <a:extLst>
                 <a:ext uri="{91240B29-F687-4f45-9708-019B960494DF}">
-                  <a14:hiddenLine xmlns:a14="http://schemas.microsoft.com/office/drawing/2010/main" xmlns="" w="9525">
+                  <a14:hiddenLine xmlns="" xmlns:a14="http://schemas.microsoft.com/office/drawing/2010/main" w="9525">
                     <a:solidFill>
                       <a:srgbClr val="000000"/>
                     </a:solidFill>
@@ -24419,7 +24420,7 @@
               </a:ln>
               <a:extLst>
                 <a:ext uri="{91240B29-F687-4f45-9708-019B960494DF}">
-                  <a14:hiddenLine xmlns:a14="http://schemas.microsoft.com/office/drawing/2010/main" xmlns="" w="9525">
+                  <a14:hiddenLine xmlns="" xmlns:a14="http://schemas.microsoft.com/office/drawing/2010/main" w="9525">
                     <a:solidFill>
                       <a:srgbClr val="000000"/>
                     </a:solidFill>
@@ -24481,7 +24482,7 @@
               </a:ln>
               <a:extLst>
                 <a:ext uri="{91240B29-F687-4f45-9708-019B960494DF}">
-                  <a14:hiddenLine xmlns:a14="http://schemas.microsoft.com/office/drawing/2010/main" xmlns="" w="9525">
+                  <a14:hiddenLine xmlns="" xmlns:a14="http://schemas.microsoft.com/office/drawing/2010/main" w="9525">
                     <a:solidFill>
                       <a:srgbClr val="000000"/>
                     </a:solidFill>
@@ -24591,7 +24592,7 @@
               </a:ln>
               <a:extLst>
                 <a:ext uri="{91240B29-F687-4f45-9708-019B960494DF}">
-                  <a14:hiddenLine xmlns:a14="http://schemas.microsoft.com/office/drawing/2010/main" xmlns="" w="9525">
+                  <a14:hiddenLine xmlns="" xmlns:a14="http://schemas.microsoft.com/office/drawing/2010/main" w="9525">
                     <a:solidFill>
                       <a:srgbClr val="000000"/>
                     </a:solidFill>
@@ -24675,7 +24676,7 @@
               </a:ln>
               <a:extLst>
                 <a:ext uri="{91240B29-F687-4f45-9708-019B960494DF}">
-                  <a14:hiddenLine xmlns:a14="http://schemas.microsoft.com/office/drawing/2010/main" xmlns="" w="9525">
+                  <a14:hiddenLine xmlns="" xmlns:a14="http://schemas.microsoft.com/office/drawing/2010/main" w="9525">
                     <a:solidFill>
                       <a:srgbClr val="000000"/>
                     </a:solidFill>
@@ -24737,7 +24738,7 @@
               </a:ln>
               <a:extLst>
                 <a:ext uri="{91240B29-F687-4f45-9708-019B960494DF}">
-                  <a14:hiddenLine xmlns:a14="http://schemas.microsoft.com/office/drawing/2010/main" xmlns="" w="9525">
+                  <a14:hiddenLine xmlns="" xmlns:a14="http://schemas.microsoft.com/office/drawing/2010/main" w="9525">
                     <a:solidFill>
                       <a:srgbClr val="000000"/>
                     </a:solidFill>
@@ -24799,7 +24800,7 @@
               </a:ln>
               <a:extLst>
                 <a:ext uri="{91240B29-F687-4f45-9708-019B960494DF}">
-                  <a14:hiddenLine xmlns:a14="http://schemas.microsoft.com/office/drawing/2010/main" xmlns="" w="9525">
+                  <a14:hiddenLine xmlns="" xmlns:a14="http://schemas.microsoft.com/office/drawing/2010/main" w="9525">
                     <a:solidFill>
                       <a:srgbClr val="000000"/>
                     </a:solidFill>
@@ -24889,7 +24890,7 @@
               </a:ln>
               <a:extLst>
                 <a:ext uri="{91240B29-F687-4f45-9708-019B960494DF}">
-                  <a14:hiddenLine xmlns:a14="http://schemas.microsoft.com/office/drawing/2010/main" xmlns="" w="9525">
+                  <a14:hiddenLine xmlns="" xmlns:a14="http://schemas.microsoft.com/office/drawing/2010/main" w="9525">
                     <a:solidFill>
                       <a:srgbClr val="000000"/>
                     </a:solidFill>
@@ -24923,7 +24924,7 @@
               </a:ln>
               <a:extLst>
                 <a:ext uri="{91240B29-F687-4f45-9708-019B960494DF}">
-                  <a14:hiddenLine xmlns:a14="http://schemas.microsoft.com/office/drawing/2010/main" xmlns="" w="9525">
+                  <a14:hiddenLine xmlns="" xmlns:a14="http://schemas.microsoft.com/office/drawing/2010/main" w="9525">
                     <a:solidFill>
                       <a:srgbClr val="000000"/>
                     </a:solidFill>
@@ -24988,7 +24989,7 @@
               </a:ln>
               <a:extLst>
                 <a:ext uri="{91240B29-F687-4f45-9708-019B960494DF}">
-                  <a14:hiddenLine xmlns:a14="http://schemas.microsoft.com/office/drawing/2010/main" xmlns="" w="9525">
+                  <a14:hiddenLine xmlns="" xmlns:a14="http://schemas.microsoft.com/office/drawing/2010/main" w="9525">
                     <a:solidFill>
                       <a:srgbClr val="000000"/>
                     </a:solidFill>
@@ -25078,7 +25079,7 @@
               </a:ln>
               <a:extLst>
                 <a:ext uri="{91240B29-F687-4f45-9708-019B960494DF}">
-                  <a14:hiddenLine xmlns:a14="http://schemas.microsoft.com/office/drawing/2010/main" xmlns="" w="9525">
+                  <a14:hiddenLine xmlns="" xmlns:a14="http://schemas.microsoft.com/office/drawing/2010/main" w="9525">
                     <a:solidFill>
                       <a:srgbClr val="000000"/>
                     </a:solidFill>
@@ -25140,7 +25141,7 @@
               </a:ln>
               <a:extLst>
                 <a:ext uri="{91240B29-F687-4f45-9708-019B960494DF}">
-                  <a14:hiddenLine xmlns:a14="http://schemas.microsoft.com/office/drawing/2010/main" xmlns="" w="9525">
+                  <a14:hiddenLine xmlns="" xmlns:a14="http://schemas.microsoft.com/office/drawing/2010/main" w="9525">
                     <a:solidFill>
                       <a:srgbClr val="000000"/>
                     </a:solidFill>
@@ -25230,7 +25231,7 @@
               </a:ln>
               <a:extLst>
                 <a:ext uri="{91240B29-F687-4f45-9708-019B960494DF}">
-                  <a14:hiddenLine xmlns:a14="http://schemas.microsoft.com/office/drawing/2010/main" xmlns="" w="9525">
+                  <a14:hiddenLine xmlns="" xmlns:a14="http://schemas.microsoft.com/office/drawing/2010/main" w="9525">
                     <a:solidFill>
                       <a:srgbClr val="000000"/>
                     </a:solidFill>
@@ -25295,7 +25296,7 @@
               </a:ln>
               <a:extLst>
                 <a:ext uri="{91240B29-F687-4f45-9708-019B960494DF}">
-                  <a14:hiddenLine xmlns:a14="http://schemas.microsoft.com/office/drawing/2010/main" xmlns="" w="9525">
+                  <a14:hiddenLine xmlns="" xmlns:a14="http://schemas.microsoft.com/office/drawing/2010/main" w="9525">
                     <a:solidFill>
                       <a:srgbClr val="000000"/>
                     </a:solidFill>
@@ -25357,7 +25358,7 @@
               </a:ln>
               <a:extLst>
                 <a:ext uri="{91240B29-F687-4f45-9708-019B960494DF}">
-                  <a14:hiddenLine xmlns:a14="http://schemas.microsoft.com/office/drawing/2010/main" xmlns="" w="9525">
+                  <a14:hiddenLine xmlns="" xmlns:a14="http://schemas.microsoft.com/office/drawing/2010/main" w="9525">
                     <a:solidFill>
                       <a:srgbClr val="000000"/>
                     </a:solidFill>
@@ -25447,7 +25448,7 @@
               </a:ln>
               <a:extLst>
                 <a:ext uri="{91240B29-F687-4f45-9708-019B960494DF}">
-                  <a14:hiddenLine xmlns:a14="http://schemas.microsoft.com/office/drawing/2010/main" xmlns="" w="9525">
+                  <a14:hiddenLine xmlns="" xmlns:a14="http://schemas.microsoft.com/office/drawing/2010/main" w="9525">
                     <a:solidFill>
                       <a:srgbClr val="000000"/>
                     </a:solidFill>
@@ -25537,7 +25538,7 @@
               </a:ln>
               <a:extLst>
                 <a:ext uri="{91240B29-F687-4f45-9708-019B960494DF}">
-                  <a14:hiddenLine xmlns:a14="http://schemas.microsoft.com/office/drawing/2010/main" xmlns="" w="9525">
+                  <a14:hiddenLine xmlns="" xmlns:a14="http://schemas.microsoft.com/office/drawing/2010/main" w="9525">
                     <a:solidFill>
                       <a:srgbClr val="000000"/>
                     </a:solidFill>
@@ -25602,7 +25603,7 @@
               </a:ln>
               <a:extLst>
                 <a:ext uri="{91240B29-F687-4f45-9708-019B960494DF}">
-                  <a14:hiddenLine xmlns:a14="http://schemas.microsoft.com/office/drawing/2010/main" xmlns="" w="9525">
+                  <a14:hiddenLine xmlns="" xmlns:a14="http://schemas.microsoft.com/office/drawing/2010/main" w="9525">
                     <a:solidFill>
                       <a:srgbClr val="000000"/>
                     </a:solidFill>
@@ -25722,7 +25723,7 @@
               </a:ln>
               <a:extLst>
                 <a:ext uri="{91240B29-F687-4f45-9708-019B960494DF}">
-                  <a14:hiddenLine xmlns:a14="http://schemas.microsoft.com/office/drawing/2010/main" xmlns="" w="9525">
+                  <a14:hiddenLine xmlns="" xmlns:a14="http://schemas.microsoft.com/office/drawing/2010/main" w="9525">
                     <a:solidFill>
                       <a:srgbClr val="000000"/>
                     </a:solidFill>
@@ -25820,7 +25821,7 @@
               </a:ln>
               <a:extLst>
                 <a:ext uri="{91240B29-F687-4f45-9708-019B960494DF}">
-                  <a14:hiddenLine xmlns:a14="http://schemas.microsoft.com/office/drawing/2010/main" xmlns="" w="9525">
+                  <a14:hiddenLine xmlns="" xmlns:a14="http://schemas.microsoft.com/office/drawing/2010/main" w="9525">
                     <a:solidFill>
                       <a:srgbClr val="000000"/>
                     </a:solidFill>
@@ -25935,7 +25936,7 @@
               </a:ln>
               <a:extLst>
                 <a:ext uri="{91240B29-F687-4f45-9708-019B960494DF}">
-                  <a14:hiddenLine xmlns:a14="http://schemas.microsoft.com/office/drawing/2010/main" xmlns="" w="9525">
+                  <a14:hiddenLine xmlns="" xmlns:a14="http://schemas.microsoft.com/office/drawing/2010/main" w="9525">
                     <a:solidFill>
                       <a:srgbClr val="000000"/>
                     </a:solidFill>
@@ -26025,7 +26026,7 @@
               </a:ln>
               <a:extLst>
                 <a:ext uri="{91240B29-F687-4f45-9708-019B960494DF}">
-                  <a14:hiddenLine xmlns:a14="http://schemas.microsoft.com/office/drawing/2010/main" xmlns="" w="9525">
+                  <a14:hiddenLine xmlns="" xmlns:a14="http://schemas.microsoft.com/office/drawing/2010/main" w="9525">
                     <a:solidFill>
                       <a:srgbClr val="000000"/>
                     </a:solidFill>
@@ -26090,7 +26091,7 @@
               </a:ln>
               <a:extLst>
                 <a:ext uri="{91240B29-F687-4f45-9708-019B960494DF}">
-                  <a14:hiddenLine xmlns:a14="http://schemas.microsoft.com/office/drawing/2010/main" xmlns="" w="9525">
+                  <a14:hiddenLine xmlns="" xmlns:a14="http://schemas.microsoft.com/office/drawing/2010/main" w="9525">
                     <a:solidFill>
                       <a:srgbClr val="000000"/>
                     </a:solidFill>
@@ -26180,7 +26181,7 @@
               </a:ln>
               <a:extLst>
                 <a:ext uri="{91240B29-F687-4f45-9708-019B960494DF}">
-                  <a14:hiddenLine xmlns:a14="http://schemas.microsoft.com/office/drawing/2010/main" xmlns="" w="9525">
+                  <a14:hiddenLine xmlns="" xmlns:a14="http://schemas.microsoft.com/office/drawing/2010/main" w="9525">
                     <a:solidFill>
                       <a:srgbClr val="000000"/>
                     </a:solidFill>
@@ -26248,7 +26249,7 @@
               </a:ln>
               <a:extLst>
                 <a:ext uri="{91240B29-F687-4f45-9708-019B960494DF}">
-                  <a14:hiddenLine xmlns:a14="http://schemas.microsoft.com/office/drawing/2010/main" xmlns="" w="9525">
+                  <a14:hiddenLine xmlns="" xmlns:a14="http://schemas.microsoft.com/office/drawing/2010/main" w="9525">
                     <a:solidFill>
                       <a:srgbClr val="000000"/>
                     </a:solidFill>
@@ -26338,7 +26339,7 @@
               </a:ln>
               <a:extLst>
                 <a:ext uri="{91240B29-F687-4f45-9708-019B960494DF}">
-                  <a14:hiddenLine xmlns:a14="http://schemas.microsoft.com/office/drawing/2010/main" xmlns="" w="9525">
+                  <a14:hiddenLine xmlns="" xmlns:a14="http://schemas.microsoft.com/office/drawing/2010/main" w="9525">
                     <a:solidFill>
                       <a:srgbClr val="000000"/>
                     </a:solidFill>
@@ -26406,7 +26407,7 @@
               </a:ln>
               <a:extLst>
                 <a:ext uri="{91240B29-F687-4f45-9708-019B960494DF}">
-                  <a14:hiddenLine xmlns:a14="http://schemas.microsoft.com/office/drawing/2010/main" xmlns="" w="9525">
+                  <a14:hiddenLine xmlns="" xmlns:a14="http://schemas.microsoft.com/office/drawing/2010/main" w="9525">
                     <a:solidFill>
                       <a:srgbClr val="000000"/>
                     </a:solidFill>
@@ -26496,7 +26497,7 @@
               </a:ln>
               <a:extLst>
                 <a:ext uri="{91240B29-F687-4f45-9708-019B960494DF}">
-                  <a14:hiddenLine xmlns:a14="http://schemas.microsoft.com/office/drawing/2010/main" xmlns="" w="9525">
+                  <a14:hiddenLine xmlns="" xmlns:a14="http://schemas.microsoft.com/office/drawing/2010/main" w="9525">
                     <a:solidFill>
                       <a:srgbClr val="000000"/>
                     </a:solidFill>
@@ -26530,7 +26531,7 @@
               </a:ln>
               <a:extLst>
                 <a:ext uri="{91240B29-F687-4f45-9708-019B960494DF}">
-                  <a14:hiddenLine xmlns:a14="http://schemas.microsoft.com/office/drawing/2010/main" xmlns="" w="9525">
+                  <a14:hiddenLine xmlns="" xmlns:a14="http://schemas.microsoft.com/office/drawing/2010/main" w="9525">
                     <a:solidFill>
                       <a:srgbClr val="000000"/>
                     </a:solidFill>
@@ -28403,6 +28404,12 @@
             </a:r>
           </a:p>
           <a:p>
+            <a:r>
+              <a:rPr lang="de-DE" dirty="0"/>
+              <a:t>Aufwandsschätzung</a:t>
+            </a:r>
+          </a:p>
+          <a:p>
             <a:endParaRPr lang="de-DE" dirty="0"/>
           </a:p>
         </p:txBody>
@@ -28551,7 +28558,7 @@
           </a:prstGeom>
           <a:extLst>
             <a:ext uri="{909E8E84-426E-40dd-AFC4-6F175D3DCCD1}">
-              <a14:hiddenFill xmlns="" xmlns:a16="http://schemas.microsoft.com/office/drawing/2014/main" xmlns:p14="http://schemas.microsoft.com/office/powerpoint/2010/main" xmlns:a14="http://schemas.microsoft.com/office/drawing/2010/main">
+              <a14:hiddenFill xmlns:a14="http://schemas.microsoft.com/office/drawing/2010/main" xmlns:p14="http://schemas.microsoft.com/office/powerpoint/2010/main" xmlns:a16="http://schemas.microsoft.com/office/drawing/2014/main" xmlns="">
                 <a:solidFill>
                   <a:srgbClr val="FFFFFF"/>
                 </a:solidFill>
@@ -28675,7 +28682,7 @@
           <a:noFill/>
           <a:extLst>
             <a:ext uri="{909E8E84-426E-40dd-AFC4-6F175D3DCCD1}">
-              <a14:hiddenFill xmlns="" xmlns:a16="http://schemas.microsoft.com/office/drawing/2014/main" xmlns:p14="http://schemas.microsoft.com/office/powerpoint/2010/main" xmlns:a14="http://schemas.microsoft.com/office/drawing/2010/main">
+              <a14:hiddenFill xmlns:a14="http://schemas.microsoft.com/office/drawing/2010/main" xmlns:p14="http://schemas.microsoft.com/office/powerpoint/2010/main" xmlns:a16="http://schemas.microsoft.com/office/drawing/2014/main" xmlns="">
                 <a:solidFill>
                   <a:srgbClr val="FFFFFF"/>
                 </a:solidFill>
@@ -28839,7 +28846,7 @@
             </a:ln>
             <a:extLst>
               <a:ext uri="{91240B29-F687-4f45-9708-019B960494DF}">
-                <a14:hiddenLine xmlns="" xmlns:a16="http://schemas.microsoft.com/office/drawing/2014/main" xmlns:p14="http://schemas.microsoft.com/office/powerpoint/2010/main" xmlns:a14="http://schemas.microsoft.com/office/drawing/2010/main" w="9525">
+                <a14:hiddenLine xmlns:a14="http://schemas.microsoft.com/office/drawing/2010/main" xmlns:p14="http://schemas.microsoft.com/office/powerpoint/2010/main" xmlns:a16="http://schemas.microsoft.com/office/drawing/2014/main" xmlns="" w="9525">
                   <a:solidFill>
                     <a:srgbClr val="000000"/>
                   </a:solidFill>
@@ -28944,7 +28951,7 @@
             </a:ln>
             <a:extLst>
               <a:ext uri="{91240B29-F687-4f45-9708-019B960494DF}">
-                <a14:hiddenLine xmlns="" xmlns:a16="http://schemas.microsoft.com/office/drawing/2014/main" xmlns:p14="http://schemas.microsoft.com/office/powerpoint/2010/main" xmlns:a14="http://schemas.microsoft.com/office/drawing/2010/main" w="9525">
+                <a14:hiddenLine xmlns:a14="http://schemas.microsoft.com/office/drawing/2010/main" xmlns:p14="http://schemas.microsoft.com/office/powerpoint/2010/main" xmlns:a16="http://schemas.microsoft.com/office/drawing/2014/main" xmlns="" w="9525">
                   <a:solidFill>
                     <a:srgbClr val="000000"/>
                   </a:solidFill>
@@ -29049,7 +29056,7 @@
             </a:ln>
             <a:extLst>
               <a:ext uri="{91240B29-F687-4f45-9708-019B960494DF}">
-                <a14:hiddenLine xmlns="" xmlns:a16="http://schemas.microsoft.com/office/drawing/2014/main" xmlns:p14="http://schemas.microsoft.com/office/powerpoint/2010/main" xmlns:a14="http://schemas.microsoft.com/office/drawing/2010/main" w="9525">
+                <a14:hiddenLine xmlns:a14="http://schemas.microsoft.com/office/drawing/2010/main" xmlns:p14="http://schemas.microsoft.com/office/powerpoint/2010/main" xmlns:a16="http://schemas.microsoft.com/office/drawing/2014/main" xmlns="" w="9525">
                   <a:solidFill>
                     <a:srgbClr val="000000"/>
                   </a:solidFill>
@@ -29126,7 +29133,7 @@
             </a:ln>
             <a:extLst>
               <a:ext uri="{91240B29-F687-4f45-9708-019B960494DF}">
-                <a14:hiddenLine xmlns="" xmlns:a16="http://schemas.microsoft.com/office/drawing/2014/main" xmlns:p14="http://schemas.microsoft.com/office/powerpoint/2010/main" xmlns:a14="http://schemas.microsoft.com/office/drawing/2010/main" w="9525">
+                <a14:hiddenLine xmlns:a14="http://schemas.microsoft.com/office/drawing/2010/main" xmlns:p14="http://schemas.microsoft.com/office/powerpoint/2010/main" xmlns:a16="http://schemas.microsoft.com/office/drawing/2014/main" xmlns="" w="9525">
                   <a:solidFill>
                     <a:srgbClr val="000000"/>
                   </a:solidFill>
@@ -29231,7 +29238,7 @@
             </a:ln>
             <a:extLst>
               <a:ext uri="{91240B29-F687-4f45-9708-019B960494DF}">
-                <a14:hiddenLine xmlns="" xmlns:a16="http://schemas.microsoft.com/office/drawing/2014/main" xmlns:p14="http://schemas.microsoft.com/office/powerpoint/2010/main" xmlns:a14="http://schemas.microsoft.com/office/drawing/2010/main" w="9525">
+                <a14:hiddenLine xmlns:a14="http://schemas.microsoft.com/office/drawing/2010/main" xmlns:p14="http://schemas.microsoft.com/office/powerpoint/2010/main" xmlns:a16="http://schemas.microsoft.com/office/drawing/2014/main" xmlns="" w="9525">
                   <a:solidFill>
                     <a:srgbClr val="000000"/>
                   </a:solidFill>
@@ -29308,7 +29315,7 @@
             </a:ln>
             <a:extLst>
               <a:ext uri="{91240B29-F687-4f45-9708-019B960494DF}">
-                <a14:hiddenLine xmlns="" xmlns:a16="http://schemas.microsoft.com/office/drawing/2014/main" xmlns:p14="http://schemas.microsoft.com/office/powerpoint/2010/main" xmlns:a14="http://schemas.microsoft.com/office/drawing/2010/main" w="9525">
+                <a14:hiddenLine xmlns:a14="http://schemas.microsoft.com/office/drawing/2010/main" xmlns:p14="http://schemas.microsoft.com/office/powerpoint/2010/main" xmlns:a16="http://schemas.microsoft.com/office/drawing/2014/main" xmlns="" w="9525">
                   <a:solidFill>
                     <a:srgbClr val="000000"/>
                   </a:solidFill>
@@ -29385,7 +29392,7 @@
             </a:ln>
             <a:extLst>
               <a:ext uri="{91240B29-F687-4f45-9708-019B960494DF}">
-                <a14:hiddenLine xmlns="" xmlns:a16="http://schemas.microsoft.com/office/drawing/2014/main" xmlns:p14="http://schemas.microsoft.com/office/powerpoint/2010/main" xmlns:a14="http://schemas.microsoft.com/office/drawing/2010/main" w="9525">
+                <a14:hiddenLine xmlns:a14="http://schemas.microsoft.com/office/drawing/2010/main" xmlns:p14="http://schemas.microsoft.com/office/powerpoint/2010/main" xmlns:a16="http://schemas.microsoft.com/office/drawing/2014/main" xmlns="" w="9525">
                   <a:solidFill>
                     <a:srgbClr val="000000"/>
                   </a:solidFill>
@@ -29490,7 +29497,7 @@
             </a:ln>
             <a:extLst>
               <a:ext uri="{91240B29-F687-4f45-9708-019B960494DF}">
-                <a14:hiddenLine xmlns="" xmlns:a16="http://schemas.microsoft.com/office/drawing/2014/main" xmlns:p14="http://schemas.microsoft.com/office/powerpoint/2010/main" xmlns:a14="http://schemas.microsoft.com/office/drawing/2010/main" w="9525">
+                <a14:hiddenLine xmlns:a14="http://schemas.microsoft.com/office/drawing/2010/main" xmlns:p14="http://schemas.microsoft.com/office/powerpoint/2010/main" xmlns:a16="http://schemas.microsoft.com/office/drawing/2014/main" xmlns="" w="9525">
                   <a:solidFill>
                     <a:srgbClr val="000000"/>
                   </a:solidFill>
@@ -29595,7 +29602,7 @@
             </a:ln>
             <a:extLst>
               <a:ext uri="{91240B29-F687-4f45-9708-019B960494DF}">
-                <a14:hiddenLine xmlns="" xmlns:a16="http://schemas.microsoft.com/office/drawing/2014/main" xmlns:p14="http://schemas.microsoft.com/office/powerpoint/2010/main" xmlns:a14="http://schemas.microsoft.com/office/drawing/2010/main" w="9525">
+                <a14:hiddenLine xmlns:a14="http://schemas.microsoft.com/office/drawing/2010/main" xmlns:p14="http://schemas.microsoft.com/office/powerpoint/2010/main" xmlns:a16="http://schemas.microsoft.com/office/drawing/2014/main" xmlns="" w="9525">
                   <a:solidFill>
                     <a:srgbClr val="000000"/>
                   </a:solidFill>
@@ -29672,7 +29679,7 @@
             </a:ln>
             <a:extLst>
               <a:ext uri="{91240B29-F687-4f45-9708-019B960494DF}">
-                <a14:hiddenLine xmlns="" xmlns:a16="http://schemas.microsoft.com/office/drawing/2014/main" xmlns:p14="http://schemas.microsoft.com/office/powerpoint/2010/main" xmlns:a14="http://schemas.microsoft.com/office/drawing/2010/main" w="9525">
+                <a14:hiddenLine xmlns:a14="http://schemas.microsoft.com/office/drawing/2010/main" xmlns:p14="http://schemas.microsoft.com/office/powerpoint/2010/main" xmlns:a16="http://schemas.microsoft.com/office/drawing/2014/main" xmlns="" w="9525">
                   <a:solidFill>
                     <a:srgbClr val="000000"/>
                   </a:solidFill>
@@ -29797,7 +29804,7 @@
             </a:ln>
             <a:extLst>
               <a:ext uri="{91240B29-F687-4f45-9708-019B960494DF}">
-                <a14:hiddenLine xmlns="" xmlns:a16="http://schemas.microsoft.com/office/drawing/2014/main" xmlns:p14="http://schemas.microsoft.com/office/powerpoint/2010/main" xmlns:a14="http://schemas.microsoft.com/office/drawing/2010/main" w="9525">
+                <a14:hiddenLine xmlns:a14="http://schemas.microsoft.com/office/drawing/2010/main" xmlns:p14="http://schemas.microsoft.com/office/powerpoint/2010/main" xmlns:a16="http://schemas.microsoft.com/office/drawing/2014/main" xmlns="" w="9525">
                   <a:solidFill>
                     <a:srgbClr val="000000"/>
                   </a:solidFill>
@@ -29911,7 +29918,7 @@
             </a:ln>
             <a:extLst>
               <a:ext uri="{91240B29-F687-4f45-9708-019B960494DF}">
-                <a14:hiddenLine xmlns="" xmlns:a16="http://schemas.microsoft.com/office/drawing/2014/main" xmlns:p14="http://schemas.microsoft.com/office/powerpoint/2010/main" xmlns:a14="http://schemas.microsoft.com/office/drawing/2010/main" w="9525">
+                <a14:hiddenLine xmlns:a14="http://schemas.microsoft.com/office/drawing/2010/main" xmlns:p14="http://schemas.microsoft.com/office/powerpoint/2010/main" xmlns:a16="http://schemas.microsoft.com/office/drawing/2014/main" xmlns="" w="9525">
                   <a:solidFill>
                     <a:srgbClr val="000000"/>
                   </a:solidFill>
@@ -29988,7 +29995,7 @@
             </a:ln>
             <a:extLst>
               <a:ext uri="{91240B29-F687-4f45-9708-019B960494DF}">
-                <a14:hiddenLine xmlns="" xmlns:a16="http://schemas.microsoft.com/office/drawing/2014/main" xmlns:p14="http://schemas.microsoft.com/office/powerpoint/2010/main" xmlns:a14="http://schemas.microsoft.com/office/drawing/2010/main" w="9525">
+                <a14:hiddenLine xmlns:a14="http://schemas.microsoft.com/office/drawing/2010/main" xmlns:p14="http://schemas.microsoft.com/office/powerpoint/2010/main" xmlns:a16="http://schemas.microsoft.com/office/drawing/2014/main" xmlns="" w="9525">
                   <a:solidFill>
                     <a:srgbClr val="000000"/>
                   </a:solidFill>
@@ -30065,7 +30072,7 @@
             </a:ln>
             <a:extLst>
               <a:ext uri="{91240B29-F687-4f45-9708-019B960494DF}">
-                <a14:hiddenLine xmlns="" xmlns:a16="http://schemas.microsoft.com/office/drawing/2014/main" xmlns:p14="http://schemas.microsoft.com/office/powerpoint/2010/main" xmlns:a14="http://schemas.microsoft.com/office/drawing/2010/main" w="9525">
+                <a14:hiddenLine xmlns:a14="http://schemas.microsoft.com/office/drawing/2010/main" xmlns:p14="http://schemas.microsoft.com/office/powerpoint/2010/main" xmlns:a16="http://schemas.microsoft.com/office/drawing/2014/main" xmlns="" w="9525">
                   <a:solidFill>
                     <a:srgbClr val="000000"/>
                   </a:solidFill>
@@ -30170,7 +30177,7 @@
             </a:ln>
             <a:extLst>
               <a:ext uri="{91240B29-F687-4f45-9708-019B960494DF}">
-                <a14:hiddenLine xmlns="" xmlns:a16="http://schemas.microsoft.com/office/drawing/2014/main" xmlns:p14="http://schemas.microsoft.com/office/powerpoint/2010/main" xmlns:a14="http://schemas.microsoft.com/office/drawing/2010/main" w="9525">
+                <a14:hiddenLine xmlns:a14="http://schemas.microsoft.com/office/drawing/2010/main" xmlns:p14="http://schemas.microsoft.com/office/powerpoint/2010/main" xmlns:a16="http://schemas.microsoft.com/office/drawing/2014/main" xmlns="" w="9525">
                   <a:solidFill>
                     <a:srgbClr val="000000"/>
                   </a:solidFill>
@@ -30219,7 +30226,7 @@
             </a:ln>
             <a:extLst>
               <a:ext uri="{91240B29-F687-4f45-9708-019B960494DF}">
-                <a14:hiddenLine xmlns="" xmlns:a16="http://schemas.microsoft.com/office/drawing/2014/main" xmlns:p14="http://schemas.microsoft.com/office/powerpoint/2010/main" xmlns:a14="http://schemas.microsoft.com/office/drawing/2010/main" w="9525">
+                <a14:hiddenLine xmlns:a14="http://schemas.microsoft.com/office/drawing/2010/main" xmlns:p14="http://schemas.microsoft.com/office/powerpoint/2010/main" xmlns:a16="http://schemas.microsoft.com/office/drawing/2014/main" xmlns="" w="9525">
                   <a:solidFill>
                     <a:srgbClr val="000000"/>
                   </a:solidFill>
@@ -30299,7 +30306,7 @@
             </a:ln>
             <a:extLst>
               <a:ext uri="{91240B29-F687-4f45-9708-019B960494DF}">
-                <a14:hiddenLine xmlns="" xmlns:a16="http://schemas.microsoft.com/office/drawing/2014/main" xmlns:p14="http://schemas.microsoft.com/office/powerpoint/2010/main" xmlns:a14="http://schemas.microsoft.com/office/drawing/2010/main" w="9525">
+                <a14:hiddenLine xmlns:a14="http://schemas.microsoft.com/office/drawing/2010/main" xmlns:p14="http://schemas.microsoft.com/office/powerpoint/2010/main" xmlns:a16="http://schemas.microsoft.com/office/drawing/2014/main" xmlns="" w="9525">
                   <a:solidFill>
                     <a:srgbClr val="000000"/>
                   </a:solidFill>
@@ -30404,7 +30411,7 @@
             </a:ln>
             <a:extLst>
               <a:ext uri="{91240B29-F687-4f45-9708-019B960494DF}">
-                <a14:hiddenLine xmlns="" xmlns:a16="http://schemas.microsoft.com/office/drawing/2014/main" xmlns:p14="http://schemas.microsoft.com/office/powerpoint/2010/main" xmlns:a14="http://schemas.microsoft.com/office/drawing/2010/main" w="9525">
+                <a14:hiddenLine xmlns:a14="http://schemas.microsoft.com/office/drawing/2010/main" xmlns:p14="http://schemas.microsoft.com/office/powerpoint/2010/main" xmlns:a16="http://schemas.microsoft.com/office/drawing/2014/main" xmlns="" w="9525">
                   <a:solidFill>
                     <a:srgbClr val="000000"/>
                   </a:solidFill>
@@ -30481,7 +30488,7 @@
             </a:ln>
             <a:extLst>
               <a:ext uri="{91240B29-F687-4f45-9708-019B960494DF}">
-                <a14:hiddenLine xmlns="" xmlns:a16="http://schemas.microsoft.com/office/drawing/2014/main" xmlns:p14="http://schemas.microsoft.com/office/powerpoint/2010/main" xmlns:a14="http://schemas.microsoft.com/office/drawing/2010/main" w="9525">
+                <a14:hiddenLine xmlns:a14="http://schemas.microsoft.com/office/drawing/2010/main" xmlns:p14="http://schemas.microsoft.com/office/powerpoint/2010/main" xmlns:a16="http://schemas.microsoft.com/office/drawing/2014/main" xmlns="" w="9525">
                   <a:solidFill>
                     <a:srgbClr val="000000"/>
                   </a:solidFill>
@@ -30586,7 +30593,7 @@
             </a:ln>
             <a:extLst>
               <a:ext uri="{91240B29-F687-4f45-9708-019B960494DF}">
-                <a14:hiddenLine xmlns="" xmlns:a16="http://schemas.microsoft.com/office/drawing/2014/main" xmlns:p14="http://schemas.microsoft.com/office/powerpoint/2010/main" xmlns:a14="http://schemas.microsoft.com/office/drawing/2010/main" w="9525">
+                <a14:hiddenLine xmlns:a14="http://schemas.microsoft.com/office/drawing/2010/main" xmlns:p14="http://schemas.microsoft.com/office/powerpoint/2010/main" xmlns:a16="http://schemas.microsoft.com/office/drawing/2014/main" xmlns="" w="9525">
                   <a:solidFill>
                     <a:srgbClr val="000000"/>
                   </a:solidFill>
@@ -30666,7 +30673,7 @@
             </a:ln>
             <a:extLst>
               <a:ext uri="{91240B29-F687-4f45-9708-019B960494DF}">
-                <a14:hiddenLine xmlns="" xmlns:a16="http://schemas.microsoft.com/office/drawing/2014/main" xmlns:p14="http://schemas.microsoft.com/office/powerpoint/2010/main" xmlns:a14="http://schemas.microsoft.com/office/drawing/2010/main" w="9525">
+                <a14:hiddenLine xmlns:a14="http://schemas.microsoft.com/office/drawing/2010/main" xmlns:p14="http://schemas.microsoft.com/office/powerpoint/2010/main" xmlns:a16="http://schemas.microsoft.com/office/drawing/2014/main" xmlns="" w="9525">
                   <a:solidFill>
                     <a:srgbClr val="000000"/>
                   </a:solidFill>
@@ -30743,7 +30750,7 @@
             </a:ln>
             <a:extLst>
               <a:ext uri="{91240B29-F687-4f45-9708-019B960494DF}">
-                <a14:hiddenLine xmlns="" xmlns:a16="http://schemas.microsoft.com/office/drawing/2014/main" xmlns:p14="http://schemas.microsoft.com/office/powerpoint/2010/main" xmlns:a14="http://schemas.microsoft.com/office/drawing/2010/main" w="9525">
+                <a14:hiddenLine xmlns:a14="http://schemas.microsoft.com/office/drawing/2010/main" xmlns:p14="http://schemas.microsoft.com/office/powerpoint/2010/main" xmlns:a16="http://schemas.microsoft.com/office/drawing/2014/main" xmlns="" w="9525">
                   <a:solidFill>
                     <a:srgbClr val="000000"/>
                   </a:solidFill>
@@ -30848,7 +30855,7 @@
             </a:ln>
             <a:extLst>
               <a:ext uri="{91240B29-F687-4f45-9708-019B960494DF}">
-                <a14:hiddenLine xmlns="" xmlns:a16="http://schemas.microsoft.com/office/drawing/2014/main" xmlns:p14="http://schemas.microsoft.com/office/powerpoint/2010/main" xmlns:a14="http://schemas.microsoft.com/office/drawing/2010/main" w="9525">
+                <a14:hiddenLine xmlns:a14="http://schemas.microsoft.com/office/drawing/2010/main" xmlns:p14="http://schemas.microsoft.com/office/powerpoint/2010/main" xmlns:a16="http://schemas.microsoft.com/office/drawing/2014/main" xmlns="" w="9525">
                   <a:solidFill>
                     <a:srgbClr val="000000"/>
                   </a:solidFill>
@@ -30953,7 +30960,7 @@
             </a:ln>
             <a:extLst>
               <a:ext uri="{91240B29-F687-4f45-9708-019B960494DF}">
-                <a14:hiddenLine xmlns="" xmlns:a16="http://schemas.microsoft.com/office/drawing/2014/main" xmlns:p14="http://schemas.microsoft.com/office/powerpoint/2010/main" xmlns:a14="http://schemas.microsoft.com/office/drawing/2010/main" w="9525">
+                <a14:hiddenLine xmlns:a14="http://schemas.microsoft.com/office/drawing/2010/main" xmlns:p14="http://schemas.microsoft.com/office/powerpoint/2010/main" xmlns:a16="http://schemas.microsoft.com/office/drawing/2014/main" xmlns="" w="9525">
                   <a:solidFill>
                     <a:srgbClr val="000000"/>
                   </a:solidFill>
@@ -31033,7 +31040,7 @@
             </a:ln>
             <a:extLst>
               <a:ext uri="{91240B29-F687-4f45-9708-019B960494DF}">
-                <a14:hiddenLine xmlns="" xmlns:a16="http://schemas.microsoft.com/office/drawing/2014/main" xmlns:p14="http://schemas.microsoft.com/office/powerpoint/2010/main" xmlns:a14="http://schemas.microsoft.com/office/drawing/2010/main" w="9525">
+                <a14:hiddenLine xmlns:a14="http://schemas.microsoft.com/office/drawing/2010/main" xmlns:p14="http://schemas.microsoft.com/office/powerpoint/2010/main" xmlns:a16="http://schemas.microsoft.com/office/drawing/2014/main" xmlns="" w="9525">
                   <a:solidFill>
                     <a:srgbClr val="000000"/>
                   </a:solidFill>
@@ -31168,7 +31175,7 @@
             </a:ln>
             <a:extLst>
               <a:ext uri="{91240B29-F687-4f45-9708-019B960494DF}">
-                <a14:hiddenLine xmlns="" xmlns:a16="http://schemas.microsoft.com/office/drawing/2014/main" xmlns:p14="http://schemas.microsoft.com/office/powerpoint/2010/main" xmlns:a14="http://schemas.microsoft.com/office/drawing/2010/main" w="9525">
+                <a14:hiddenLine xmlns:a14="http://schemas.microsoft.com/office/drawing/2010/main" xmlns:p14="http://schemas.microsoft.com/office/powerpoint/2010/main" xmlns:a16="http://schemas.microsoft.com/office/drawing/2014/main" xmlns="" w="9525">
                   <a:solidFill>
                     <a:srgbClr val="000000"/>
                   </a:solidFill>
@@ -31211,8 +31218,8 @@
           </a:prstGeom>
         </p:spPr>
       </p:pic>
-      <mc:AlternateContent xmlns:mc="http://schemas.openxmlformats.org/markup-compatibility/2006">
-        <mc:Choice xmlns:pslz="http://schemas.microsoft.com/office/powerpoint/2016/slidezoom" Requires="pslz">
+      <mc:AlternateContent xmlns:mc="http://schemas.openxmlformats.org/markup-compatibility/2006" xmlns:pslz="http://schemas.microsoft.com/office/powerpoint/2016/slidezoom">
+        <mc:Choice Requires="pslz">
           <p:graphicFrame>
             <p:nvGraphicFramePr>
               <p:cNvPr id="5" name="Folienzoom 4">
@@ -31269,7 +31276,7 @@
             </a:graphic>
           </p:graphicFrame>
         </mc:Choice>
-        <mc:Fallback>
+        <mc:Fallback xmlns="">
           <p:pic>
             <p:nvPicPr>
               <p:cNvPr id="5" name="Folienzoom 4">
@@ -31286,7 +31293,7 @@
               <p:nvPr/>
             </p:nvPicPr>
             <p:blipFill>
-              <a:blip r:embed="rId4"/>
+              <a:blip r:embed="rId6"/>
               <a:stretch>
                 <a:fillRect/>
               </a:stretch>
@@ -31318,13 +31325,13 @@
   <p:clrMapOvr>
     <a:overrideClrMapping bg1="lt1" tx1="dk1" bg2="lt2" tx2="dk2" accent1="accent1" accent2="accent2" accent3="accent3" accent4="accent4" accent5="accent5" accent6="accent6" hlink="hlink" folHlink="folHlink"/>
   </p:clrMapOvr>
-  <mc:AlternateContent xmlns:mc="http://schemas.openxmlformats.org/markup-compatibility/2006">
-    <mc:Choice xmlns:p159="http://schemas.microsoft.com/office/powerpoint/2015/09/main" Requires="p159">
+  <mc:AlternateContent xmlns:mc="http://schemas.openxmlformats.org/markup-compatibility/2006" xmlns:p159="http://schemas.microsoft.com/office/powerpoint/2015/09/main">
+    <mc:Choice Requires="p159">
       <p:transition xmlns:p14="http://schemas.microsoft.com/office/powerpoint/2010/main" spd="slow" p14:dur="2000">
         <p159:morph option="byObject"/>
       </p:transition>
     </mc:Choice>
-    <mc:Fallback>
+    <mc:Fallback xmlns="">
       <p:transition spd="slow">
         <p:fade/>
       </p:transition>
@@ -31464,7 +31471,7 @@
           </a:prstGeom>
           <a:extLst>
             <a:ext uri="{909E8E84-426E-40dd-AFC4-6F175D3DCCD1}">
-              <a14:hiddenFill xmlns="" xmlns:a16="http://schemas.microsoft.com/office/drawing/2014/main" xmlns:p14="http://schemas.microsoft.com/office/powerpoint/2010/main" xmlns:a14="http://schemas.microsoft.com/office/drawing/2010/main">
+              <a14:hiddenFill xmlns:a14="http://schemas.microsoft.com/office/drawing/2010/main" xmlns:p14="http://schemas.microsoft.com/office/powerpoint/2010/main" xmlns:a16="http://schemas.microsoft.com/office/drawing/2014/main" xmlns="">
                 <a:solidFill>
                   <a:srgbClr val="FFFFFF"/>
                 </a:solidFill>
@@ -31588,7 +31595,7 @@
           <a:noFill/>
           <a:extLst>
             <a:ext uri="{909E8E84-426E-40dd-AFC4-6F175D3DCCD1}">
-              <a14:hiddenFill xmlns="" xmlns:a16="http://schemas.microsoft.com/office/drawing/2014/main" xmlns:p14="http://schemas.microsoft.com/office/powerpoint/2010/main" xmlns:a14="http://schemas.microsoft.com/office/drawing/2010/main">
+              <a14:hiddenFill xmlns:a14="http://schemas.microsoft.com/office/drawing/2010/main" xmlns:p14="http://schemas.microsoft.com/office/powerpoint/2010/main" xmlns:a16="http://schemas.microsoft.com/office/drawing/2014/main" xmlns="">
                 <a:solidFill>
                   <a:srgbClr val="FFFFFF"/>
                 </a:solidFill>
@@ -31752,7 +31759,7 @@
             </a:ln>
             <a:extLst>
               <a:ext uri="{91240B29-F687-4f45-9708-019B960494DF}">
-                <a14:hiddenLine xmlns="" xmlns:a16="http://schemas.microsoft.com/office/drawing/2014/main" xmlns:p14="http://schemas.microsoft.com/office/powerpoint/2010/main" xmlns:a14="http://schemas.microsoft.com/office/drawing/2010/main" w="9525">
+                <a14:hiddenLine xmlns:a14="http://schemas.microsoft.com/office/drawing/2010/main" xmlns:p14="http://schemas.microsoft.com/office/powerpoint/2010/main" xmlns:a16="http://schemas.microsoft.com/office/drawing/2014/main" xmlns="" w="9525">
                   <a:solidFill>
                     <a:srgbClr val="000000"/>
                   </a:solidFill>
@@ -31857,7 +31864,7 @@
             </a:ln>
             <a:extLst>
               <a:ext uri="{91240B29-F687-4f45-9708-019B960494DF}">
-                <a14:hiddenLine xmlns="" xmlns:a16="http://schemas.microsoft.com/office/drawing/2014/main" xmlns:p14="http://schemas.microsoft.com/office/powerpoint/2010/main" xmlns:a14="http://schemas.microsoft.com/office/drawing/2010/main" w="9525">
+                <a14:hiddenLine xmlns:a14="http://schemas.microsoft.com/office/drawing/2010/main" xmlns:p14="http://schemas.microsoft.com/office/powerpoint/2010/main" xmlns:a16="http://schemas.microsoft.com/office/drawing/2014/main" xmlns="" w="9525">
                   <a:solidFill>
                     <a:srgbClr val="000000"/>
                   </a:solidFill>
@@ -31962,7 +31969,7 @@
             </a:ln>
             <a:extLst>
               <a:ext uri="{91240B29-F687-4f45-9708-019B960494DF}">
-                <a14:hiddenLine xmlns="" xmlns:a16="http://schemas.microsoft.com/office/drawing/2014/main" xmlns:p14="http://schemas.microsoft.com/office/powerpoint/2010/main" xmlns:a14="http://schemas.microsoft.com/office/drawing/2010/main" w="9525">
+                <a14:hiddenLine xmlns:a14="http://schemas.microsoft.com/office/drawing/2010/main" xmlns:p14="http://schemas.microsoft.com/office/powerpoint/2010/main" xmlns:a16="http://schemas.microsoft.com/office/drawing/2014/main" xmlns="" w="9525">
                   <a:solidFill>
                     <a:srgbClr val="000000"/>
                   </a:solidFill>
@@ -32039,7 +32046,7 @@
             </a:ln>
             <a:extLst>
               <a:ext uri="{91240B29-F687-4f45-9708-019B960494DF}">
-                <a14:hiddenLine xmlns="" xmlns:a16="http://schemas.microsoft.com/office/drawing/2014/main" xmlns:p14="http://schemas.microsoft.com/office/powerpoint/2010/main" xmlns:a14="http://schemas.microsoft.com/office/drawing/2010/main" w="9525">
+                <a14:hiddenLine xmlns:a14="http://schemas.microsoft.com/office/drawing/2010/main" xmlns:p14="http://schemas.microsoft.com/office/powerpoint/2010/main" xmlns:a16="http://schemas.microsoft.com/office/drawing/2014/main" xmlns="" w="9525">
                   <a:solidFill>
                     <a:srgbClr val="000000"/>
                   </a:solidFill>
@@ -32144,7 +32151,7 @@
             </a:ln>
             <a:extLst>
               <a:ext uri="{91240B29-F687-4f45-9708-019B960494DF}">
-                <a14:hiddenLine xmlns="" xmlns:a16="http://schemas.microsoft.com/office/drawing/2014/main" xmlns:p14="http://schemas.microsoft.com/office/powerpoint/2010/main" xmlns:a14="http://schemas.microsoft.com/office/drawing/2010/main" w="9525">
+                <a14:hiddenLine xmlns:a14="http://schemas.microsoft.com/office/drawing/2010/main" xmlns:p14="http://schemas.microsoft.com/office/powerpoint/2010/main" xmlns:a16="http://schemas.microsoft.com/office/drawing/2014/main" xmlns="" w="9525">
                   <a:solidFill>
                     <a:srgbClr val="000000"/>
                   </a:solidFill>
@@ -32221,7 +32228,7 @@
             </a:ln>
             <a:extLst>
               <a:ext uri="{91240B29-F687-4f45-9708-019B960494DF}">
-                <a14:hiddenLine xmlns="" xmlns:a16="http://schemas.microsoft.com/office/drawing/2014/main" xmlns:p14="http://schemas.microsoft.com/office/powerpoint/2010/main" xmlns:a14="http://schemas.microsoft.com/office/drawing/2010/main" w="9525">
+                <a14:hiddenLine xmlns:a14="http://schemas.microsoft.com/office/drawing/2010/main" xmlns:p14="http://schemas.microsoft.com/office/powerpoint/2010/main" xmlns:a16="http://schemas.microsoft.com/office/drawing/2014/main" xmlns="" w="9525">
                   <a:solidFill>
                     <a:srgbClr val="000000"/>
                   </a:solidFill>
@@ -32298,7 +32305,7 @@
             </a:ln>
             <a:extLst>
               <a:ext uri="{91240B29-F687-4f45-9708-019B960494DF}">
-                <a14:hiddenLine xmlns="" xmlns:a16="http://schemas.microsoft.com/office/drawing/2014/main" xmlns:p14="http://schemas.microsoft.com/office/powerpoint/2010/main" xmlns:a14="http://schemas.microsoft.com/office/drawing/2010/main" w="9525">
+                <a14:hiddenLine xmlns:a14="http://schemas.microsoft.com/office/drawing/2010/main" xmlns:p14="http://schemas.microsoft.com/office/powerpoint/2010/main" xmlns:a16="http://schemas.microsoft.com/office/drawing/2014/main" xmlns="" w="9525">
                   <a:solidFill>
                     <a:srgbClr val="000000"/>
                   </a:solidFill>
@@ -32403,7 +32410,7 @@
             </a:ln>
             <a:extLst>
               <a:ext uri="{91240B29-F687-4f45-9708-019B960494DF}">
-                <a14:hiddenLine xmlns="" xmlns:a16="http://schemas.microsoft.com/office/drawing/2014/main" xmlns:p14="http://schemas.microsoft.com/office/powerpoint/2010/main" xmlns:a14="http://schemas.microsoft.com/office/drawing/2010/main" w="9525">
+                <a14:hiddenLine xmlns:a14="http://schemas.microsoft.com/office/drawing/2010/main" xmlns:p14="http://schemas.microsoft.com/office/powerpoint/2010/main" xmlns:a16="http://schemas.microsoft.com/office/drawing/2014/main" xmlns="" w="9525">
                   <a:solidFill>
                     <a:srgbClr val="000000"/>
                   </a:solidFill>
@@ -32508,7 +32515,7 @@
             </a:ln>
             <a:extLst>
               <a:ext uri="{91240B29-F687-4f45-9708-019B960494DF}">
-                <a14:hiddenLine xmlns="" xmlns:a16="http://schemas.microsoft.com/office/drawing/2014/main" xmlns:p14="http://schemas.microsoft.com/office/powerpoint/2010/main" xmlns:a14="http://schemas.microsoft.com/office/drawing/2010/main" w="9525">
+                <a14:hiddenLine xmlns:a14="http://schemas.microsoft.com/office/drawing/2010/main" xmlns:p14="http://schemas.microsoft.com/office/powerpoint/2010/main" xmlns:a16="http://schemas.microsoft.com/office/drawing/2014/main" xmlns="" w="9525">
                   <a:solidFill>
                     <a:srgbClr val="000000"/>
                   </a:solidFill>
@@ -32585,7 +32592,7 @@
             </a:ln>
             <a:extLst>
               <a:ext uri="{91240B29-F687-4f45-9708-019B960494DF}">
-                <a14:hiddenLine xmlns="" xmlns:a16="http://schemas.microsoft.com/office/drawing/2014/main" xmlns:p14="http://schemas.microsoft.com/office/powerpoint/2010/main" xmlns:a14="http://schemas.microsoft.com/office/drawing/2010/main" w="9525">
+                <a14:hiddenLine xmlns:a14="http://schemas.microsoft.com/office/drawing/2010/main" xmlns:p14="http://schemas.microsoft.com/office/powerpoint/2010/main" xmlns:a16="http://schemas.microsoft.com/office/drawing/2014/main" xmlns="" w="9525">
                   <a:solidFill>
                     <a:srgbClr val="000000"/>
                   </a:solidFill>
@@ -32710,7 +32717,7 @@
             </a:ln>
             <a:extLst>
               <a:ext uri="{91240B29-F687-4f45-9708-019B960494DF}">
-                <a14:hiddenLine xmlns="" xmlns:a16="http://schemas.microsoft.com/office/drawing/2014/main" xmlns:p14="http://schemas.microsoft.com/office/powerpoint/2010/main" xmlns:a14="http://schemas.microsoft.com/office/drawing/2010/main" w="9525">
+                <a14:hiddenLine xmlns:a14="http://schemas.microsoft.com/office/drawing/2010/main" xmlns:p14="http://schemas.microsoft.com/office/powerpoint/2010/main" xmlns:a16="http://schemas.microsoft.com/office/drawing/2014/main" xmlns="" w="9525">
                   <a:solidFill>
                     <a:srgbClr val="000000"/>
                   </a:solidFill>
@@ -32824,7 +32831,7 @@
             </a:ln>
             <a:extLst>
               <a:ext uri="{91240B29-F687-4f45-9708-019B960494DF}">
-                <a14:hiddenLine xmlns="" xmlns:a16="http://schemas.microsoft.com/office/drawing/2014/main" xmlns:p14="http://schemas.microsoft.com/office/powerpoint/2010/main" xmlns:a14="http://schemas.microsoft.com/office/drawing/2010/main" w="9525">
+                <a14:hiddenLine xmlns:a14="http://schemas.microsoft.com/office/drawing/2010/main" xmlns:p14="http://schemas.microsoft.com/office/powerpoint/2010/main" xmlns:a16="http://schemas.microsoft.com/office/drawing/2014/main" xmlns="" w="9525">
                   <a:solidFill>
                     <a:srgbClr val="000000"/>
                   </a:solidFill>
@@ -32901,7 +32908,7 @@
             </a:ln>
             <a:extLst>
               <a:ext uri="{91240B29-F687-4f45-9708-019B960494DF}">
-                <a14:hiddenLine xmlns="" xmlns:a16="http://schemas.microsoft.com/office/drawing/2014/main" xmlns:p14="http://schemas.microsoft.com/office/powerpoint/2010/main" xmlns:a14="http://schemas.microsoft.com/office/drawing/2010/main" w="9525">
+                <a14:hiddenLine xmlns:a14="http://schemas.microsoft.com/office/drawing/2010/main" xmlns:p14="http://schemas.microsoft.com/office/powerpoint/2010/main" xmlns:a16="http://schemas.microsoft.com/office/drawing/2014/main" xmlns="" w="9525">
                   <a:solidFill>
                     <a:srgbClr val="000000"/>
                   </a:solidFill>
@@ -32978,7 +32985,7 @@
             </a:ln>
             <a:extLst>
               <a:ext uri="{91240B29-F687-4f45-9708-019B960494DF}">
-                <a14:hiddenLine xmlns="" xmlns:a16="http://schemas.microsoft.com/office/drawing/2014/main" xmlns:p14="http://schemas.microsoft.com/office/powerpoint/2010/main" xmlns:a14="http://schemas.microsoft.com/office/drawing/2010/main" w="9525">
+                <a14:hiddenLine xmlns:a14="http://schemas.microsoft.com/office/drawing/2010/main" xmlns:p14="http://schemas.microsoft.com/office/powerpoint/2010/main" xmlns:a16="http://schemas.microsoft.com/office/drawing/2014/main" xmlns="" w="9525">
                   <a:solidFill>
                     <a:srgbClr val="000000"/>
                   </a:solidFill>
@@ -33083,7 +33090,7 @@
             </a:ln>
             <a:extLst>
               <a:ext uri="{91240B29-F687-4f45-9708-019B960494DF}">
-                <a14:hiddenLine xmlns="" xmlns:a16="http://schemas.microsoft.com/office/drawing/2014/main" xmlns:p14="http://schemas.microsoft.com/office/powerpoint/2010/main" xmlns:a14="http://schemas.microsoft.com/office/drawing/2010/main" w="9525">
+                <a14:hiddenLine xmlns:a14="http://schemas.microsoft.com/office/drawing/2010/main" xmlns:p14="http://schemas.microsoft.com/office/powerpoint/2010/main" xmlns:a16="http://schemas.microsoft.com/office/drawing/2014/main" xmlns="" w="9525">
                   <a:solidFill>
                     <a:srgbClr val="000000"/>
                   </a:solidFill>
@@ -33132,7 +33139,7 @@
             </a:ln>
             <a:extLst>
               <a:ext uri="{91240B29-F687-4f45-9708-019B960494DF}">
-                <a14:hiddenLine xmlns="" xmlns:a16="http://schemas.microsoft.com/office/drawing/2014/main" xmlns:p14="http://schemas.microsoft.com/office/powerpoint/2010/main" xmlns:a14="http://schemas.microsoft.com/office/drawing/2010/main" w="9525">
+                <a14:hiddenLine xmlns:a14="http://schemas.microsoft.com/office/drawing/2010/main" xmlns:p14="http://schemas.microsoft.com/office/powerpoint/2010/main" xmlns:a16="http://schemas.microsoft.com/office/drawing/2014/main" xmlns="" w="9525">
                   <a:solidFill>
                     <a:srgbClr val="000000"/>
                   </a:solidFill>
@@ -33212,7 +33219,7 @@
             </a:ln>
             <a:extLst>
               <a:ext uri="{91240B29-F687-4f45-9708-019B960494DF}">
-                <a14:hiddenLine xmlns="" xmlns:a16="http://schemas.microsoft.com/office/drawing/2014/main" xmlns:p14="http://schemas.microsoft.com/office/powerpoint/2010/main" xmlns:a14="http://schemas.microsoft.com/office/drawing/2010/main" w="9525">
+                <a14:hiddenLine xmlns:a14="http://schemas.microsoft.com/office/drawing/2010/main" xmlns:p14="http://schemas.microsoft.com/office/powerpoint/2010/main" xmlns:a16="http://schemas.microsoft.com/office/drawing/2014/main" xmlns="" w="9525">
                   <a:solidFill>
                     <a:srgbClr val="000000"/>
                   </a:solidFill>
@@ -33317,7 +33324,7 @@
             </a:ln>
             <a:extLst>
               <a:ext uri="{91240B29-F687-4f45-9708-019B960494DF}">
-                <a14:hiddenLine xmlns="" xmlns:a16="http://schemas.microsoft.com/office/drawing/2014/main" xmlns:p14="http://schemas.microsoft.com/office/powerpoint/2010/main" xmlns:a14="http://schemas.microsoft.com/office/drawing/2010/main" w="9525">
+                <a14:hiddenLine xmlns:a14="http://schemas.microsoft.com/office/drawing/2010/main" xmlns:p14="http://schemas.microsoft.com/office/powerpoint/2010/main" xmlns:a16="http://schemas.microsoft.com/office/drawing/2014/main" xmlns="" w="9525">
                   <a:solidFill>
                     <a:srgbClr val="000000"/>
                   </a:solidFill>
@@ -33394,7 +33401,7 @@
             </a:ln>
             <a:extLst>
               <a:ext uri="{91240B29-F687-4f45-9708-019B960494DF}">
-                <a14:hiddenLine xmlns="" xmlns:a16="http://schemas.microsoft.com/office/drawing/2014/main" xmlns:p14="http://schemas.microsoft.com/office/powerpoint/2010/main" xmlns:a14="http://schemas.microsoft.com/office/drawing/2010/main" w="9525">
+                <a14:hiddenLine xmlns:a14="http://schemas.microsoft.com/office/drawing/2010/main" xmlns:p14="http://schemas.microsoft.com/office/powerpoint/2010/main" xmlns:a16="http://schemas.microsoft.com/office/drawing/2014/main" xmlns="" w="9525">
                   <a:solidFill>
                     <a:srgbClr val="000000"/>
                   </a:solidFill>
@@ -33499,7 +33506,7 @@
             </a:ln>
             <a:extLst>
               <a:ext uri="{91240B29-F687-4f45-9708-019B960494DF}">
-                <a14:hiddenLine xmlns="" xmlns:a16="http://schemas.microsoft.com/office/drawing/2014/main" xmlns:p14="http://schemas.microsoft.com/office/powerpoint/2010/main" xmlns:a14="http://schemas.microsoft.com/office/drawing/2010/main" w="9525">
+                <a14:hiddenLine xmlns:a14="http://schemas.microsoft.com/office/drawing/2010/main" xmlns:p14="http://schemas.microsoft.com/office/powerpoint/2010/main" xmlns:a16="http://schemas.microsoft.com/office/drawing/2014/main" xmlns="" w="9525">
                   <a:solidFill>
                     <a:srgbClr val="000000"/>
                   </a:solidFill>
@@ -33579,7 +33586,7 @@
             </a:ln>
             <a:extLst>
               <a:ext uri="{91240B29-F687-4f45-9708-019B960494DF}">
-                <a14:hiddenLine xmlns="" xmlns:a16="http://schemas.microsoft.com/office/drawing/2014/main" xmlns:p14="http://schemas.microsoft.com/office/powerpoint/2010/main" xmlns:a14="http://schemas.microsoft.com/office/drawing/2010/main" w="9525">
+                <a14:hiddenLine xmlns:a14="http://schemas.microsoft.com/office/drawing/2010/main" xmlns:p14="http://schemas.microsoft.com/office/powerpoint/2010/main" xmlns:a16="http://schemas.microsoft.com/office/drawing/2014/main" xmlns="" w="9525">
                   <a:solidFill>
                     <a:srgbClr val="000000"/>
                   </a:solidFill>
@@ -33656,7 +33663,7 @@
             </a:ln>
             <a:extLst>
               <a:ext uri="{91240B29-F687-4f45-9708-019B960494DF}">
-                <a14:hiddenLine xmlns="" xmlns:a16="http://schemas.microsoft.com/office/drawing/2014/main" xmlns:p14="http://schemas.microsoft.com/office/powerpoint/2010/main" xmlns:a14="http://schemas.microsoft.com/office/drawing/2010/main" w="9525">
+                <a14:hiddenLine xmlns:a14="http://schemas.microsoft.com/office/drawing/2010/main" xmlns:p14="http://schemas.microsoft.com/office/powerpoint/2010/main" xmlns:a16="http://schemas.microsoft.com/office/drawing/2014/main" xmlns="" w="9525">
                   <a:solidFill>
                     <a:srgbClr val="000000"/>
                   </a:solidFill>
@@ -33761,7 +33768,7 @@
             </a:ln>
             <a:extLst>
               <a:ext uri="{91240B29-F687-4f45-9708-019B960494DF}">
-                <a14:hiddenLine xmlns="" xmlns:a16="http://schemas.microsoft.com/office/drawing/2014/main" xmlns:p14="http://schemas.microsoft.com/office/powerpoint/2010/main" xmlns:a14="http://schemas.microsoft.com/office/drawing/2010/main" w="9525">
+                <a14:hiddenLine xmlns:a14="http://schemas.microsoft.com/office/drawing/2010/main" xmlns:p14="http://schemas.microsoft.com/office/powerpoint/2010/main" xmlns:a16="http://schemas.microsoft.com/office/drawing/2014/main" xmlns="" w="9525">
                   <a:solidFill>
                     <a:srgbClr val="000000"/>
                   </a:solidFill>
@@ -33866,7 +33873,7 @@
             </a:ln>
             <a:extLst>
               <a:ext uri="{91240B29-F687-4f45-9708-019B960494DF}">
-                <a14:hiddenLine xmlns="" xmlns:a16="http://schemas.microsoft.com/office/drawing/2014/main" xmlns:p14="http://schemas.microsoft.com/office/powerpoint/2010/main" xmlns:a14="http://schemas.microsoft.com/office/drawing/2010/main" w="9525">
+                <a14:hiddenLine xmlns:a14="http://schemas.microsoft.com/office/drawing/2010/main" xmlns:p14="http://schemas.microsoft.com/office/powerpoint/2010/main" xmlns:a16="http://schemas.microsoft.com/office/drawing/2014/main" xmlns="" w="9525">
                   <a:solidFill>
                     <a:srgbClr val="000000"/>
                   </a:solidFill>
@@ -33946,7 +33953,7 @@
             </a:ln>
             <a:extLst>
               <a:ext uri="{91240B29-F687-4f45-9708-019B960494DF}">
-                <a14:hiddenLine xmlns="" xmlns:a16="http://schemas.microsoft.com/office/drawing/2014/main" xmlns:p14="http://schemas.microsoft.com/office/powerpoint/2010/main" xmlns:a14="http://schemas.microsoft.com/office/drawing/2010/main" w="9525">
+                <a14:hiddenLine xmlns:a14="http://schemas.microsoft.com/office/drawing/2010/main" xmlns:p14="http://schemas.microsoft.com/office/powerpoint/2010/main" xmlns:a16="http://schemas.microsoft.com/office/drawing/2014/main" xmlns="" w="9525">
                   <a:solidFill>
                     <a:srgbClr val="000000"/>
                   </a:solidFill>
@@ -34081,7 +34088,7 @@
             </a:ln>
             <a:extLst>
               <a:ext uri="{91240B29-F687-4f45-9708-019B960494DF}">
-                <a14:hiddenLine xmlns="" xmlns:a16="http://schemas.microsoft.com/office/drawing/2014/main" xmlns:p14="http://schemas.microsoft.com/office/powerpoint/2010/main" xmlns:a14="http://schemas.microsoft.com/office/drawing/2010/main" w="9525">
+                <a14:hiddenLine xmlns:a14="http://schemas.microsoft.com/office/drawing/2010/main" xmlns:p14="http://schemas.microsoft.com/office/powerpoint/2010/main" xmlns:a16="http://schemas.microsoft.com/office/drawing/2014/main" xmlns="" w="9525">
                   <a:solidFill>
                     <a:srgbClr val="000000"/>
                   </a:solidFill>
@@ -34481,7 +34488,7 @@
           </a:prstGeom>
           <a:extLst>
             <a:ext uri="{909E8E84-426E-40dd-AFC4-6F175D3DCCD1}">
-              <a14:hiddenFill xmlns="" xmlns:a16="http://schemas.microsoft.com/office/drawing/2014/main" xmlns:p14="http://schemas.microsoft.com/office/powerpoint/2010/main" xmlns:a14="http://schemas.microsoft.com/office/drawing/2010/main">
+              <a14:hiddenFill xmlns:a14="http://schemas.microsoft.com/office/drawing/2010/main" xmlns:p14="http://schemas.microsoft.com/office/powerpoint/2010/main" xmlns:a16="http://schemas.microsoft.com/office/drawing/2014/main" xmlns="">
                 <a:solidFill>
                   <a:srgbClr val="FFFFFF"/>
                 </a:solidFill>
@@ -34605,7 +34612,7 @@
           <a:noFill/>
           <a:extLst>
             <a:ext uri="{909E8E84-426E-40dd-AFC4-6F175D3DCCD1}">
-              <a14:hiddenFill xmlns="" xmlns:a16="http://schemas.microsoft.com/office/drawing/2014/main" xmlns:p14="http://schemas.microsoft.com/office/powerpoint/2010/main" xmlns:a14="http://schemas.microsoft.com/office/drawing/2010/main">
+              <a14:hiddenFill xmlns:a14="http://schemas.microsoft.com/office/drawing/2010/main" xmlns:p14="http://schemas.microsoft.com/office/powerpoint/2010/main" xmlns:a16="http://schemas.microsoft.com/office/drawing/2014/main" xmlns="">
                 <a:solidFill>
                   <a:srgbClr val="FFFFFF"/>
                 </a:solidFill>
@@ -34769,7 +34776,7 @@
             </a:ln>
             <a:extLst>
               <a:ext uri="{91240B29-F687-4f45-9708-019B960494DF}">
-                <a14:hiddenLine xmlns="" xmlns:a16="http://schemas.microsoft.com/office/drawing/2014/main" xmlns:p14="http://schemas.microsoft.com/office/powerpoint/2010/main" xmlns:a14="http://schemas.microsoft.com/office/drawing/2010/main" w="9525">
+                <a14:hiddenLine xmlns:a14="http://schemas.microsoft.com/office/drawing/2010/main" xmlns:p14="http://schemas.microsoft.com/office/powerpoint/2010/main" xmlns:a16="http://schemas.microsoft.com/office/drawing/2014/main" xmlns="" w="9525">
                   <a:solidFill>
                     <a:srgbClr val="000000"/>
                   </a:solidFill>
@@ -34874,7 +34881,7 @@
             </a:ln>
             <a:extLst>
               <a:ext uri="{91240B29-F687-4f45-9708-019B960494DF}">
-                <a14:hiddenLine xmlns="" xmlns:a16="http://schemas.microsoft.com/office/drawing/2014/main" xmlns:p14="http://schemas.microsoft.com/office/powerpoint/2010/main" xmlns:a14="http://schemas.microsoft.com/office/drawing/2010/main" w="9525">
+                <a14:hiddenLine xmlns:a14="http://schemas.microsoft.com/office/drawing/2010/main" xmlns:p14="http://schemas.microsoft.com/office/powerpoint/2010/main" xmlns:a16="http://schemas.microsoft.com/office/drawing/2014/main" xmlns="" w="9525">
                   <a:solidFill>
                     <a:srgbClr val="000000"/>
                   </a:solidFill>
@@ -34979,7 +34986,7 @@
             </a:ln>
             <a:extLst>
               <a:ext uri="{91240B29-F687-4f45-9708-019B960494DF}">
-                <a14:hiddenLine xmlns="" xmlns:a16="http://schemas.microsoft.com/office/drawing/2014/main" xmlns:p14="http://schemas.microsoft.com/office/powerpoint/2010/main" xmlns:a14="http://schemas.microsoft.com/office/drawing/2010/main" w="9525">
+                <a14:hiddenLine xmlns:a14="http://schemas.microsoft.com/office/drawing/2010/main" xmlns:p14="http://schemas.microsoft.com/office/powerpoint/2010/main" xmlns:a16="http://schemas.microsoft.com/office/drawing/2014/main" xmlns="" w="9525">
                   <a:solidFill>
                     <a:srgbClr val="000000"/>
                   </a:solidFill>
@@ -35056,7 +35063,7 @@
             </a:ln>
             <a:extLst>
               <a:ext uri="{91240B29-F687-4f45-9708-019B960494DF}">
-                <a14:hiddenLine xmlns="" xmlns:a16="http://schemas.microsoft.com/office/drawing/2014/main" xmlns:p14="http://schemas.microsoft.com/office/powerpoint/2010/main" xmlns:a14="http://schemas.microsoft.com/office/drawing/2010/main" w="9525">
+                <a14:hiddenLine xmlns:a14="http://schemas.microsoft.com/office/drawing/2010/main" xmlns:p14="http://schemas.microsoft.com/office/powerpoint/2010/main" xmlns:a16="http://schemas.microsoft.com/office/drawing/2014/main" xmlns="" w="9525">
                   <a:solidFill>
                     <a:srgbClr val="000000"/>
                   </a:solidFill>
@@ -35161,7 +35168,7 @@
             </a:ln>
             <a:extLst>
               <a:ext uri="{91240B29-F687-4f45-9708-019B960494DF}">
-                <a14:hiddenLine xmlns="" xmlns:a16="http://schemas.microsoft.com/office/drawing/2014/main" xmlns:p14="http://schemas.microsoft.com/office/powerpoint/2010/main" xmlns:a14="http://schemas.microsoft.com/office/drawing/2010/main" w="9525">
+                <a14:hiddenLine xmlns:a14="http://schemas.microsoft.com/office/drawing/2010/main" xmlns:p14="http://schemas.microsoft.com/office/powerpoint/2010/main" xmlns:a16="http://schemas.microsoft.com/office/drawing/2014/main" xmlns="" w="9525">
                   <a:solidFill>
                     <a:srgbClr val="000000"/>
                   </a:solidFill>
@@ -35238,7 +35245,7 @@
             </a:ln>
             <a:extLst>
               <a:ext uri="{91240B29-F687-4f45-9708-019B960494DF}">
-                <a14:hiddenLine xmlns="" xmlns:a16="http://schemas.microsoft.com/office/drawing/2014/main" xmlns:p14="http://schemas.microsoft.com/office/powerpoint/2010/main" xmlns:a14="http://schemas.microsoft.com/office/drawing/2010/main" w="9525">
+                <a14:hiddenLine xmlns:a14="http://schemas.microsoft.com/office/drawing/2010/main" xmlns:p14="http://schemas.microsoft.com/office/powerpoint/2010/main" xmlns:a16="http://schemas.microsoft.com/office/drawing/2014/main" xmlns="" w="9525">
                   <a:solidFill>
                     <a:srgbClr val="000000"/>
                   </a:solidFill>
@@ -35315,7 +35322,7 @@
             </a:ln>
             <a:extLst>
               <a:ext uri="{91240B29-F687-4f45-9708-019B960494DF}">
-                <a14:hiddenLine xmlns="" xmlns:a16="http://schemas.microsoft.com/office/drawing/2014/main" xmlns:p14="http://schemas.microsoft.com/office/powerpoint/2010/main" xmlns:a14="http://schemas.microsoft.com/office/drawing/2010/main" w="9525">
+                <a14:hiddenLine xmlns:a14="http://schemas.microsoft.com/office/drawing/2010/main" xmlns:p14="http://schemas.microsoft.com/office/powerpoint/2010/main" xmlns:a16="http://schemas.microsoft.com/office/drawing/2014/main" xmlns="" w="9525">
                   <a:solidFill>
                     <a:srgbClr val="000000"/>
                   </a:solidFill>
@@ -35420,7 +35427,7 @@
             </a:ln>
             <a:extLst>
               <a:ext uri="{91240B29-F687-4f45-9708-019B960494DF}">
-                <a14:hiddenLine xmlns="" xmlns:a16="http://schemas.microsoft.com/office/drawing/2014/main" xmlns:p14="http://schemas.microsoft.com/office/powerpoint/2010/main" xmlns:a14="http://schemas.microsoft.com/office/drawing/2010/main" w="9525">
+                <a14:hiddenLine xmlns:a14="http://schemas.microsoft.com/office/drawing/2010/main" xmlns:p14="http://schemas.microsoft.com/office/powerpoint/2010/main" xmlns:a16="http://schemas.microsoft.com/office/drawing/2014/main" xmlns="" w="9525">
                   <a:solidFill>
                     <a:srgbClr val="000000"/>
                   </a:solidFill>
@@ -35525,7 +35532,7 @@
             </a:ln>
             <a:extLst>
               <a:ext uri="{91240B29-F687-4f45-9708-019B960494DF}">
-                <a14:hiddenLine xmlns="" xmlns:a16="http://schemas.microsoft.com/office/drawing/2014/main" xmlns:p14="http://schemas.microsoft.com/office/powerpoint/2010/main" xmlns:a14="http://schemas.microsoft.com/office/drawing/2010/main" w="9525">
+                <a14:hiddenLine xmlns:a14="http://schemas.microsoft.com/office/drawing/2010/main" xmlns:p14="http://schemas.microsoft.com/office/powerpoint/2010/main" xmlns:a16="http://schemas.microsoft.com/office/drawing/2014/main" xmlns="" w="9525">
                   <a:solidFill>
                     <a:srgbClr val="000000"/>
                   </a:solidFill>
@@ -35602,7 +35609,7 @@
             </a:ln>
             <a:extLst>
               <a:ext uri="{91240B29-F687-4f45-9708-019B960494DF}">
-                <a14:hiddenLine xmlns="" xmlns:a16="http://schemas.microsoft.com/office/drawing/2014/main" xmlns:p14="http://schemas.microsoft.com/office/powerpoint/2010/main" xmlns:a14="http://schemas.microsoft.com/office/drawing/2010/main" w="9525">
+                <a14:hiddenLine xmlns:a14="http://schemas.microsoft.com/office/drawing/2010/main" xmlns:p14="http://schemas.microsoft.com/office/powerpoint/2010/main" xmlns:a16="http://schemas.microsoft.com/office/drawing/2014/main" xmlns="" w="9525">
                   <a:solidFill>
                     <a:srgbClr val="000000"/>
                   </a:solidFill>
@@ -35727,7 +35734,7 @@
             </a:ln>
             <a:extLst>
               <a:ext uri="{91240B29-F687-4f45-9708-019B960494DF}">
-                <a14:hiddenLine xmlns="" xmlns:a16="http://schemas.microsoft.com/office/drawing/2014/main" xmlns:p14="http://schemas.microsoft.com/office/powerpoint/2010/main" xmlns:a14="http://schemas.microsoft.com/office/drawing/2010/main" w="9525">
+                <a14:hiddenLine xmlns:a14="http://schemas.microsoft.com/office/drawing/2010/main" xmlns:p14="http://schemas.microsoft.com/office/powerpoint/2010/main" xmlns:a16="http://schemas.microsoft.com/office/drawing/2014/main" xmlns="" w="9525">
                   <a:solidFill>
                     <a:srgbClr val="000000"/>
                   </a:solidFill>
@@ -35841,7 +35848,7 @@
             </a:ln>
             <a:extLst>
               <a:ext uri="{91240B29-F687-4f45-9708-019B960494DF}">
-                <a14:hiddenLine xmlns="" xmlns:a16="http://schemas.microsoft.com/office/drawing/2014/main" xmlns:p14="http://schemas.microsoft.com/office/powerpoint/2010/main" xmlns:a14="http://schemas.microsoft.com/office/drawing/2010/main" w="9525">
+                <a14:hiddenLine xmlns:a14="http://schemas.microsoft.com/office/drawing/2010/main" xmlns:p14="http://schemas.microsoft.com/office/powerpoint/2010/main" xmlns:a16="http://schemas.microsoft.com/office/drawing/2014/main" xmlns="" w="9525">
                   <a:solidFill>
                     <a:srgbClr val="000000"/>
                   </a:solidFill>
@@ -35918,7 +35925,7 @@
             </a:ln>
             <a:extLst>
               <a:ext uri="{91240B29-F687-4f45-9708-019B960494DF}">
-                <a14:hiddenLine xmlns="" xmlns:a16="http://schemas.microsoft.com/office/drawing/2014/main" xmlns:p14="http://schemas.microsoft.com/office/powerpoint/2010/main" xmlns:a14="http://schemas.microsoft.com/office/drawing/2010/main" w="9525">
+                <a14:hiddenLine xmlns:a14="http://schemas.microsoft.com/office/drawing/2010/main" xmlns:p14="http://schemas.microsoft.com/office/powerpoint/2010/main" xmlns:a16="http://schemas.microsoft.com/office/drawing/2014/main" xmlns="" w="9525">
                   <a:solidFill>
                     <a:srgbClr val="000000"/>
                   </a:solidFill>
@@ -35995,7 +36002,7 @@
             </a:ln>
             <a:extLst>
               <a:ext uri="{91240B29-F687-4f45-9708-019B960494DF}">
-                <a14:hiddenLine xmlns="" xmlns:a16="http://schemas.microsoft.com/office/drawing/2014/main" xmlns:p14="http://schemas.microsoft.com/office/powerpoint/2010/main" xmlns:a14="http://schemas.microsoft.com/office/drawing/2010/main" w="9525">
+                <a14:hiddenLine xmlns:a14="http://schemas.microsoft.com/office/drawing/2010/main" xmlns:p14="http://schemas.microsoft.com/office/powerpoint/2010/main" xmlns:a16="http://schemas.microsoft.com/office/drawing/2014/main" xmlns="" w="9525">
                   <a:solidFill>
                     <a:srgbClr val="000000"/>
                   </a:solidFill>
@@ -36100,7 +36107,7 @@
             </a:ln>
             <a:extLst>
               <a:ext uri="{91240B29-F687-4f45-9708-019B960494DF}">
-                <a14:hiddenLine xmlns="" xmlns:a16="http://schemas.microsoft.com/office/drawing/2014/main" xmlns:p14="http://schemas.microsoft.com/office/powerpoint/2010/main" xmlns:a14="http://schemas.microsoft.com/office/drawing/2010/main" w="9525">
+                <a14:hiddenLine xmlns:a14="http://schemas.microsoft.com/office/drawing/2010/main" xmlns:p14="http://schemas.microsoft.com/office/powerpoint/2010/main" xmlns:a16="http://schemas.microsoft.com/office/drawing/2014/main" xmlns="" w="9525">
                   <a:solidFill>
                     <a:srgbClr val="000000"/>
                   </a:solidFill>
@@ -36149,7 +36156,7 @@
             </a:ln>
             <a:extLst>
               <a:ext uri="{91240B29-F687-4f45-9708-019B960494DF}">
-                <a14:hiddenLine xmlns="" xmlns:a16="http://schemas.microsoft.com/office/drawing/2014/main" xmlns:p14="http://schemas.microsoft.com/office/powerpoint/2010/main" xmlns:a14="http://schemas.microsoft.com/office/drawing/2010/main" w="9525">
+                <a14:hiddenLine xmlns:a14="http://schemas.microsoft.com/office/drawing/2010/main" xmlns:p14="http://schemas.microsoft.com/office/powerpoint/2010/main" xmlns:a16="http://schemas.microsoft.com/office/drawing/2014/main" xmlns="" w="9525">
                   <a:solidFill>
                     <a:srgbClr val="000000"/>
                   </a:solidFill>
@@ -36229,7 +36236,7 @@
             </a:ln>
             <a:extLst>
               <a:ext uri="{91240B29-F687-4f45-9708-019B960494DF}">
-                <a14:hiddenLine xmlns="" xmlns:a16="http://schemas.microsoft.com/office/drawing/2014/main" xmlns:p14="http://schemas.microsoft.com/office/powerpoint/2010/main" xmlns:a14="http://schemas.microsoft.com/office/drawing/2010/main" w="9525">
+                <a14:hiddenLine xmlns:a14="http://schemas.microsoft.com/office/drawing/2010/main" xmlns:p14="http://schemas.microsoft.com/office/powerpoint/2010/main" xmlns:a16="http://schemas.microsoft.com/office/drawing/2014/main" xmlns="" w="9525">
                   <a:solidFill>
                     <a:srgbClr val="000000"/>
                   </a:solidFill>
@@ -36334,7 +36341,7 @@
             </a:ln>
             <a:extLst>
               <a:ext uri="{91240B29-F687-4f45-9708-019B960494DF}">
-                <a14:hiddenLine xmlns="" xmlns:a16="http://schemas.microsoft.com/office/drawing/2014/main" xmlns:p14="http://schemas.microsoft.com/office/powerpoint/2010/main" xmlns:a14="http://schemas.microsoft.com/office/drawing/2010/main" w="9525">
+                <a14:hiddenLine xmlns:a14="http://schemas.microsoft.com/office/drawing/2010/main" xmlns:p14="http://schemas.microsoft.com/office/powerpoint/2010/main" xmlns:a16="http://schemas.microsoft.com/office/drawing/2014/main" xmlns="" w="9525">
                   <a:solidFill>
                     <a:srgbClr val="000000"/>
                   </a:solidFill>
@@ -36411,7 +36418,7 @@
             </a:ln>
             <a:extLst>
               <a:ext uri="{91240B29-F687-4f45-9708-019B960494DF}">
-                <a14:hiddenLine xmlns="" xmlns:a16="http://schemas.microsoft.com/office/drawing/2014/main" xmlns:p14="http://schemas.microsoft.com/office/powerpoint/2010/main" xmlns:a14="http://schemas.microsoft.com/office/drawing/2010/main" w="9525">
+                <a14:hiddenLine xmlns:a14="http://schemas.microsoft.com/office/drawing/2010/main" xmlns:p14="http://schemas.microsoft.com/office/powerpoint/2010/main" xmlns:a16="http://schemas.microsoft.com/office/drawing/2014/main" xmlns="" w="9525">
                   <a:solidFill>
                     <a:srgbClr val="000000"/>
                   </a:solidFill>
@@ -36516,7 +36523,7 @@
             </a:ln>
             <a:extLst>
               <a:ext uri="{91240B29-F687-4f45-9708-019B960494DF}">
-                <a14:hiddenLine xmlns="" xmlns:a16="http://schemas.microsoft.com/office/drawing/2014/main" xmlns:p14="http://schemas.microsoft.com/office/powerpoint/2010/main" xmlns:a14="http://schemas.microsoft.com/office/drawing/2010/main" w="9525">
+                <a14:hiddenLine xmlns:a14="http://schemas.microsoft.com/office/drawing/2010/main" xmlns:p14="http://schemas.microsoft.com/office/powerpoint/2010/main" xmlns:a16="http://schemas.microsoft.com/office/drawing/2014/main" xmlns="" w="9525">
                   <a:solidFill>
                     <a:srgbClr val="000000"/>
                   </a:solidFill>
@@ -36596,7 +36603,7 @@
             </a:ln>
             <a:extLst>
               <a:ext uri="{91240B29-F687-4f45-9708-019B960494DF}">
-                <a14:hiddenLine xmlns="" xmlns:a16="http://schemas.microsoft.com/office/drawing/2014/main" xmlns:p14="http://schemas.microsoft.com/office/powerpoint/2010/main" xmlns:a14="http://schemas.microsoft.com/office/drawing/2010/main" w="9525">
+                <a14:hiddenLine xmlns:a14="http://schemas.microsoft.com/office/drawing/2010/main" xmlns:p14="http://schemas.microsoft.com/office/powerpoint/2010/main" xmlns:a16="http://schemas.microsoft.com/office/drawing/2014/main" xmlns="" w="9525">
                   <a:solidFill>
                     <a:srgbClr val="000000"/>
                   </a:solidFill>
@@ -36673,7 +36680,7 @@
             </a:ln>
             <a:extLst>
               <a:ext uri="{91240B29-F687-4f45-9708-019B960494DF}">
-                <a14:hiddenLine xmlns="" xmlns:a16="http://schemas.microsoft.com/office/drawing/2014/main" xmlns:p14="http://schemas.microsoft.com/office/powerpoint/2010/main" xmlns:a14="http://schemas.microsoft.com/office/drawing/2010/main" w="9525">
+                <a14:hiddenLine xmlns:a14="http://schemas.microsoft.com/office/drawing/2010/main" xmlns:p14="http://schemas.microsoft.com/office/powerpoint/2010/main" xmlns:a16="http://schemas.microsoft.com/office/drawing/2014/main" xmlns="" w="9525">
                   <a:solidFill>
                     <a:srgbClr val="000000"/>
                   </a:solidFill>
@@ -36778,7 +36785,7 @@
             </a:ln>
             <a:extLst>
               <a:ext uri="{91240B29-F687-4f45-9708-019B960494DF}">
-                <a14:hiddenLine xmlns="" xmlns:a16="http://schemas.microsoft.com/office/drawing/2014/main" xmlns:p14="http://schemas.microsoft.com/office/powerpoint/2010/main" xmlns:a14="http://schemas.microsoft.com/office/drawing/2010/main" w="9525">
+                <a14:hiddenLine xmlns:a14="http://schemas.microsoft.com/office/drawing/2010/main" xmlns:p14="http://schemas.microsoft.com/office/powerpoint/2010/main" xmlns:a16="http://schemas.microsoft.com/office/drawing/2014/main" xmlns="" w="9525">
                   <a:solidFill>
                     <a:srgbClr val="000000"/>
                   </a:solidFill>
@@ -36883,7 +36890,7 @@
             </a:ln>
             <a:extLst>
               <a:ext uri="{91240B29-F687-4f45-9708-019B960494DF}">
-                <a14:hiddenLine xmlns="" xmlns:a16="http://schemas.microsoft.com/office/drawing/2014/main" xmlns:p14="http://schemas.microsoft.com/office/powerpoint/2010/main" xmlns:a14="http://schemas.microsoft.com/office/drawing/2010/main" w="9525">
+                <a14:hiddenLine xmlns:a14="http://schemas.microsoft.com/office/drawing/2010/main" xmlns:p14="http://schemas.microsoft.com/office/powerpoint/2010/main" xmlns:a16="http://schemas.microsoft.com/office/drawing/2014/main" xmlns="" w="9525">
                   <a:solidFill>
                     <a:srgbClr val="000000"/>
                   </a:solidFill>
@@ -36963,7 +36970,7 @@
             </a:ln>
             <a:extLst>
               <a:ext uri="{91240B29-F687-4f45-9708-019B960494DF}">
-                <a14:hiddenLine xmlns="" xmlns:a16="http://schemas.microsoft.com/office/drawing/2014/main" xmlns:p14="http://schemas.microsoft.com/office/powerpoint/2010/main" xmlns:a14="http://schemas.microsoft.com/office/drawing/2010/main" w="9525">
+                <a14:hiddenLine xmlns:a14="http://schemas.microsoft.com/office/drawing/2010/main" xmlns:p14="http://schemas.microsoft.com/office/powerpoint/2010/main" xmlns:a16="http://schemas.microsoft.com/office/drawing/2014/main" xmlns="" w="9525">
                   <a:solidFill>
                     <a:srgbClr val="000000"/>
                   </a:solidFill>
@@ -37098,7 +37105,7 @@
             </a:ln>
             <a:extLst>
               <a:ext uri="{91240B29-F687-4f45-9708-019B960494DF}">
-                <a14:hiddenLine xmlns="" xmlns:a16="http://schemas.microsoft.com/office/drawing/2014/main" xmlns:p14="http://schemas.microsoft.com/office/powerpoint/2010/main" xmlns:a14="http://schemas.microsoft.com/office/drawing/2010/main" w="9525">
+                <a14:hiddenLine xmlns:a14="http://schemas.microsoft.com/office/drawing/2010/main" xmlns:p14="http://schemas.microsoft.com/office/powerpoint/2010/main" xmlns:a16="http://schemas.microsoft.com/office/drawing/2014/main" xmlns="" w="9525">
                   <a:solidFill>
                     <a:srgbClr val="000000"/>
                   </a:solidFill>
@@ -37141,8 +37148,8 @@
           </a:prstGeom>
         </p:spPr>
       </p:pic>
-      <mc:AlternateContent xmlns:mc="http://schemas.openxmlformats.org/markup-compatibility/2006">
-        <mc:Choice xmlns:pslz="http://schemas.microsoft.com/office/powerpoint/2016/slidezoom" Requires="pslz">
+      <mc:AlternateContent xmlns:mc="http://schemas.openxmlformats.org/markup-compatibility/2006" xmlns:pslz="http://schemas.microsoft.com/office/powerpoint/2016/slidezoom">
+        <mc:Choice Requires="pslz">
           <p:graphicFrame>
             <p:nvGraphicFramePr>
               <p:cNvPr id="4" name="Folienzoom 3">
@@ -37199,7 +37206,7 @@
             </a:graphic>
           </p:graphicFrame>
         </mc:Choice>
-        <mc:Fallback>
+        <mc:Fallback xmlns="">
           <p:pic>
             <p:nvPicPr>
               <p:cNvPr id="4" name="Folienzoom 3">
@@ -37216,7 +37223,7 @@
               <p:nvPr/>
             </p:nvPicPr>
             <p:blipFill>
-              <a:blip r:embed="rId4"/>
+              <a:blip r:embed="rId6"/>
               <a:stretch>
                 <a:fillRect/>
               </a:stretch>
@@ -37382,7 +37389,7 @@
           </a:prstGeom>
           <a:extLst>
             <a:ext uri="{909E8E84-426E-40dd-AFC4-6F175D3DCCD1}">
-              <a14:hiddenFill xmlns="" xmlns:a16="http://schemas.microsoft.com/office/drawing/2014/main" xmlns:p14="http://schemas.microsoft.com/office/powerpoint/2010/main" xmlns:a14="http://schemas.microsoft.com/office/drawing/2010/main">
+              <a14:hiddenFill xmlns:a14="http://schemas.microsoft.com/office/drawing/2010/main" xmlns:p14="http://schemas.microsoft.com/office/powerpoint/2010/main" xmlns:a16="http://schemas.microsoft.com/office/drawing/2014/main" xmlns="">
                 <a:solidFill>
                   <a:srgbClr val="FFFFFF"/>
                 </a:solidFill>
@@ -37506,7 +37513,7 @@
           <a:noFill/>
           <a:extLst>
             <a:ext uri="{909E8E84-426E-40dd-AFC4-6F175D3DCCD1}">
-              <a14:hiddenFill xmlns="" xmlns:a16="http://schemas.microsoft.com/office/drawing/2014/main" xmlns:p14="http://schemas.microsoft.com/office/powerpoint/2010/main" xmlns:a14="http://schemas.microsoft.com/office/drawing/2010/main">
+              <a14:hiddenFill xmlns:a14="http://schemas.microsoft.com/office/drawing/2010/main" xmlns:p14="http://schemas.microsoft.com/office/powerpoint/2010/main" xmlns:a16="http://schemas.microsoft.com/office/drawing/2014/main" xmlns="">
                 <a:solidFill>
                   <a:srgbClr val="FFFFFF"/>
                 </a:solidFill>
@@ -37670,7 +37677,7 @@
             </a:ln>
             <a:extLst>
               <a:ext uri="{91240B29-F687-4f45-9708-019B960494DF}">
-                <a14:hiddenLine xmlns="" xmlns:a16="http://schemas.microsoft.com/office/drawing/2014/main" xmlns:p14="http://schemas.microsoft.com/office/powerpoint/2010/main" xmlns:a14="http://schemas.microsoft.com/office/drawing/2010/main" w="9525">
+                <a14:hiddenLine xmlns:a14="http://schemas.microsoft.com/office/drawing/2010/main" xmlns:p14="http://schemas.microsoft.com/office/powerpoint/2010/main" xmlns:a16="http://schemas.microsoft.com/office/drawing/2014/main" xmlns="" w="9525">
                   <a:solidFill>
                     <a:srgbClr val="000000"/>
                   </a:solidFill>
@@ -37775,7 +37782,7 @@
             </a:ln>
             <a:extLst>
               <a:ext uri="{91240B29-F687-4f45-9708-019B960494DF}">
-                <a14:hiddenLine xmlns="" xmlns:a16="http://schemas.microsoft.com/office/drawing/2014/main" xmlns:p14="http://schemas.microsoft.com/office/powerpoint/2010/main" xmlns:a14="http://schemas.microsoft.com/office/drawing/2010/main" w="9525">
+                <a14:hiddenLine xmlns:a14="http://schemas.microsoft.com/office/drawing/2010/main" xmlns:p14="http://schemas.microsoft.com/office/powerpoint/2010/main" xmlns:a16="http://schemas.microsoft.com/office/drawing/2014/main" xmlns="" w="9525">
                   <a:solidFill>
                     <a:srgbClr val="000000"/>
                   </a:solidFill>
@@ -37880,7 +37887,7 @@
             </a:ln>
             <a:extLst>
               <a:ext uri="{91240B29-F687-4f45-9708-019B960494DF}">
-                <a14:hiddenLine xmlns="" xmlns:a16="http://schemas.microsoft.com/office/drawing/2014/main" xmlns:p14="http://schemas.microsoft.com/office/powerpoint/2010/main" xmlns:a14="http://schemas.microsoft.com/office/drawing/2010/main" w="9525">
+                <a14:hiddenLine xmlns:a14="http://schemas.microsoft.com/office/drawing/2010/main" xmlns:p14="http://schemas.microsoft.com/office/powerpoint/2010/main" xmlns:a16="http://schemas.microsoft.com/office/drawing/2014/main" xmlns="" w="9525">
                   <a:solidFill>
                     <a:srgbClr val="000000"/>
                   </a:solidFill>
@@ -37957,7 +37964,7 @@
             </a:ln>
             <a:extLst>
               <a:ext uri="{91240B29-F687-4f45-9708-019B960494DF}">
-                <a14:hiddenLine xmlns="" xmlns:a16="http://schemas.microsoft.com/office/drawing/2014/main" xmlns:p14="http://schemas.microsoft.com/office/powerpoint/2010/main" xmlns:a14="http://schemas.microsoft.com/office/drawing/2010/main" w="9525">
+                <a14:hiddenLine xmlns:a14="http://schemas.microsoft.com/office/drawing/2010/main" xmlns:p14="http://schemas.microsoft.com/office/powerpoint/2010/main" xmlns:a16="http://schemas.microsoft.com/office/drawing/2014/main" xmlns="" w="9525">
                   <a:solidFill>
                     <a:srgbClr val="000000"/>
                   </a:solidFill>
@@ -38062,7 +38069,7 @@
             </a:ln>
             <a:extLst>
               <a:ext uri="{91240B29-F687-4f45-9708-019B960494DF}">
-                <a14:hiddenLine xmlns="" xmlns:a16="http://schemas.microsoft.com/office/drawing/2014/main" xmlns:p14="http://schemas.microsoft.com/office/powerpoint/2010/main" xmlns:a14="http://schemas.microsoft.com/office/drawing/2010/main" w="9525">
+                <a14:hiddenLine xmlns:a14="http://schemas.microsoft.com/office/drawing/2010/main" xmlns:p14="http://schemas.microsoft.com/office/powerpoint/2010/main" xmlns:a16="http://schemas.microsoft.com/office/drawing/2014/main" xmlns="" w="9525">
                   <a:solidFill>
                     <a:srgbClr val="000000"/>
                   </a:solidFill>
@@ -38139,7 +38146,7 @@
             </a:ln>
             <a:extLst>
               <a:ext uri="{91240B29-F687-4f45-9708-019B960494DF}">
-                <a14:hiddenLine xmlns="" xmlns:a16="http://schemas.microsoft.com/office/drawing/2014/main" xmlns:p14="http://schemas.microsoft.com/office/powerpoint/2010/main" xmlns:a14="http://schemas.microsoft.com/office/drawing/2010/main" w="9525">
+                <a14:hiddenLine xmlns:a14="http://schemas.microsoft.com/office/drawing/2010/main" xmlns:p14="http://schemas.microsoft.com/office/powerpoint/2010/main" xmlns:a16="http://schemas.microsoft.com/office/drawing/2014/main" xmlns="" w="9525">
                   <a:solidFill>
                     <a:srgbClr val="000000"/>
                   </a:solidFill>
@@ -38216,7 +38223,7 @@
             </a:ln>
             <a:extLst>
               <a:ext uri="{91240B29-F687-4f45-9708-019B960494DF}">
-                <a14:hiddenLine xmlns="" xmlns:a16="http://schemas.microsoft.com/office/drawing/2014/main" xmlns:p14="http://schemas.microsoft.com/office/powerpoint/2010/main" xmlns:a14="http://schemas.microsoft.com/office/drawing/2010/main" w="9525">
+                <a14:hiddenLine xmlns:a14="http://schemas.microsoft.com/office/drawing/2010/main" xmlns:p14="http://schemas.microsoft.com/office/powerpoint/2010/main" xmlns:a16="http://schemas.microsoft.com/office/drawing/2014/main" xmlns="" w="9525">
                   <a:solidFill>
                     <a:srgbClr val="000000"/>
                   </a:solidFill>
@@ -38321,7 +38328,7 @@
             </a:ln>
             <a:extLst>
               <a:ext uri="{91240B29-F687-4f45-9708-019B960494DF}">
-                <a14:hiddenLine xmlns="" xmlns:a16="http://schemas.microsoft.com/office/drawing/2014/main" xmlns:p14="http://schemas.microsoft.com/office/powerpoint/2010/main" xmlns:a14="http://schemas.microsoft.com/office/drawing/2010/main" w="9525">
+                <a14:hiddenLine xmlns:a14="http://schemas.microsoft.com/office/drawing/2010/main" xmlns:p14="http://schemas.microsoft.com/office/powerpoint/2010/main" xmlns:a16="http://schemas.microsoft.com/office/drawing/2014/main" xmlns="" w="9525">
                   <a:solidFill>
                     <a:srgbClr val="000000"/>
                   </a:solidFill>
@@ -38426,7 +38433,7 @@
             </a:ln>
             <a:extLst>
               <a:ext uri="{91240B29-F687-4f45-9708-019B960494DF}">
-                <a14:hiddenLine xmlns="" xmlns:a16="http://schemas.microsoft.com/office/drawing/2014/main" xmlns:p14="http://schemas.microsoft.com/office/powerpoint/2010/main" xmlns:a14="http://schemas.microsoft.com/office/drawing/2010/main" w="9525">
+                <a14:hiddenLine xmlns:a14="http://schemas.microsoft.com/office/drawing/2010/main" xmlns:p14="http://schemas.microsoft.com/office/powerpoint/2010/main" xmlns:a16="http://schemas.microsoft.com/office/drawing/2014/main" xmlns="" w="9525">
                   <a:solidFill>
                     <a:srgbClr val="000000"/>
                   </a:solidFill>
@@ -38503,7 +38510,7 @@
             </a:ln>
             <a:extLst>
               <a:ext uri="{91240B29-F687-4f45-9708-019B960494DF}">
-                <a14:hiddenLine xmlns="" xmlns:a16="http://schemas.microsoft.com/office/drawing/2014/main" xmlns:p14="http://schemas.microsoft.com/office/powerpoint/2010/main" xmlns:a14="http://schemas.microsoft.com/office/drawing/2010/main" w="9525">
+                <a14:hiddenLine xmlns:a14="http://schemas.microsoft.com/office/drawing/2010/main" xmlns:p14="http://schemas.microsoft.com/office/powerpoint/2010/main" xmlns:a16="http://schemas.microsoft.com/office/drawing/2014/main" xmlns="" w="9525">
                   <a:solidFill>
                     <a:srgbClr val="000000"/>
                   </a:solidFill>
@@ -38628,7 +38635,7 @@
             </a:ln>
             <a:extLst>
               <a:ext uri="{91240B29-F687-4f45-9708-019B960494DF}">
-                <a14:hiddenLine xmlns="" xmlns:a16="http://schemas.microsoft.com/office/drawing/2014/main" xmlns:p14="http://schemas.microsoft.com/office/powerpoint/2010/main" xmlns:a14="http://schemas.microsoft.com/office/drawing/2010/main" w="9525">
+                <a14:hiddenLine xmlns:a14="http://schemas.microsoft.com/office/drawing/2010/main" xmlns:p14="http://schemas.microsoft.com/office/powerpoint/2010/main" xmlns:a16="http://schemas.microsoft.com/office/drawing/2014/main" xmlns="" w="9525">
                   <a:solidFill>
                     <a:srgbClr val="000000"/>
                   </a:solidFill>
@@ -38742,7 +38749,7 @@
             </a:ln>
             <a:extLst>
               <a:ext uri="{91240B29-F687-4f45-9708-019B960494DF}">
-                <a14:hiddenLine xmlns="" xmlns:a16="http://schemas.microsoft.com/office/drawing/2014/main" xmlns:p14="http://schemas.microsoft.com/office/powerpoint/2010/main" xmlns:a14="http://schemas.microsoft.com/office/drawing/2010/main" w="9525">
+                <a14:hiddenLine xmlns:a14="http://schemas.microsoft.com/office/drawing/2010/main" xmlns:p14="http://schemas.microsoft.com/office/powerpoint/2010/main" xmlns:a16="http://schemas.microsoft.com/office/drawing/2014/main" xmlns="" w="9525">
                   <a:solidFill>
                     <a:srgbClr val="000000"/>
                   </a:solidFill>
@@ -38819,7 +38826,7 @@
             </a:ln>
             <a:extLst>
               <a:ext uri="{91240B29-F687-4f45-9708-019B960494DF}">
-                <a14:hiddenLine xmlns="" xmlns:a16="http://schemas.microsoft.com/office/drawing/2014/main" xmlns:p14="http://schemas.microsoft.com/office/powerpoint/2010/main" xmlns:a14="http://schemas.microsoft.com/office/drawing/2010/main" w="9525">
+                <a14:hiddenLine xmlns:a14="http://schemas.microsoft.com/office/drawing/2010/main" xmlns:p14="http://schemas.microsoft.com/office/powerpoint/2010/main" xmlns:a16="http://schemas.microsoft.com/office/drawing/2014/main" xmlns="" w="9525">
                   <a:solidFill>
                     <a:srgbClr val="000000"/>
                   </a:solidFill>
@@ -38896,7 +38903,7 @@
             </a:ln>
             <a:extLst>
               <a:ext uri="{91240B29-F687-4f45-9708-019B960494DF}">
-                <a14:hiddenLine xmlns="" xmlns:a16="http://schemas.microsoft.com/office/drawing/2014/main" xmlns:p14="http://schemas.microsoft.com/office/powerpoint/2010/main" xmlns:a14="http://schemas.microsoft.com/office/drawing/2010/main" w="9525">
+                <a14:hiddenLine xmlns:a14="http://schemas.microsoft.com/office/drawing/2010/main" xmlns:p14="http://schemas.microsoft.com/office/powerpoint/2010/main" xmlns:a16="http://schemas.microsoft.com/office/drawing/2014/main" xmlns="" w="9525">
                   <a:solidFill>
                     <a:srgbClr val="000000"/>
                   </a:solidFill>
@@ -39001,7 +39008,7 @@
             </a:ln>
             <a:extLst>
               <a:ext uri="{91240B29-F687-4f45-9708-019B960494DF}">
-                <a14:hiddenLine xmlns="" xmlns:a16="http://schemas.microsoft.com/office/drawing/2014/main" xmlns:p14="http://schemas.microsoft.com/office/powerpoint/2010/main" xmlns:a14="http://schemas.microsoft.com/office/drawing/2010/main" w="9525">
+                <a14:hiddenLine xmlns:a14="http://schemas.microsoft.com/office/drawing/2010/main" xmlns:p14="http://schemas.microsoft.com/office/powerpoint/2010/main" xmlns:a16="http://schemas.microsoft.com/office/drawing/2014/main" xmlns="" w="9525">
                   <a:solidFill>
                     <a:srgbClr val="000000"/>
                   </a:solidFill>
@@ -39050,7 +39057,7 @@
             </a:ln>
             <a:extLst>
               <a:ext uri="{91240B29-F687-4f45-9708-019B960494DF}">
-                <a14:hiddenLine xmlns="" xmlns:a16="http://schemas.microsoft.com/office/drawing/2014/main" xmlns:p14="http://schemas.microsoft.com/office/powerpoint/2010/main" xmlns:a14="http://schemas.microsoft.com/office/drawing/2010/main" w="9525">
+                <a14:hiddenLine xmlns:a14="http://schemas.microsoft.com/office/drawing/2010/main" xmlns:p14="http://schemas.microsoft.com/office/powerpoint/2010/main" xmlns:a16="http://schemas.microsoft.com/office/drawing/2014/main" xmlns="" w="9525">
                   <a:solidFill>
                     <a:srgbClr val="000000"/>
                   </a:solidFill>
@@ -39130,7 +39137,7 @@
             </a:ln>
             <a:extLst>
               <a:ext uri="{91240B29-F687-4f45-9708-019B960494DF}">
-                <a14:hiddenLine xmlns="" xmlns:a16="http://schemas.microsoft.com/office/drawing/2014/main" xmlns:p14="http://schemas.microsoft.com/office/powerpoint/2010/main" xmlns:a14="http://schemas.microsoft.com/office/drawing/2010/main" w="9525">
+                <a14:hiddenLine xmlns:a14="http://schemas.microsoft.com/office/drawing/2010/main" xmlns:p14="http://schemas.microsoft.com/office/powerpoint/2010/main" xmlns:a16="http://schemas.microsoft.com/office/drawing/2014/main" xmlns="" w="9525">
                   <a:solidFill>
                     <a:srgbClr val="000000"/>
                   </a:solidFill>
@@ -39235,7 +39242,7 @@
             </a:ln>
             <a:extLst>
               <a:ext uri="{91240B29-F687-4f45-9708-019B960494DF}">
-                <a14:hiddenLine xmlns="" xmlns:a16="http://schemas.microsoft.com/office/drawing/2014/main" xmlns:p14="http://schemas.microsoft.com/office/powerpoint/2010/main" xmlns:a14="http://schemas.microsoft.com/office/drawing/2010/main" w="9525">
+                <a14:hiddenLine xmlns:a14="http://schemas.microsoft.com/office/drawing/2010/main" xmlns:p14="http://schemas.microsoft.com/office/powerpoint/2010/main" xmlns:a16="http://schemas.microsoft.com/office/drawing/2014/main" xmlns="" w="9525">
                   <a:solidFill>
                     <a:srgbClr val="000000"/>
                   </a:solidFill>
@@ -39312,7 +39319,7 @@
             </a:ln>
             <a:extLst>
               <a:ext uri="{91240B29-F687-4f45-9708-019B960494DF}">
-                <a14:hiddenLine xmlns="" xmlns:a16="http://schemas.microsoft.com/office/drawing/2014/main" xmlns:p14="http://schemas.microsoft.com/office/powerpoint/2010/main" xmlns:a14="http://schemas.microsoft.com/office/drawing/2010/main" w="9525">
+                <a14:hiddenLine xmlns:a14="http://schemas.microsoft.com/office/drawing/2010/main" xmlns:p14="http://schemas.microsoft.com/office/powerpoint/2010/main" xmlns:a16="http://schemas.microsoft.com/office/drawing/2014/main" xmlns="" w="9525">
                   <a:solidFill>
                     <a:srgbClr val="000000"/>
                   </a:solidFill>
@@ -39417,7 +39424,7 @@
             </a:ln>
             <a:extLst>
               <a:ext uri="{91240B29-F687-4f45-9708-019B960494DF}">
-                <a14:hiddenLine xmlns="" xmlns:a16="http://schemas.microsoft.com/office/drawing/2014/main" xmlns:p14="http://schemas.microsoft.com/office/powerpoint/2010/main" xmlns:a14="http://schemas.microsoft.com/office/drawing/2010/main" w="9525">
+                <a14:hiddenLine xmlns:a14="http://schemas.microsoft.com/office/drawing/2010/main" xmlns:p14="http://schemas.microsoft.com/office/powerpoint/2010/main" xmlns:a16="http://schemas.microsoft.com/office/drawing/2014/main" xmlns="" w="9525">
                   <a:solidFill>
                     <a:srgbClr val="000000"/>
                   </a:solidFill>
@@ -39497,7 +39504,7 @@
             </a:ln>
             <a:extLst>
               <a:ext uri="{91240B29-F687-4f45-9708-019B960494DF}">
-                <a14:hiddenLine xmlns="" xmlns:a16="http://schemas.microsoft.com/office/drawing/2014/main" xmlns:p14="http://schemas.microsoft.com/office/powerpoint/2010/main" xmlns:a14="http://schemas.microsoft.com/office/drawing/2010/main" w="9525">
+                <a14:hiddenLine xmlns:a14="http://schemas.microsoft.com/office/drawing/2010/main" xmlns:p14="http://schemas.microsoft.com/office/powerpoint/2010/main" xmlns:a16="http://schemas.microsoft.com/office/drawing/2014/main" xmlns="" w="9525">
                   <a:solidFill>
                     <a:srgbClr val="000000"/>
                   </a:solidFill>
@@ -39574,7 +39581,7 @@
             </a:ln>
             <a:extLst>
               <a:ext uri="{91240B29-F687-4f45-9708-019B960494DF}">
-                <a14:hiddenLine xmlns="" xmlns:a16="http://schemas.microsoft.com/office/drawing/2014/main" xmlns:p14="http://schemas.microsoft.com/office/powerpoint/2010/main" xmlns:a14="http://schemas.microsoft.com/office/drawing/2010/main" w="9525">
+                <a14:hiddenLine xmlns:a14="http://schemas.microsoft.com/office/drawing/2010/main" xmlns:p14="http://schemas.microsoft.com/office/powerpoint/2010/main" xmlns:a16="http://schemas.microsoft.com/office/drawing/2014/main" xmlns="" w="9525">
                   <a:solidFill>
                     <a:srgbClr val="000000"/>
                   </a:solidFill>
@@ -39679,7 +39686,7 @@
             </a:ln>
             <a:extLst>
               <a:ext uri="{91240B29-F687-4f45-9708-019B960494DF}">
-                <a14:hiddenLine xmlns="" xmlns:a16="http://schemas.microsoft.com/office/drawing/2014/main" xmlns:p14="http://schemas.microsoft.com/office/powerpoint/2010/main" xmlns:a14="http://schemas.microsoft.com/office/drawing/2010/main" w="9525">
+                <a14:hiddenLine xmlns:a14="http://schemas.microsoft.com/office/drawing/2010/main" xmlns:p14="http://schemas.microsoft.com/office/powerpoint/2010/main" xmlns:a16="http://schemas.microsoft.com/office/drawing/2014/main" xmlns="" w="9525">
                   <a:solidFill>
                     <a:srgbClr val="000000"/>
                   </a:solidFill>
@@ -39784,7 +39791,7 @@
             </a:ln>
             <a:extLst>
               <a:ext uri="{91240B29-F687-4f45-9708-019B960494DF}">
-                <a14:hiddenLine xmlns="" xmlns:a16="http://schemas.microsoft.com/office/drawing/2014/main" xmlns:p14="http://schemas.microsoft.com/office/powerpoint/2010/main" xmlns:a14="http://schemas.microsoft.com/office/drawing/2010/main" w="9525">
+                <a14:hiddenLine xmlns:a14="http://schemas.microsoft.com/office/drawing/2010/main" xmlns:p14="http://schemas.microsoft.com/office/powerpoint/2010/main" xmlns:a16="http://schemas.microsoft.com/office/drawing/2014/main" xmlns="" w="9525">
                   <a:solidFill>
                     <a:srgbClr val="000000"/>
                   </a:solidFill>
@@ -39864,7 +39871,7 @@
             </a:ln>
             <a:extLst>
               <a:ext uri="{91240B29-F687-4f45-9708-019B960494DF}">
-                <a14:hiddenLine xmlns="" xmlns:a16="http://schemas.microsoft.com/office/drawing/2014/main" xmlns:p14="http://schemas.microsoft.com/office/powerpoint/2010/main" xmlns:a14="http://schemas.microsoft.com/office/drawing/2010/main" w="9525">
+                <a14:hiddenLine xmlns:a14="http://schemas.microsoft.com/office/drawing/2010/main" xmlns:p14="http://schemas.microsoft.com/office/powerpoint/2010/main" xmlns:a16="http://schemas.microsoft.com/office/drawing/2014/main" xmlns="" w="9525">
                   <a:solidFill>
                     <a:srgbClr val="000000"/>
                   </a:solidFill>
@@ -39999,7 +40006,7 @@
             </a:ln>
             <a:extLst>
               <a:ext uri="{91240B29-F687-4f45-9708-019B960494DF}">
-                <a14:hiddenLine xmlns="" xmlns:a16="http://schemas.microsoft.com/office/drawing/2014/main" xmlns:p14="http://schemas.microsoft.com/office/powerpoint/2010/main" xmlns:a14="http://schemas.microsoft.com/office/drawing/2010/main" w="9525">
+                <a14:hiddenLine xmlns:a14="http://schemas.microsoft.com/office/drawing/2010/main" xmlns:p14="http://schemas.microsoft.com/office/powerpoint/2010/main" xmlns:a16="http://schemas.microsoft.com/office/drawing/2014/main" xmlns="" w="9525">
                   <a:solidFill>
                     <a:srgbClr val="000000"/>
                   </a:solidFill>
@@ -40186,7 +40193,7 @@
           </a:prstGeom>
           <a:extLst>
             <a:ext uri="{909E8E84-426E-40dd-AFC4-6F175D3DCCD1}">
-              <a14:hiddenFill xmlns="" xmlns:a16="http://schemas.microsoft.com/office/drawing/2014/main" xmlns:p14="http://schemas.microsoft.com/office/powerpoint/2010/main" xmlns:a14="http://schemas.microsoft.com/office/drawing/2010/main">
+              <a14:hiddenFill xmlns:a14="http://schemas.microsoft.com/office/drawing/2010/main" xmlns:p14="http://schemas.microsoft.com/office/powerpoint/2010/main" xmlns:a16="http://schemas.microsoft.com/office/drawing/2014/main" xmlns="">
                 <a:solidFill>
                   <a:srgbClr val="FFFFFF"/>
                 </a:solidFill>
@@ -40310,7 +40317,7 @@
           <a:noFill/>
           <a:extLst>
             <a:ext uri="{909E8E84-426E-40dd-AFC4-6F175D3DCCD1}">
-              <a14:hiddenFill xmlns="" xmlns:a16="http://schemas.microsoft.com/office/drawing/2014/main" xmlns:p14="http://schemas.microsoft.com/office/powerpoint/2010/main" xmlns:a14="http://schemas.microsoft.com/office/drawing/2010/main">
+              <a14:hiddenFill xmlns:a14="http://schemas.microsoft.com/office/drawing/2010/main" xmlns:p14="http://schemas.microsoft.com/office/powerpoint/2010/main" xmlns:a16="http://schemas.microsoft.com/office/drawing/2014/main" xmlns="">
                 <a:solidFill>
                   <a:srgbClr val="FFFFFF"/>
                 </a:solidFill>
@@ -40474,7 +40481,7 @@
             </a:ln>
             <a:extLst>
               <a:ext uri="{91240B29-F687-4f45-9708-019B960494DF}">
-                <a14:hiddenLine xmlns="" xmlns:a16="http://schemas.microsoft.com/office/drawing/2014/main" xmlns:p14="http://schemas.microsoft.com/office/powerpoint/2010/main" xmlns:a14="http://schemas.microsoft.com/office/drawing/2010/main" w="9525">
+                <a14:hiddenLine xmlns:a14="http://schemas.microsoft.com/office/drawing/2010/main" xmlns:p14="http://schemas.microsoft.com/office/powerpoint/2010/main" xmlns:a16="http://schemas.microsoft.com/office/drawing/2014/main" xmlns="" w="9525">
                   <a:solidFill>
                     <a:srgbClr val="000000"/>
                   </a:solidFill>
@@ -40579,7 +40586,7 @@
             </a:ln>
             <a:extLst>
               <a:ext uri="{91240B29-F687-4f45-9708-019B960494DF}">
-                <a14:hiddenLine xmlns="" xmlns:a16="http://schemas.microsoft.com/office/drawing/2014/main" xmlns:p14="http://schemas.microsoft.com/office/powerpoint/2010/main" xmlns:a14="http://schemas.microsoft.com/office/drawing/2010/main" w="9525">
+                <a14:hiddenLine xmlns:a14="http://schemas.microsoft.com/office/drawing/2010/main" xmlns:p14="http://schemas.microsoft.com/office/powerpoint/2010/main" xmlns:a16="http://schemas.microsoft.com/office/drawing/2014/main" xmlns="" w="9525">
                   <a:solidFill>
                     <a:srgbClr val="000000"/>
                   </a:solidFill>
@@ -40684,7 +40691,7 @@
             </a:ln>
             <a:extLst>
               <a:ext uri="{91240B29-F687-4f45-9708-019B960494DF}">
-                <a14:hiddenLine xmlns="" xmlns:a16="http://schemas.microsoft.com/office/drawing/2014/main" xmlns:p14="http://schemas.microsoft.com/office/powerpoint/2010/main" xmlns:a14="http://schemas.microsoft.com/office/drawing/2010/main" w="9525">
+                <a14:hiddenLine xmlns:a14="http://schemas.microsoft.com/office/drawing/2010/main" xmlns:p14="http://schemas.microsoft.com/office/powerpoint/2010/main" xmlns:a16="http://schemas.microsoft.com/office/drawing/2014/main" xmlns="" w="9525">
                   <a:solidFill>
                     <a:srgbClr val="000000"/>
                   </a:solidFill>
@@ -40761,7 +40768,7 @@
             </a:ln>
             <a:extLst>
               <a:ext uri="{91240B29-F687-4f45-9708-019B960494DF}">
-                <a14:hiddenLine xmlns="" xmlns:a16="http://schemas.microsoft.com/office/drawing/2014/main" xmlns:p14="http://schemas.microsoft.com/office/powerpoint/2010/main" xmlns:a14="http://schemas.microsoft.com/office/drawing/2010/main" w="9525">
+                <a14:hiddenLine xmlns:a14="http://schemas.microsoft.com/office/drawing/2010/main" xmlns:p14="http://schemas.microsoft.com/office/powerpoint/2010/main" xmlns:a16="http://schemas.microsoft.com/office/drawing/2014/main" xmlns="" w="9525">
                   <a:solidFill>
                     <a:srgbClr val="000000"/>
                   </a:solidFill>
@@ -40866,7 +40873,7 @@
             </a:ln>
             <a:extLst>
               <a:ext uri="{91240B29-F687-4f45-9708-019B960494DF}">
-                <a14:hiddenLine xmlns="" xmlns:a16="http://schemas.microsoft.com/office/drawing/2014/main" xmlns:p14="http://schemas.microsoft.com/office/powerpoint/2010/main" xmlns:a14="http://schemas.microsoft.com/office/drawing/2010/main" w="9525">
+                <a14:hiddenLine xmlns:a14="http://schemas.microsoft.com/office/drawing/2010/main" xmlns:p14="http://schemas.microsoft.com/office/powerpoint/2010/main" xmlns:a16="http://schemas.microsoft.com/office/drawing/2014/main" xmlns="" w="9525">
                   <a:solidFill>
                     <a:srgbClr val="000000"/>
                   </a:solidFill>
@@ -40943,7 +40950,7 @@
             </a:ln>
             <a:extLst>
               <a:ext uri="{91240B29-F687-4f45-9708-019B960494DF}">
-                <a14:hiddenLine xmlns="" xmlns:a16="http://schemas.microsoft.com/office/drawing/2014/main" xmlns:p14="http://schemas.microsoft.com/office/powerpoint/2010/main" xmlns:a14="http://schemas.microsoft.com/office/drawing/2010/main" w="9525">
+                <a14:hiddenLine xmlns:a14="http://schemas.microsoft.com/office/drawing/2010/main" xmlns:p14="http://schemas.microsoft.com/office/powerpoint/2010/main" xmlns:a16="http://schemas.microsoft.com/office/drawing/2014/main" xmlns="" w="9525">
                   <a:solidFill>
                     <a:srgbClr val="000000"/>
                   </a:solidFill>
@@ -41020,7 +41027,7 @@
             </a:ln>
             <a:extLst>
               <a:ext uri="{91240B29-F687-4f45-9708-019B960494DF}">
-                <a14:hiddenLine xmlns="" xmlns:a16="http://schemas.microsoft.com/office/drawing/2014/main" xmlns:p14="http://schemas.microsoft.com/office/powerpoint/2010/main" xmlns:a14="http://schemas.microsoft.com/office/drawing/2010/main" w="9525">
+                <a14:hiddenLine xmlns:a14="http://schemas.microsoft.com/office/drawing/2010/main" xmlns:p14="http://schemas.microsoft.com/office/powerpoint/2010/main" xmlns:a16="http://schemas.microsoft.com/office/drawing/2014/main" xmlns="" w="9525">
                   <a:solidFill>
                     <a:srgbClr val="000000"/>
                   </a:solidFill>
@@ -41125,7 +41132,7 @@
             </a:ln>
             <a:extLst>
               <a:ext uri="{91240B29-F687-4f45-9708-019B960494DF}">
-                <a14:hiddenLine xmlns="" xmlns:a16="http://schemas.microsoft.com/office/drawing/2014/main" xmlns:p14="http://schemas.microsoft.com/office/powerpoint/2010/main" xmlns:a14="http://schemas.microsoft.com/office/drawing/2010/main" w="9525">
+                <a14:hiddenLine xmlns:a14="http://schemas.microsoft.com/office/drawing/2010/main" xmlns:p14="http://schemas.microsoft.com/office/powerpoint/2010/main" xmlns:a16="http://schemas.microsoft.com/office/drawing/2014/main" xmlns="" w="9525">
                   <a:solidFill>
                     <a:srgbClr val="000000"/>
                   </a:solidFill>
@@ -41230,7 +41237,7 @@
             </a:ln>
             <a:extLst>
               <a:ext uri="{91240B29-F687-4f45-9708-019B960494DF}">
-                <a14:hiddenLine xmlns="" xmlns:a16="http://schemas.microsoft.com/office/drawing/2014/main" xmlns:p14="http://schemas.microsoft.com/office/powerpoint/2010/main" xmlns:a14="http://schemas.microsoft.com/office/drawing/2010/main" w="9525">
+                <a14:hiddenLine xmlns:a14="http://schemas.microsoft.com/office/drawing/2010/main" xmlns:p14="http://schemas.microsoft.com/office/powerpoint/2010/main" xmlns:a16="http://schemas.microsoft.com/office/drawing/2014/main" xmlns="" w="9525">
                   <a:solidFill>
                     <a:srgbClr val="000000"/>
                   </a:solidFill>
@@ -41307,7 +41314,7 @@
             </a:ln>
             <a:extLst>
               <a:ext uri="{91240B29-F687-4f45-9708-019B960494DF}">
-                <a14:hiddenLine xmlns="" xmlns:a16="http://schemas.microsoft.com/office/drawing/2014/main" xmlns:p14="http://schemas.microsoft.com/office/powerpoint/2010/main" xmlns:a14="http://schemas.microsoft.com/office/drawing/2010/main" w="9525">
+                <a14:hiddenLine xmlns:a14="http://schemas.microsoft.com/office/drawing/2010/main" xmlns:p14="http://schemas.microsoft.com/office/powerpoint/2010/main" xmlns:a16="http://schemas.microsoft.com/office/drawing/2014/main" xmlns="" w="9525">
                   <a:solidFill>
                     <a:srgbClr val="000000"/>
                   </a:solidFill>
@@ -41432,7 +41439,7 @@
             </a:ln>
             <a:extLst>
               <a:ext uri="{91240B29-F687-4f45-9708-019B960494DF}">
-                <a14:hiddenLine xmlns="" xmlns:a16="http://schemas.microsoft.com/office/drawing/2014/main" xmlns:p14="http://schemas.microsoft.com/office/powerpoint/2010/main" xmlns:a14="http://schemas.microsoft.com/office/drawing/2010/main" w="9525">
+                <a14:hiddenLine xmlns:a14="http://schemas.microsoft.com/office/drawing/2010/main" xmlns:p14="http://schemas.microsoft.com/office/powerpoint/2010/main" xmlns:a16="http://schemas.microsoft.com/office/drawing/2014/main" xmlns="" w="9525">
                   <a:solidFill>
                     <a:srgbClr val="000000"/>
                   </a:solidFill>
@@ -41546,7 +41553,7 @@
             </a:ln>
             <a:extLst>
               <a:ext uri="{91240B29-F687-4f45-9708-019B960494DF}">
-                <a14:hiddenLine xmlns="" xmlns:a16="http://schemas.microsoft.com/office/drawing/2014/main" xmlns:p14="http://schemas.microsoft.com/office/powerpoint/2010/main" xmlns:a14="http://schemas.microsoft.com/office/drawing/2010/main" w="9525">
+                <a14:hiddenLine xmlns:a14="http://schemas.microsoft.com/office/drawing/2010/main" xmlns:p14="http://schemas.microsoft.com/office/powerpoint/2010/main" xmlns:a16="http://schemas.microsoft.com/office/drawing/2014/main" xmlns="" w="9525">
                   <a:solidFill>
                     <a:srgbClr val="000000"/>
                   </a:solidFill>
@@ -41623,7 +41630,7 @@
             </a:ln>
             <a:extLst>
               <a:ext uri="{91240B29-F687-4f45-9708-019B960494DF}">
-                <a14:hiddenLine xmlns="" xmlns:a16="http://schemas.microsoft.com/office/drawing/2014/main" xmlns:p14="http://schemas.microsoft.com/office/powerpoint/2010/main" xmlns:a14="http://schemas.microsoft.com/office/drawing/2010/main" w="9525">
+                <a14:hiddenLine xmlns:a14="http://schemas.microsoft.com/office/drawing/2010/main" xmlns:p14="http://schemas.microsoft.com/office/powerpoint/2010/main" xmlns:a16="http://schemas.microsoft.com/office/drawing/2014/main" xmlns="" w="9525">
                   <a:solidFill>
                     <a:srgbClr val="000000"/>
                   </a:solidFill>
@@ -41700,7 +41707,7 @@
             </a:ln>
             <a:extLst>
               <a:ext uri="{91240B29-F687-4f45-9708-019B960494DF}">
-                <a14:hiddenLine xmlns="" xmlns:a16="http://schemas.microsoft.com/office/drawing/2014/main" xmlns:p14="http://schemas.microsoft.com/office/powerpoint/2010/main" xmlns:a14="http://schemas.microsoft.com/office/drawing/2010/main" w="9525">
+                <a14:hiddenLine xmlns:a14="http://schemas.microsoft.com/office/drawing/2010/main" xmlns:p14="http://schemas.microsoft.com/office/powerpoint/2010/main" xmlns:a16="http://schemas.microsoft.com/office/drawing/2014/main" xmlns="" w="9525">
                   <a:solidFill>
                     <a:srgbClr val="000000"/>
                   </a:solidFill>
@@ -41805,7 +41812,7 @@
             </a:ln>
             <a:extLst>
               <a:ext uri="{91240B29-F687-4f45-9708-019B960494DF}">
-                <a14:hiddenLine xmlns="" xmlns:a16="http://schemas.microsoft.com/office/drawing/2014/main" xmlns:p14="http://schemas.microsoft.com/office/powerpoint/2010/main" xmlns:a14="http://schemas.microsoft.com/office/drawing/2010/main" w="9525">
+                <a14:hiddenLine xmlns:a14="http://schemas.microsoft.com/office/drawing/2010/main" xmlns:p14="http://schemas.microsoft.com/office/powerpoint/2010/main" xmlns:a16="http://schemas.microsoft.com/office/drawing/2014/main" xmlns="" w="9525">
                   <a:solidFill>
                     <a:srgbClr val="000000"/>
                   </a:solidFill>
@@ -41854,7 +41861,7 @@
             </a:ln>
             <a:extLst>
               <a:ext uri="{91240B29-F687-4f45-9708-019B960494DF}">
-                <a14:hiddenLine xmlns="" xmlns:a16="http://schemas.microsoft.com/office/drawing/2014/main" xmlns:p14="http://schemas.microsoft.com/office/powerpoint/2010/main" xmlns:a14="http://schemas.microsoft.com/office/drawing/2010/main" w="9525">
+                <a14:hiddenLine xmlns:a14="http://schemas.microsoft.com/office/drawing/2010/main" xmlns:p14="http://schemas.microsoft.com/office/powerpoint/2010/main" xmlns:a16="http://schemas.microsoft.com/office/drawing/2014/main" xmlns="" w="9525">
                   <a:solidFill>
                     <a:srgbClr val="000000"/>
                   </a:solidFill>
@@ -41934,7 +41941,7 @@
             </a:ln>
             <a:extLst>
               <a:ext uri="{91240B29-F687-4f45-9708-019B960494DF}">
-                <a14:hiddenLine xmlns="" xmlns:a16="http://schemas.microsoft.com/office/drawing/2014/main" xmlns:p14="http://schemas.microsoft.com/office/powerpoint/2010/main" xmlns:a14="http://schemas.microsoft.com/office/drawing/2010/main" w="9525">
+                <a14:hiddenLine xmlns:a14="http://schemas.microsoft.com/office/drawing/2010/main" xmlns:p14="http://schemas.microsoft.com/office/powerpoint/2010/main" xmlns:a16="http://schemas.microsoft.com/office/drawing/2014/main" xmlns="" w="9525">
                   <a:solidFill>
                     <a:srgbClr val="000000"/>
                   </a:solidFill>
@@ -42039,7 +42046,7 @@
             </a:ln>
             <a:extLst>
               <a:ext uri="{91240B29-F687-4f45-9708-019B960494DF}">
-                <a14:hiddenLine xmlns="" xmlns:a16="http://schemas.microsoft.com/office/drawing/2014/main" xmlns:p14="http://schemas.microsoft.com/office/powerpoint/2010/main" xmlns:a14="http://schemas.microsoft.com/office/drawing/2010/main" w="9525">
+                <a14:hiddenLine xmlns:a14="http://schemas.microsoft.com/office/drawing/2010/main" xmlns:p14="http://schemas.microsoft.com/office/powerpoint/2010/main" xmlns:a16="http://schemas.microsoft.com/office/drawing/2014/main" xmlns="" w="9525">
                   <a:solidFill>
                     <a:srgbClr val="000000"/>
                   </a:solidFill>
@@ -42116,7 +42123,7 @@
             </a:ln>
             <a:extLst>
               <a:ext uri="{91240B29-F687-4f45-9708-019B960494DF}">
-                <a14:hiddenLine xmlns="" xmlns:a16="http://schemas.microsoft.com/office/drawing/2014/main" xmlns:p14="http://schemas.microsoft.com/office/powerpoint/2010/main" xmlns:a14="http://schemas.microsoft.com/office/drawing/2010/main" w="9525">
+                <a14:hiddenLine xmlns:a14="http://schemas.microsoft.com/office/drawing/2010/main" xmlns:p14="http://schemas.microsoft.com/office/powerpoint/2010/main" xmlns:a16="http://schemas.microsoft.com/office/drawing/2014/main" xmlns="" w="9525">
                   <a:solidFill>
                     <a:srgbClr val="000000"/>
                   </a:solidFill>
@@ -42221,7 +42228,7 @@
             </a:ln>
             <a:extLst>
               <a:ext uri="{91240B29-F687-4f45-9708-019B960494DF}">
-                <a14:hiddenLine xmlns="" xmlns:a16="http://schemas.microsoft.com/office/drawing/2014/main" xmlns:p14="http://schemas.microsoft.com/office/powerpoint/2010/main" xmlns:a14="http://schemas.microsoft.com/office/drawing/2010/main" w="9525">
+                <a14:hiddenLine xmlns:a14="http://schemas.microsoft.com/office/drawing/2010/main" xmlns:p14="http://schemas.microsoft.com/office/powerpoint/2010/main" xmlns:a16="http://schemas.microsoft.com/office/drawing/2014/main" xmlns="" w="9525">
                   <a:solidFill>
                     <a:srgbClr val="000000"/>
                   </a:solidFill>
@@ -42301,7 +42308,7 @@
             </a:ln>
             <a:extLst>
               <a:ext uri="{91240B29-F687-4f45-9708-019B960494DF}">
-                <a14:hiddenLine xmlns="" xmlns:a16="http://schemas.microsoft.com/office/drawing/2014/main" xmlns:p14="http://schemas.microsoft.com/office/powerpoint/2010/main" xmlns:a14="http://schemas.microsoft.com/office/drawing/2010/main" w="9525">
+                <a14:hiddenLine xmlns:a14="http://schemas.microsoft.com/office/drawing/2010/main" xmlns:p14="http://schemas.microsoft.com/office/powerpoint/2010/main" xmlns:a16="http://schemas.microsoft.com/office/drawing/2014/main" xmlns="" w="9525">
                   <a:solidFill>
                     <a:srgbClr val="000000"/>
                   </a:solidFill>
@@ -42378,7 +42385,7 @@
             </a:ln>
             <a:extLst>
               <a:ext uri="{91240B29-F687-4f45-9708-019B960494DF}">
-                <a14:hiddenLine xmlns="" xmlns:a16="http://schemas.microsoft.com/office/drawing/2014/main" xmlns:p14="http://schemas.microsoft.com/office/powerpoint/2010/main" xmlns:a14="http://schemas.microsoft.com/office/drawing/2010/main" w="9525">
+                <a14:hiddenLine xmlns:a14="http://schemas.microsoft.com/office/drawing/2010/main" xmlns:p14="http://schemas.microsoft.com/office/powerpoint/2010/main" xmlns:a16="http://schemas.microsoft.com/office/drawing/2014/main" xmlns="" w="9525">
                   <a:solidFill>
                     <a:srgbClr val="000000"/>
                   </a:solidFill>
@@ -42483,7 +42490,7 @@
             </a:ln>
             <a:extLst>
               <a:ext uri="{91240B29-F687-4f45-9708-019B960494DF}">
-                <a14:hiddenLine xmlns="" xmlns:a16="http://schemas.microsoft.com/office/drawing/2014/main" xmlns:p14="http://schemas.microsoft.com/office/powerpoint/2010/main" xmlns:a14="http://schemas.microsoft.com/office/drawing/2010/main" w="9525">
+                <a14:hiddenLine xmlns:a14="http://schemas.microsoft.com/office/drawing/2010/main" xmlns:p14="http://schemas.microsoft.com/office/powerpoint/2010/main" xmlns:a16="http://schemas.microsoft.com/office/drawing/2014/main" xmlns="" w="9525">
                   <a:solidFill>
                     <a:srgbClr val="000000"/>
                   </a:solidFill>
@@ -42588,7 +42595,7 @@
             </a:ln>
             <a:extLst>
               <a:ext uri="{91240B29-F687-4f45-9708-019B960494DF}">
-                <a14:hiddenLine xmlns="" xmlns:a16="http://schemas.microsoft.com/office/drawing/2014/main" xmlns:p14="http://schemas.microsoft.com/office/powerpoint/2010/main" xmlns:a14="http://schemas.microsoft.com/office/drawing/2010/main" w="9525">
+                <a14:hiddenLine xmlns:a14="http://schemas.microsoft.com/office/drawing/2010/main" xmlns:p14="http://schemas.microsoft.com/office/powerpoint/2010/main" xmlns:a16="http://schemas.microsoft.com/office/drawing/2014/main" xmlns="" w="9525">
                   <a:solidFill>
                     <a:srgbClr val="000000"/>
                   </a:solidFill>
@@ -42668,7 +42675,7 @@
             </a:ln>
             <a:extLst>
               <a:ext uri="{91240B29-F687-4f45-9708-019B960494DF}">
-                <a14:hiddenLine xmlns="" xmlns:a16="http://schemas.microsoft.com/office/drawing/2014/main" xmlns:p14="http://schemas.microsoft.com/office/powerpoint/2010/main" xmlns:a14="http://schemas.microsoft.com/office/drawing/2010/main" w="9525">
+                <a14:hiddenLine xmlns:a14="http://schemas.microsoft.com/office/drawing/2010/main" xmlns:p14="http://schemas.microsoft.com/office/powerpoint/2010/main" xmlns:a16="http://schemas.microsoft.com/office/drawing/2014/main" xmlns="" w="9525">
                   <a:solidFill>
                     <a:srgbClr val="000000"/>
                   </a:solidFill>
@@ -42803,7 +42810,7 @@
             </a:ln>
             <a:extLst>
               <a:ext uri="{91240B29-F687-4f45-9708-019B960494DF}">
-                <a14:hiddenLine xmlns="" xmlns:a16="http://schemas.microsoft.com/office/drawing/2014/main" xmlns:p14="http://schemas.microsoft.com/office/powerpoint/2010/main" xmlns:a14="http://schemas.microsoft.com/office/drawing/2010/main" w="9525">
+                <a14:hiddenLine xmlns:a14="http://schemas.microsoft.com/office/drawing/2010/main" xmlns:p14="http://schemas.microsoft.com/office/powerpoint/2010/main" xmlns:a16="http://schemas.microsoft.com/office/drawing/2014/main" xmlns="" w="9525">
                   <a:solidFill>
                     <a:srgbClr val="000000"/>
                   </a:solidFill>
@@ -42846,8 +42853,8 @@
           </a:prstGeom>
         </p:spPr>
       </p:pic>
-      <mc:AlternateContent xmlns:mc="http://schemas.openxmlformats.org/markup-compatibility/2006">
-        <mc:Choice xmlns:pslz="http://schemas.microsoft.com/office/powerpoint/2016/slidezoom" Requires="pslz">
+      <mc:AlternateContent xmlns:mc="http://schemas.openxmlformats.org/markup-compatibility/2006" xmlns:pslz="http://schemas.microsoft.com/office/powerpoint/2016/slidezoom">
+        <mc:Choice Requires="pslz">
           <p:graphicFrame>
             <p:nvGraphicFramePr>
               <p:cNvPr id="9" name="Folienzoom 8">
@@ -42904,7 +42911,7 @@
             </a:graphic>
           </p:graphicFrame>
         </mc:Choice>
-        <mc:Fallback>
+        <mc:Fallback xmlns="">
           <p:pic>
             <p:nvPicPr>
               <p:cNvPr id="9" name="Folienzoom 8">
@@ -42921,7 +42928,7 @@
               <p:nvPr/>
             </p:nvPicPr>
             <p:blipFill>
-              <a:blip r:embed="rId4"/>
+              <a:blip r:embed="rId6"/>
               <a:stretch>
                 <a:fillRect/>
               </a:stretch>
@@ -43087,7 +43094,7 @@
           </a:prstGeom>
           <a:extLst>
             <a:ext uri="{909E8E84-426E-40dd-AFC4-6F175D3DCCD1}">
-              <a14:hiddenFill xmlns="" xmlns:a16="http://schemas.microsoft.com/office/drawing/2014/main" xmlns:p14="http://schemas.microsoft.com/office/powerpoint/2010/main" xmlns:a14="http://schemas.microsoft.com/office/drawing/2010/main">
+              <a14:hiddenFill xmlns:a14="http://schemas.microsoft.com/office/drawing/2010/main" xmlns:p14="http://schemas.microsoft.com/office/powerpoint/2010/main" xmlns:a16="http://schemas.microsoft.com/office/drawing/2014/main" xmlns="">
                 <a:solidFill>
                   <a:srgbClr val="FFFFFF"/>
                 </a:solidFill>
@@ -43211,7 +43218,7 @@
           <a:noFill/>
           <a:extLst>
             <a:ext uri="{909E8E84-426E-40dd-AFC4-6F175D3DCCD1}">
-              <a14:hiddenFill xmlns="" xmlns:a16="http://schemas.microsoft.com/office/drawing/2014/main" xmlns:p14="http://schemas.microsoft.com/office/powerpoint/2010/main" xmlns:a14="http://schemas.microsoft.com/office/drawing/2010/main">
+              <a14:hiddenFill xmlns:a14="http://schemas.microsoft.com/office/drawing/2010/main" xmlns:p14="http://schemas.microsoft.com/office/powerpoint/2010/main" xmlns:a16="http://schemas.microsoft.com/office/drawing/2014/main" xmlns="">
                 <a:solidFill>
                   <a:srgbClr val="FFFFFF"/>
                 </a:solidFill>
@@ -43375,7 +43382,7 @@
             </a:ln>
             <a:extLst>
               <a:ext uri="{91240B29-F687-4f45-9708-019B960494DF}">
-                <a14:hiddenLine xmlns="" xmlns:a16="http://schemas.microsoft.com/office/drawing/2014/main" xmlns:p14="http://schemas.microsoft.com/office/powerpoint/2010/main" xmlns:a14="http://schemas.microsoft.com/office/drawing/2010/main" w="9525">
+                <a14:hiddenLine xmlns:a14="http://schemas.microsoft.com/office/drawing/2010/main" xmlns:p14="http://schemas.microsoft.com/office/powerpoint/2010/main" xmlns:a16="http://schemas.microsoft.com/office/drawing/2014/main" xmlns="" w="9525">
                   <a:solidFill>
                     <a:srgbClr val="000000"/>
                   </a:solidFill>
@@ -43480,7 +43487,7 @@
             </a:ln>
             <a:extLst>
               <a:ext uri="{91240B29-F687-4f45-9708-019B960494DF}">
-                <a14:hiddenLine xmlns="" xmlns:a16="http://schemas.microsoft.com/office/drawing/2014/main" xmlns:p14="http://schemas.microsoft.com/office/powerpoint/2010/main" xmlns:a14="http://schemas.microsoft.com/office/drawing/2010/main" w="9525">
+                <a14:hiddenLine xmlns:a14="http://schemas.microsoft.com/office/drawing/2010/main" xmlns:p14="http://schemas.microsoft.com/office/powerpoint/2010/main" xmlns:a16="http://schemas.microsoft.com/office/drawing/2014/main" xmlns="" w="9525">
                   <a:solidFill>
                     <a:srgbClr val="000000"/>
                   </a:solidFill>
@@ -43585,7 +43592,7 @@
             </a:ln>
             <a:extLst>
               <a:ext uri="{91240B29-F687-4f45-9708-019B960494DF}">
-                <a14:hiddenLine xmlns="" xmlns:a16="http://schemas.microsoft.com/office/drawing/2014/main" xmlns:p14="http://schemas.microsoft.com/office/powerpoint/2010/main" xmlns:a14="http://schemas.microsoft.com/office/drawing/2010/main" w="9525">
+                <a14:hiddenLine xmlns:a14="http://schemas.microsoft.com/office/drawing/2010/main" xmlns:p14="http://schemas.microsoft.com/office/powerpoint/2010/main" xmlns:a16="http://schemas.microsoft.com/office/drawing/2014/main" xmlns="" w="9525">
                   <a:solidFill>
                     <a:srgbClr val="000000"/>
                   </a:solidFill>
@@ -43662,7 +43669,7 @@
             </a:ln>
             <a:extLst>
               <a:ext uri="{91240B29-F687-4f45-9708-019B960494DF}">
-                <a14:hiddenLine xmlns="" xmlns:a16="http://schemas.microsoft.com/office/drawing/2014/main" xmlns:p14="http://schemas.microsoft.com/office/powerpoint/2010/main" xmlns:a14="http://schemas.microsoft.com/office/drawing/2010/main" w="9525">
+                <a14:hiddenLine xmlns:a14="http://schemas.microsoft.com/office/drawing/2010/main" xmlns:p14="http://schemas.microsoft.com/office/powerpoint/2010/main" xmlns:a16="http://schemas.microsoft.com/office/drawing/2014/main" xmlns="" w="9525">
                   <a:solidFill>
                     <a:srgbClr val="000000"/>
                   </a:solidFill>
@@ -43767,7 +43774,7 @@
             </a:ln>
             <a:extLst>
               <a:ext uri="{91240B29-F687-4f45-9708-019B960494DF}">
-                <a14:hiddenLine xmlns="" xmlns:a16="http://schemas.microsoft.com/office/drawing/2014/main" xmlns:p14="http://schemas.microsoft.com/office/powerpoint/2010/main" xmlns:a14="http://schemas.microsoft.com/office/drawing/2010/main" w="9525">
+                <a14:hiddenLine xmlns:a14="http://schemas.microsoft.com/office/drawing/2010/main" xmlns:p14="http://schemas.microsoft.com/office/powerpoint/2010/main" xmlns:a16="http://schemas.microsoft.com/office/drawing/2014/main" xmlns="" w="9525">
                   <a:solidFill>
                     <a:srgbClr val="000000"/>
                   </a:solidFill>
@@ -43844,7 +43851,7 @@
             </a:ln>
             <a:extLst>
               <a:ext uri="{91240B29-F687-4f45-9708-019B960494DF}">
-                <a14:hiddenLine xmlns="" xmlns:a16="http://schemas.microsoft.com/office/drawing/2014/main" xmlns:p14="http://schemas.microsoft.com/office/powerpoint/2010/main" xmlns:a14="http://schemas.microsoft.com/office/drawing/2010/main" w="9525">
+                <a14:hiddenLine xmlns:a14="http://schemas.microsoft.com/office/drawing/2010/main" xmlns:p14="http://schemas.microsoft.com/office/powerpoint/2010/main" xmlns:a16="http://schemas.microsoft.com/office/drawing/2014/main" xmlns="" w="9525">
                   <a:solidFill>
                     <a:srgbClr val="000000"/>
                   </a:solidFill>
@@ -43921,7 +43928,7 @@
             </a:ln>
             <a:extLst>
               <a:ext uri="{91240B29-F687-4f45-9708-019B960494DF}">
-                <a14:hiddenLine xmlns="" xmlns:a16="http://schemas.microsoft.com/office/drawing/2014/main" xmlns:p14="http://schemas.microsoft.com/office/powerpoint/2010/main" xmlns:a14="http://schemas.microsoft.com/office/drawing/2010/main" w="9525">
+                <a14:hiddenLine xmlns:a14="http://schemas.microsoft.com/office/drawing/2010/main" xmlns:p14="http://schemas.microsoft.com/office/powerpoint/2010/main" xmlns:a16="http://schemas.microsoft.com/office/drawing/2014/main" xmlns="" w="9525">
                   <a:solidFill>
                     <a:srgbClr val="000000"/>
                   </a:solidFill>
@@ -44026,7 +44033,7 @@
             </a:ln>
             <a:extLst>
               <a:ext uri="{91240B29-F687-4f45-9708-019B960494DF}">
-                <a14:hiddenLine xmlns="" xmlns:a16="http://schemas.microsoft.com/office/drawing/2014/main" xmlns:p14="http://schemas.microsoft.com/office/powerpoint/2010/main" xmlns:a14="http://schemas.microsoft.com/office/drawing/2010/main" w="9525">
+                <a14:hiddenLine xmlns:a14="http://schemas.microsoft.com/office/drawing/2010/main" xmlns:p14="http://schemas.microsoft.com/office/powerpoint/2010/main" xmlns:a16="http://schemas.microsoft.com/office/drawing/2014/main" xmlns="" w="9525">
                   <a:solidFill>
                     <a:srgbClr val="000000"/>
                   </a:solidFill>
@@ -44131,7 +44138,7 @@
             </a:ln>
             <a:extLst>
               <a:ext uri="{91240B29-F687-4f45-9708-019B960494DF}">
-                <a14:hiddenLine xmlns="" xmlns:a16="http://schemas.microsoft.com/office/drawing/2014/main" xmlns:p14="http://schemas.microsoft.com/office/powerpoint/2010/main" xmlns:a14="http://schemas.microsoft.com/office/drawing/2010/main" w="9525">
+                <a14:hiddenLine xmlns:a14="http://schemas.microsoft.com/office/drawing/2010/main" xmlns:p14="http://schemas.microsoft.com/office/powerpoint/2010/main" xmlns:a16="http://schemas.microsoft.com/office/drawing/2014/main" xmlns="" w="9525">
                   <a:solidFill>
                     <a:srgbClr val="000000"/>
                   </a:solidFill>
@@ -44208,7 +44215,7 @@
             </a:ln>
             <a:extLst>
               <a:ext uri="{91240B29-F687-4f45-9708-019B960494DF}">
-                <a14:hiddenLine xmlns="" xmlns:a16="http://schemas.microsoft.com/office/drawing/2014/main" xmlns:p14="http://schemas.microsoft.com/office/powerpoint/2010/main" xmlns:a14="http://schemas.microsoft.com/office/drawing/2010/main" w="9525">
+                <a14:hiddenLine xmlns:a14="http://schemas.microsoft.com/office/drawing/2010/main" xmlns:p14="http://schemas.microsoft.com/office/powerpoint/2010/main" xmlns:a16="http://schemas.microsoft.com/office/drawing/2014/main" xmlns="" w="9525">
                   <a:solidFill>
                     <a:srgbClr val="000000"/>
                   </a:solidFill>
@@ -44333,7 +44340,7 @@
             </a:ln>
             <a:extLst>
               <a:ext uri="{91240B29-F687-4f45-9708-019B960494DF}">
-                <a14:hiddenLine xmlns="" xmlns:a16="http://schemas.microsoft.com/office/drawing/2014/main" xmlns:p14="http://schemas.microsoft.com/office/powerpoint/2010/main" xmlns:a14="http://schemas.microsoft.com/office/drawing/2010/main" w="9525">
+                <a14:hiddenLine xmlns:a14="http://schemas.microsoft.com/office/drawing/2010/main" xmlns:p14="http://schemas.microsoft.com/office/powerpoint/2010/main" xmlns:a16="http://schemas.microsoft.com/office/drawing/2014/main" xmlns="" w="9525">
                   <a:solidFill>
                     <a:srgbClr val="000000"/>
                   </a:solidFill>
@@ -44447,7 +44454,7 @@
             </a:ln>
             <a:extLst>
               <a:ext uri="{91240B29-F687-4f45-9708-019B960494DF}">
-                <a14:hiddenLine xmlns="" xmlns:a16="http://schemas.microsoft.com/office/drawing/2014/main" xmlns:p14="http://schemas.microsoft.com/office/powerpoint/2010/main" xmlns:a14="http://schemas.microsoft.com/office/drawing/2010/main" w="9525">
+                <a14:hiddenLine xmlns:a14="http://schemas.microsoft.com/office/drawing/2010/main" xmlns:p14="http://schemas.microsoft.com/office/powerpoint/2010/main" xmlns:a16="http://schemas.microsoft.com/office/drawing/2014/main" xmlns="" w="9525">
                   <a:solidFill>
                     <a:srgbClr val="000000"/>
                   </a:solidFill>
@@ -44524,7 +44531,7 @@
             </a:ln>
             <a:extLst>
               <a:ext uri="{91240B29-F687-4f45-9708-019B960494DF}">
-                <a14:hiddenLine xmlns="" xmlns:a16="http://schemas.microsoft.com/office/drawing/2014/main" xmlns:p14="http://schemas.microsoft.com/office/powerpoint/2010/main" xmlns:a14="http://schemas.microsoft.com/office/drawing/2010/main" w="9525">
+                <a14:hiddenLine xmlns:a14="http://schemas.microsoft.com/office/drawing/2010/main" xmlns:p14="http://schemas.microsoft.com/office/powerpoint/2010/main" xmlns:a16="http://schemas.microsoft.com/office/drawing/2014/main" xmlns="" w="9525">
                   <a:solidFill>
                     <a:srgbClr val="000000"/>
                   </a:solidFill>
@@ -44601,7 +44608,7 @@
             </a:ln>
             <a:extLst>
               <a:ext uri="{91240B29-F687-4f45-9708-019B960494DF}">
-                <a14:hiddenLine xmlns="" xmlns:a16="http://schemas.microsoft.com/office/drawing/2014/main" xmlns:p14="http://schemas.microsoft.com/office/powerpoint/2010/main" xmlns:a14="http://schemas.microsoft.com/office/drawing/2010/main" w="9525">
+                <a14:hiddenLine xmlns:a14="http://schemas.microsoft.com/office/drawing/2010/main" xmlns:p14="http://schemas.microsoft.com/office/powerpoint/2010/main" xmlns:a16="http://schemas.microsoft.com/office/drawing/2014/main" xmlns="" w="9525">
                   <a:solidFill>
                     <a:srgbClr val="000000"/>
                   </a:solidFill>
@@ -44706,7 +44713,7 @@
             </a:ln>
             <a:extLst>
               <a:ext uri="{91240B29-F687-4f45-9708-019B960494DF}">
-                <a14:hiddenLine xmlns="" xmlns:a16="http://schemas.microsoft.com/office/drawing/2014/main" xmlns:p14="http://schemas.microsoft.com/office/powerpoint/2010/main" xmlns:a14="http://schemas.microsoft.com/office/drawing/2010/main" w="9525">
+                <a14:hiddenLine xmlns:a14="http://schemas.microsoft.com/office/drawing/2010/main" xmlns:p14="http://schemas.microsoft.com/office/powerpoint/2010/main" xmlns:a16="http://schemas.microsoft.com/office/drawing/2014/main" xmlns="" w="9525">
                   <a:solidFill>
                     <a:srgbClr val="000000"/>
                   </a:solidFill>
@@ -44755,7 +44762,7 @@
             </a:ln>
             <a:extLst>
               <a:ext uri="{91240B29-F687-4f45-9708-019B960494DF}">
-                <a14:hiddenLine xmlns="" xmlns:a16="http://schemas.microsoft.com/office/drawing/2014/main" xmlns:p14="http://schemas.microsoft.com/office/powerpoint/2010/main" xmlns:a14="http://schemas.microsoft.com/office/drawing/2010/main" w="9525">
+                <a14:hiddenLine xmlns:a14="http://schemas.microsoft.com/office/drawing/2010/main" xmlns:p14="http://schemas.microsoft.com/office/powerpoint/2010/main" xmlns:a16="http://schemas.microsoft.com/office/drawing/2014/main" xmlns="" w="9525">
                   <a:solidFill>
                     <a:srgbClr val="000000"/>
                   </a:solidFill>
@@ -44835,7 +44842,7 @@
             </a:ln>
             <a:extLst>
               <a:ext uri="{91240B29-F687-4f45-9708-019B960494DF}">
-                <a14:hiddenLine xmlns="" xmlns:a16="http://schemas.microsoft.com/office/drawing/2014/main" xmlns:p14="http://schemas.microsoft.com/office/powerpoint/2010/main" xmlns:a14="http://schemas.microsoft.com/office/drawing/2010/main" w="9525">
+                <a14:hiddenLine xmlns:a14="http://schemas.microsoft.com/office/drawing/2010/main" xmlns:p14="http://schemas.microsoft.com/office/powerpoint/2010/main" xmlns:a16="http://schemas.microsoft.com/office/drawing/2014/main" xmlns="" w="9525">
                   <a:solidFill>
                     <a:srgbClr val="000000"/>
                   </a:solidFill>
@@ -44940,7 +44947,7 @@
             </a:ln>
             <a:extLst>
               <a:ext uri="{91240B29-F687-4f45-9708-019B960494DF}">
-                <a14:hiddenLine xmlns="" xmlns:a16="http://schemas.microsoft.com/office/drawing/2014/main" xmlns:p14="http://schemas.microsoft.com/office/powerpoint/2010/main" xmlns:a14="http://schemas.microsoft.com/office/drawing/2010/main" w="9525">
+                <a14:hiddenLine xmlns:a14="http://schemas.microsoft.com/office/drawing/2010/main" xmlns:p14="http://schemas.microsoft.com/office/powerpoint/2010/main" xmlns:a16="http://schemas.microsoft.com/office/drawing/2014/main" xmlns="" w="9525">
                   <a:solidFill>
                     <a:srgbClr val="000000"/>
                   </a:solidFill>
@@ -45017,7 +45024,7 @@
             </a:ln>
             <a:extLst>
               <a:ext uri="{91240B29-F687-4f45-9708-019B960494DF}">
-                <a14:hiddenLine xmlns="" xmlns:a16="http://schemas.microsoft.com/office/drawing/2014/main" xmlns:p14="http://schemas.microsoft.com/office/powerpoint/2010/main" xmlns:a14="http://schemas.microsoft.com/office/drawing/2010/main" w="9525">
+                <a14:hiddenLine xmlns:a14="http://schemas.microsoft.com/office/drawing/2010/main" xmlns:p14="http://schemas.microsoft.com/office/powerpoint/2010/main" xmlns:a16="http://schemas.microsoft.com/office/drawing/2014/main" xmlns="" w="9525">
                   <a:solidFill>
                     <a:srgbClr val="000000"/>
                   </a:solidFill>
@@ -45122,7 +45129,7 @@
             </a:ln>
             <a:extLst>
               <a:ext uri="{91240B29-F687-4f45-9708-019B960494DF}">
-                <a14:hiddenLine xmlns="" xmlns:a16="http://schemas.microsoft.com/office/drawing/2014/main" xmlns:p14="http://schemas.microsoft.com/office/powerpoint/2010/main" xmlns:a14="http://schemas.microsoft.com/office/drawing/2010/main" w="9525">
+                <a14:hiddenLine xmlns:a14="http://schemas.microsoft.com/office/drawing/2010/main" xmlns:p14="http://schemas.microsoft.com/office/powerpoint/2010/main" xmlns:a16="http://schemas.microsoft.com/office/drawing/2014/main" xmlns="" w="9525">
                   <a:solidFill>
                     <a:srgbClr val="000000"/>
                   </a:solidFill>
@@ -45202,7 +45209,7 @@
             </a:ln>
             <a:extLst>
               <a:ext uri="{91240B29-F687-4f45-9708-019B960494DF}">
-                <a14:hiddenLine xmlns="" xmlns:a16="http://schemas.microsoft.com/office/drawing/2014/main" xmlns:p14="http://schemas.microsoft.com/office/powerpoint/2010/main" xmlns:a14="http://schemas.microsoft.com/office/drawing/2010/main" w="9525">
+                <a14:hiddenLine xmlns:a14="http://schemas.microsoft.com/office/drawing/2010/main" xmlns:p14="http://schemas.microsoft.com/office/powerpoint/2010/main" xmlns:a16="http://schemas.microsoft.com/office/drawing/2014/main" xmlns="" w="9525">
                   <a:solidFill>
                     <a:srgbClr val="000000"/>
                   </a:solidFill>
@@ -45279,7 +45286,7 @@
             </a:ln>
             <a:extLst>
               <a:ext uri="{91240B29-F687-4f45-9708-019B960494DF}">
-                <a14:hiddenLine xmlns="" xmlns:a16="http://schemas.microsoft.com/office/drawing/2014/main" xmlns:p14="http://schemas.microsoft.com/office/powerpoint/2010/main" xmlns:a14="http://schemas.microsoft.com/office/drawing/2010/main" w="9525">
+                <a14:hiddenLine xmlns:a14="http://schemas.microsoft.com/office/drawing/2010/main" xmlns:p14="http://schemas.microsoft.com/office/powerpoint/2010/main" xmlns:a16="http://schemas.microsoft.com/office/drawing/2014/main" xmlns="" w="9525">
                   <a:solidFill>
                     <a:srgbClr val="000000"/>
                   </a:solidFill>
@@ -45384,7 +45391,7 @@
             </a:ln>
             <a:extLst>
               <a:ext uri="{91240B29-F687-4f45-9708-019B960494DF}">
-                <a14:hiddenLine xmlns="" xmlns:a16="http://schemas.microsoft.com/office/drawing/2014/main" xmlns:p14="http://schemas.microsoft.com/office/powerpoint/2010/main" xmlns:a14="http://schemas.microsoft.com/office/drawing/2010/main" w="9525">
+                <a14:hiddenLine xmlns:a14="http://schemas.microsoft.com/office/drawing/2010/main" xmlns:p14="http://schemas.microsoft.com/office/powerpoint/2010/main" xmlns:a16="http://schemas.microsoft.com/office/drawing/2014/main" xmlns="" w="9525">
                   <a:solidFill>
                     <a:srgbClr val="000000"/>
                   </a:solidFill>
@@ -45489,7 +45496,7 @@
             </a:ln>
             <a:extLst>
               <a:ext uri="{91240B29-F687-4f45-9708-019B960494DF}">
-                <a14:hiddenLine xmlns="" xmlns:a16="http://schemas.microsoft.com/office/drawing/2014/main" xmlns:p14="http://schemas.microsoft.com/office/powerpoint/2010/main" xmlns:a14="http://schemas.microsoft.com/office/drawing/2010/main" w="9525">
+                <a14:hiddenLine xmlns:a14="http://schemas.microsoft.com/office/drawing/2010/main" xmlns:p14="http://schemas.microsoft.com/office/powerpoint/2010/main" xmlns:a16="http://schemas.microsoft.com/office/drawing/2014/main" xmlns="" w="9525">
                   <a:solidFill>
                     <a:srgbClr val="000000"/>
                   </a:solidFill>
@@ -45569,7 +45576,7 @@
             </a:ln>
             <a:extLst>
               <a:ext uri="{91240B29-F687-4f45-9708-019B960494DF}">
-                <a14:hiddenLine xmlns="" xmlns:a16="http://schemas.microsoft.com/office/drawing/2014/main" xmlns:p14="http://schemas.microsoft.com/office/powerpoint/2010/main" xmlns:a14="http://schemas.microsoft.com/office/drawing/2010/main" w="9525">
+                <a14:hiddenLine xmlns:a14="http://schemas.microsoft.com/office/drawing/2010/main" xmlns:p14="http://schemas.microsoft.com/office/powerpoint/2010/main" xmlns:a16="http://schemas.microsoft.com/office/drawing/2014/main" xmlns="" w="9525">
                   <a:solidFill>
                     <a:srgbClr val="000000"/>
                   </a:solidFill>
@@ -45704,7 +45711,7 @@
             </a:ln>
             <a:extLst>
               <a:ext uri="{91240B29-F687-4f45-9708-019B960494DF}">
-                <a14:hiddenLine xmlns="" xmlns:a16="http://schemas.microsoft.com/office/drawing/2014/main" xmlns:p14="http://schemas.microsoft.com/office/powerpoint/2010/main" xmlns:a14="http://schemas.microsoft.com/office/drawing/2010/main" w="9525">
+                <a14:hiddenLine xmlns:a14="http://schemas.microsoft.com/office/drawing/2010/main" xmlns:p14="http://schemas.microsoft.com/office/powerpoint/2010/main" xmlns:a16="http://schemas.microsoft.com/office/drawing/2014/main" xmlns="" w="9525">
                   <a:solidFill>
                     <a:srgbClr val="000000"/>
                   </a:solidFill>
@@ -45891,7 +45898,7 @@
           </a:prstGeom>
           <a:extLst>
             <a:ext uri="{909E8E84-426E-40dd-AFC4-6F175D3DCCD1}">
-              <a14:hiddenFill xmlns="" xmlns:a16="http://schemas.microsoft.com/office/drawing/2014/main" xmlns:p14="http://schemas.microsoft.com/office/powerpoint/2010/main" xmlns:a14="http://schemas.microsoft.com/office/drawing/2010/main">
+              <a14:hiddenFill xmlns:a14="http://schemas.microsoft.com/office/drawing/2010/main" xmlns:p14="http://schemas.microsoft.com/office/powerpoint/2010/main" xmlns:a16="http://schemas.microsoft.com/office/drawing/2014/main" xmlns="">
                 <a:solidFill>
                   <a:srgbClr val="FFFFFF"/>
                 </a:solidFill>
@@ -46015,7 +46022,7 @@
           <a:noFill/>
           <a:extLst>
             <a:ext uri="{909E8E84-426E-40dd-AFC4-6F175D3DCCD1}">
-              <a14:hiddenFill xmlns="" xmlns:a16="http://schemas.microsoft.com/office/drawing/2014/main" xmlns:p14="http://schemas.microsoft.com/office/powerpoint/2010/main" xmlns:a14="http://schemas.microsoft.com/office/drawing/2010/main">
+              <a14:hiddenFill xmlns:a14="http://schemas.microsoft.com/office/drawing/2010/main" xmlns:p14="http://schemas.microsoft.com/office/powerpoint/2010/main" xmlns:a16="http://schemas.microsoft.com/office/drawing/2014/main" xmlns="">
                 <a:solidFill>
                   <a:srgbClr val="FFFFFF"/>
                 </a:solidFill>
@@ -46179,7 +46186,7 @@
             </a:ln>
             <a:extLst>
               <a:ext uri="{91240B29-F687-4f45-9708-019B960494DF}">
-                <a14:hiddenLine xmlns="" xmlns:a16="http://schemas.microsoft.com/office/drawing/2014/main" xmlns:p14="http://schemas.microsoft.com/office/powerpoint/2010/main" xmlns:a14="http://schemas.microsoft.com/office/drawing/2010/main" w="9525">
+                <a14:hiddenLine xmlns:a14="http://schemas.microsoft.com/office/drawing/2010/main" xmlns:p14="http://schemas.microsoft.com/office/powerpoint/2010/main" xmlns:a16="http://schemas.microsoft.com/office/drawing/2014/main" xmlns="" w="9525">
                   <a:solidFill>
                     <a:srgbClr val="000000"/>
                   </a:solidFill>
@@ -46284,7 +46291,7 @@
             </a:ln>
             <a:extLst>
               <a:ext uri="{91240B29-F687-4f45-9708-019B960494DF}">
-                <a14:hiddenLine xmlns="" xmlns:a16="http://schemas.microsoft.com/office/drawing/2014/main" xmlns:p14="http://schemas.microsoft.com/office/powerpoint/2010/main" xmlns:a14="http://schemas.microsoft.com/office/drawing/2010/main" w="9525">
+                <a14:hiddenLine xmlns:a14="http://schemas.microsoft.com/office/drawing/2010/main" xmlns:p14="http://schemas.microsoft.com/office/powerpoint/2010/main" xmlns:a16="http://schemas.microsoft.com/office/drawing/2014/main" xmlns="" w="9525">
                   <a:solidFill>
                     <a:srgbClr val="000000"/>
                   </a:solidFill>
@@ -46389,7 +46396,7 @@
             </a:ln>
             <a:extLst>
               <a:ext uri="{91240B29-F687-4f45-9708-019B960494DF}">
-                <a14:hiddenLine xmlns="" xmlns:a16="http://schemas.microsoft.com/office/drawing/2014/main" xmlns:p14="http://schemas.microsoft.com/office/powerpoint/2010/main" xmlns:a14="http://schemas.microsoft.com/office/drawing/2010/main" w="9525">
+                <a14:hiddenLine xmlns:a14="http://schemas.microsoft.com/office/drawing/2010/main" xmlns:p14="http://schemas.microsoft.com/office/powerpoint/2010/main" xmlns:a16="http://schemas.microsoft.com/office/drawing/2014/main" xmlns="" w="9525">
                   <a:solidFill>
                     <a:srgbClr val="000000"/>
                   </a:solidFill>
@@ -46466,7 +46473,7 @@
             </a:ln>
             <a:extLst>
               <a:ext uri="{91240B29-F687-4f45-9708-019B960494DF}">
-                <a14:hiddenLine xmlns="" xmlns:a16="http://schemas.microsoft.com/office/drawing/2014/main" xmlns:p14="http://schemas.microsoft.com/office/powerpoint/2010/main" xmlns:a14="http://schemas.microsoft.com/office/drawing/2010/main" w="9525">
+                <a14:hiddenLine xmlns:a14="http://schemas.microsoft.com/office/drawing/2010/main" xmlns:p14="http://schemas.microsoft.com/office/powerpoint/2010/main" xmlns:a16="http://schemas.microsoft.com/office/drawing/2014/main" xmlns="" w="9525">
                   <a:solidFill>
                     <a:srgbClr val="000000"/>
                   </a:solidFill>
@@ -46571,7 +46578,7 @@
             </a:ln>
             <a:extLst>
               <a:ext uri="{91240B29-F687-4f45-9708-019B960494DF}">
-                <a14:hiddenLine xmlns="" xmlns:a16="http://schemas.microsoft.com/office/drawing/2014/main" xmlns:p14="http://schemas.microsoft.com/office/powerpoint/2010/main" xmlns:a14="http://schemas.microsoft.com/office/drawing/2010/main" w="9525">
+                <a14:hiddenLine xmlns:a14="http://schemas.microsoft.com/office/drawing/2010/main" xmlns:p14="http://schemas.microsoft.com/office/powerpoint/2010/main" xmlns:a16="http://schemas.microsoft.com/office/drawing/2014/main" xmlns="" w="9525">
                   <a:solidFill>
                     <a:srgbClr val="000000"/>
                   </a:solidFill>
@@ -46648,7 +46655,7 @@
             </a:ln>
             <a:extLst>
               <a:ext uri="{91240B29-F687-4f45-9708-019B960494DF}">
-                <a14:hiddenLine xmlns="" xmlns:a16="http://schemas.microsoft.com/office/drawing/2014/main" xmlns:p14="http://schemas.microsoft.com/office/powerpoint/2010/main" xmlns:a14="http://schemas.microsoft.com/office/drawing/2010/main" w="9525">
+                <a14:hiddenLine xmlns:a14="http://schemas.microsoft.com/office/drawing/2010/main" xmlns:p14="http://schemas.microsoft.com/office/powerpoint/2010/main" xmlns:a16="http://schemas.microsoft.com/office/drawing/2014/main" xmlns="" w="9525">
                   <a:solidFill>
                     <a:srgbClr val="000000"/>
                   </a:solidFill>
@@ -46725,7 +46732,7 @@
             </a:ln>
             <a:extLst>
               <a:ext uri="{91240B29-F687-4f45-9708-019B960494DF}">
-                <a14:hiddenLine xmlns="" xmlns:a16="http://schemas.microsoft.com/office/drawing/2014/main" xmlns:p14="http://schemas.microsoft.com/office/powerpoint/2010/main" xmlns:a14="http://schemas.microsoft.com/office/drawing/2010/main" w="9525">
+                <a14:hiddenLine xmlns:a14="http://schemas.microsoft.com/office/drawing/2010/main" xmlns:p14="http://schemas.microsoft.com/office/powerpoint/2010/main" xmlns:a16="http://schemas.microsoft.com/office/drawing/2014/main" xmlns="" w="9525">
                   <a:solidFill>
                     <a:srgbClr val="000000"/>
                   </a:solidFill>
@@ -46830,7 +46837,7 @@
             </a:ln>
             <a:extLst>
               <a:ext uri="{91240B29-F687-4f45-9708-019B960494DF}">
-                <a14:hiddenLine xmlns="" xmlns:a16="http://schemas.microsoft.com/office/drawing/2014/main" xmlns:p14="http://schemas.microsoft.com/office/powerpoint/2010/main" xmlns:a14="http://schemas.microsoft.com/office/drawing/2010/main" w="9525">
+                <a14:hiddenLine xmlns:a14="http://schemas.microsoft.com/office/drawing/2010/main" xmlns:p14="http://schemas.microsoft.com/office/powerpoint/2010/main" xmlns:a16="http://schemas.microsoft.com/office/drawing/2014/main" xmlns="" w="9525">
                   <a:solidFill>
                     <a:srgbClr val="000000"/>
                   </a:solidFill>
@@ -46935,7 +46942,7 @@
             </a:ln>
             <a:extLst>
               <a:ext uri="{91240B29-F687-4f45-9708-019B960494DF}">
-                <a14:hiddenLine xmlns="" xmlns:a16="http://schemas.microsoft.com/office/drawing/2014/main" xmlns:p14="http://schemas.microsoft.com/office/powerpoint/2010/main" xmlns:a14="http://schemas.microsoft.com/office/drawing/2010/main" w="9525">
+                <a14:hiddenLine xmlns:a14="http://schemas.microsoft.com/office/drawing/2010/main" xmlns:p14="http://schemas.microsoft.com/office/powerpoint/2010/main" xmlns:a16="http://schemas.microsoft.com/office/drawing/2014/main" xmlns="" w="9525">
                   <a:solidFill>
                     <a:srgbClr val="000000"/>
                   </a:solidFill>
@@ -47012,7 +47019,7 @@
             </a:ln>
             <a:extLst>
               <a:ext uri="{91240B29-F687-4f45-9708-019B960494DF}">
-                <a14:hiddenLine xmlns="" xmlns:a16="http://schemas.microsoft.com/office/drawing/2014/main" xmlns:p14="http://schemas.microsoft.com/office/powerpoint/2010/main" xmlns:a14="http://schemas.microsoft.com/office/drawing/2010/main" w="9525">
+                <a14:hiddenLine xmlns:a14="http://schemas.microsoft.com/office/drawing/2010/main" xmlns:p14="http://schemas.microsoft.com/office/powerpoint/2010/main" xmlns:a16="http://schemas.microsoft.com/office/drawing/2014/main" xmlns="" w="9525">
                   <a:solidFill>
                     <a:srgbClr val="000000"/>
                   </a:solidFill>
@@ -47137,7 +47144,7 @@
             </a:ln>
             <a:extLst>
               <a:ext uri="{91240B29-F687-4f45-9708-019B960494DF}">
-                <a14:hiddenLine xmlns="" xmlns:a16="http://schemas.microsoft.com/office/drawing/2014/main" xmlns:p14="http://schemas.microsoft.com/office/powerpoint/2010/main" xmlns:a14="http://schemas.microsoft.com/office/drawing/2010/main" w="9525">
+                <a14:hiddenLine xmlns:a14="http://schemas.microsoft.com/office/drawing/2010/main" xmlns:p14="http://schemas.microsoft.com/office/powerpoint/2010/main" xmlns:a16="http://schemas.microsoft.com/office/drawing/2014/main" xmlns="" w="9525">
                   <a:solidFill>
                     <a:srgbClr val="000000"/>
                   </a:solidFill>
@@ -47251,7 +47258,7 @@
             </a:ln>
             <a:extLst>
               <a:ext uri="{91240B29-F687-4f45-9708-019B960494DF}">
-                <a14:hiddenLine xmlns="" xmlns:a16="http://schemas.microsoft.com/office/drawing/2014/main" xmlns:p14="http://schemas.microsoft.com/office/powerpoint/2010/main" xmlns:a14="http://schemas.microsoft.com/office/drawing/2010/main" w="9525">
+                <a14:hiddenLine xmlns:a14="http://schemas.microsoft.com/office/drawing/2010/main" xmlns:p14="http://schemas.microsoft.com/office/powerpoint/2010/main" xmlns:a16="http://schemas.microsoft.com/office/drawing/2014/main" xmlns="" w="9525">
                   <a:solidFill>
                     <a:srgbClr val="000000"/>
                   </a:solidFill>
@@ -47328,7 +47335,7 @@
             </a:ln>
             <a:extLst>
               <a:ext uri="{91240B29-F687-4f45-9708-019B960494DF}">
-                <a14:hiddenLine xmlns="" xmlns:a16="http://schemas.microsoft.com/office/drawing/2014/main" xmlns:p14="http://schemas.microsoft.com/office/powerpoint/2010/main" xmlns:a14="http://schemas.microsoft.com/office/drawing/2010/main" w="9525">
+                <a14:hiddenLine xmlns:a14="http://schemas.microsoft.com/office/drawing/2010/main" xmlns:p14="http://schemas.microsoft.com/office/powerpoint/2010/main" xmlns:a16="http://schemas.microsoft.com/office/drawing/2014/main" xmlns="" w="9525">
                   <a:solidFill>
                     <a:srgbClr val="000000"/>
                   </a:solidFill>
@@ -47405,7 +47412,7 @@
             </a:ln>
             <a:extLst>
               <a:ext uri="{91240B29-F687-4f45-9708-019B960494DF}">
-                <a14:hiddenLine xmlns="" xmlns:a16="http://schemas.microsoft.com/office/drawing/2014/main" xmlns:p14="http://schemas.microsoft.com/office/powerpoint/2010/main" xmlns:a14="http://schemas.microsoft.com/office/drawing/2010/main" w="9525">
+                <a14:hiddenLine xmlns:a14="http://schemas.microsoft.com/office/drawing/2010/main" xmlns:p14="http://schemas.microsoft.com/office/powerpoint/2010/main" xmlns:a16="http://schemas.microsoft.com/office/drawing/2014/main" xmlns="" w="9525">
                   <a:solidFill>
                     <a:srgbClr val="000000"/>
                   </a:solidFill>
@@ -47510,7 +47517,7 @@
             </a:ln>
             <a:extLst>
               <a:ext uri="{91240B29-F687-4f45-9708-019B960494DF}">
-                <a14:hiddenLine xmlns="" xmlns:a16="http://schemas.microsoft.com/office/drawing/2014/main" xmlns:p14="http://schemas.microsoft.com/office/powerpoint/2010/main" xmlns:a14="http://schemas.microsoft.com/office/drawing/2010/main" w="9525">
+                <a14:hiddenLine xmlns:a14="http://schemas.microsoft.com/office/drawing/2010/main" xmlns:p14="http://schemas.microsoft.com/office/powerpoint/2010/main" xmlns:a16="http://schemas.microsoft.com/office/drawing/2014/main" xmlns="" w="9525">
                   <a:solidFill>
                     <a:srgbClr val="000000"/>
                   </a:solidFill>
@@ -47559,7 +47566,7 @@
             </a:ln>
             <a:extLst>
               <a:ext uri="{91240B29-F687-4f45-9708-019B960494DF}">
-                <a14:hiddenLine xmlns="" xmlns:a16="http://schemas.microsoft.com/office/drawing/2014/main" xmlns:p14="http://schemas.microsoft.com/office/powerpoint/2010/main" xmlns:a14="http://schemas.microsoft.com/office/drawing/2010/main" w="9525">
+                <a14:hiddenLine xmlns:a14="http://schemas.microsoft.com/office/drawing/2010/main" xmlns:p14="http://schemas.microsoft.com/office/powerpoint/2010/main" xmlns:a16="http://schemas.microsoft.com/office/drawing/2014/main" xmlns="" w="9525">
                   <a:solidFill>
                     <a:srgbClr val="000000"/>
                   </a:solidFill>
@@ -47639,7 +47646,7 @@
             </a:ln>
             <a:extLst>
               <a:ext uri="{91240B29-F687-4f45-9708-019B960494DF}">
-                <a14:hiddenLine xmlns="" xmlns:a16="http://schemas.microsoft.com/office/drawing/2014/main" xmlns:p14="http://schemas.microsoft.com/office/powerpoint/2010/main" xmlns:a14="http://schemas.microsoft.com/office/drawing/2010/main" w="9525">
+                <a14:hiddenLine xmlns:a14="http://schemas.microsoft.com/office/drawing/2010/main" xmlns:p14="http://schemas.microsoft.com/office/powerpoint/2010/main" xmlns:a16="http://schemas.microsoft.com/office/drawing/2014/main" xmlns="" w="9525">
                   <a:solidFill>
                     <a:srgbClr val="000000"/>
                   </a:solidFill>
@@ -47744,7 +47751,7 @@
             </a:ln>
             <a:extLst>
               <a:ext uri="{91240B29-F687-4f45-9708-019B960494DF}">
-                <a14:hiddenLine xmlns="" xmlns:a16="http://schemas.microsoft.com/office/drawing/2014/main" xmlns:p14="http://schemas.microsoft.com/office/powerpoint/2010/main" xmlns:a14="http://schemas.microsoft.com/office/drawing/2010/main" w="9525">
+                <a14:hiddenLine xmlns:a14="http://schemas.microsoft.com/office/drawing/2010/main" xmlns:p14="http://schemas.microsoft.com/office/powerpoint/2010/main" xmlns:a16="http://schemas.microsoft.com/office/drawing/2014/main" xmlns="" w="9525">
                   <a:solidFill>
                     <a:srgbClr val="000000"/>
                   </a:solidFill>
@@ -47821,7 +47828,7 @@
             </a:ln>
             <a:extLst>
               <a:ext uri="{91240B29-F687-4f45-9708-019B960494DF}">
-                <a14:hiddenLine xmlns="" xmlns:a16="http://schemas.microsoft.com/office/drawing/2014/main" xmlns:p14="http://schemas.microsoft.com/office/powerpoint/2010/main" xmlns:a14="http://schemas.microsoft.com/office/drawing/2010/main" w="9525">
+                <a14:hiddenLine xmlns:a14="http://schemas.microsoft.com/office/drawing/2010/main" xmlns:p14="http://schemas.microsoft.com/office/powerpoint/2010/main" xmlns:a16="http://schemas.microsoft.com/office/drawing/2014/main" xmlns="" w="9525">
                   <a:solidFill>
                     <a:srgbClr val="000000"/>
                   </a:solidFill>
@@ -47926,7 +47933,7 @@
             </a:ln>
             <a:extLst>
               <a:ext uri="{91240B29-F687-4f45-9708-019B960494DF}">
-                <a14:hiddenLine xmlns="" xmlns:a16="http://schemas.microsoft.com/office/drawing/2014/main" xmlns:p14="http://schemas.microsoft.com/office/powerpoint/2010/main" xmlns:a14="http://schemas.microsoft.com/office/drawing/2010/main" w="9525">
+                <a14:hiddenLine xmlns:a14="http://schemas.microsoft.com/office/drawing/2010/main" xmlns:p14="http://schemas.microsoft.com/office/powerpoint/2010/main" xmlns:a16="http://schemas.microsoft.com/office/drawing/2014/main" xmlns="" w="9525">
                   <a:solidFill>
                     <a:srgbClr val="000000"/>
                   </a:solidFill>
@@ -48006,7 +48013,7 @@
             </a:ln>
             <a:extLst>
               <a:ext uri="{91240B29-F687-4f45-9708-019B960494DF}">
-                <a14:hiddenLine xmlns="" xmlns:a16="http://schemas.microsoft.com/office/drawing/2014/main" xmlns:p14="http://schemas.microsoft.com/office/powerpoint/2010/main" xmlns:a14="http://schemas.microsoft.com/office/drawing/2010/main" w="9525">
+                <a14:hiddenLine xmlns:a14="http://schemas.microsoft.com/office/drawing/2010/main" xmlns:p14="http://schemas.microsoft.com/office/powerpoint/2010/main" xmlns:a16="http://schemas.microsoft.com/office/drawing/2014/main" xmlns="" w="9525">
                   <a:solidFill>
                     <a:srgbClr val="000000"/>
                   </a:solidFill>
@@ -48083,7 +48090,7 @@
             </a:ln>
             <a:extLst>
               <a:ext uri="{91240B29-F687-4f45-9708-019B960494DF}">
-                <a14:hiddenLine xmlns="" xmlns:a16="http://schemas.microsoft.com/office/drawing/2014/main" xmlns:p14="http://schemas.microsoft.com/office/powerpoint/2010/main" xmlns:a14="http://schemas.microsoft.com/office/drawing/2010/main" w="9525">
+                <a14:hiddenLine xmlns:a14="http://schemas.microsoft.com/office/drawing/2010/main" xmlns:p14="http://schemas.microsoft.com/office/powerpoint/2010/main" xmlns:a16="http://schemas.microsoft.com/office/drawing/2014/main" xmlns="" w="9525">
                   <a:solidFill>
                     <a:srgbClr val="000000"/>
                   </a:solidFill>
@@ -48188,7 +48195,7 @@
             </a:ln>
             <a:extLst>
               <a:ext uri="{91240B29-F687-4f45-9708-019B960494DF}">
-                <a14:hiddenLine xmlns="" xmlns:a16="http://schemas.microsoft.com/office/drawing/2014/main" xmlns:p14="http://schemas.microsoft.com/office/powerpoint/2010/main" xmlns:a14="http://schemas.microsoft.com/office/drawing/2010/main" w="9525">
+                <a14:hiddenLine xmlns:a14="http://schemas.microsoft.com/office/drawing/2010/main" xmlns:p14="http://schemas.microsoft.com/office/powerpoint/2010/main" xmlns:a16="http://schemas.microsoft.com/office/drawing/2014/main" xmlns="" w="9525">
                   <a:solidFill>
                     <a:srgbClr val="000000"/>
                   </a:solidFill>
@@ -48293,7 +48300,7 @@
             </a:ln>
             <a:extLst>
               <a:ext uri="{91240B29-F687-4f45-9708-019B960494DF}">
-                <a14:hiddenLine xmlns="" xmlns:a16="http://schemas.microsoft.com/office/drawing/2014/main" xmlns:p14="http://schemas.microsoft.com/office/powerpoint/2010/main" xmlns:a14="http://schemas.microsoft.com/office/drawing/2010/main" w="9525">
+                <a14:hiddenLine xmlns:a14="http://schemas.microsoft.com/office/drawing/2010/main" xmlns:p14="http://schemas.microsoft.com/office/powerpoint/2010/main" xmlns:a16="http://schemas.microsoft.com/office/drawing/2014/main" xmlns="" w="9525">
                   <a:solidFill>
                     <a:srgbClr val="000000"/>
                   </a:solidFill>
@@ -48373,7 +48380,7 @@
             </a:ln>
             <a:extLst>
               <a:ext uri="{91240B29-F687-4f45-9708-019B960494DF}">
-                <a14:hiddenLine xmlns="" xmlns:a16="http://schemas.microsoft.com/office/drawing/2014/main" xmlns:p14="http://schemas.microsoft.com/office/powerpoint/2010/main" xmlns:a14="http://schemas.microsoft.com/office/drawing/2010/main" w="9525">
+                <a14:hiddenLine xmlns:a14="http://schemas.microsoft.com/office/drawing/2010/main" xmlns:p14="http://schemas.microsoft.com/office/powerpoint/2010/main" xmlns:a16="http://schemas.microsoft.com/office/drawing/2014/main" xmlns="" w="9525">
                   <a:solidFill>
                     <a:srgbClr val="000000"/>
                   </a:solidFill>
@@ -48508,7 +48515,7 @@
             </a:ln>
             <a:extLst>
               <a:ext uri="{91240B29-F687-4f45-9708-019B960494DF}">
-                <a14:hiddenLine xmlns="" xmlns:a16="http://schemas.microsoft.com/office/drawing/2014/main" xmlns:p14="http://schemas.microsoft.com/office/powerpoint/2010/main" xmlns:a14="http://schemas.microsoft.com/office/drawing/2010/main" w="9525">
+                <a14:hiddenLine xmlns:a14="http://schemas.microsoft.com/office/drawing/2010/main" xmlns:p14="http://schemas.microsoft.com/office/powerpoint/2010/main" xmlns:a16="http://schemas.microsoft.com/office/drawing/2014/main" xmlns="" w="9525">
                   <a:solidFill>
                     <a:srgbClr val="000000"/>
                   </a:solidFill>
@@ -48560,6 +48567,1077 @@
   </p:cSld>
   <p:clrMapOvr>
     <a:overrideClrMapping bg1="lt1" tx1="dk1" bg2="lt2" tx2="dk2" accent1="accent1" accent2="accent2" accent3="accent3" accent4="accent4" accent5="accent5" accent6="accent6" hlink="hlink" folHlink="folHlink"/>
+  </p:clrMapOvr>
+</p:sld>
+</file>
+
+<file path=ppt/slides/slide25.xml><?xml version="1.0" encoding="utf-8"?>
+<p:sld xmlns:a="http://schemas.openxmlformats.org/drawingml/2006/main" xmlns:r="http://schemas.openxmlformats.org/officeDocument/2006/relationships" xmlns:p="http://schemas.openxmlformats.org/presentationml/2006/main">
+  <p:cSld>
+    <p:spTree>
+      <p:nvGrpSpPr>
+        <p:cNvPr id="1" name=""/>
+        <p:cNvGrpSpPr/>
+        <p:nvPr/>
+      </p:nvGrpSpPr>
+      <p:grpSpPr>
+        <a:xfrm>
+          <a:off x="0" y="0"/>
+          <a:ext cx="0" cy="0"/>
+          <a:chOff x="0" y="0"/>
+          <a:chExt cx="0" cy="0"/>
+        </a:xfrm>
+      </p:grpSpPr>
+      <p:sp>
+        <p:nvSpPr>
+          <p:cNvPr id="2" name="Titel 1">
+            <a:extLst>
+              <a:ext uri="{FF2B5EF4-FFF2-40B4-BE49-F238E27FC236}">
+                <a16:creationId xmlns:a16="http://schemas.microsoft.com/office/drawing/2014/main" id="{1FA2B3D4-DC27-4CDB-BCD4-01995CB0C234}"/>
+              </a:ext>
+            </a:extLst>
+          </p:cNvPr>
+          <p:cNvSpPr>
+            <a:spLocks noGrp="1"/>
+          </p:cNvSpPr>
+          <p:nvPr>
+            <p:ph type="title"/>
+          </p:nvPr>
+        </p:nvSpPr>
+        <p:spPr/>
+        <p:txBody>
+          <a:bodyPr/>
+          <a:lstStyle/>
+          <a:p>
+            <a:r>
+              <a:rPr lang="de-DE" dirty="0"/>
+              <a:t>Aufwandsschätzung: Silent </a:t>
+            </a:r>
+            <a:r>
+              <a:rPr lang="de-DE" dirty="0" err="1"/>
+              <a:t>Sort</a:t>
+            </a:r>
+            <a:r>
+              <a:rPr lang="de-DE" dirty="0"/>
+              <a:t> </a:t>
+            </a:r>
+            <a:r>
+              <a:rPr lang="de-DE"/>
+              <a:t>Estimating</a:t>
+            </a:r>
+            <a:endParaRPr lang="de-DE" dirty="0"/>
+          </a:p>
+        </p:txBody>
+      </p:sp>
+      <p:graphicFrame>
+        <p:nvGraphicFramePr>
+          <p:cNvPr id="4" name="Inhaltsplatzhalter 3">
+            <a:extLst>
+              <a:ext uri="{FF2B5EF4-FFF2-40B4-BE49-F238E27FC236}">
+                <a16:creationId xmlns:a16="http://schemas.microsoft.com/office/drawing/2014/main" id="{244868A6-15E8-45A8-9605-011F70F4AB79}"/>
+              </a:ext>
+            </a:extLst>
+          </p:cNvPr>
+          <p:cNvGraphicFramePr>
+            <a:graphicFrameLocks noGrp="1"/>
+          </p:cNvGraphicFramePr>
+          <p:nvPr>
+            <p:ph idx="1"/>
+            <p:extLst>
+              <p:ext uri="{D42A27DB-BD31-4B8C-83A1-F6EECF244321}">
+                <p14:modId xmlns:p14="http://schemas.microsoft.com/office/powerpoint/2010/main" val="582143053"/>
+              </p:ext>
+            </p:extLst>
+          </p:nvPr>
+        </p:nvGraphicFramePr>
+        <p:xfrm>
+          <a:off x="1928209" y="2097088"/>
+          <a:ext cx="7872739" cy="3992994"/>
+        </p:xfrm>
+        <a:graphic>
+          <a:graphicData uri="http://schemas.openxmlformats.org/drawingml/2006/table">
+            <a:tbl>
+              <a:tblPr firstRow="1" firstCol="1" bandRow="1">
+                <a:tableStyleId>{D7AC3CCA-C797-4891-BE02-D94E43425B78}</a:tableStyleId>
+              </a:tblPr>
+              <a:tblGrid>
+                <a:gridCol w="1545532">
+                  <a:extLst>
+                    <a:ext uri="{9D8B030D-6E8A-4147-A177-3AD203B41FA5}">
+                      <a16:colId xmlns:a16="http://schemas.microsoft.com/office/drawing/2014/main" val="2736893507"/>
+                    </a:ext>
+                  </a:extLst>
+                </a:gridCol>
+                <a:gridCol w="1568987">
+                  <a:extLst>
+                    <a:ext uri="{9D8B030D-6E8A-4147-A177-3AD203B41FA5}">
+                      <a16:colId xmlns:a16="http://schemas.microsoft.com/office/drawing/2014/main" val="1025599267"/>
+                    </a:ext>
+                  </a:extLst>
+                </a:gridCol>
+                <a:gridCol w="1568987">
+                  <a:extLst>
+                    <a:ext uri="{9D8B030D-6E8A-4147-A177-3AD203B41FA5}">
+                      <a16:colId xmlns:a16="http://schemas.microsoft.com/office/drawing/2014/main" val="3782696600"/>
+                    </a:ext>
+                  </a:extLst>
+                </a:gridCol>
+                <a:gridCol w="1542925">
+                  <a:extLst>
+                    <a:ext uri="{9D8B030D-6E8A-4147-A177-3AD203B41FA5}">
+                      <a16:colId xmlns:a16="http://schemas.microsoft.com/office/drawing/2014/main" val="4094556743"/>
+                    </a:ext>
+                  </a:extLst>
+                </a:gridCol>
+                <a:gridCol w="1646308">
+                  <a:extLst>
+                    <a:ext uri="{9D8B030D-6E8A-4147-A177-3AD203B41FA5}">
+                      <a16:colId xmlns:a16="http://schemas.microsoft.com/office/drawing/2014/main" val="793910083"/>
+                    </a:ext>
+                  </a:extLst>
+                </a:gridCol>
+              </a:tblGrid>
+              <a:tr h="276290">
+                <a:tc>
+                  <a:txBody>
+                    <a:bodyPr/>
+                    <a:lstStyle/>
+                    <a:p>
+                      <a:pPr algn="ctr">
+                        <a:lnSpc>
+                          <a:spcPct val="107000"/>
+                        </a:lnSpc>
+                        <a:spcAft>
+                          <a:spcPts val="0"/>
+                        </a:spcAft>
+                      </a:pPr>
+                      <a:r>
+                        <a:rPr lang="de-DE" sz="1600" dirty="0">
+                          <a:effectLst/>
+                        </a:rPr>
+                        <a:t>XS</a:t>
+                      </a:r>
+                      <a:endParaRPr lang="de-DE" sz="1600" dirty="0">
+                        <a:effectLst/>
+                        <a:latin typeface="Calibri" panose="020F0502020204030204" pitchFamily="34" charset="0"/>
+                        <a:ea typeface="Calibri" panose="020F0502020204030204" pitchFamily="34" charset="0"/>
+                        <a:cs typeface="Times New Roman" panose="02020603050405020304" pitchFamily="18" charset="0"/>
+                      </a:endParaRPr>
+                    </a:p>
+                  </a:txBody>
+                  <a:tcPr marL="68580" marR="68580" marT="0" marB="0"/>
+                </a:tc>
+                <a:tc>
+                  <a:txBody>
+                    <a:bodyPr/>
+                    <a:lstStyle/>
+                    <a:p>
+                      <a:pPr algn="ctr">
+                        <a:lnSpc>
+                          <a:spcPct val="107000"/>
+                        </a:lnSpc>
+                        <a:spcAft>
+                          <a:spcPts val="0"/>
+                        </a:spcAft>
+                      </a:pPr>
+                      <a:r>
+                        <a:rPr lang="de-DE" sz="1600">
+                          <a:effectLst/>
+                        </a:rPr>
+                        <a:t>S</a:t>
+                      </a:r>
+                      <a:endParaRPr lang="de-DE" sz="1600">
+                        <a:effectLst/>
+                        <a:latin typeface="Calibri" panose="020F0502020204030204" pitchFamily="34" charset="0"/>
+                        <a:ea typeface="Calibri" panose="020F0502020204030204" pitchFamily="34" charset="0"/>
+                        <a:cs typeface="Times New Roman" panose="02020603050405020304" pitchFamily="18" charset="0"/>
+                      </a:endParaRPr>
+                    </a:p>
+                  </a:txBody>
+                  <a:tcPr marL="68580" marR="68580" marT="0" marB="0"/>
+                </a:tc>
+                <a:tc>
+                  <a:txBody>
+                    <a:bodyPr/>
+                    <a:lstStyle/>
+                    <a:p>
+                      <a:pPr algn="ctr">
+                        <a:lnSpc>
+                          <a:spcPct val="107000"/>
+                        </a:lnSpc>
+                        <a:spcAft>
+                          <a:spcPts val="0"/>
+                        </a:spcAft>
+                      </a:pPr>
+                      <a:r>
+                        <a:rPr lang="de-DE" sz="1600">
+                          <a:effectLst/>
+                        </a:rPr>
+                        <a:t>M</a:t>
+                      </a:r>
+                      <a:endParaRPr lang="de-DE" sz="1600">
+                        <a:effectLst/>
+                        <a:latin typeface="Calibri" panose="020F0502020204030204" pitchFamily="34" charset="0"/>
+                        <a:ea typeface="Calibri" panose="020F0502020204030204" pitchFamily="34" charset="0"/>
+                        <a:cs typeface="Times New Roman" panose="02020603050405020304" pitchFamily="18" charset="0"/>
+                      </a:endParaRPr>
+                    </a:p>
+                  </a:txBody>
+                  <a:tcPr marL="68580" marR="68580" marT="0" marB="0"/>
+                </a:tc>
+                <a:tc>
+                  <a:txBody>
+                    <a:bodyPr/>
+                    <a:lstStyle/>
+                    <a:p>
+                      <a:pPr algn="ctr">
+                        <a:lnSpc>
+                          <a:spcPct val="107000"/>
+                        </a:lnSpc>
+                        <a:spcAft>
+                          <a:spcPts val="0"/>
+                        </a:spcAft>
+                      </a:pPr>
+                      <a:r>
+                        <a:rPr lang="de-DE" sz="1600" dirty="0">
+                          <a:effectLst/>
+                        </a:rPr>
+                        <a:t>L</a:t>
+                      </a:r>
+                      <a:endParaRPr lang="de-DE" sz="1600" dirty="0">
+                        <a:effectLst/>
+                        <a:latin typeface="Calibri" panose="020F0502020204030204" pitchFamily="34" charset="0"/>
+                        <a:ea typeface="Calibri" panose="020F0502020204030204" pitchFamily="34" charset="0"/>
+                        <a:cs typeface="Times New Roman" panose="02020603050405020304" pitchFamily="18" charset="0"/>
+                      </a:endParaRPr>
+                    </a:p>
+                  </a:txBody>
+                  <a:tcPr marL="68580" marR="68580" marT="0" marB="0"/>
+                </a:tc>
+                <a:tc>
+                  <a:txBody>
+                    <a:bodyPr/>
+                    <a:lstStyle/>
+                    <a:p>
+                      <a:pPr algn="ctr">
+                        <a:lnSpc>
+                          <a:spcPct val="107000"/>
+                        </a:lnSpc>
+                        <a:spcAft>
+                          <a:spcPts val="0"/>
+                        </a:spcAft>
+                      </a:pPr>
+                      <a:r>
+                        <a:rPr lang="de-DE" sz="1600">
+                          <a:effectLst/>
+                        </a:rPr>
+                        <a:t>XL</a:t>
+                      </a:r>
+                      <a:endParaRPr lang="de-DE" sz="1600">
+                        <a:effectLst/>
+                        <a:latin typeface="Calibri" panose="020F0502020204030204" pitchFamily="34" charset="0"/>
+                        <a:ea typeface="Calibri" panose="020F0502020204030204" pitchFamily="34" charset="0"/>
+                        <a:cs typeface="Times New Roman" panose="02020603050405020304" pitchFamily="18" charset="0"/>
+                      </a:endParaRPr>
+                    </a:p>
+                  </a:txBody>
+                  <a:tcPr marL="68580" marR="68580" marT="0" marB="0"/>
+                </a:tc>
+                <a:extLst>
+                  <a:ext uri="{0D108BD9-81ED-4DB2-BD59-A6C34878D82A}">
+                    <a16:rowId xmlns:a16="http://schemas.microsoft.com/office/drawing/2014/main" val="1945235095"/>
+                  </a:ext>
+                </a:extLst>
+              </a:tr>
+              <a:tr h="859749">
+                <a:tc>
+                  <a:txBody>
+                    <a:bodyPr/>
+                    <a:lstStyle/>
+                    <a:p>
+                      <a:pPr>
+                        <a:lnSpc>
+                          <a:spcPct val="107000"/>
+                        </a:lnSpc>
+                        <a:spcAft>
+                          <a:spcPts val="0"/>
+                        </a:spcAft>
+                      </a:pPr>
+                      <a:r>
+                        <a:rPr lang="de-DE" sz="1600" b="0" dirty="0">
+                          <a:effectLst/>
+                        </a:rPr>
+                        <a:t>Anmeldung</a:t>
+                      </a:r>
+                      <a:endParaRPr lang="de-DE" sz="1600" b="0" dirty="0">
+                        <a:effectLst/>
+                        <a:latin typeface="Calibri" panose="020F0502020204030204" pitchFamily="34" charset="0"/>
+                        <a:ea typeface="Calibri" panose="020F0502020204030204" pitchFamily="34" charset="0"/>
+                        <a:cs typeface="Times New Roman" panose="02020603050405020304" pitchFamily="18" charset="0"/>
+                      </a:endParaRPr>
+                    </a:p>
+                  </a:txBody>
+                  <a:tcPr marL="68580" marR="68580" marT="0" marB="0"/>
+                </a:tc>
+                <a:tc>
+                  <a:txBody>
+                    <a:bodyPr/>
+                    <a:lstStyle/>
+                    <a:p>
+                      <a:pPr>
+                        <a:lnSpc>
+                          <a:spcPct val="107000"/>
+                        </a:lnSpc>
+                        <a:spcAft>
+                          <a:spcPts val="0"/>
+                        </a:spcAft>
+                      </a:pPr>
+                      <a:r>
+                        <a:rPr lang="de-DE" sz="1600" dirty="0">
+                          <a:effectLst/>
+                        </a:rPr>
+                        <a:t>Anzeige aller Shisha-Bars</a:t>
+                      </a:r>
+                      <a:endParaRPr lang="de-DE" sz="1600" dirty="0">
+                        <a:effectLst/>
+                        <a:latin typeface="Calibri" panose="020F0502020204030204" pitchFamily="34" charset="0"/>
+                        <a:ea typeface="Calibri" panose="020F0502020204030204" pitchFamily="34" charset="0"/>
+                        <a:cs typeface="Times New Roman" panose="02020603050405020304" pitchFamily="18" charset="0"/>
+                      </a:endParaRPr>
+                    </a:p>
+                  </a:txBody>
+                  <a:tcPr marL="68580" marR="68580" marT="0" marB="0"/>
+                </a:tc>
+                <a:tc>
+                  <a:txBody>
+                    <a:bodyPr/>
+                    <a:lstStyle/>
+                    <a:p>
+                      <a:pPr>
+                        <a:lnSpc>
+                          <a:spcPct val="107000"/>
+                        </a:lnSpc>
+                        <a:spcAft>
+                          <a:spcPts val="0"/>
+                        </a:spcAft>
+                      </a:pPr>
+                      <a:r>
+                        <a:rPr lang="de-DE" sz="1600">
+                          <a:effectLst/>
+                        </a:rPr>
+                        <a:t>Profilseite</a:t>
+                      </a:r>
+                      <a:endParaRPr lang="de-DE" sz="1600">
+                        <a:effectLst/>
+                        <a:latin typeface="Calibri" panose="020F0502020204030204" pitchFamily="34" charset="0"/>
+                        <a:ea typeface="Calibri" panose="020F0502020204030204" pitchFamily="34" charset="0"/>
+                        <a:cs typeface="Times New Roman" panose="02020603050405020304" pitchFamily="18" charset="0"/>
+                      </a:endParaRPr>
+                    </a:p>
+                  </a:txBody>
+                  <a:tcPr marL="68580" marR="68580" marT="0" marB="0"/>
+                </a:tc>
+                <a:tc>
+                  <a:txBody>
+                    <a:bodyPr/>
+                    <a:lstStyle/>
+                    <a:p>
+                      <a:pPr>
+                        <a:lnSpc>
+                          <a:spcPct val="107000"/>
+                        </a:lnSpc>
+                        <a:spcAft>
+                          <a:spcPts val="0"/>
+                        </a:spcAft>
+                      </a:pPr>
+                      <a:r>
+                        <a:rPr lang="de-DE" sz="1600">
+                          <a:effectLst/>
+                        </a:rPr>
+                        <a:t>Filter</a:t>
+                      </a:r>
+                      <a:endParaRPr lang="de-DE" sz="1600">
+                        <a:effectLst/>
+                        <a:latin typeface="Calibri" panose="020F0502020204030204" pitchFamily="34" charset="0"/>
+                        <a:ea typeface="Calibri" panose="020F0502020204030204" pitchFamily="34" charset="0"/>
+                        <a:cs typeface="Times New Roman" panose="02020603050405020304" pitchFamily="18" charset="0"/>
+                      </a:endParaRPr>
+                    </a:p>
+                  </a:txBody>
+                  <a:tcPr marL="68580" marR="68580" marT="0" marB="0"/>
+                </a:tc>
+                <a:tc>
+                  <a:txBody>
+                    <a:bodyPr/>
+                    <a:lstStyle/>
+                    <a:p>
+                      <a:pPr>
+                        <a:lnSpc>
+                          <a:spcPct val="107000"/>
+                        </a:lnSpc>
+                        <a:spcAft>
+                          <a:spcPts val="0"/>
+                        </a:spcAft>
+                      </a:pPr>
+                      <a:r>
+                        <a:rPr lang="de-DE" sz="1600" dirty="0">
+                          <a:effectLst/>
+                        </a:rPr>
+                        <a:t>Bezahlung per PayPal / Kreditkarte</a:t>
+                      </a:r>
+                      <a:endParaRPr lang="de-DE" sz="1600" dirty="0">
+                        <a:effectLst/>
+                        <a:latin typeface="Calibri" panose="020F0502020204030204" pitchFamily="34" charset="0"/>
+                        <a:ea typeface="Calibri" panose="020F0502020204030204" pitchFamily="34" charset="0"/>
+                        <a:cs typeface="Times New Roman" panose="02020603050405020304" pitchFamily="18" charset="0"/>
+                      </a:endParaRPr>
+                    </a:p>
+                  </a:txBody>
+                  <a:tcPr marL="68580" marR="68580" marT="0" marB="0"/>
+                </a:tc>
+                <a:extLst>
+                  <a:ext uri="{0D108BD9-81ED-4DB2-BD59-A6C34878D82A}">
+                    <a16:rowId xmlns:a16="http://schemas.microsoft.com/office/drawing/2014/main" val="3169411168"/>
+                  </a:ext>
+                </a:extLst>
+              </a:tr>
+              <a:tr h="1150770">
+                <a:tc>
+                  <a:txBody>
+                    <a:bodyPr/>
+                    <a:lstStyle/>
+                    <a:p>
+                      <a:pPr>
+                        <a:lnSpc>
+                          <a:spcPct val="107000"/>
+                        </a:lnSpc>
+                        <a:spcAft>
+                          <a:spcPts val="0"/>
+                        </a:spcAft>
+                      </a:pPr>
+                      <a:r>
+                        <a:rPr lang="de-DE" sz="1600" b="0" dirty="0">
+                          <a:effectLst/>
+                        </a:rPr>
+                        <a:t>Löschen des Accounts</a:t>
+                      </a:r>
+                      <a:endParaRPr lang="de-DE" sz="1600" b="0" dirty="0">
+                        <a:effectLst/>
+                        <a:latin typeface="Calibri" panose="020F0502020204030204" pitchFamily="34" charset="0"/>
+                        <a:ea typeface="Calibri" panose="020F0502020204030204" pitchFamily="34" charset="0"/>
+                        <a:cs typeface="Times New Roman" panose="02020603050405020304" pitchFamily="18" charset="0"/>
+                      </a:endParaRPr>
+                    </a:p>
+                  </a:txBody>
+                  <a:tcPr marL="68580" marR="68580" marT="0" marB="0"/>
+                </a:tc>
+                <a:tc>
+                  <a:txBody>
+                    <a:bodyPr/>
+                    <a:lstStyle/>
+                    <a:p>
+                      <a:pPr>
+                        <a:lnSpc>
+                          <a:spcPct val="107000"/>
+                        </a:lnSpc>
+                        <a:spcAft>
+                          <a:spcPts val="0"/>
+                        </a:spcAft>
+                      </a:pPr>
+                      <a:r>
+                        <a:rPr lang="de-DE" sz="1600" dirty="0">
+                          <a:effectLst/>
+                        </a:rPr>
+                        <a:t>Anzeige Shisha-Bars in einer Karte</a:t>
+                      </a:r>
+                      <a:endParaRPr lang="de-DE" sz="1600" dirty="0">
+                        <a:effectLst/>
+                        <a:latin typeface="Calibri" panose="020F0502020204030204" pitchFamily="34" charset="0"/>
+                        <a:ea typeface="Calibri" panose="020F0502020204030204" pitchFamily="34" charset="0"/>
+                        <a:cs typeface="Times New Roman" panose="02020603050405020304" pitchFamily="18" charset="0"/>
+                      </a:endParaRPr>
+                    </a:p>
+                  </a:txBody>
+                  <a:tcPr marL="68580" marR="68580" marT="0" marB="0"/>
+                </a:tc>
+                <a:tc>
+                  <a:txBody>
+                    <a:bodyPr/>
+                    <a:lstStyle/>
+                    <a:p>
+                      <a:pPr>
+                        <a:lnSpc>
+                          <a:spcPct val="107000"/>
+                        </a:lnSpc>
+                        <a:spcAft>
+                          <a:spcPts val="0"/>
+                        </a:spcAft>
+                      </a:pPr>
+                      <a:r>
+                        <a:rPr lang="de-DE" sz="1600" dirty="0">
+                          <a:effectLst/>
+                        </a:rPr>
+                        <a:t>Bestätigungsmail</a:t>
+                      </a:r>
+                      <a:endParaRPr lang="de-DE" sz="1600" dirty="0">
+                        <a:effectLst/>
+                        <a:latin typeface="Calibri" panose="020F0502020204030204" pitchFamily="34" charset="0"/>
+                        <a:ea typeface="Calibri" panose="020F0502020204030204" pitchFamily="34" charset="0"/>
+                        <a:cs typeface="Times New Roman" panose="02020603050405020304" pitchFamily="18" charset="0"/>
+                      </a:endParaRPr>
+                    </a:p>
+                  </a:txBody>
+                  <a:tcPr marL="68580" marR="68580" marT="0" marB="0"/>
+                </a:tc>
+                <a:tc>
+                  <a:txBody>
+                    <a:bodyPr/>
+                    <a:lstStyle/>
+                    <a:p>
+                      <a:pPr>
+                        <a:lnSpc>
+                          <a:spcPct val="107000"/>
+                        </a:lnSpc>
+                        <a:spcAft>
+                          <a:spcPts val="0"/>
+                        </a:spcAft>
+                      </a:pPr>
+                      <a:r>
+                        <a:rPr lang="de-DE" sz="1600" dirty="0">
+                          <a:effectLst/>
+                        </a:rPr>
+                        <a:t>Anzeige Rezensionen der Nutzer</a:t>
+                      </a:r>
+                      <a:endParaRPr lang="de-DE" sz="1600" dirty="0">
+                        <a:effectLst/>
+                        <a:latin typeface="Calibri" panose="020F0502020204030204" pitchFamily="34" charset="0"/>
+                        <a:ea typeface="Calibri" panose="020F0502020204030204" pitchFamily="34" charset="0"/>
+                        <a:cs typeface="Times New Roman" panose="02020603050405020304" pitchFamily="18" charset="0"/>
+                      </a:endParaRPr>
+                    </a:p>
+                  </a:txBody>
+                  <a:tcPr marL="68580" marR="68580" marT="0" marB="0"/>
+                </a:tc>
+                <a:tc>
+                  <a:txBody>
+                    <a:bodyPr/>
+                    <a:lstStyle/>
+                    <a:p>
+                      <a:pPr>
+                        <a:lnSpc>
+                          <a:spcPct val="107000"/>
+                        </a:lnSpc>
+                        <a:spcAft>
+                          <a:spcPts val="0"/>
+                        </a:spcAft>
+                      </a:pPr>
+                      <a:r>
+                        <a:rPr lang="de-DE" sz="1600">
+                          <a:effectLst/>
+                        </a:rPr>
+                        <a:t>Statusverfolgung Tracking Lieferdienst</a:t>
+                      </a:r>
+                    </a:p>
+                    <a:p>
+                      <a:pPr>
+                        <a:lnSpc>
+                          <a:spcPct val="107000"/>
+                        </a:lnSpc>
+                        <a:spcAft>
+                          <a:spcPts val="0"/>
+                        </a:spcAft>
+                      </a:pPr>
+                      <a:r>
+                        <a:rPr lang="de-DE" sz="1600">
+                          <a:effectLst/>
+                        </a:rPr>
+                        <a:t> </a:t>
+                      </a:r>
+                      <a:endParaRPr lang="de-DE" sz="1600">
+                        <a:effectLst/>
+                        <a:latin typeface="Calibri" panose="020F0502020204030204" pitchFamily="34" charset="0"/>
+                        <a:ea typeface="Calibri" panose="020F0502020204030204" pitchFamily="34" charset="0"/>
+                        <a:cs typeface="Times New Roman" panose="02020603050405020304" pitchFamily="18" charset="0"/>
+                      </a:endParaRPr>
+                    </a:p>
+                  </a:txBody>
+                  <a:tcPr marL="68580" marR="68580" marT="0" marB="0"/>
+                </a:tc>
+                <a:extLst>
+                  <a:ext uri="{0D108BD9-81ED-4DB2-BD59-A6C34878D82A}">
+                    <a16:rowId xmlns:a16="http://schemas.microsoft.com/office/drawing/2014/main" val="2727002181"/>
+                  </a:ext>
+                </a:extLst>
+              </a:tr>
+              <a:tr h="568729">
+                <a:tc>
+                  <a:txBody>
+                    <a:bodyPr/>
+                    <a:lstStyle/>
+                    <a:p>
+                      <a:pPr>
+                        <a:lnSpc>
+                          <a:spcPct val="107000"/>
+                        </a:lnSpc>
+                        <a:spcAft>
+                          <a:spcPts val="0"/>
+                        </a:spcAft>
+                      </a:pPr>
+                      <a:r>
+                        <a:rPr lang="de-DE" sz="1600" b="0" dirty="0">
+                          <a:effectLst/>
+                        </a:rPr>
+                        <a:t>Registrierung</a:t>
+                      </a:r>
+                      <a:endParaRPr lang="de-DE" sz="1600" b="0" dirty="0">
+                        <a:effectLst/>
+                        <a:latin typeface="Calibri" panose="020F0502020204030204" pitchFamily="34" charset="0"/>
+                        <a:ea typeface="Calibri" panose="020F0502020204030204" pitchFamily="34" charset="0"/>
+                        <a:cs typeface="Times New Roman" panose="02020603050405020304" pitchFamily="18" charset="0"/>
+                      </a:endParaRPr>
+                    </a:p>
+                  </a:txBody>
+                  <a:tcPr marL="68580" marR="68580" marT="0" marB="0"/>
+                </a:tc>
+                <a:tc>
+                  <a:txBody>
+                    <a:bodyPr/>
+                    <a:lstStyle/>
+                    <a:p>
+                      <a:pPr>
+                        <a:lnSpc>
+                          <a:spcPct val="107000"/>
+                        </a:lnSpc>
+                        <a:spcAft>
+                          <a:spcPts val="0"/>
+                        </a:spcAft>
+                      </a:pPr>
+                      <a:r>
+                        <a:rPr lang="de-DE" sz="1600">
+                          <a:effectLst/>
+                        </a:rPr>
+                        <a:t>Stornierung</a:t>
+                      </a:r>
+                      <a:endParaRPr lang="de-DE" sz="1600">
+                        <a:effectLst/>
+                        <a:latin typeface="Calibri" panose="020F0502020204030204" pitchFamily="34" charset="0"/>
+                        <a:ea typeface="Calibri" panose="020F0502020204030204" pitchFamily="34" charset="0"/>
+                        <a:cs typeface="Times New Roman" panose="02020603050405020304" pitchFamily="18" charset="0"/>
+                      </a:endParaRPr>
+                    </a:p>
+                  </a:txBody>
+                  <a:tcPr marL="68580" marR="68580" marT="0" marB="0"/>
+                </a:tc>
+                <a:tc>
+                  <a:txBody>
+                    <a:bodyPr/>
+                    <a:lstStyle/>
+                    <a:p>
+                      <a:pPr>
+                        <a:lnSpc>
+                          <a:spcPct val="107000"/>
+                        </a:lnSpc>
+                        <a:spcAft>
+                          <a:spcPts val="0"/>
+                        </a:spcAft>
+                      </a:pPr>
+                      <a:r>
+                        <a:rPr lang="de-DE" sz="1600">
+                          <a:effectLst/>
+                        </a:rPr>
+                        <a:t>Detailansicht der Shisha-Bar</a:t>
+                      </a:r>
+                      <a:endParaRPr lang="de-DE" sz="1600">
+                        <a:effectLst/>
+                        <a:latin typeface="Calibri" panose="020F0502020204030204" pitchFamily="34" charset="0"/>
+                        <a:ea typeface="Calibri" panose="020F0502020204030204" pitchFamily="34" charset="0"/>
+                        <a:cs typeface="Times New Roman" panose="02020603050405020304" pitchFamily="18" charset="0"/>
+                      </a:endParaRPr>
+                    </a:p>
+                  </a:txBody>
+                  <a:tcPr marL="68580" marR="68580" marT="0" marB="0"/>
+                </a:tc>
+                <a:tc>
+                  <a:txBody>
+                    <a:bodyPr/>
+                    <a:lstStyle/>
+                    <a:p>
+                      <a:pPr>
+                        <a:lnSpc>
+                          <a:spcPct val="107000"/>
+                        </a:lnSpc>
+                        <a:spcAft>
+                          <a:spcPts val="0"/>
+                        </a:spcAft>
+                      </a:pPr>
+                      <a:r>
+                        <a:rPr lang="de-DE" sz="1600" dirty="0">
+                          <a:effectLst/>
+                        </a:rPr>
+                        <a:t>Anzeige Bilder der Shisha-Bar</a:t>
+                      </a:r>
+                      <a:endParaRPr lang="de-DE" sz="1600" dirty="0">
+                        <a:effectLst/>
+                        <a:latin typeface="Calibri" panose="020F0502020204030204" pitchFamily="34" charset="0"/>
+                        <a:ea typeface="Calibri" panose="020F0502020204030204" pitchFamily="34" charset="0"/>
+                        <a:cs typeface="Times New Roman" panose="02020603050405020304" pitchFamily="18" charset="0"/>
+                      </a:endParaRPr>
+                    </a:p>
+                  </a:txBody>
+                  <a:tcPr marL="68580" marR="68580" marT="0" marB="0"/>
+                </a:tc>
+                <a:tc>
+                  <a:txBody>
+                    <a:bodyPr/>
+                    <a:lstStyle/>
+                    <a:p>
+                      <a:pPr>
+                        <a:lnSpc>
+                          <a:spcPct val="107000"/>
+                        </a:lnSpc>
+                        <a:spcAft>
+                          <a:spcPts val="0"/>
+                        </a:spcAft>
+                      </a:pPr>
+                      <a:r>
+                        <a:rPr lang="de-DE" sz="1600" dirty="0">
+                          <a:effectLst/>
+                        </a:rPr>
+                        <a:t> </a:t>
+                      </a:r>
+                      <a:endParaRPr lang="de-DE" sz="1600" dirty="0">
+                        <a:effectLst/>
+                        <a:latin typeface="Calibri" panose="020F0502020204030204" pitchFamily="34" charset="0"/>
+                        <a:ea typeface="Calibri" panose="020F0502020204030204" pitchFamily="34" charset="0"/>
+                        <a:cs typeface="Times New Roman" panose="02020603050405020304" pitchFamily="18" charset="0"/>
+                      </a:endParaRPr>
+                    </a:p>
+                  </a:txBody>
+                  <a:tcPr marL="68580" marR="68580" marT="0" marB="0"/>
+                </a:tc>
+                <a:extLst>
+                  <a:ext uri="{0D108BD9-81ED-4DB2-BD59-A6C34878D82A}">
+                    <a16:rowId xmlns:a16="http://schemas.microsoft.com/office/drawing/2014/main" val="653840725"/>
+                  </a:ext>
+                </a:extLst>
+              </a:tr>
+              <a:tr h="859749">
+                <a:tc>
+                  <a:txBody>
+                    <a:bodyPr/>
+                    <a:lstStyle/>
+                    <a:p>
+                      <a:pPr>
+                        <a:lnSpc>
+                          <a:spcPct val="107000"/>
+                        </a:lnSpc>
+                        <a:spcAft>
+                          <a:spcPts val="0"/>
+                        </a:spcAft>
+                      </a:pPr>
+                      <a:r>
+                        <a:rPr lang="de-DE" sz="1600" b="0" dirty="0">
+                          <a:effectLst/>
+                        </a:rPr>
+                        <a:t>Veränderung der Accountdaten</a:t>
+                      </a:r>
+                      <a:endParaRPr lang="de-DE" sz="1600" b="0" dirty="0">
+                        <a:effectLst/>
+                        <a:latin typeface="Calibri" panose="020F0502020204030204" pitchFamily="34" charset="0"/>
+                        <a:ea typeface="Calibri" panose="020F0502020204030204" pitchFamily="34" charset="0"/>
+                        <a:cs typeface="Times New Roman" panose="02020603050405020304" pitchFamily="18" charset="0"/>
+                      </a:endParaRPr>
+                    </a:p>
+                  </a:txBody>
+                  <a:tcPr marL="68580" marR="68580" marT="0" marB="0"/>
+                </a:tc>
+                <a:tc>
+                  <a:txBody>
+                    <a:bodyPr/>
+                    <a:lstStyle/>
+                    <a:p>
+                      <a:pPr>
+                        <a:lnSpc>
+                          <a:spcPct val="107000"/>
+                        </a:lnSpc>
+                        <a:spcAft>
+                          <a:spcPts val="0"/>
+                        </a:spcAft>
+                      </a:pPr>
+                      <a:r>
+                        <a:rPr lang="de-DE" sz="1600">
+                          <a:effectLst/>
+                        </a:rPr>
+                        <a:t>Rückgabe</a:t>
+                      </a:r>
+                      <a:endParaRPr lang="de-DE" sz="1600">
+                        <a:effectLst/>
+                        <a:latin typeface="Calibri" panose="020F0502020204030204" pitchFamily="34" charset="0"/>
+                        <a:ea typeface="Calibri" panose="020F0502020204030204" pitchFamily="34" charset="0"/>
+                        <a:cs typeface="Times New Roman" panose="02020603050405020304" pitchFamily="18" charset="0"/>
+                      </a:endParaRPr>
+                    </a:p>
+                  </a:txBody>
+                  <a:tcPr marL="68580" marR="68580" marT="0" marB="0"/>
+                </a:tc>
+                <a:tc>
+                  <a:txBody>
+                    <a:bodyPr/>
+                    <a:lstStyle/>
+                    <a:p>
+                      <a:pPr>
+                        <a:lnSpc>
+                          <a:spcPct val="107000"/>
+                        </a:lnSpc>
+                        <a:spcAft>
+                          <a:spcPts val="0"/>
+                        </a:spcAft>
+                      </a:pPr>
+                      <a:r>
+                        <a:rPr lang="de-DE" sz="1600">
+                          <a:effectLst/>
+                        </a:rPr>
+                        <a:t> </a:t>
+                      </a:r>
+                      <a:endParaRPr lang="de-DE" sz="1600">
+                        <a:effectLst/>
+                        <a:latin typeface="Calibri" panose="020F0502020204030204" pitchFamily="34" charset="0"/>
+                        <a:ea typeface="Calibri" panose="020F0502020204030204" pitchFamily="34" charset="0"/>
+                        <a:cs typeface="Times New Roman" panose="02020603050405020304" pitchFamily="18" charset="0"/>
+                      </a:endParaRPr>
+                    </a:p>
+                  </a:txBody>
+                  <a:tcPr marL="68580" marR="68580" marT="0" marB="0"/>
+                </a:tc>
+                <a:tc>
+                  <a:txBody>
+                    <a:bodyPr/>
+                    <a:lstStyle/>
+                    <a:p>
+                      <a:pPr>
+                        <a:lnSpc>
+                          <a:spcPct val="107000"/>
+                        </a:lnSpc>
+                        <a:spcAft>
+                          <a:spcPts val="0"/>
+                        </a:spcAft>
+                      </a:pPr>
+                      <a:r>
+                        <a:rPr lang="de-DE" sz="1600">
+                          <a:effectLst/>
+                        </a:rPr>
+                        <a:t>Bestellung einer Shisha</a:t>
+                      </a:r>
+                      <a:endParaRPr lang="de-DE" sz="1600">
+                        <a:effectLst/>
+                        <a:latin typeface="Calibri" panose="020F0502020204030204" pitchFamily="34" charset="0"/>
+                        <a:ea typeface="Calibri" panose="020F0502020204030204" pitchFamily="34" charset="0"/>
+                        <a:cs typeface="Times New Roman" panose="02020603050405020304" pitchFamily="18" charset="0"/>
+                      </a:endParaRPr>
+                    </a:p>
+                  </a:txBody>
+                  <a:tcPr marL="68580" marR="68580" marT="0" marB="0"/>
+                </a:tc>
+                <a:tc>
+                  <a:txBody>
+                    <a:bodyPr/>
+                    <a:lstStyle/>
+                    <a:p>
+                      <a:pPr>
+                        <a:lnSpc>
+                          <a:spcPct val="107000"/>
+                        </a:lnSpc>
+                        <a:spcAft>
+                          <a:spcPts val="0"/>
+                        </a:spcAft>
+                      </a:pPr>
+                      <a:r>
+                        <a:rPr lang="de-DE" sz="1600" dirty="0">
+                          <a:effectLst/>
+                        </a:rPr>
+                        <a:t> </a:t>
+                      </a:r>
+                      <a:endParaRPr lang="de-DE" sz="1600" dirty="0">
+                        <a:effectLst/>
+                        <a:latin typeface="Calibri" panose="020F0502020204030204" pitchFamily="34" charset="0"/>
+                        <a:ea typeface="Calibri" panose="020F0502020204030204" pitchFamily="34" charset="0"/>
+                        <a:cs typeface="Times New Roman" panose="02020603050405020304" pitchFamily="18" charset="0"/>
+                      </a:endParaRPr>
+                    </a:p>
+                  </a:txBody>
+                  <a:tcPr marL="68580" marR="68580" marT="0" marB="0"/>
+                </a:tc>
+                <a:extLst>
+                  <a:ext uri="{0D108BD9-81ED-4DB2-BD59-A6C34878D82A}">
+                    <a16:rowId xmlns:a16="http://schemas.microsoft.com/office/drawing/2014/main" val="2987974227"/>
+                  </a:ext>
+                </a:extLst>
+              </a:tr>
+              <a:tr h="277707">
+                <a:tc>
+                  <a:txBody>
+                    <a:bodyPr/>
+                    <a:lstStyle/>
+                    <a:p>
+                      <a:pPr>
+                        <a:lnSpc>
+                          <a:spcPct val="107000"/>
+                        </a:lnSpc>
+                        <a:spcAft>
+                          <a:spcPts val="0"/>
+                        </a:spcAft>
+                      </a:pPr>
+                      <a:r>
+                        <a:rPr lang="de-DE" sz="1600" b="0" dirty="0">
+                          <a:effectLst/>
+                        </a:rPr>
+                        <a:t> </a:t>
+                      </a:r>
+                      <a:endParaRPr lang="de-DE" sz="1600" b="0" dirty="0">
+                        <a:effectLst/>
+                        <a:latin typeface="Calibri" panose="020F0502020204030204" pitchFamily="34" charset="0"/>
+                        <a:ea typeface="Calibri" panose="020F0502020204030204" pitchFamily="34" charset="0"/>
+                        <a:cs typeface="Times New Roman" panose="02020603050405020304" pitchFamily="18" charset="0"/>
+                      </a:endParaRPr>
+                    </a:p>
+                  </a:txBody>
+                  <a:tcPr marL="68580" marR="68580" marT="0" marB="0"/>
+                </a:tc>
+                <a:tc>
+                  <a:txBody>
+                    <a:bodyPr/>
+                    <a:lstStyle/>
+                    <a:p>
+                      <a:pPr>
+                        <a:lnSpc>
+                          <a:spcPct val="107000"/>
+                        </a:lnSpc>
+                        <a:spcAft>
+                          <a:spcPts val="0"/>
+                        </a:spcAft>
+                      </a:pPr>
+                      <a:r>
+                        <a:rPr lang="de-DE" sz="1600">
+                          <a:effectLst/>
+                        </a:rPr>
+                        <a:t> </a:t>
+                      </a:r>
+                      <a:endParaRPr lang="de-DE" sz="1600">
+                        <a:effectLst/>
+                        <a:latin typeface="Calibri" panose="020F0502020204030204" pitchFamily="34" charset="0"/>
+                        <a:ea typeface="Calibri" panose="020F0502020204030204" pitchFamily="34" charset="0"/>
+                        <a:cs typeface="Times New Roman" panose="02020603050405020304" pitchFamily="18" charset="0"/>
+                      </a:endParaRPr>
+                    </a:p>
+                  </a:txBody>
+                  <a:tcPr marL="68580" marR="68580" marT="0" marB="0"/>
+                </a:tc>
+                <a:tc>
+                  <a:txBody>
+                    <a:bodyPr/>
+                    <a:lstStyle/>
+                    <a:p>
+                      <a:pPr>
+                        <a:lnSpc>
+                          <a:spcPct val="107000"/>
+                        </a:lnSpc>
+                        <a:spcAft>
+                          <a:spcPts val="0"/>
+                        </a:spcAft>
+                      </a:pPr>
+                      <a:r>
+                        <a:rPr lang="de-DE" sz="1600">
+                          <a:effectLst/>
+                        </a:rPr>
+                        <a:t> </a:t>
+                      </a:r>
+                      <a:endParaRPr lang="de-DE" sz="1600">
+                        <a:effectLst/>
+                        <a:latin typeface="Calibri" panose="020F0502020204030204" pitchFamily="34" charset="0"/>
+                        <a:ea typeface="Calibri" panose="020F0502020204030204" pitchFamily="34" charset="0"/>
+                        <a:cs typeface="Times New Roman" panose="02020603050405020304" pitchFamily="18" charset="0"/>
+                      </a:endParaRPr>
+                    </a:p>
+                  </a:txBody>
+                  <a:tcPr marL="68580" marR="68580" marT="0" marB="0"/>
+                </a:tc>
+                <a:tc>
+                  <a:txBody>
+                    <a:bodyPr/>
+                    <a:lstStyle/>
+                    <a:p>
+                      <a:pPr>
+                        <a:lnSpc>
+                          <a:spcPct val="107000"/>
+                        </a:lnSpc>
+                        <a:spcAft>
+                          <a:spcPts val="0"/>
+                        </a:spcAft>
+                      </a:pPr>
+                      <a:r>
+                        <a:rPr lang="de-DE" sz="1600">
+                          <a:effectLst/>
+                        </a:rPr>
+                        <a:t>Suche</a:t>
+                      </a:r>
+                      <a:endParaRPr lang="de-DE" sz="1600">
+                        <a:effectLst/>
+                        <a:latin typeface="Calibri" panose="020F0502020204030204" pitchFamily="34" charset="0"/>
+                        <a:ea typeface="Calibri" panose="020F0502020204030204" pitchFamily="34" charset="0"/>
+                        <a:cs typeface="Times New Roman" panose="02020603050405020304" pitchFamily="18" charset="0"/>
+                      </a:endParaRPr>
+                    </a:p>
+                  </a:txBody>
+                  <a:tcPr marL="68580" marR="68580" marT="0" marB="0"/>
+                </a:tc>
+                <a:tc>
+                  <a:txBody>
+                    <a:bodyPr/>
+                    <a:lstStyle/>
+                    <a:p>
+                      <a:pPr>
+                        <a:lnSpc>
+                          <a:spcPct val="107000"/>
+                        </a:lnSpc>
+                        <a:spcAft>
+                          <a:spcPts val="0"/>
+                        </a:spcAft>
+                      </a:pPr>
+                      <a:r>
+                        <a:rPr lang="de-DE" sz="1600" dirty="0">
+                          <a:effectLst/>
+                        </a:rPr>
+                        <a:t> </a:t>
+                      </a:r>
+                      <a:endParaRPr lang="de-DE" sz="1600" dirty="0">
+                        <a:effectLst/>
+                        <a:latin typeface="Calibri" panose="020F0502020204030204" pitchFamily="34" charset="0"/>
+                        <a:ea typeface="Calibri" panose="020F0502020204030204" pitchFamily="34" charset="0"/>
+                        <a:cs typeface="Times New Roman" panose="02020603050405020304" pitchFamily="18" charset="0"/>
+                      </a:endParaRPr>
+                    </a:p>
+                  </a:txBody>
+                  <a:tcPr marL="68580" marR="68580" marT="0" marB="0"/>
+                </a:tc>
+                <a:extLst>
+                  <a:ext uri="{0D108BD9-81ED-4DB2-BD59-A6C34878D82A}">
+                    <a16:rowId xmlns:a16="http://schemas.microsoft.com/office/drawing/2014/main" val="3458696892"/>
+                  </a:ext>
+                </a:extLst>
+              </a:tr>
+            </a:tbl>
+          </a:graphicData>
+        </a:graphic>
+      </p:graphicFrame>
+    </p:spTree>
+    <p:extLst>
+      <p:ext uri="{BB962C8B-B14F-4D97-AF65-F5344CB8AC3E}">
+        <p14:creationId xmlns:p14="http://schemas.microsoft.com/office/powerpoint/2010/main" val="3169386722"/>
+      </p:ext>
+    </p:extLst>
+  </p:cSld>
+  <p:clrMapOvr>
+    <a:masterClrMapping/>
   </p:clrMapOvr>
 </p:sld>
 </file>
